--- a/Documentation/Anomaly-Detection-in-Network-Traffic-with-K-means-Clustering.pptx
+++ b/Documentation/Anomaly-Detection-in-Network-Traffic-with-K-means-Clustering.pptx
@@ -5,21 +5,24 @@
     <p:sldMasterId id="2147483648" r:id="rId1"/>
   </p:sldMasterIdLst>
   <p:notesMasterIdLst>
-    <p:notesMasterId r:id="rId14"/>
+    <p:notesMasterId r:id="rId17"/>
   </p:notesMasterIdLst>
   <p:sldIdLst>
     <p:sldId id="256" r:id="rId2"/>
     <p:sldId id="257" r:id="rId3"/>
     <p:sldId id="258" r:id="rId4"/>
-    <p:sldId id="259" r:id="rId5"/>
-    <p:sldId id="260" r:id="rId6"/>
-    <p:sldId id="263" r:id="rId7"/>
-    <p:sldId id="261" r:id="rId8"/>
-    <p:sldId id="264" r:id="rId9"/>
-    <p:sldId id="262" r:id="rId10"/>
-    <p:sldId id="265" r:id="rId11"/>
-    <p:sldId id="266" r:id="rId12"/>
-    <p:sldId id="267" r:id="rId13"/>
+    <p:sldId id="269" r:id="rId5"/>
+    <p:sldId id="270" r:id="rId6"/>
+    <p:sldId id="268" r:id="rId7"/>
+    <p:sldId id="259" r:id="rId8"/>
+    <p:sldId id="260" r:id="rId9"/>
+    <p:sldId id="263" r:id="rId10"/>
+    <p:sldId id="261" r:id="rId11"/>
+    <p:sldId id="264" r:id="rId12"/>
+    <p:sldId id="262" r:id="rId13"/>
+    <p:sldId id="265" r:id="rId14"/>
+    <p:sldId id="266" r:id="rId15"/>
+    <p:sldId id="267" r:id="rId16"/>
   </p:sldIdLst>
   <p:sldSz cx="12192000" cy="6858000"/>
   <p:notesSz cx="6858000" cy="9144000"/>
@@ -118,6 +121,11 @@
       </a:defRPr>
     </a:lvl9pPr>
   </p:defaultTextStyle>
+  <p:extLst>
+    <p:ext uri="{EFAFB233-063F-42B5-8137-9DF3F51BA10A}">
+      <p15:sldGuideLst xmlns:p15="http://schemas.microsoft.com/office/powerpoint/2012/main"/>
+    </p:ext>
+  </p:extLst>
 </p:presentation>
 </file>
 
@@ -469,6 +477,847 @@
     </a:lvl9pPr>
   </p:notesStyle>
 </p:notesMaster>
+</file>
+
+<file path=ppt/notesSlides/notesSlide1.xml><?xml version="1.0" encoding="utf-8"?>
+<p:notes xmlns:a="http://schemas.openxmlformats.org/drawingml/2006/main" xmlns:r="http://schemas.openxmlformats.org/officeDocument/2006/relationships" xmlns:p="http://schemas.openxmlformats.org/presentationml/2006/main">
+  <p:cSld>
+    <p:spTree>
+      <p:nvGrpSpPr>
+        <p:cNvPr id="1" name=""/>
+        <p:cNvGrpSpPr/>
+        <p:nvPr/>
+      </p:nvGrpSpPr>
+      <p:grpSpPr>
+        <a:xfrm>
+          <a:off x="0" y="0"/>
+          <a:ext cx="0" cy="0"/>
+          <a:chOff x="0" y="0"/>
+          <a:chExt cx="0" cy="0"/>
+        </a:xfrm>
+      </p:grpSpPr>
+      <p:sp>
+        <p:nvSpPr>
+          <p:cNvPr id="2" name="Slide Image Placeholder 1"/>
+          <p:cNvSpPr>
+            <a:spLocks noGrp="1" noRot="1" noChangeAspect="1"/>
+          </p:cNvSpPr>
+          <p:nvPr>
+            <p:ph type="sldImg"/>
+          </p:nvPr>
+        </p:nvSpPr>
+        <p:spPr/>
+      </p:sp>
+      <p:sp>
+        <p:nvSpPr>
+          <p:cNvPr id="3" name="Notes Placeholder 2"/>
+          <p:cNvSpPr>
+            <a:spLocks noGrp="1"/>
+          </p:cNvSpPr>
+          <p:nvPr>
+            <p:ph type="body" idx="1"/>
+          </p:nvPr>
+        </p:nvSpPr>
+        <p:spPr/>
+        <p:txBody>
+          <a:bodyPr/>
+          <a:lstStyle/>
+          <a:p>
+            <a:r>
+              <a:rPr lang="fr-FR" dirty="0"/>
+              <a:t>The KDD Cup </a:t>
+            </a:r>
+            <a:r>
+              <a:rPr lang="fr-FR" dirty="0" err="1"/>
+              <a:t>dataset</a:t>
+            </a:r>
+            <a:r>
+              <a:rPr lang="fr-FR" dirty="0"/>
+              <a:t> </a:t>
+            </a:r>
+            <a:r>
+              <a:rPr lang="fr-FR" dirty="0" err="1"/>
+              <a:t>comes</a:t>
+            </a:r>
+            <a:r>
+              <a:rPr lang="fr-FR" dirty="0"/>
+              <a:t> </a:t>
+            </a:r>
+            <a:r>
+              <a:rPr lang="fr-FR" dirty="0" err="1"/>
+              <a:t>from</a:t>
+            </a:r>
+            <a:r>
+              <a:rPr lang="fr-FR" dirty="0"/>
+              <a:t> Lincoln </a:t>
+            </a:r>
+            <a:r>
+              <a:rPr lang="fr-FR" dirty="0" err="1"/>
+              <a:t>Laboratories</a:t>
+            </a:r>
+            <a:r>
+              <a:rPr lang="fr-FR" dirty="0"/>
+              <a:t>, </a:t>
+            </a:r>
+            <a:r>
+              <a:rPr lang="fr-FR" dirty="0" err="1"/>
+              <a:t>who</a:t>
+            </a:r>
+            <a:r>
+              <a:rPr lang="fr-FR" dirty="0"/>
+              <a:t> set up an </a:t>
+            </a:r>
+            <a:r>
+              <a:rPr lang="fr-FR" dirty="0" err="1"/>
+              <a:t>environment</a:t>
+            </a:r>
+            <a:r>
+              <a:rPr lang="fr-FR" dirty="0"/>
+              <a:t> to </a:t>
+            </a:r>
+            <a:r>
+              <a:rPr lang="fr-FR" dirty="0" err="1"/>
+              <a:t>simulating</a:t>
+            </a:r>
+            <a:r>
+              <a:rPr lang="fr-FR" dirty="0"/>
+              <a:t> a </a:t>
+            </a:r>
+            <a:r>
+              <a:rPr lang="fr-FR" dirty="0" err="1"/>
+              <a:t>typical</a:t>
+            </a:r>
+            <a:r>
+              <a:rPr lang="fr-FR" dirty="0"/>
+              <a:t> US Air Force LAN and </a:t>
+            </a:r>
+            <a:r>
+              <a:rPr lang="fr-FR" dirty="0" err="1"/>
+              <a:t>acquire</a:t>
+            </a:r>
+            <a:r>
+              <a:rPr lang="fr-FR" dirty="0"/>
+              <a:t> </a:t>
+            </a:r>
+            <a:r>
+              <a:rPr lang="fr-FR" dirty="0" err="1"/>
+              <a:t>nine</a:t>
+            </a:r>
+            <a:r>
+              <a:rPr lang="fr-FR" dirty="0"/>
+              <a:t> </a:t>
+            </a:r>
+            <a:r>
+              <a:rPr lang="fr-FR" dirty="0" err="1"/>
+              <a:t>weeks</a:t>
+            </a:r>
+            <a:r>
+              <a:rPr lang="fr-FR" dirty="0"/>
+              <a:t> of </a:t>
+            </a:r>
+            <a:r>
+              <a:rPr lang="fr-FR" dirty="0" err="1"/>
+              <a:t>raw</a:t>
+            </a:r>
+            <a:r>
+              <a:rPr lang="fr-FR" dirty="0"/>
+              <a:t> TCP dump data. The </a:t>
+            </a:r>
+            <a:r>
+              <a:rPr lang="fr-FR" dirty="0" err="1"/>
+              <a:t>Laboratories</a:t>
+            </a:r>
+            <a:r>
+              <a:rPr lang="fr-FR" dirty="0"/>
+              <a:t> </a:t>
+            </a:r>
+            <a:r>
+              <a:rPr lang="fr-FR" dirty="0" err="1"/>
+              <a:t>operated</a:t>
+            </a:r>
+            <a:r>
+              <a:rPr lang="fr-FR" dirty="0"/>
+              <a:t> the LAN as if </a:t>
+            </a:r>
+            <a:r>
+              <a:rPr lang="fr-FR" dirty="0" err="1"/>
+              <a:t>it</a:t>
+            </a:r>
+            <a:r>
+              <a:rPr lang="fr-FR" dirty="0"/>
+              <a:t> </a:t>
+            </a:r>
+            <a:r>
+              <a:rPr lang="fr-FR" dirty="0" err="1"/>
+              <a:t>were</a:t>
+            </a:r>
+            <a:r>
+              <a:rPr lang="fr-FR" dirty="0"/>
+              <a:t> a real Air Force </a:t>
+            </a:r>
+            <a:r>
+              <a:rPr lang="fr-FR" dirty="0" err="1"/>
+              <a:t>environment</a:t>
+            </a:r>
+            <a:r>
+              <a:rPr lang="fr-FR" dirty="0"/>
+              <a:t>, but </a:t>
+            </a:r>
+            <a:r>
+              <a:rPr lang="fr-FR" dirty="0" err="1"/>
+              <a:t>subjected</a:t>
+            </a:r>
+            <a:r>
+              <a:rPr lang="fr-FR" dirty="0"/>
+              <a:t> </a:t>
+            </a:r>
+            <a:r>
+              <a:rPr lang="fr-FR" dirty="0" err="1"/>
+              <a:t>it</a:t>
+            </a:r>
+            <a:r>
+              <a:rPr lang="fr-FR" dirty="0"/>
+              <a:t> to multiple </a:t>
+            </a:r>
+            <a:r>
+              <a:rPr lang="fr-FR" dirty="0" err="1"/>
+              <a:t>attacks</a:t>
+            </a:r>
+            <a:r>
+              <a:rPr lang="fr-FR" dirty="0"/>
+              <a:t>.</a:t>
+            </a:r>
+          </a:p>
+          <a:p>
+            <a:endParaRPr lang="fr-FR" dirty="0"/>
+          </a:p>
+          <a:p>
+            <a:r>
+              <a:rPr lang="fr-FR" dirty="0"/>
+              <a:t>A </a:t>
+            </a:r>
+            <a:r>
+              <a:rPr lang="fr-FR" dirty="0" err="1"/>
+              <a:t>connection</a:t>
+            </a:r>
+            <a:r>
+              <a:rPr lang="fr-FR" dirty="0"/>
+              <a:t> </a:t>
+            </a:r>
+            <a:r>
+              <a:rPr lang="fr-FR" dirty="0" err="1"/>
+              <a:t>is</a:t>
+            </a:r>
+            <a:r>
+              <a:rPr lang="fr-FR" dirty="0"/>
+              <a:t> a </a:t>
+            </a:r>
+            <a:r>
+              <a:rPr lang="fr-FR" dirty="0" err="1"/>
+              <a:t>sequence</a:t>
+            </a:r>
+            <a:r>
+              <a:rPr lang="fr-FR" dirty="0"/>
+              <a:t> of TCP </a:t>
+            </a:r>
+            <a:r>
+              <a:rPr lang="fr-FR" dirty="0" err="1"/>
+              <a:t>packets</a:t>
+            </a:r>
+            <a:r>
+              <a:rPr lang="fr-FR" dirty="0"/>
+              <a:t> </a:t>
+            </a:r>
+            <a:r>
+              <a:rPr lang="fr-FR" dirty="0" err="1"/>
+              <a:t>starting</a:t>
+            </a:r>
+            <a:r>
+              <a:rPr lang="fr-FR" dirty="0"/>
+              <a:t> and </a:t>
+            </a:r>
+            <a:r>
+              <a:rPr lang="fr-FR" dirty="0" err="1"/>
+              <a:t>ending</a:t>
+            </a:r>
+            <a:r>
+              <a:rPr lang="fr-FR" dirty="0"/>
+              <a:t> at </a:t>
+            </a:r>
+            <a:r>
+              <a:rPr lang="fr-FR" dirty="0" err="1"/>
+              <a:t>defined</a:t>
+            </a:r>
+            <a:r>
+              <a:rPr lang="fr-FR" dirty="0"/>
+              <a:t> times, </a:t>
+            </a:r>
+            <a:r>
+              <a:rPr lang="fr-FR" dirty="0" err="1"/>
+              <a:t>between</a:t>
+            </a:r>
+            <a:r>
+              <a:rPr lang="fr-FR" dirty="0"/>
+              <a:t> </a:t>
+            </a:r>
+            <a:r>
+              <a:rPr lang="fr-FR" dirty="0" err="1"/>
+              <a:t>which</a:t>
+            </a:r>
+            <a:r>
+              <a:rPr lang="fr-FR" dirty="0"/>
+              <a:t> data flows to and </a:t>
+            </a:r>
+            <a:r>
+              <a:rPr lang="fr-FR" dirty="0" err="1"/>
+              <a:t>from</a:t>
+            </a:r>
+            <a:r>
+              <a:rPr lang="fr-FR" dirty="0"/>
+              <a:t> a source IP </a:t>
+            </a:r>
+            <a:r>
+              <a:rPr lang="fr-FR" dirty="0" err="1"/>
+              <a:t>address</a:t>
+            </a:r>
+            <a:r>
+              <a:rPr lang="fr-FR" dirty="0"/>
+              <a:t> to a </a:t>
+            </a:r>
+            <a:r>
+              <a:rPr lang="fr-FR" dirty="0" err="1"/>
+              <a:t>target</a:t>
+            </a:r>
+            <a:r>
+              <a:rPr lang="fr-FR" dirty="0"/>
+              <a:t> IP </a:t>
+            </a:r>
+            <a:r>
+              <a:rPr lang="fr-FR" dirty="0" err="1"/>
+              <a:t>address</a:t>
+            </a:r>
+            <a:r>
+              <a:rPr lang="fr-FR" dirty="0"/>
+              <a:t>, </a:t>
+            </a:r>
+            <a:r>
+              <a:rPr lang="fr-FR" dirty="0" err="1"/>
+              <a:t>according</a:t>
+            </a:r>
+            <a:r>
+              <a:rPr lang="fr-FR" dirty="0"/>
+              <a:t> to a </a:t>
+            </a:r>
+            <a:r>
+              <a:rPr lang="fr-FR" dirty="0" err="1"/>
+              <a:t>well-defined</a:t>
+            </a:r>
+            <a:r>
+              <a:rPr lang="fr-FR" dirty="0"/>
+              <a:t> </a:t>
+            </a:r>
+            <a:r>
+              <a:rPr lang="fr-FR" dirty="0" err="1"/>
+              <a:t>protocol</a:t>
+            </a:r>
+            <a:r>
+              <a:rPr lang="fr-FR" dirty="0"/>
+              <a:t>.  </a:t>
+            </a:r>
+            <a:r>
+              <a:rPr lang="fr-FR" dirty="0" err="1"/>
+              <a:t>Each</a:t>
+            </a:r>
+            <a:r>
+              <a:rPr lang="fr-FR" dirty="0"/>
+              <a:t> </a:t>
+            </a:r>
+            <a:r>
+              <a:rPr lang="fr-FR" dirty="0" err="1"/>
+              <a:t>connection</a:t>
+            </a:r>
+            <a:r>
+              <a:rPr lang="fr-FR" dirty="0"/>
+              <a:t> </a:t>
+            </a:r>
+            <a:r>
+              <a:rPr lang="fr-FR" dirty="0" err="1"/>
+              <a:t>is</a:t>
+            </a:r>
+            <a:r>
+              <a:rPr lang="fr-FR" dirty="0"/>
+              <a:t> </a:t>
+            </a:r>
+            <a:r>
+              <a:rPr lang="fr-FR" dirty="0" err="1"/>
+              <a:t>labelled</a:t>
+            </a:r>
+            <a:r>
+              <a:rPr lang="fr-FR" dirty="0"/>
+              <a:t> </a:t>
+            </a:r>
+            <a:r>
+              <a:rPr lang="fr-FR" dirty="0" err="1"/>
+              <a:t>either</a:t>
+            </a:r>
+            <a:r>
+              <a:rPr lang="fr-FR" dirty="0"/>
+              <a:t> as normal or as an </a:t>
+            </a:r>
+            <a:r>
+              <a:rPr lang="fr-FR" dirty="0" err="1"/>
+              <a:t>attack</a:t>
+            </a:r>
+            <a:r>
+              <a:rPr lang="fr-FR" dirty="0"/>
+              <a:t>, </a:t>
+            </a:r>
+            <a:r>
+              <a:rPr lang="fr-FR" dirty="0" err="1"/>
+              <a:t>with</a:t>
+            </a:r>
+            <a:r>
+              <a:rPr lang="fr-FR" dirty="0"/>
+              <a:t> </a:t>
+            </a:r>
+            <a:r>
+              <a:rPr lang="fr-FR" dirty="0" err="1"/>
+              <a:t>exactly</a:t>
+            </a:r>
+            <a:r>
+              <a:rPr lang="fr-FR" dirty="0"/>
+              <a:t> one </a:t>
+            </a:r>
+            <a:r>
+              <a:rPr lang="fr-FR" dirty="0" err="1"/>
+              <a:t>specific</a:t>
+            </a:r>
+            <a:r>
+              <a:rPr lang="fr-FR" dirty="0"/>
+              <a:t> type of </a:t>
+            </a:r>
+            <a:r>
+              <a:rPr lang="fr-FR" dirty="0" err="1"/>
+              <a:t>attack</a:t>
+            </a:r>
+            <a:r>
+              <a:rPr lang="fr-FR" dirty="0"/>
+              <a:t>. </a:t>
+            </a:r>
+          </a:p>
+          <a:p>
+            <a:endParaRPr lang="fr-FR" dirty="0"/>
+          </a:p>
+        </p:txBody>
+      </p:sp>
+      <p:sp>
+        <p:nvSpPr>
+          <p:cNvPr id="4" name="Slide Number Placeholder 3"/>
+          <p:cNvSpPr>
+            <a:spLocks noGrp="1"/>
+          </p:cNvSpPr>
+          <p:nvPr>
+            <p:ph type="sldNum" sz="quarter" idx="5"/>
+          </p:nvPr>
+        </p:nvSpPr>
+        <p:spPr/>
+        <p:txBody>
+          <a:bodyPr/>
+          <a:lstStyle/>
+          <a:p>
+            <a:fld id="{0816C602-ED9F-514A-8C86-73D406EEAFE5}" type="slidenum">
+              <a:rPr lang="fr-FR" smtClean="0"/>
+              <a:t>3</a:t>
+            </a:fld>
+            <a:endParaRPr lang="fr-FR"/>
+          </a:p>
+        </p:txBody>
+      </p:sp>
+    </p:spTree>
+    <p:extLst>
+      <p:ext uri="{BB962C8B-B14F-4D97-AF65-F5344CB8AC3E}">
+        <p14:creationId xmlns:p14="http://schemas.microsoft.com/office/powerpoint/2010/main" val="3045984065"/>
+      </p:ext>
+    </p:extLst>
+  </p:cSld>
+  <p:clrMapOvr>
+    <a:masterClrMapping/>
+  </p:clrMapOvr>
+</p:notes>
+</file>
+
+<file path=ppt/notesSlides/notesSlide2.xml><?xml version="1.0" encoding="utf-8"?>
+<p:notes xmlns:a="http://schemas.openxmlformats.org/drawingml/2006/main" xmlns:r="http://schemas.openxmlformats.org/officeDocument/2006/relationships" xmlns:p="http://schemas.openxmlformats.org/presentationml/2006/main">
+  <p:cSld>
+    <p:spTree>
+      <p:nvGrpSpPr>
+        <p:cNvPr id="1" name=""/>
+        <p:cNvGrpSpPr/>
+        <p:nvPr/>
+      </p:nvGrpSpPr>
+      <p:grpSpPr>
+        <a:xfrm>
+          <a:off x="0" y="0"/>
+          <a:ext cx="0" cy="0"/>
+          <a:chOff x="0" y="0"/>
+          <a:chExt cx="0" cy="0"/>
+        </a:xfrm>
+      </p:grpSpPr>
+      <p:sp>
+        <p:nvSpPr>
+          <p:cNvPr id="2" name="Slide Image Placeholder 1"/>
+          <p:cNvSpPr>
+            <a:spLocks noGrp="1" noRot="1" noChangeAspect="1"/>
+          </p:cNvSpPr>
+          <p:nvPr>
+            <p:ph type="sldImg"/>
+          </p:nvPr>
+        </p:nvSpPr>
+        <p:spPr/>
+      </p:sp>
+      <p:sp>
+        <p:nvSpPr>
+          <p:cNvPr id="3" name="Notes Placeholder 2"/>
+          <p:cNvSpPr>
+            <a:spLocks noGrp="1"/>
+          </p:cNvSpPr>
+          <p:nvPr>
+            <p:ph type="body" idx="1"/>
+          </p:nvPr>
+        </p:nvSpPr>
+        <p:spPr/>
+        <p:txBody>
+          <a:bodyPr/>
+          <a:lstStyle/>
+          <a:p>
+            <a:r>
+              <a:rPr lang="en-GB" sz="1200" b="0" i="0" u="none" strike="noStrike" kern="1200" dirty="0">
+                <a:solidFill>
+                  <a:schemeClr val="tx1"/>
+                </a:solidFill>
+                <a:effectLst/>
+                <a:latin typeface="+mn-lt"/>
+                <a:ea typeface="+mn-ea"/>
+                <a:cs typeface="+mn-cs"/>
+              </a:rPr>
+              <a:t>The most frequent labels on our data, by far, are : </a:t>
+            </a:r>
+            <a:r>
+              <a:rPr lang="en-GB" sz="1200" b="0" i="1" u="none" strike="noStrike" kern="1200" dirty="0" err="1">
+                <a:solidFill>
+                  <a:schemeClr val="tx1"/>
+                </a:solidFill>
+                <a:effectLst/>
+                <a:latin typeface="+mn-lt"/>
+                <a:ea typeface="+mn-ea"/>
+                <a:cs typeface="+mn-cs"/>
+              </a:rPr>
+              <a:t>smurf</a:t>
+            </a:r>
+            <a:r>
+              <a:rPr lang="en-GB" sz="1200" b="0" i="1" u="none" strike="noStrike" kern="1200" dirty="0">
+                <a:solidFill>
+                  <a:schemeClr val="tx1"/>
+                </a:solidFill>
+                <a:effectLst/>
+                <a:latin typeface="+mn-lt"/>
+                <a:ea typeface="+mn-ea"/>
+                <a:cs typeface="+mn-cs"/>
+              </a:rPr>
+              <a:t> (~57%)</a:t>
+            </a:r>
+            <a:r>
+              <a:rPr lang="en-GB" sz="1200" b="0" i="0" u="none" strike="noStrike" kern="1200" dirty="0">
+                <a:solidFill>
+                  <a:schemeClr val="tx1"/>
+                </a:solidFill>
+                <a:effectLst/>
+                <a:latin typeface="+mn-lt"/>
+                <a:ea typeface="+mn-ea"/>
+                <a:cs typeface="+mn-cs"/>
+              </a:rPr>
+              <a:t> and </a:t>
+            </a:r>
+            <a:r>
+              <a:rPr lang="en-GB" sz="1200" b="0" i="1" u="none" strike="noStrike" kern="1200" dirty="0" err="1">
+                <a:solidFill>
+                  <a:schemeClr val="tx1"/>
+                </a:solidFill>
+                <a:effectLst/>
+                <a:latin typeface="+mn-lt"/>
+                <a:ea typeface="+mn-ea"/>
+                <a:cs typeface="+mn-cs"/>
+              </a:rPr>
+              <a:t>neptune</a:t>
+            </a:r>
+            <a:r>
+              <a:rPr lang="en-GB" sz="1200" b="0" i="1" u="none" strike="noStrike" kern="1200" dirty="0">
+                <a:solidFill>
+                  <a:schemeClr val="tx1"/>
+                </a:solidFill>
+                <a:effectLst/>
+                <a:latin typeface="+mn-lt"/>
+                <a:ea typeface="+mn-ea"/>
+                <a:cs typeface="+mn-cs"/>
+              </a:rPr>
+              <a:t> (~22%)</a:t>
+            </a:r>
+            <a:r>
+              <a:rPr lang="en-GB" sz="1200" b="0" i="0" u="none" strike="noStrike" kern="1200" dirty="0">
+                <a:solidFill>
+                  <a:schemeClr val="tx1"/>
+                </a:solidFill>
+                <a:effectLst/>
+                <a:latin typeface="+mn-lt"/>
+                <a:ea typeface="+mn-ea"/>
+                <a:cs typeface="+mn-cs"/>
+              </a:rPr>
+              <a:t>. Interestingly, the connections identified as </a:t>
+            </a:r>
+            <a:r>
+              <a:rPr lang="en-GB" sz="1200" b="0" i="1" u="none" strike="noStrike" kern="1200" dirty="0">
+                <a:solidFill>
+                  <a:schemeClr val="tx1"/>
+                </a:solidFill>
+                <a:effectLst/>
+                <a:latin typeface="+mn-lt"/>
+                <a:ea typeface="+mn-ea"/>
+                <a:cs typeface="+mn-cs"/>
+              </a:rPr>
+              <a:t>normal</a:t>
+            </a:r>
+            <a:r>
+              <a:rPr lang="en-GB" sz="1200" b="0" i="0" u="none" strike="noStrike" kern="1200" dirty="0">
+                <a:solidFill>
+                  <a:schemeClr val="tx1"/>
+                </a:solidFill>
+                <a:effectLst/>
+                <a:latin typeface="+mn-lt"/>
+                <a:ea typeface="+mn-ea"/>
+                <a:cs typeface="+mn-cs"/>
+              </a:rPr>
+              <a:t>, which are not anomalies, represent just under 20% of our dataset. All other labels are very poorly represented (less than 1%).</a:t>
+            </a:r>
+            <a:endParaRPr lang="fr-FR" dirty="0"/>
+          </a:p>
+        </p:txBody>
+      </p:sp>
+      <p:sp>
+        <p:nvSpPr>
+          <p:cNvPr id="4" name="Slide Number Placeholder 3"/>
+          <p:cNvSpPr>
+            <a:spLocks noGrp="1"/>
+          </p:cNvSpPr>
+          <p:nvPr>
+            <p:ph type="sldNum" sz="quarter" idx="5"/>
+          </p:nvPr>
+        </p:nvSpPr>
+        <p:spPr/>
+        <p:txBody>
+          <a:bodyPr/>
+          <a:lstStyle/>
+          <a:p>
+            <a:fld id="{0816C602-ED9F-514A-8C86-73D406EEAFE5}" type="slidenum">
+              <a:rPr lang="fr-FR" smtClean="0"/>
+              <a:t>4</a:t>
+            </a:fld>
+            <a:endParaRPr lang="fr-FR"/>
+          </a:p>
+        </p:txBody>
+      </p:sp>
+    </p:spTree>
+    <p:extLst>
+      <p:ext uri="{BB962C8B-B14F-4D97-AF65-F5344CB8AC3E}">
+        <p14:creationId xmlns:p14="http://schemas.microsoft.com/office/powerpoint/2010/main" val="2329197123"/>
+      </p:ext>
+    </p:extLst>
+  </p:cSld>
+  <p:clrMapOvr>
+    <a:masterClrMapping/>
+  </p:clrMapOvr>
+</p:notes>
+</file>
+
+<file path=ppt/notesSlides/notesSlide3.xml><?xml version="1.0" encoding="utf-8"?>
+<p:notes xmlns:a="http://schemas.openxmlformats.org/drawingml/2006/main" xmlns:r="http://schemas.openxmlformats.org/officeDocument/2006/relationships" xmlns:p="http://schemas.openxmlformats.org/presentationml/2006/main">
+  <p:cSld>
+    <p:spTree>
+      <p:nvGrpSpPr>
+        <p:cNvPr id="1" name=""/>
+        <p:cNvGrpSpPr/>
+        <p:nvPr/>
+      </p:nvGrpSpPr>
+      <p:grpSpPr>
+        <a:xfrm>
+          <a:off x="0" y="0"/>
+          <a:ext cx="0" cy="0"/>
+          <a:chOff x="0" y="0"/>
+          <a:chExt cx="0" cy="0"/>
+        </a:xfrm>
+      </p:grpSpPr>
+      <p:sp>
+        <p:nvSpPr>
+          <p:cNvPr id="2" name="Slide Image Placeholder 1"/>
+          <p:cNvSpPr>
+            <a:spLocks noGrp="1" noRot="1" noChangeAspect="1"/>
+          </p:cNvSpPr>
+          <p:nvPr>
+            <p:ph type="sldImg"/>
+          </p:nvPr>
+        </p:nvSpPr>
+        <p:spPr/>
+      </p:sp>
+      <p:sp>
+        <p:nvSpPr>
+          <p:cNvPr id="3" name="Notes Placeholder 2"/>
+          <p:cNvSpPr>
+            <a:spLocks noGrp="1"/>
+          </p:cNvSpPr>
+          <p:nvPr>
+            <p:ph type="body" idx="1"/>
+          </p:nvPr>
+        </p:nvSpPr>
+        <p:spPr/>
+        <p:txBody>
+          <a:bodyPr/>
+          <a:lstStyle/>
+          <a:p>
+            <a:r>
+              <a:rPr lang="en-GB" sz="1200" b="0" i="0" u="none" strike="noStrike" kern="1200" dirty="0">
+                <a:solidFill>
+                  <a:schemeClr val="tx1"/>
+                </a:solidFill>
+                <a:effectLst/>
+                <a:latin typeface="+mn-lt"/>
+                <a:ea typeface="+mn-ea"/>
+                <a:cs typeface="+mn-cs"/>
+              </a:rPr>
+              <a:t>We have three columns (in addition to the labels) that contains non-numeric values : </a:t>
+            </a:r>
+            <a:r>
+              <a:rPr lang="en-GB" sz="1200" b="0" i="1" u="none" strike="noStrike" kern="1200" dirty="0" err="1">
+                <a:solidFill>
+                  <a:schemeClr val="tx1"/>
+                </a:solidFill>
+                <a:effectLst/>
+                <a:latin typeface="+mn-lt"/>
+                <a:ea typeface="+mn-ea"/>
+                <a:cs typeface="+mn-cs"/>
+              </a:rPr>
+              <a:t>protocol_type</a:t>
+            </a:r>
+            <a:r>
+              <a:rPr lang="en-GB" sz="1200" b="0" i="0" u="none" strike="noStrike" kern="1200" dirty="0">
+                <a:solidFill>
+                  <a:schemeClr val="tx1"/>
+                </a:solidFill>
+                <a:effectLst/>
+                <a:latin typeface="+mn-lt"/>
+                <a:ea typeface="+mn-ea"/>
+                <a:cs typeface="+mn-cs"/>
+              </a:rPr>
+              <a:t>, </a:t>
+            </a:r>
+            <a:r>
+              <a:rPr lang="en-GB" sz="1200" b="0" i="1" u="none" strike="noStrike" kern="1200" dirty="0">
+                <a:solidFill>
+                  <a:schemeClr val="tx1"/>
+                </a:solidFill>
+                <a:effectLst/>
+                <a:latin typeface="+mn-lt"/>
+                <a:ea typeface="+mn-ea"/>
+                <a:cs typeface="+mn-cs"/>
+              </a:rPr>
+              <a:t>service</a:t>
+            </a:r>
+            <a:r>
+              <a:rPr lang="en-GB" sz="1200" b="0" i="0" u="none" strike="noStrike" kern="1200" dirty="0">
+                <a:solidFill>
+                  <a:schemeClr val="tx1"/>
+                </a:solidFill>
+                <a:effectLst/>
+                <a:latin typeface="+mn-lt"/>
+                <a:ea typeface="+mn-ea"/>
+                <a:cs typeface="+mn-cs"/>
+              </a:rPr>
+              <a:t>, and </a:t>
+            </a:r>
+            <a:r>
+              <a:rPr lang="en-GB" sz="1200" b="0" i="1" u="none" strike="noStrike" kern="1200" dirty="0">
+                <a:solidFill>
+                  <a:schemeClr val="tx1"/>
+                </a:solidFill>
+                <a:effectLst/>
+                <a:latin typeface="+mn-lt"/>
+                <a:ea typeface="+mn-ea"/>
+                <a:cs typeface="+mn-cs"/>
+              </a:rPr>
+              <a:t>flag</a:t>
+            </a:r>
+            <a:r>
+              <a:rPr lang="en-GB" sz="1200" b="0" i="0" u="none" strike="noStrike" kern="1200" dirty="0">
+                <a:solidFill>
+                  <a:schemeClr val="tx1"/>
+                </a:solidFill>
+                <a:effectLst/>
+                <a:latin typeface="+mn-lt"/>
+                <a:ea typeface="+mn-ea"/>
+                <a:cs typeface="+mn-cs"/>
+              </a:rPr>
+              <a:t>. In the initial stages, these features will not be explored. </a:t>
+            </a:r>
+          </a:p>
+          <a:p>
+            <a:r>
+              <a:rPr lang="en-GB" sz="1200" b="0" i="0" u="none" strike="noStrike" kern="1200" dirty="0">
+                <a:solidFill>
+                  <a:schemeClr val="tx1"/>
+                </a:solidFill>
+                <a:effectLst/>
+                <a:latin typeface="+mn-lt"/>
+                <a:ea typeface="+mn-ea"/>
+                <a:cs typeface="+mn-cs"/>
+              </a:rPr>
+              <a:t>These non-numeric features can be represented using “one- hot encoding”, which can then be considered as numeric dimensions.</a:t>
+            </a:r>
+            <a:endParaRPr lang="fr-FR" dirty="0"/>
+          </a:p>
+        </p:txBody>
+      </p:sp>
+      <p:sp>
+        <p:nvSpPr>
+          <p:cNvPr id="4" name="Slide Number Placeholder 3"/>
+          <p:cNvSpPr>
+            <a:spLocks noGrp="1"/>
+          </p:cNvSpPr>
+          <p:nvPr>
+            <p:ph type="sldNum" sz="quarter" idx="5"/>
+          </p:nvPr>
+        </p:nvSpPr>
+        <p:spPr/>
+        <p:txBody>
+          <a:bodyPr/>
+          <a:lstStyle/>
+          <a:p>
+            <a:fld id="{0816C602-ED9F-514A-8C86-73D406EEAFE5}" type="slidenum">
+              <a:rPr lang="fr-FR" smtClean="0"/>
+              <a:t>5</a:t>
+            </a:fld>
+            <a:endParaRPr lang="fr-FR"/>
+          </a:p>
+        </p:txBody>
+      </p:sp>
+    </p:spTree>
+    <p:extLst>
+      <p:ext uri="{BB962C8B-B14F-4D97-AF65-F5344CB8AC3E}">
+        <p14:creationId xmlns:p14="http://schemas.microsoft.com/office/powerpoint/2010/main" val="906252281"/>
+      </p:ext>
+    </p:extLst>
+  </p:cSld>
+  <p:clrMapOvr>
+    <a:masterClrMapping/>
+  </p:clrMapOvr>
+</p:notes>
 </file>
 
 <file path=ppt/slideLayouts/slideLayout1.xml><?xml version="1.0" encoding="utf-8"?>
@@ -3969,6 +4818,173 @@
         </p:nvSpPr>
         <p:spPr/>
         <p:txBody>
+          <a:bodyPr>
+            <a:normAutofit/>
+          </a:bodyPr>
+          <a:lstStyle/>
+          <a:p>
+            <a:r>
+              <a:rPr lang="en-GB" sz="4800" dirty="0">
+                <a:latin typeface="Avenir Next Medium" panose="020B0503020202020204" pitchFamily="34" charset="0"/>
+              </a:rPr>
+              <a:t>How to find the optimal value of the hyperparameter K of the K-means clustering ?</a:t>
+            </a:r>
+          </a:p>
+        </p:txBody>
+      </p:sp>
+      <p:sp>
+        <p:nvSpPr>
+          <p:cNvPr id="4" name="Date Placeholder 3">
+            <a:extLst>
+              <a:ext uri="{FF2B5EF4-FFF2-40B4-BE49-F238E27FC236}">
+                <a16:creationId xmlns:a16="http://schemas.microsoft.com/office/drawing/2014/main" id="{29128103-CC75-2E58-B635-5950CA33C1DF}"/>
+              </a:ext>
+            </a:extLst>
+          </p:cNvPr>
+          <p:cNvSpPr>
+            <a:spLocks noGrp="1"/>
+          </p:cNvSpPr>
+          <p:nvPr>
+            <p:ph type="dt" sz="half" idx="10"/>
+          </p:nvPr>
+        </p:nvSpPr>
+        <p:spPr/>
+        <p:txBody>
+          <a:bodyPr/>
+          <a:lstStyle/>
+          <a:p>
+            <a:r>
+              <a:rPr lang="de-CH"/>
+              <a:t>10.06.2022</a:t>
+            </a:r>
+            <a:endParaRPr lang="fr-FR"/>
+          </a:p>
+        </p:txBody>
+      </p:sp>
+      <p:sp>
+        <p:nvSpPr>
+          <p:cNvPr id="6" name="Slide Number Placeholder 5">
+            <a:extLst>
+              <a:ext uri="{FF2B5EF4-FFF2-40B4-BE49-F238E27FC236}">
+                <a16:creationId xmlns:a16="http://schemas.microsoft.com/office/drawing/2014/main" id="{A06554C2-2984-B2C8-2158-C04BED7CEDFC}"/>
+              </a:ext>
+            </a:extLst>
+          </p:cNvPr>
+          <p:cNvSpPr>
+            <a:spLocks noGrp="1"/>
+          </p:cNvSpPr>
+          <p:nvPr>
+            <p:ph type="sldNum" sz="quarter" idx="12"/>
+          </p:nvPr>
+        </p:nvSpPr>
+        <p:spPr/>
+        <p:txBody>
+          <a:bodyPr/>
+          <a:lstStyle/>
+          <a:p>
+            <a:fld id="{50E96FFC-9A77-BE40-93A2-F2F19ACBA9AE}" type="slidenum">
+              <a:rPr lang="fr-FR" smtClean="0"/>
+              <a:t>10</a:t>
+            </a:fld>
+            <a:endParaRPr lang="fr-FR"/>
+          </a:p>
+        </p:txBody>
+      </p:sp>
+      <p:pic>
+        <p:nvPicPr>
+          <p:cNvPr id="8" name="Picture 2" descr="HES-SO - Logo - Haute école">
+            <a:extLst>
+              <a:ext uri="{FF2B5EF4-FFF2-40B4-BE49-F238E27FC236}">
+                <a16:creationId xmlns:a16="http://schemas.microsoft.com/office/drawing/2014/main" id="{EA03034B-9075-280A-A560-1F98B0D46A44}"/>
+              </a:ext>
+            </a:extLst>
+          </p:cNvPr>
+          <p:cNvPicPr>
+            <a:picLocks noChangeAspect="1" noChangeArrowheads="1"/>
+          </p:cNvPicPr>
+          <p:nvPr/>
+        </p:nvPicPr>
+        <p:blipFill>
+          <a:blip r:embed="rId2">
+            <a:extLst>
+              <a:ext uri="{28A0092B-C50C-407E-A947-70E740481C1C}">
+                <a14:useLocalDpi xmlns:a14="http://schemas.microsoft.com/office/drawing/2010/main" val="0"/>
+              </a:ext>
+            </a:extLst>
+          </a:blip>
+          <a:srcRect/>
+          <a:stretch>
+            <a:fillRect/>
+          </a:stretch>
+        </p:blipFill>
+        <p:spPr bwMode="auto">
+          <a:xfrm>
+            <a:off x="5563101" y="6386879"/>
+            <a:ext cx="1065798" cy="334596"/>
+          </a:xfrm>
+          <a:prstGeom prst="rect">
+            <a:avLst/>
+          </a:prstGeom>
+          <a:noFill/>
+          <a:extLst>
+            <a:ext uri="{909E8E84-426E-40DD-AFC4-6F175D3DCCD1}">
+              <a14:hiddenFill xmlns:a14="http://schemas.microsoft.com/office/drawing/2010/main">
+                <a:solidFill>
+                  <a:srgbClr val="FFFFFF"/>
+                </a:solidFill>
+              </a14:hiddenFill>
+            </a:ext>
+          </a:extLst>
+        </p:spPr>
+      </p:pic>
+    </p:spTree>
+    <p:extLst>
+      <p:ext uri="{BB962C8B-B14F-4D97-AF65-F5344CB8AC3E}">
+        <p14:creationId xmlns:p14="http://schemas.microsoft.com/office/powerpoint/2010/main" val="675007858"/>
+      </p:ext>
+    </p:extLst>
+  </p:cSld>
+  <p:clrMapOvr>
+    <a:masterClrMapping/>
+  </p:clrMapOvr>
+</p:sld>
+</file>
+
+<file path=ppt/slides/slide11.xml><?xml version="1.0" encoding="utf-8"?>
+<p:sld xmlns:a="http://schemas.openxmlformats.org/drawingml/2006/main" xmlns:r="http://schemas.openxmlformats.org/officeDocument/2006/relationships" xmlns:p="http://schemas.openxmlformats.org/presentationml/2006/main">
+  <p:cSld>
+    <p:spTree>
+      <p:nvGrpSpPr>
+        <p:cNvPr id="1" name=""/>
+        <p:cNvGrpSpPr/>
+        <p:nvPr/>
+      </p:nvGrpSpPr>
+      <p:grpSpPr>
+        <a:xfrm>
+          <a:off x="0" y="0"/>
+          <a:ext cx="0" cy="0"/>
+          <a:chOff x="0" y="0"/>
+          <a:chExt cx="0" cy="0"/>
+        </a:xfrm>
+      </p:grpSpPr>
+      <p:sp>
+        <p:nvSpPr>
+          <p:cNvPr id="2" name="Title 1">
+            <a:extLst>
+              <a:ext uri="{FF2B5EF4-FFF2-40B4-BE49-F238E27FC236}">
+                <a16:creationId xmlns:a16="http://schemas.microsoft.com/office/drawing/2014/main" id="{F32D2FED-7694-B794-E4A7-C183D83D2881}"/>
+              </a:ext>
+            </a:extLst>
+          </p:cNvPr>
+          <p:cNvSpPr>
+            <a:spLocks noGrp="1"/>
+          </p:cNvSpPr>
+          <p:nvPr>
+            <p:ph type="title"/>
+          </p:nvPr>
+        </p:nvSpPr>
+        <p:spPr/>
+        <p:txBody>
           <a:bodyPr/>
           <a:lstStyle/>
           <a:p>
@@ -3976,7 +4992,19 @@
               <a:rPr lang="en-GB" dirty="0">
                 <a:latin typeface="Avenir Next Medium" panose="020B0503020202020204" pitchFamily="34" charset="0"/>
               </a:rPr>
-              <a:t>Distribution of attacks</a:t>
+              <a:t>The optimal </a:t>
+            </a:r>
+            <a:r>
+              <a:rPr lang="en-GB" i="1" dirty="0">
+                <a:latin typeface="Avenir Next Medium" panose="020B0503020202020204" pitchFamily="34" charset="0"/>
+              </a:rPr>
+              <a:t>K </a:t>
+            </a:r>
+            <a:r>
+              <a:rPr lang="en-GB" dirty="0">
+                <a:latin typeface="Avenir Next Medium" panose="020B0503020202020204" pitchFamily="34" charset="0"/>
+              </a:rPr>
+              <a:t>value</a:t>
             </a:r>
             <a:endParaRPr lang="fr-FR" dirty="0">
               <a:latin typeface="Avenir Next Medium" panose="020B0503020202020204" pitchFamily="34" charset="0"/>
@@ -4065,7 +5093,371 @@
           <a:p>
             <a:fld id="{50E96FFC-9A77-BE40-93A2-F2F19ACBA9AE}" type="slidenum">
               <a:rPr lang="fr-FR" smtClean="0"/>
-              <a:t>10</a:t>
+              <a:t>11</a:t>
+            </a:fld>
+            <a:endParaRPr lang="fr-FR"/>
+          </a:p>
+        </p:txBody>
+      </p:sp>
+      <p:pic>
+        <p:nvPicPr>
+          <p:cNvPr id="8" name="Picture 2" descr="HES-SO - Logo - Haute école">
+            <a:extLst>
+              <a:ext uri="{FF2B5EF4-FFF2-40B4-BE49-F238E27FC236}">
+                <a16:creationId xmlns:a16="http://schemas.microsoft.com/office/drawing/2014/main" id="{EA03034B-9075-280A-A560-1F98B0D46A44}"/>
+              </a:ext>
+            </a:extLst>
+          </p:cNvPr>
+          <p:cNvPicPr>
+            <a:picLocks noChangeAspect="1" noChangeArrowheads="1"/>
+          </p:cNvPicPr>
+          <p:nvPr/>
+        </p:nvPicPr>
+        <p:blipFill>
+          <a:blip r:embed="rId2">
+            <a:extLst>
+              <a:ext uri="{28A0092B-C50C-407E-A947-70E740481C1C}">
+                <a14:useLocalDpi xmlns:a14="http://schemas.microsoft.com/office/drawing/2010/main" val="0"/>
+              </a:ext>
+            </a:extLst>
+          </a:blip>
+          <a:srcRect/>
+          <a:stretch>
+            <a:fillRect/>
+          </a:stretch>
+        </p:blipFill>
+        <p:spPr bwMode="auto">
+          <a:xfrm>
+            <a:off x="5563101" y="6386879"/>
+            <a:ext cx="1065798" cy="334596"/>
+          </a:xfrm>
+          <a:prstGeom prst="rect">
+            <a:avLst/>
+          </a:prstGeom>
+          <a:noFill/>
+          <a:extLst>
+            <a:ext uri="{909E8E84-426E-40DD-AFC4-6F175D3DCCD1}">
+              <a14:hiddenFill xmlns:a14="http://schemas.microsoft.com/office/drawing/2010/main">
+                <a:solidFill>
+                  <a:srgbClr val="FFFFFF"/>
+                </a:solidFill>
+              </a14:hiddenFill>
+            </a:ext>
+          </a:extLst>
+        </p:spPr>
+      </p:pic>
+    </p:spTree>
+    <p:extLst>
+      <p:ext uri="{BB962C8B-B14F-4D97-AF65-F5344CB8AC3E}">
+        <p14:creationId xmlns:p14="http://schemas.microsoft.com/office/powerpoint/2010/main" val="2346558059"/>
+      </p:ext>
+    </p:extLst>
+  </p:cSld>
+  <p:clrMapOvr>
+    <a:masterClrMapping/>
+  </p:clrMapOvr>
+</p:sld>
+</file>
+
+<file path=ppt/slides/slide12.xml><?xml version="1.0" encoding="utf-8"?>
+<p:sld xmlns:a="http://schemas.openxmlformats.org/drawingml/2006/main" xmlns:r="http://schemas.openxmlformats.org/officeDocument/2006/relationships" xmlns:p="http://schemas.openxmlformats.org/presentationml/2006/main">
+  <p:cSld>
+    <p:spTree>
+      <p:nvGrpSpPr>
+        <p:cNvPr id="1" name=""/>
+        <p:cNvGrpSpPr/>
+        <p:nvPr/>
+      </p:nvGrpSpPr>
+      <p:grpSpPr>
+        <a:xfrm>
+          <a:off x="0" y="0"/>
+          <a:ext cx="0" cy="0"/>
+          <a:chOff x="0" y="0"/>
+          <a:chExt cx="0" cy="0"/>
+        </a:xfrm>
+      </p:grpSpPr>
+      <p:sp>
+        <p:nvSpPr>
+          <p:cNvPr id="2" name="Title 1">
+            <a:extLst>
+              <a:ext uri="{FF2B5EF4-FFF2-40B4-BE49-F238E27FC236}">
+                <a16:creationId xmlns:a16="http://schemas.microsoft.com/office/drawing/2014/main" id="{F32D2FED-7694-B794-E4A7-C183D83D2881}"/>
+              </a:ext>
+            </a:extLst>
+          </p:cNvPr>
+          <p:cNvSpPr>
+            <a:spLocks noGrp="1"/>
+          </p:cNvSpPr>
+          <p:nvPr>
+            <p:ph type="title"/>
+          </p:nvPr>
+        </p:nvSpPr>
+        <p:spPr/>
+        <p:txBody>
+          <a:bodyPr>
+            <a:noAutofit/>
+          </a:bodyPr>
+          <a:lstStyle/>
+          <a:p>
+            <a:r>
+              <a:rPr lang="en-GB" sz="4000" dirty="0">
+                <a:latin typeface="Avenir Next Medium" panose="020B0503020202020204" pitchFamily="34" charset="0"/>
+              </a:rPr>
+              <a:t>What is the distribution of attacks on each protocol (TCP, UDP, ICMP…), by which service (port) were they carried out, what type of attacks are they and what was the final purpose of the attack ?</a:t>
+            </a:r>
+          </a:p>
+        </p:txBody>
+      </p:sp>
+      <p:sp>
+        <p:nvSpPr>
+          <p:cNvPr id="4" name="Date Placeholder 3">
+            <a:extLst>
+              <a:ext uri="{FF2B5EF4-FFF2-40B4-BE49-F238E27FC236}">
+                <a16:creationId xmlns:a16="http://schemas.microsoft.com/office/drawing/2014/main" id="{29128103-CC75-2E58-B635-5950CA33C1DF}"/>
+              </a:ext>
+            </a:extLst>
+          </p:cNvPr>
+          <p:cNvSpPr>
+            <a:spLocks noGrp="1"/>
+          </p:cNvSpPr>
+          <p:nvPr>
+            <p:ph type="dt" sz="half" idx="10"/>
+          </p:nvPr>
+        </p:nvSpPr>
+        <p:spPr/>
+        <p:txBody>
+          <a:bodyPr/>
+          <a:lstStyle/>
+          <a:p>
+            <a:r>
+              <a:rPr lang="de-CH"/>
+              <a:t>10.06.2022</a:t>
+            </a:r>
+            <a:endParaRPr lang="fr-FR"/>
+          </a:p>
+        </p:txBody>
+      </p:sp>
+      <p:sp>
+        <p:nvSpPr>
+          <p:cNvPr id="6" name="Slide Number Placeholder 5">
+            <a:extLst>
+              <a:ext uri="{FF2B5EF4-FFF2-40B4-BE49-F238E27FC236}">
+                <a16:creationId xmlns:a16="http://schemas.microsoft.com/office/drawing/2014/main" id="{A06554C2-2984-B2C8-2158-C04BED7CEDFC}"/>
+              </a:ext>
+            </a:extLst>
+          </p:cNvPr>
+          <p:cNvSpPr>
+            <a:spLocks noGrp="1"/>
+          </p:cNvSpPr>
+          <p:nvPr>
+            <p:ph type="sldNum" sz="quarter" idx="12"/>
+          </p:nvPr>
+        </p:nvSpPr>
+        <p:spPr/>
+        <p:txBody>
+          <a:bodyPr/>
+          <a:lstStyle/>
+          <a:p>
+            <a:fld id="{50E96FFC-9A77-BE40-93A2-F2F19ACBA9AE}" type="slidenum">
+              <a:rPr lang="fr-FR" smtClean="0"/>
+              <a:t>12</a:t>
+            </a:fld>
+            <a:endParaRPr lang="fr-FR"/>
+          </a:p>
+        </p:txBody>
+      </p:sp>
+      <p:pic>
+        <p:nvPicPr>
+          <p:cNvPr id="8" name="Picture 2" descr="HES-SO - Logo - Haute école">
+            <a:extLst>
+              <a:ext uri="{FF2B5EF4-FFF2-40B4-BE49-F238E27FC236}">
+                <a16:creationId xmlns:a16="http://schemas.microsoft.com/office/drawing/2014/main" id="{EA03034B-9075-280A-A560-1F98B0D46A44}"/>
+              </a:ext>
+            </a:extLst>
+          </p:cNvPr>
+          <p:cNvPicPr>
+            <a:picLocks noChangeAspect="1" noChangeArrowheads="1"/>
+          </p:cNvPicPr>
+          <p:nvPr/>
+        </p:nvPicPr>
+        <p:blipFill>
+          <a:blip r:embed="rId2">
+            <a:extLst>
+              <a:ext uri="{28A0092B-C50C-407E-A947-70E740481C1C}">
+                <a14:useLocalDpi xmlns:a14="http://schemas.microsoft.com/office/drawing/2010/main" val="0"/>
+              </a:ext>
+            </a:extLst>
+          </a:blip>
+          <a:srcRect/>
+          <a:stretch>
+            <a:fillRect/>
+          </a:stretch>
+        </p:blipFill>
+        <p:spPr bwMode="auto">
+          <a:xfrm>
+            <a:off x="5563101" y="6386879"/>
+            <a:ext cx="1065798" cy="334596"/>
+          </a:xfrm>
+          <a:prstGeom prst="rect">
+            <a:avLst/>
+          </a:prstGeom>
+          <a:noFill/>
+          <a:extLst>
+            <a:ext uri="{909E8E84-426E-40DD-AFC4-6F175D3DCCD1}">
+              <a14:hiddenFill xmlns:a14="http://schemas.microsoft.com/office/drawing/2010/main">
+                <a:solidFill>
+                  <a:srgbClr val="FFFFFF"/>
+                </a:solidFill>
+              </a14:hiddenFill>
+            </a:ext>
+          </a:extLst>
+        </p:spPr>
+      </p:pic>
+    </p:spTree>
+    <p:extLst>
+      <p:ext uri="{BB962C8B-B14F-4D97-AF65-F5344CB8AC3E}">
+        <p14:creationId xmlns:p14="http://schemas.microsoft.com/office/powerpoint/2010/main" val="1785542576"/>
+      </p:ext>
+    </p:extLst>
+  </p:cSld>
+  <p:clrMapOvr>
+    <a:masterClrMapping/>
+  </p:clrMapOvr>
+</p:sld>
+</file>
+
+<file path=ppt/slides/slide13.xml><?xml version="1.0" encoding="utf-8"?>
+<p:sld xmlns:a="http://schemas.openxmlformats.org/drawingml/2006/main" xmlns:r="http://schemas.openxmlformats.org/officeDocument/2006/relationships" xmlns:p="http://schemas.openxmlformats.org/presentationml/2006/main">
+  <p:cSld>
+    <p:spTree>
+      <p:nvGrpSpPr>
+        <p:cNvPr id="1" name=""/>
+        <p:cNvGrpSpPr/>
+        <p:nvPr/>
+      </p:nvGrpSpPr>
+      <p:grpSpPr>
+        <a:xfrm>
+          <a:off x="0" y="0"/>
+          <a:ext cx="0" cy="0"/>
+          <a:chOff x="0" y="0"/>
+          <a:chExt cx="0" cy="0"/>
+        </a:xfrm>
+      </p:grpSpPr>
+      <p:sp>
+        <p:nvSpPr>
+          <p:cNvPr id="2" name="Title 1">
+            <a:extLst>
+              <a:ext uri="{FF2B5EF4-FFF2-40B4-BE49-F238E27FC236}">
+                <a16:creationId xmlns:a16="http://schemas.microsoft.com/office/drawing/2014/main" id="{F32D2FED-7694-B794-E4A7-C183D83D2881}"/>
+              </a:ext>
+            </a:extLst>
+          </p:cNvPr>
+          <p:cNvSpPr>
+            <a:spLocks noGrp="1"/>
+          </p:cNvSpPr>
+          <p:nvPr>
+            <p:ph type="title"/>
+          </p:nvPr>
+        </p:nvSpPr>
+        <p:spPr/>
+        <p:txBody>
+          <a:bodyPr/>
+          <a:lstStyle/>
+          <a:p>
+            <a:r>
+              <a:rPr lang="en-GB" dirty="0">
+                <a:latin typeface="Avenir Next Medium" panose="020B0503020202020204" pitchFamily="34" charset="0"/>
+              </a:rPr>
+              <a:t>Distribution of attacks</a:t>
+            </a:r>
+            <a:endParaRPr lang="fr-FR" dirty="0">
+              <a:latin typeface="Avenir Next Medium" panose="020B0503020202020204" pitchFamily="34" charset="0"/>
+            </a:endParaRPr>
+          </a:p>
+        </p:txBody>
+      </p:sp>
+      <p:sp>
+        <p:nvSpPr>
+          <p:cNvPr id="3" name="Content Placeholder 2">
+            <a:extLst>
+              <a:ext uri="{FF2B5EF4-FFF2-40B4-BE49-F238E27FC236}">
+                <a16:creationId xmlns:a16="http://schemas.microsoft.com/office/drawing/2014/main" id="{138ECBA7-E0A5-8D39-6737-EB13A307A0BE}"/>
+              </a:ext>
+            </a:extLst>
+          </p:cNvPr>
+          <p:cNvSpPr>
+            <a:spLocks noGrp="1"/>
+          </p:cNvSpPr>
+          <p:nvPr>
+            <p:ph idx="1"/>
+          </p:nvPr>
+        </p:nvSpPr>
+        <p:spPr/>
+        <p:txBody>
+          <a:bodyPr>
+            <a:normAutofit/>
+          </a:bodyPr>
+          <a:lstStyle/>
+          <a:p>
+            <a:endParaRPr lang="fr-FR" sz="2400" dirty="0">
+              <a:latin typeface="Avenir Next" panose="020B0503020202020204" pitchFamily="34" charset="0"/>
+            </a:endParaRPr>
+          </a:p>
+        </p:txBody>
+      </p:sp>
+      <p:sp>
+        <p:nvSpPr>
+          <p:cNvPr id="4" name="Date Placeholder 3">
+            <a:extLst>
+              <a:ext uri="{FF2B5EF4-FFF2-40B4-BE49-F238E27FC236}">
+                <a16:creationId xmlns:a16="http://schemas.microsoft.com/office/drawing/2014/main" id="{29128103-CC75-2E58-B635-5950CA33C1DF}"/>
+              </a:ext>
+            </a:extLst>
+          </p:cNvPr>
+          <p:cNvSpPr>
+            <a:spLocks noGrp="1"/>
+          </p:cNvSpPr>
+          <p:nvPr>
+            <p:ph type="dt" sz="half" idx="10"/>
+          </p:nvPr>
+        </p:nvSpPr>
+        <p:spPr/>
+        <p:txBody>
+          <a:bodyPr/>
+          <a:lstStyle/>
+          <a:p>
+            <a:r>
+              <a:rPr lang="de-CH"/>
+              <a:t>10.06.2022</a:t>
+            </a:r>
+            <a:endParaRPr lang="fr-FR"/>
+          </a:p>
+        </p:txBody>
+      </p:sp>
+      <p:sp>
+        <p:nvSpPr>
+          <p:cNvPr id="6" name="Slide Number Placeholder 5">
+            <a:extLst>
+              <a:ext uri="{FF2B5EF4-FFF2-40B4-BE49-F238E27FC236}">
+                <a16:creationId xmlns:a16="http://schemas.microsoft.com/office/drawing/2014/main" id="{A06554C2-2984-B2C8-2158-C04BED7CEDFC}"/>
+              </a:ext>
+            </a:extLst>
+          </p:cNvPr>
+          <p:cNvSpPr>
+            <a:spLocks noGrp="1"/>
+          </p:cNvSpPr>
+          <p:nvPr>
+            <p:ph type="sldNum" sz="quarter" idx="12"/>
+          </p:nvPr>
+        </p:nvSpPr>
+        <p:spPr/>
+        <p:txBody>
+          <a:bodyPr/>
+          <a:lstStyle/>
+          <a:p>
+            <a:fld id="{50E96FFC-9A77-BE40-93A2-F2F19ACBA9AE}" type="slidenum">
+              <a:rPr lang="fr-FR" smtClean="0"/>
+              <a:t>13</a:t>
             </a:fld>
             <a:endParaRPr lang="fr-FR"/>
           </a:p>
@@ -4131,7 +5523,7 @@
 </p:sld>
 </file>
 
-<file path=ppt/slides/slide11.xml><?xml version="1.0" encoding="utf-8"?>
+<file path=ppt/slides/slide14.xml><?xml version="1.0" encoding="utf-8"?>
 <p:sld xmlns:a="http://schemas.openxmlformats.org/drawingml/2006/main" xmlns:r="http://schemas.openxmlformats.org/officeDocument/2006/relationships" xmlns:p="http://schemas.openxmlformats.org/presentationml/2006/main">
   <p:cSld>
     <p:spTree>
@@ -4262,7 +5654,7 @@
           <a:p>
             <a:fld id="{50E96FFC-9A77-BE40-93A2-F2F19ACBA9AE}" type="slidenum">
               <a:rPr lang="fr-FR" smtClean="0"/>
-              <a:t>11</a:t>
+              <a:t>14</a:t>
             </a:fld>
             <a:endParaRPr lang="fr-FR"/>
           </a:p>
@@ -4328,7 +5720,7 @@
 </p:sld>
 </file>
 
-<file path=ppt/slides/slide12.xml><?xml version="1.0" encoding="utf-8"?>
+<file path=ppt/slides/slide15.xml><?xml version="1.0" encoding="utf-8"?>
 <p:sld xmlns:a="http://schemas.openxmlformats.org/drawingml/2006/main" xmlns:r="http://schemas.openxmlformats.org/officeDocument/2006/relationships" xmlns:p="http://schemas.openxmlformats.org/presentationml/2006/main">
   <p:cSld>
     <p:bg>
@@ -4946,7 +6338,7 @@
                   <a:spcPts val="600"/>
                 </a:spcAft>
               </a:pPr>
-              <a:t>12</a:t>
+              <a:t>15</a:t>
             </a:fld>
             <a:endParaRPr lang="fr-FR">
               <a:solidFill>
@@ -5595,12 +6987,195 @@
             <p:ph idx="1"/>
           </p:nvPr>
         </p:nvSpPr>
-        <p:spPr/>
+        <p:spPr>
+          <a:xfrm>
+            <a:off x="838200" y="1825625"/>
+            <a:ext cx="10515600" cy="2758732"/>
+          </a:xfrm>
+        </p:spPr>
         <p:txBody>
           <a:bodyPr>
             <a:normAutofit/>
           </a:bodyPr>
           <a:lstStyle/>
+          <a:p>
+            <a:r>
+              <a:rPr lang="fr-FR" sz="2400" dirty="0">
+                <a:latin typeface="Avenir Next" panose="020B0503020202020204" pitchFamily="34" charset="0"/>
+              </a:rPr>
+              <a:t>Raw data connections dump </a:t>
+            </a:r>
+            <a:r>
+              <a:rPr lang="fr-FR" sz="2400" dirty="0" err="1">
+                <a:latin typeface="Avenir Next" panose="020B0503020202020204" pitchFamily="34" charset="0"/>
+              </a:rPr>
+              <a:t>from</a:t>
+            </a:r>
+            <a:r>
+              <a:rPr lang="fr-FR" sz="2400" dirty="0">
+                <a:latin typeface="Avenir Next" panose="020B0503020202020204" pitchFamily="34" charset="0"/>
+              </a:rPr>
+              <a:t> the U.S. Air Force Local-Area Network</a:t>
+            </a:r>
+          </a:p>
+          <a:p>
+            <a:r>
+              <a:rPr lang="fr-FR" sz="2400" dirty="0" err="1">
+                <a:latin typeface="Avenir Next" panose="020B0503020202020204" pitchFamily="34" charset="0"/>
+              </a:rPr>
+              <a:t>Feature</a:t>
+            </a:r>
+            <a:r>
+              <a:rPr lang="fr-FR" sz="2400" dirty="0">
+                <a:latin typeface="Avenir Next" panose="020B0503020202020204" pitchFamily="34" charset="0"/>
+              </a:rPr>
+              <a:t> extraction </a:t>
+            </a:r>
+            <a:r>
+              <a:rPr lang="fr-FR" sz="2400" dirty="0" err="1">
+                <a:latin typeface="Avenir Next" panose="020B0503020202020204" pitchFamily="34" charset="0"/>
+              </a:rPr>
+              <a:t>was</a:t>
+            </a:r>
+            <a:r>
+              <a:rPr lang="fr-FR" sz="2400" dirty="0">
+                <a:latin typeface="Avenir Next" panose="020B0503020202020204" pitchFamily="34" charset="0"/>
+              </a:rPr>
+              <a:t> </a:t>
+            </a:r>
+            <a:r>
+              <a:rPr lang="fr-FR" sz="2400" dirty="0" err="1">
+                <a:latin typeface="Avenir Next" panose="020B0503020202020204" pitchFamily="34" charset="0"/>
+              </a:rPr>
+              <a:t>already</a:t>
+            </a:r>
+            <a:r>
+              <a:rPr lang="fr-FR" sz="2400" dirty="0">
+                <a:latin typeface="Avenir Next" panose="020B0503020202020204" pitchFamily="34" charset="0"/>
+              </a:rPr>
+              <a:t> run on the data</a:t>
+            </a:r>
+          </a:p>
+          <a:p>
+            <a:r>
+              <a:rPr lang="fr-FR" sz="2400" dirty="0" err="1">
+                <a:latin typeface="Avenir Next" panose="020B0503020202020204" pitchFamily="34" charset="0"/>
+              </a:rPr>
+              <a:t>Used</a:t>
+            </a:r>
+            <a:r>
+              <a:rPr lang="fr-FR" sz="2400" dirty="0">
+                <a:latin typeface="Avenir Next" panose="020B0503020202020204" pitchFamily="34" charset="0"/>
+              </a:rPr>
+              <a:t> </a:t>
+            </a:r>
+            <a:r>
+              <a:rPr lang="fr-FR" sz="2400" dirty="0" err="1">
+                <a:latin typeface="Avenir Next" panose="020B0503020202020204" pitchFamily="34" charset="0"/>
+              </a:rPr>
+              <a:t>during</a:t>
+            </a:r>
+            <a:r>
+              <a:rPr lang="fr-FR" sz="2400" dirty="0">
+                <a:latin typeface="Avenir Next" panose="020B0503020202020204" pitchFamily="34" charset="0"/>
+              </a:rPr>
+              <a:t> the 1999 KDD Cup</a:t>
+            </a:r>
+          </a:p>
+          <a:p>
+            <a:r>
+              <a:rPr lang="fr-FR" sz="2400" dirty="0">
+                <a:latin typeface="Avenir Next" panose="020B0503020202020204" pitchFamily="34" charset="0"/>
+              </a:rPr>
+              <a:t>Very large: 743 MB of data, </a:t>
+            </a:r>
+            <a:r>
+              <a:rPr lang="fr-FR" sz="2400" b="1" dirty="0">
+                <a:latin typeface="Avenir Next" panose="020B0503020202020204" pitchFamily="34" charset="0"/>
+              </a:rPr>
+              <a:t>4.9 millions </a:t>
+            </a:r>
+            <a:r>
+              <a:rPr lang="fr-FR" sz="2400" dirty="0">
+                <a:latin typeface="Avenir Next" panose="020B0503020202020204" pitchFamily="34" charset="0"/>
+              </a:rPr>
+              <a:t>of network connections</a:t>
+            </a:r>
+          </a:p>
+          <a:p>
+            <a:r>
+              <a:rPr lang="fr-FR" sz="2400" dirty="0" err="1">
+                <a:latin typeface="Avenir Next" panose="020B0503020202020204" pitchFamily="34" charset="0"/>
+              </a:rPr>
+              <a:t>Each</a:t>
+            </a:r>
+            <a:r>
+              <a:rPr lang="fr-FR" sz="2400" dirty="0">
+                <a:latin typeface="Avenir Next" panose="020B0503020202020204" pitchFamily="34" charset="0"/>
+              </a:rPr>
+              <a:t> </a:t>
+            </a:r>
+            <a:r>
+              <a:rPr lang="fr-FR" sz="2400" dirty="0" err="1">
+                <a:latin typeface="Avenir Next" panose="020B0503020202020204" pitchFamily="34" charset="0"/>
+              </a:rPr>
+              <a:t>connection</a:t>
+            </a:r>
+            <a:r>
+              <a:rPr lang="fr-FR" sz="2400" dirty="0">
+                <a:latin typeface="Avenir Next" panose="020B0503020202020204" pitchFamily="34" charset="0"/>
+              </a:rPr>
+              <a:t> </a:t>
+            </a:r>
+            <a:r>
+              <a:rPr lang="fr-FR" sz="2400" dirty="0" err="1">
+                <a:latin typeface="Avenir Next" panose="020B0503020202020204" pitchFamily="34" charset="0"/>
+              </a:rPr>
+              <a:t>contains</a:t>
+            </a:r>
+            <a:r>
+              <a:rPr lang="fr-FR" sz="2400" dirty="0">
+                <a:latin typeface="Avenir Next" panose="020B0503020202020204" pitchFamily="34" charset="0"/>
+              </a:rPr>
+              <a:t> </a:t>
+            </a:r>
+            <a:r>
+              <a:rPr lang="fr-FR" sz="2400" b="1" dirty="0">
+                <a:latin typeface="Avenir Next" panose="020B0503020202020204" pitchFamily="34" charset="0"/>
+              </a:rPr>
+              <a:t>42 </a:t>
+            </a:r>
+            <a:r>
+              <a:rPr lang="fr-FR" sz="2400" b="1" dirty="0" err="1">
+                <a:latin typeface="Avenir Next" panose="020B0503020202020204" pitchFamily="34" charset="0"/>
+              </a:rPr>
+              <a:t>characteristics</a:t>
+            </a:r>
+            <a:r>
+              <a:rPr lang="fr-FR" sz="2400" b="1" dirty="0">
+                <a:latin typeface="Avenir Next" panose="020B0503020202020204" pitchFamily="34" charset="0"/>
+              </a:rPr>
+              <a:t> </a:t>
+            </a:r>
+            <a:r>
+              <a:rPr lang="fr-FR" sz="2400" dirty="0">
+                <a:latin typeface="Avenir Next" panose="020B0503020202020204" pitchFamily="34" charset="0"/>
+              </a:rPr>
+              <a:t>like : duration, </a:t>
+            </a:r>
+            <a:r>
+              <a:rPr lang="fr-FR" sz="2400" dirty="0" err="1">
+                <a:latin typeface="Avenir Next" panose="020B0503020202020204" pitchFamily="34" charset="0"/>
+              </a:rPr>
+              <a:t>protocol</a:t>
+            </a:r>
+            <a:r>
+              <a:rPr lang="fr-FR" sz="2400" dirty="0">
+                <a:latin typeface="Avenir Next" panose="020B0503020202020204" pitchFamily="34" charset="0"/>
+              </a:rPr>
+              <a:t>, flag…</a:t>
+            </a:r>
+          </a:p>
           <a:p>
             <a:endParaRPr lang="fr-FR" sz="2400" dirty="0">
               <a:latin typeface="Avenir Next" panose="020B0503020202020204" pitchFamily="34" charset="0"/>
@@ -5681,7 +7256,7 @@
           <p:nvPr/>
         </p:nvPicPr>
         <p:blipFill>
-          <a:blip r:embed="rId2">
+          <a:blip r:embed="rId3">
             <a:extLst>
               <a:ext uri="{28A0092B-C50C-407E-A947-70E740481C1C}">
                 <a14:useLocalDpi xmlns:a14="http://schemas.microsoft.com/office/drawing/2010/main" val="0"/>
@@ -5711,6 +7286,36 @@
               </a14:hiddenFill>
             </a:ext>
           </a:extLst>
+        </p:spPr>
+      </p:pic>
+      <p:pic>
+        <p:nvPicPr>
+          <p:cNvPr id="7" name="Picture 6">
+            <a:extLst>
+              <a:ext uri="{FF2B5EF4-FFF2-40B4-BE49-F238E27FC236}">
+                <a16:creationId xmlns:a16="http://schemas.microsoft.com/office/drawing/2014/main" id="{F444E951-59D2-ABE4-F3E0-586255CCFF2B}"/>
+              </a:ext>
+            </a:extLst>
+          </p:cNvPr>
+          <p:cNvPicPr>
+            <a:picLocks noChangeAspect="1"/>
+          </p:cNvPicPr>
+          <p:nvPr/>
+        </p:nvPicPr>
+        <p:blipFill>
+          <a:blip r:embed="rId4"/>
+          <a:stretch>
+            <a:fillRect/>
+          </a:stretch>
+        </p:blipFill>
+        <p:spPr>
+          <a:xfrm>
+            <a:off x="838200" y="4609318"/>
+            <a:ext cx="10515600" cy="830179"/>
+          </a:xfrm>
+          <a:prstGeom prst="rect">
+            <a:avLst/>
+          </a:prstGeom>
         </p:spPr>
       </p:pic>
     </p:spTree>
@@ -5768,6 +7373,1396 @@
               <a:rPr lang="en-GB" dirty="0">
                 <a:latin typeface="Avenir Next Medium" panose="020B0503020202020204" pitchFamily="34" charset="0"/>
               </a:rPr>
+              <a:t>The dataset - Labels</a:t>
+            </a:r>
+            <a:endParaRPr lang="fr-FR" dirty="0">
+              <a:latin typeface="Avenir Next Medium" panose="020B0503020202020204" pitchFamily="34" charset="0"/>
+            </a:endParaRPr>
+          </a:p>
+        </p:txBody>
+      </p:sp>
+      <p:sp>
+        <p:nvSpPr>
+          <p:cNvPr id="3" name="Content Placeholder 2">
+            <a:extLst>
+              <a:ext uri="{FF2B5EF4-FFF2-40B4-BE49-F238E27FC236}">
+                <a16:creationId xmlns:a16="http://schemas.microsoft.com/office/drawing/2014/main" id="{138ECBA7-E0A5-8D39-6737-EB13A307A0BE}"/>
+              </a:ext>
+            </a:extLst>
+          </p:cNvPr>
+          <p:cNvSpPr>
+            <a:spLocks noGrp="1"/>
+          </p:cNvSpPr>
+          <p:nvPr>
+            <p:ph idx="1"/>
+          </p:nvPr>
+        </p:nvSpPr>
+        <p:spPr>
+          <a:xfrm>
+            <a:off x="838200" y="1825625"/>
+            <a:ext cx="6884773" cy="4266256"/>
+          </a:xfrm>
+        </p:spPr>
+        <p:txBody>
+          <a:bodyPr>
+            <a:normAutofit/>
+          </a:bodyPr>
+          <a:lstStyle/>
+          <a:p>
+            <a:r>
+              <a:rPr lang="fr-FR" sz="2400" dirty="0">
+                <a:latin typeface="Avenir Next" panose="020B0503020202020204" pitchFamily="34" charset="0"/>
+              </a:rPr>
+              <a:t>The label value can </a:t>
+            </a:r>
+            <a:r>
+              <a:rPr lang="fr-FR" sz="2400" dirty="0" err="1">
+                <a:latin typeface="Avenir Next" panose="020B0503020202020204" pitchFamily="34" charset="0"/>
+              </a:rPr>
+              <a:t>be</a:t>
+            </a:r>
+            <a:r>
+              <a:rPr lang="fr-FR" sz="2400" dirty="0">
+                <a:latin typeface="Avenir Next" panose="020B0503020202020204" pitchFamily="34" charset="0"/>
+              </a:rPr>
+              <a:t> one of 23 </a:t>
+            </a:r>
+            <a:r>
+              <a:rPr lang="fr-FR" sz="2400" dirty="0" err="1">
+                <a:latin typeface="Avenir Next" panose="020B0503020202020204" pitchFamily="34" charset="0"/>
+              </a:rPr>
+              <a:t>possibilities</a:t>
+            </a:r>
+            <a:r>
+              <a:rPr lang="fr-FR" sz="2400" dirty="0">
+                <a:latin typeface="Avenir Next" panose="020B0503020202020204" pitchFamily="34" charset="0"/>
+              </a:rPr>
+              <a:t> : </a:t>
+            </a:r>
+          </a:p>
+          <a:p>
+            <a:pPr lvl="1"/>
+            <a:r>
+              <a:rPr lang="fr-FR" sz="2000" i="1" dirty="0">
+                <a:latin typeface="Avenir Next" panose="020B0503020202020204" pitchFamily="34" charset="0"/>
+              </a:rPr>
+              <a:t>back, </a:t>
+            </a:r>
+            <a:r>
+              <a:rPr lang="fr-FR" sz="2000" i="1" dirty="0" err="1">
+                <a:latin typeface="Avenir Next" panose="020B0503020202020204" pitchFamily="34" charset="0"/>
+              </a:rPr>
+              <a:t>buffer_overflow</a:t>
+            </a:r>
+            <a:r>
+              <a:rPr lang="fr-FR" sz="2000" i="1" dirty="0">
+                <a:latin typeface="Avenir Next" panose="020B0503020202020204" pitchFamily="34" charset="0"/>
+              </a:rPr>
+              <a:t>, </a:t>
+            </a:r>
+            <a:r>
+              <a:rPr lang="fr-FR" sz="2000" i="1" dirty="0" err="1">
+                <a:latin typeface="Avenir Next" panose="020B0503020202020204" pitchFamily="34" charset="0"/>
+              </a:rPr>
+              <a:t>ftp_write</a:t>
+            </a:r>
+            <a:r>
+              <a:rPr lang="fr-FR" sz="2000" i="1" dirty="0">
+                <a:latin typeface="Avenir Next" panose="020B0503020202020204" pitchFamily="34" charset="0"/>
+              </a:rPr>
+              <a:t>, </a:t>
+            </a:r>
+            <a:r>
+              <a:rPr lang="fr-FR" sz="2000" i="1" dirty="0" err="1">
+                <a:latin typeface="Avenir Next" panose="020B0503020202020204" pitchFamily="34" charset="0"/>
+              </a:rPr>
+              <a:t>guess_passwd</a:t>
+            </a:r>
+            <a:r>
+              <a:rPr lang="fr-FR" sz="2000" i="1" dirty="0">
+                <a:latin typeface="Avenir Next" panose="020B0503020202020204" pitchFamily="34" charset="0"/>
+              </a:rPr>
+              <a:t>, </a:t>
+            </a:r>
+            <a:r>
+              <a:rPr lang="fr-FR" sz="2000" i="1" dirty="0" err="1">
+                <a:latin typeface="Avenir Next" panose="020B0503020202020204" pitchFamily="34" charset="0"/>
+              </a:rPr>
+              <a:t>imap</a:t>
+            </a:r>
+            <a:r>
+              <a:rPr lang="fr-FR" sz="2000" i="1" dirty="0">
+                <a:latin typeface="Avenir Next" panose="020B0503020202020204" pitchFamily="34" charset="0"/>
+              </a:rPr>
+              <a:t>, </a:t>
+            </a:r>
+            <a:r>
+              <a:rPr lang="fr-FR" sz="2000" i="1" dirty="0" err="1">
+                <a:latin typeface="Avenir Next" panose="020B0503020202020204" pitchFamily="34" charset="0"/>
+              </a:rPr>
+              <a:t>ipsweep</a:t>
+            </a:r>
+            <a:r>
+              <a:rPr lang="fr-FR" sz="2000" i="1" dirty="0">
+                <a:latin typeface="Avenir Next" panose="020B0503020202020204" pitchFamily="34" charset="0"/>
+              </a:rPr>
+              <a:t>, land, </a:t>
+            </a:r>
+            <a:r>
+              <a:rPr lang="fr-FR" sz="2000" i="1" dirty="0" err="1">
+                <a:latin typeface="Avenir Next" panose="020B0503020202020204" pitchFamily="34" charset="0"/>
+              </a:rPr>
+              <a:t>loadmodule</a:t>
+            </a:r>
+            <a:r>
+              <a:rPr lang="fr-FR" sz="2000" i="1" dirty="0">
+                <a:latin typeface="Avenir Next" panose="020B0503020202020204" pitchFamily="34" charset="0"/>
+              </a:rPr>
+              <a:t>, </a:t>
+            </a:r>
+            <a:r>
+              <a:rPr lang="fr-FR" sz="2000" i="1" dirty="0" err="1">
+                <a:latin typeface="Avenir Next" panose="020B0503020202020204" pitchFamily="34" charset="0"/>
+              </a:rPr>
+              <a:t>multihop</a:t>
+            </a:r>
+            <a:r>
+              <a:rPr lang="fr-FR" sz="2000" i="1" dirty="0">
+                <a:latin typeface="Avenir Next" panose="020B0503020202020204" pitchFamily="34" charset="0"/>
+              </a:rPr>
+              <a:t>, </a:t>
+            </a:r>
+            <a:r>
+              <a:rPr lang="fr-FR" sz="2000" i="1" dirty="0" err="1">
+                <a:latin typeface="Avenir Next" panose="020B0503020202020204" pitchFamily="34" charset="0"/>
+              </a:rPr>
+              <a:t>neptune</a:t>
+            </a:r>
+            <a:r>
+              <a:rPr lang="fr-FR" sz="2000" i="1" dirty="0">
+                <a:latin typeface="Avenir Next" panose="020B0503020202020204" pitchFamily="34" charset="0"/>
+              </a:rPr>
+              <a:t>, </a:t>
+            </a:r>
+            <a:r>
+              <a:rPr lang="fr-FR" sz="2000" i="1" dirty="0" err="1">
+                <a:latin typeface="Avenir Next" panose="020B0503020202020204" pitchFamily="34" charset="0"/>
+              </a:rPr>
+              <a:t>nmap</a:t>
+            </a:r>
+            <a:r>
+              <a:rPr lang="fr-FR" sz="2000" i="1" dirty="0">
+                <a:latin typeface="Avenir Next" panose="020B0503020202020204" pitchFamily="34" charset="0"/>
+              </a:rPr>
+              <a:t>, normal, perl, </a:t>
+            </a:r>
+            <a:r>
+              <a:rPr lang="fr-FR" sz="2000" i="1" dirty="0" err="1">
+                <a:latin typeface="Avenir Next" panose="020B0503020202020204" pitchFamily="34" charset="0"/>
+              </a:rPr>
+              <a:t>phf</a:t>
+            </a:r>
+            <a:r>
+              <a:rPr lang="fr-FR" sz="2000" i="1" dirty="0">
+                <a:latin typeface="Avenir Next" panose="020B0503020202020204" pitchFamily="34" charset="0"/>
+              </a:rPr>
+              <a:t>, </a:t>
+            </a:r>
+            <a:r>
+              <a:rPr lang="fr-FR" sz="2000" i="1" dirty="0" err="1">
+                <a:latin typeface="Avenir Next" panose="020B0503020202020204" pitchFamily="34" charset="0"/>
+              </a:rPr>
+              <a:t>pod</a:t>
+            </a:r>
+            <a:r>
+              <a:rPr lang="fr-FR" sz="2000" i="1" dirty="0">
+                <a:latin typeface="Avenir Next" panose="020B0503020202020204" pitchFamily="34" charset="0"/>
+              </a:rPr>
+              <a:t>, </a:t>
+            </a:r>
+            <a:r>
+              <a:rPr lang="fr-FR" sz="2000" i="1" dirty="0" err="1">
+                <a:latin typeface="Avenir Next" panose="020B0503020202020204" pitchFamily="34" charset="0"/>
+              </a:rPr>
+              <a:t>portsweep</a:t>
+            </a:r>
+            <a:r>
+              <a:rPr lang="fr-FR" sz="2000" i="1" dirty="0">
+                <a:latin typeface="Avenir Next" panose="020B0503020202020204" pitchFamily="34" charset="0"/>
+              </a:rPr>
+              <a:t>, rootkit, </a:t>
+            </a:r>
+            <a:r>
+              <a:rPr lang="fr-FR" sz="2000" i="1" dirty="0" err="1">
+                <a:latin typeface="Avenir Next" panose="020B0503020202020204" pitchFamily="34" charset="0"/>
+              </a:rPr>
+              <a:t>satan</a:t>
+            </a:r>
+            <a:r>
+              <a:rPr lang="fr-FR" sz="2000" i="1" dirty="0">
+                <a:latin typeface="Avenir Next" panose="020B0503020202020204" pitchFamily="34" charset="0"/>
+              </a:rPr>
+              <a:t>, smurf, </a:t>
+            </a:r>
+            <a:r>
+              <a:rPr lang="fr-FR" sz="2000" i="1" dirty="0" err="1">
+                <a:latin typeface="Avenir Next" panose="020B0503020202020204" pitchFamily="34" charset="0"/>
+              </a:rPr>
+              <a:t>spy</a:t>
+            </a:r>
+            <a:r>
+              <a:rPr lang="fr-FR" sz="2000" i="1" dirty="0">
+                <a:latin typeface="Avenir Next" panose="020B0503020202020204" pitchFamily="34" charset="0"/>
+              </a:rPr>
+              <a:t>, </a:t>
+            </a:r>
+            <a:r>
+              <a:rPr lang="fr-FR" sz="2000" i="1" dirty="0" err="1">
+                <a:latin typeface="Avenir Next" panose="020B0503020202020204" pitchFamily="34" charset="0"/>
+              </a:rPr>
+              <a:t>teardrop</a:t>
+            </a:r>
+            <a:r>
+              <a:rPr lang="fr-FR" sz="2000" i="1" dirty="0">
+                <a:latin typeface="Avenir Next" panose="020B0503020202020204" pitchFamily="34" charset="0"/>
+              </a:rPr>
+              <a:t>, </a:t>
+            </a:r>
+            <a:r>
+              <a:rPr lang="fr-FR" sz="2000" i="1" dirty="0" err="1">
+                <a:latin typeface="Avenir Next" panose="020B0503020202020204" pitchFamily="34" charset="0"/>
+              </a:rPr>
+              <a:t>warezclient</a:t>
+            </a:r>
+            <a:r>
+              <a:rPr lang="fr-FR" sz="2000" i="1" dirty="0">
+                <a:latin typeface="Avenir Next" panose="020B0503020202020204" pitchFamily="34" charset="0"/>
+              </a:rPr>
+              <a:t>, </a:t>
+            </a:r>
+            <a:r>
+              <a:rPr lang="fr-FR" sz="2000" i="1" dirty="0" err="1">
+                <a:latin typeface="Avenir Next" panose="020B0503020202020204" pitchFamily="34" charset="0"/>
+              </a:rPr>
+              <a:t>warezmaster</a:t>
+            </a:r>
+            <a:r>
+              <a:rPr lang="fr-FR" sz="2000" dirty="0">
+                <a:latin typeface="Avenir Next" panose="020B0503020202020204" pitchFamily="34" charset="0"/>
+              </a:rPr>
+              <a:t>. </a:t>
+            </a:r>
+          </a:p>
+          <a:p>
+            <a:r>
+              <a:rPr lang="fr-FR" sz="2400" dirty="0">
+                <a:latin typeface="Avenir Next" panose="020B0503020202020204" pitchFamily="34" charset="0"/>
+              </a:rPr>
+              <a:t>In the </a:t>
+            </a:r>
+            <a:r>
+              <a:rPr lang="fr-FR" sz="2400" dirty="0" err="1">
+                <a:latin typeface="Avenir Next" panose="020B0503020202020204" pitchFamily="34" charset="0"/>
+              </a:rPr>
+              <a:t>dataset</a:t>
+            </a:r>
+            <a:r>
+              <a:rPr lang="fr-FR" sz="2400" dirty="0">
+                <a:latin typeface="Avenir Next" panose="020B0503020202020204" pitchFamily="34" charset="0"/>
+              </a:rPr>
+              <a:t>, ~20% of connections are </a:t>
+            </a:r>
+            <a:r>
+              <a:rPr lang="fr-FR" sz="2400" dirty="0" err="1">
+                <a:latin typeface="Avenir Next" panose="020B0503020202020204" pitchFamily="34" charset="0"/>
+              </a:rPr>
+              <a:t>labeled</a:t>
+            </a:r>
+            <a:r>
+              <a:rPr lang="fr-FR" sz="2400" dirty="0">
+                <a:latin typeface="Avenir Next" panose="020B0503020202020204" pitchFamily="34" charset="0"/>
+              </a:rPr>
+              <a:t> </a:t>
+            </a:r>
+            <a:r>
+              <a:rPr lang="fr-FR" sz="2400" i="1" dirty="0">
+                <a:latin typeface="Avenir Next" panose="020B0503020202020204" pitchFamily="34" charset="0"/>
+              </a:rPr>
+              <a:t>normal</a:t>
+            </a:r>
+            <a:r>
+              <a:rPr lang="fr-FR" sz="2400" dirty="0">
+                <a:latin typeface="Avenir Next" panose="020B0503020202020204" pitchFamily="34" charset="0"/>
+              </a:rPr>
+              <a:t>.</a:t>
+            </a:r>
+          </a:p>
+        </p:txBody>
+      </p:sp>
+      <p:sp>
+        <p:nvSpPr>
+          <p:cNvPr id="4" name="Date Placeholder 3">
+            <a:extLst>
+              <a:ext uri="{FF2B5EF4-FFF2-40B4-BE49-F238E27FC236}">
+                <a16:creationId xmlns:a16="http://schemas.microsoft.com/office/drawing/2014/main" id="{29128103-CC75-2E58-B635-5950CA33C1DF}"/>
+              </a:ext>
+            </a:extLst>
+          </p:cNvPr>
+          <p:cNvSpPr>
+            <a:spLocks noGrp="1"/>
+          </p:cNvSpPr>
+          <p:nvPr>
+            <p:ph type="dt" sz="half" idx="10"/>
+          </p:nvPr>
+        </p:nvSpPr>
+        <p:spPr/>
+        <p:txBody>
+          <a:bodyPr/>
+          <a:lstStyle/>
+          <a:p>
+            <a:r>
+              <a:rPr lang="de-CH" dirty="0"/>
+              <a:t>10.06.2022</a:t>
+            </a:r>
+            <a:endParaRPr lang="fr-FR" dirty="0"/>
+          </a:p>
+        </p:txBody>
+      </p:sp>
+      <p:sp>
+        <p:nvSpPr>
+          <p:cNvPr id="6" name="Slide Number Placeholder 5">
+            <a:extLst>
+              <a:ext uri="{FF2B5EF4-FFF2-40B4-BE49-F238E27FC236}">
+                <a16:creationId xmlns:a16="http://schemas.microsoft.com/office/drawing/2014/main" id="{A06554C2-2984-B2C8-2158-C04BED7CEDFC}"/>
+              </a:ext>
+            </a:extLst>
+          </p:cNvPr>
+          <p:cNvSpPr>
+            <a:spLocks noGrp="1"/>
+          </p:cNvSpPr>
+          <p:nvPr>
+            <p:ph type="sldNum" sz="quarter" idx="12"/>
+          </p:nvPr>
+        </p:nvSpPr>
+        <p:spPr/>
+        <p:txBody>
+          <a:bodyPr/>
+          <a:lstStyle/>
+          <a:p>
+            <a:fld id="{50E96FFC-9A77-BE40-93A2-F2F19ACBA9AE}" type="slidenum">
+              <a:rPr lang="fr-FR" smtClean="0"/>
+              <a:t>4</a:t>
+            </a:fld>
+            <a:endParaRPr lang="fr-FR"/>
+          </a:p>
+        </p:txBody>
+      </p:sp>
+      <p:pic>
+        <p:nvPicPr>
+          <p:cNvPr id="8" name="Picture 2" descr="HES-SO - Logo - Haute école">
+            <a:extLst>
+              <a:ext uri="{FF2B5EF4-FFF2-40B4-BE49-F238E27FC236}">
+                <a16:creationId xmlns:a16="http://schemas.microsoft.com/office/drawing/2014/main" id="{EA03034B-9075-280A-A560-1F98B0D46A44}"/>
+              </a:ext>
+            </a:extLst>
+          </p:cNvPr>
+          <p:cNvPicPr>
+            <a:picLocks noChangeAspect="1" noChangeArrowheads="1"/>
+          </p:cNvPicPr>
+          <p:nvPr/>
+        </p:nvPicPr>
+        <p:blipFill>
+          <a:blip r:embed="rId3">
+            <a:extLst>
+              <a:ext uri="{28A0092B-C50C-407E-A947-70E740481C1C}">
+                <a14:useLocalDpi xmlns:a14="http://schemas.microsoft.com/office/drawing/2010/main" val="0"/>
+              </a:ext>
+            </a:extLst>
+          </a:blip>
+          <a:srcRect/>
+          <a:stretch>
+            <a:fillRect/>
+          </a:stretch>
+        </p:blipFill>
+        <p:spPr bwMode="auto">
+          <a:xfrm>
+            <a:off x="5563101" y="6386879"/>
+            <a:ext cx="1065798" cy="334596"/>
+          </a:xfrm>
+          <a:prstGeom prst="rect">
+            <a:avLst/>
+          </a:prstGeom>
+          <a:noFill/>
+          <a:extLst>
+            <a:ext uri="{909E8E84-426E-40DD-AFC4-6F175D3DCCD1}">
+              <a14:hiddenFill xmlns:a14="http://schemas.microsoft.com/office/drawing/2010/main">
+                <a:solidFill>
+                  <a:srgbClr val="FFFFFF"/>
+                </a:solidFill>
+              </a14:hiddenFill>
+            </a:ext>
+          </a:extLst>
+        </p:spPr>
+      </p:pic>
+      <p:pic>
+        <p:nvPicPr>
+          <p:cNvPr id="9" name="Picture 8" descr="Table&#10;&#10;Description automatically generated">
+            <a:extLst>
+              <a:ext uri="{FF2B5EF4-FFF2-40B4-BE49-F238E27FC236}">
+                <a16:creationId xmlns:a16="http://schemas.microsoft.com/office/drawing/2014/main" id="{C4ED121E-55D7-7C20-DC41-5B469DA4E7BF}"/>
+              </a:ext>
+            </a:extLst>
+          </p:cNvPr>
+          <p:cNvPicPr>
+            <a:picLocks noChangeAspect="1"/>
+          </p:cNvPicPr>
+          <p:nvPr/>
+        </p:nvPicPr>
+        <p:blipFill>
+          <a:blip r:embed="rId4"/>
+          <a:stretch>
+            <a:fillRect/>
+          </a:stretch>
+        </p:blipFill>
+        <p:spPr>
+          <a:xfrm>
+            <a:off x="8304428" y="1231438"/>
+            <a:ext cx="3049372" cy="5124912"/>
+          </a:xfrm>
+          <a:prstGeom prst="rect">
+            <a:avLst/>
+          </a:prstGeom>
+        </p:spPr>
+      </p:pic>
+    </p:spTree>
+    <p:extLst>
+      <p:ext uri="{BB962C8B-B14F-4D97-AF65-F5344CB8AC3E}">
+        <p14:creationId xmlns:p14="http://schemas.microsoft.com/office/powerpoint/2010/main" val="497482989"/>
+      </p:ext>
+    </p:extLst>
+  </p:cSld>
+  <p:clrMapOvr>
+    <a:masterClrMapping/>
+  </p:clrMapOvr>
+</p:sld>
+</file>
+
+<file path=ppt/slides/slide5.xml><?xml version="1.0" encoding="utf-8"?>
+<p:sld xmlns:a="http://schemas.openxmlformats.org/drawingml/2006/main" xmlns:r="http://schemas.openxmlformats.org/officeDocument/2006/relationships" xmlns:p="http://schemas.openxmlformats.org/presentationml/2006/main">
+  <p:cSld>
+    <p:spTree>
+      <p:nvGrpSpPr>
+        <p:cNvPr id="1" name=""/>
+        <p:cNvGrpSpPr/>
+        <p:nvPr/>
+      </p:nvGrpSpPr>
+      <p:grpSpPr>
+        <a:xfrm>
+          <a:off x="0" y="0"/>
+          <a:ext cx="0" cy="0"/>
+          <a:chOff x="0" y="0"/>
+          <a:chExt cx="0" cy="0"/>
+        </a:xfrm>
+      </p:grpSpPr>
+      <p:sp>
+        <p:nvSpPr>
+          <p:cNvPr id="2" name="Title 1">
+            <a:extLst>
+              <a:ext uri="{FF2B5EF4-FFF2-40B4-BE49-F238E27FC236}">
+                <a16:creationId xmlns:a16="http://schemas.microsoft.com/office/drawing/2014/main" id="{F32D2FED-7694-B794-E4A7-C183D83D2881}"/>
+              </a:ext>
+            </a:extLst>
+          </p:cNvPr>
+          <p:cNvSpPr>
+            <a:spLocks noGrp="1"/>
+          </p:cNvSpPr>
+          <p:nvPr>
+            <p:ph type="title"/>
+          </p:nvPr>
+        </p:nvSpPr>
+        <p:spPr/>
+        <p:txBody>
+          <a:bodyPr/>
+          <a:lstStyle/>
+          <a:p>
+            <a:r>
+              <a:rPr lang="en-GB" dirty="0">
+                <a:latin typeface="Avenir Next Medium" panose="020B0503020202020204" pitchFamily="34" charset="0"/>
+              </a:rPr>
+              <a:t>The dataset - Pre-processing</a:t>
+            </a:r>
+            <a:endParaRPr lang="fr-FR" dirty="0">
+              <a:latin typeface="Avenir Next Medium" panose="020B0503020202020204" pitchFamily="34" charset="0"/>
+            </a:endParaRPr>
+          </a:p>
+        </p:txBody>
+      </p:sp>
+      <p:sp>
+        <p:nvSpPr>
+          <p:cNvPr id="3" name="Content Placeholder 2">
+            <a:extLst>
+              <a:ext uri="{FF2B5EF4-FFF2-40B4-BE49-F238E27FC236}">
+                <a16:creationId xmlns:a16="http://schemas.microsoft.com/office/drawing/2014/main" id="{138ECBA7-E0A5-8D39-6737-EB13A307A0BE}"/>
+              </a:ext>
+            </a:extLst>
+          </p:cNvPr>
+          <p:cNvSpPr>
+            <a:spLocks noGrp="1"/>
+          </p:cNvSpPr>
+          <p:nvPr>
+            <p:ph idx="1"/>
+          </p:nvPr>
+        </p:nvSpPr>
+        <p:spPr>
+          <a:xfrm>
+            <a:off x="838200" y="1825625"/>
+            <a:ext cx="10515600" cy="4266256"/>
+          </a:xfrm>
+        </p:spPr>
+        <p:txBody>
+          <a:bodyPr>
+            <a:normAutofit/>
+          </a:bodyPr>
+          <a:lstStyle/>
+          <a:p>
+            <a:r>
+              <a:rPr lang="fr-FR" sz="2400" dirty="0" err="1">
+                <a:latin typeface="Avenir Next" panose="020B0503020202020204" pitchFamily="34" charset="0"/>
+              </a:rPr>
+              <a:t>Fextraction</a:t>
+            </a:r>
+            <a:r>
+              <a:rPr lang="fr-FR" sz="2400" dirty="0">
+                <a:latin typeface="Avenir Next" panose="020B0503020202020204" pitchFamily="34" charset="0"/>
+              </a:rPr>
+              <a:t> </a:t>
+            </a:r>
+            <a:r>
+              <a:rPr lang="fr-FR" sz="2400" dirty="0" err="1">
+                <a:latin typeface="Avenir Next" panose="020B0503020202020204" pitchFamily="34" charset="0"/>
+              </a:rPr>
+              <a:t>was</a:t>
+            </a:r>
+            <a:r>
+              <a:rPr lang="fr-FR" sz="2400" dirty="0">
+                <a:latin typeface="Avenir Next" panose="020B0503020202020204" pitchFamily="34" charset="0"/>
+              </a:rPr>
+              <a:t> </a:t>
+            </a:r>
+            <a:r>
+              <a:rPr lang="fr-FR" sz="2400" dirty="0" err="1">
+                <a:latin typeface="Avenir Next" panose="020B0503020202020204" pitchFamily="34" charset="0"/>
+              </a:rPr>
+              <a:t>already</a:t>
+            </a:r>
+            <a:r>
+              <a:rPr lang="fr-FR" sz="2400" dirty="0">
+                <a:latin typeface="Avenir Next" panose="020B0503020202020204" pitchFamily="34" charset="0"/>
+              </a:rPr>
+              <a:t> </a:t>
+            </a:r>
+            <a:r>
+              <a:rPr lang="fr-FR" sz="2400" dirty="0" err="1">
+                <a:latin typeface="Avenir Next" panose="020B0503020202020204" pitchFamily="34" charset="0"/>
+              </a:rPr>
+              <a:t>done</a:t>
+            </a:r>
+            <a:r>
+              <a:rPr lang="fr-FR" sz="2400" dirty="0">
+                <a:latin typeface="Avenir Next" panose="020B0503020202020204" pitchFamily="34" charset="0"/>
+              </a:rPr>
+              <a:t> </a:t>
+            </a:r>
+          </a:p>
+          <a:p>
+            <a:r>
+              <a:rPr lang="fr-FR" sz="2400" dirty="0" err="1">
+                <a:latin typeface="Avenir Next" panose="020B0503020202020204" pitchFamily="34" charset="0"/>
+              </a:rPr>
+              <a:t>Already</a:t>
+            </a:r>
+            <a:r>
+              <a:rPr lang="fr-FR" sz="2400" dirty="0">
+                <a:latin typeface="Avenir Next" panose="020B0503020202020204" pitchFamily="34" charset="0"/>
+              </a:rPr>
+              <a:t> 38 </a:t>
+            </a:r>
+            <a:r>
+              <a:rPr lang="fr-FR" sz="2400" dirty="0" err="1">
+                <a:latin typeface="Avenir Next" panose="020B0503020202020204" pitchFamily="34" charset="0"/>
+              </a:rPr>
+              <a:t>numeric</a:t>
+            </a:r>
+            <a:r>
+              <a:rPr lang="fr-FR" sz="2400" dirty="0">
+                <a:latin typeface="Avenir Next" panose="020B0503020202020204" pitchFamily="34" charset="0"/>
+              </a:rPr>
+              <a:t> </a:t>
+            </a:r>
+            <a:r>
+              <a:rPr lang="fr-FR" sz="2400" dirty="0" err="1">
+                <a:latin typeface="Avenir Next" panose="020B0503020202020204" pitchFamily="34" charset="0"/>
+              </a:rPr>
+              <a:t>features</a:t>
+            </a:r>
+            <a:r>
+              <a:rPr lang="fr-FR" sz="2400" dirty="0">
+                <a:latin typeface="Avenir Next" panose="020B0503020202020204" pitchFamily="34" charset="0"/>
+              </a:rPr>
+              <a:t> </a:t>
+            </a:r>
+            <a:r>
+              <a:rPr lang="fr-FR" sz="2400" dirty="0" err="1">
+                <a:latin typeface="Avenir Next" panose="020B0503020202020204" pitchFamily="34" charset="0"/>
+              </a:rPr>
+              <a:t>that</a:t>
+            </a:r>
+            <a:r>
+              <a:rPr lang="fr-FR" sz="2400" dirty="0">
+                <a:latin typeface="Avenir Next" panose="020B0503020202020204" pitchFamily="34" charset="0"/>
+              </a:rPr>
+              <a:t> </a:t>
+            </a:r>
+            <a:r>
+              <a:rPr lang="fr-FR" sz="2400" dirty="0" err="1">
+                <a:latin typeface="Avenir Next" panose="020B0503020202020204" pitchFamily="34" charset="0"/>
+              </a:rPr>
+              <a:t>we</a:t>
+            </a:r>
+            <a:r>
+              <a:rPr lang="fr-FR" sz="2400" dirty="0">
+                <a:latin typeface="Avenir Next" panose="020B0503020202020204" pitchFamily="34" charset="0"/>
+              </a:rPr>
+              <a:t> can exploit</a:t>
+            </a:r>
+          </a:p>
+          <a:p>
+            <a:r>
+              <a:rPr lang="fr-FR" sz="2400" dirty="0" err="1">
+                <a:latin typeface="Avenir Next" panose="020B0503020202020204" pitchFamily="34" charset="0"/>
+              </a:rPr>
+              <a:t>Other</a:t>
+            </a:r>
+            <a:r>
+              <a:rPr lang="fr-FR" sz="2400" dirty="0">
+                <a:latin typeface="Avenir Next" panose="020B0503020202020204" pitchFamily="34" charset="0"/>
+              </a:rPr>
+              <a:t> </a:t>
+            </a:r>
+            <a:r>
+              <a:rPr lang="fr-FR" sz="2400" dirty="0" err="1">
+                <a:latin typeface="Avenir Next" panose="020B0503020202020204" pitchFamily="34" charset="0"/>
+              </a:rPr>
+              <a:t>features</a:t>
+            </a:r>
+            <a:r>
+              <a:rPr lang="fr-FR" sz="2400" dirty="0">
+                <a:latin typeface="Avenir Next" panose="020B0503020202020204" pitchFamily="34" charset="0"/>
+              </a:rPr>
+              <a:t> (non-</a:t>
+            </a:r>
+            <a:r>
+              <a:rPr lang="fr-FR" sz="2400" dirty="0" err="1">
+                <a:latin typeface="Avenir Next" panose="020B0503020202020204" pitchFamily="34" charset="0"/>
+              </a:rPr>
+              <a:t>numeric</a:t>
+            </a:r>
+            <a:r>
+              <a:rPr lang="fr-FR" sz="2400" dirty="0">
+                <a:latin typeface="Avenir Next" panose="020B0503020202020204" pitchFamily="34" charset="0"/>
+              </a:rPr>
+              <a:t>) </a:t>
+            </a:r>
+            <a:r>
+              <a:rPr lang="fr-FR" sz="2400" dirty="0" err="1">
+                <a:latin typeface="Avenir Next" panose="020B0503020202020204" pitchFamily="34" charset="0"/>
+              </a:rPr>
+              <a:t>will</a:t>
+            </a:r>
+            <a:r>
+              <a:rPr lang="fr-FR" sz="2400" dirty="0">
+                <a:latin typeface="Avenir Next" panose="020B0503020202020204" pitchFamily="34" charset="0"/>
+              </a:rPr>
+              <a:t> </a:t>
+            </a:r>
+            <a:r>
+              <a:rPr lang="fr-FR" sz="2400" dirty="0" err="1">
+                <a:latin typeface="Avenir Next" panose="020B0503020202020204" pitchFamily="34" charset="0"/>
+              </a:rPr>
+              <a:t>be</a:t>
+            </a:r>
+            <a:r>
+              <a:rPr lang="fr-FR" sz="2400" dirty="0">
+                <a:latin typeface="Avenir Next" panose="020B0503020202020204" pitchFamily="34" charset="0"/>
+              </a:rPr>
+              <a:t> </a:t>
+            </a:r>
+            <a:r>
+              <a:rPr lang="fr-FR" sz="2400" dirty="0" err="1">
+                <a:latin typeface="Avenir Next" panose="020B0503020202020204" pitchFamily="34" charset="0"/>
+              </a:rPr>
+              <a:t>one-hot</a:t>
+            </a:r>
+            <a:r>
+              <a:rPr lang="fr-FR" sz="2400" dirty="0">
+                <a:latin typeface="Avenir Next" panose="020B0503020202020204" pitchFamily="34" charset="0"/>
+              </a:rPr>
+              <a:t> </a:t>
+            </a:r>
+            <a:r>
+              <a:rPr lang="fr-FR" sz="2400" dirty="0" err="1">
+                <a:latin typeface="Avenir Next" panose="020B0503020202020204" pitchFamily="34" charset="0"/>
+              </a:rPr>
+              <a:t>encoded</a:t>
+            </a:r>
+            <a:r>
+              <a:rPr lang="fr-FR" sz="2400" dirty="0">
+                <a:latin typeface="Avenir Next" panose="020B0503020202020204" pitchFamily="34" charset="0"/>
+              </a:rPr>
+              <a:t> to </a:t>
+            </a:r>
+            <a:r>
+              <a:rPr lang="fr-FR" sz="2400" dirty="0" err="1">
+                <a:latin typeface="Avenir Next" panose="020B0503020202020204" pitchFamily="34" charset="0"/>
+              </a:rPr>
+              <a:t>be</a:t>
+            </a:r>
+            <a:r>
+              <a:rPr lang="fr-FR" sz="2400" dirty="0">
+                <a:latin typeface="Avenir Next" panose="020B0503020202020204" pitchFamily="34" charset="0"/>
+              </a:rPr>
+              <a:t> usable</a:t>
+            </a:r>
+          </a:p>
+        </p:txBody>
+      </p:sp>
+      <p:sp>
+        <p:nvSpPr>
+          <p:cNvPr id="4" name="Date Placeholder 3">
+            <a:extLst>
+              <a:ext uri="{FF2B5EF4-FFF2-40B4-BE49-F238E27FC236}">
+                <a16:creationId xmlns:a16="http://schemas.microsoft.com/office/drawing/2014/main" id="{29128103-CC75-2E58-B635-5950CA33C1DF}"/>
+              </a:ext>
+            </a:extLst>
+          </p:cNvPr>
+          <p:cNvSpPr>
+            <a:spLocks noGrp="1"/>
+          </p:cNvSpPr>
+          <p:nvPr>
+            <p:ph type="dt" sz="half" idx="10"/>
+          </p:nvPr>
+        </p:nvSpPr>
+        <p:spPr/>
+        <p:txBody>
+          <a:bodyPr/>
+          <a:lstStyle/>
+          <a:p>
+            <a:r>
+              <a:rPr lang="de-CH" dirty="0"/>
+              <a:t>10.06.2022</a:t>
+            </a:r>
+            <a:endParaRPr lang="fr-FR" dirty="0"/>
+          </a:p>
+        </p:txBody>
+      </p:sp>
+      <p:sp>
+        <p:nvSpPr>
+          <p:cNvPr id="6" name="Slide Number Placeholder 5">
+            <a:extLst>
+              <a:ext uri="{FF2B5EF4-FFF2-40B4-BE49-F238E27FC236}">
+                <a16:creationId xmlns:a16="http://schemas.microsoft.com/office/drawing/2014/main" id="{A06554C2-2984-B2C8-2158-C04BED7CEDFC}"/>
+              </a:ext>
+            </a:extLst>
+          </p:cNvPr>
+          <p:cNvSpPr>
+            <a:spLocks noGrp="1"/>
+          </p:cNvSpPr>
+          <p:nvPr>
+            <p:ph type="sldNum" sz="quarter" idx="12"/>
+          </p:nvPr>
+        </p:nvSpPr>
+        <p:spPr/>
+        <p:txBody>
+          <a:bodyPr/>
+          <a:lstStyle/>
+          <a:p>
+            <a:fld id="{50E96FFC-9A77-BE40-93A2-F2F19ACBA9AE}" type="slidenum">
+              <a:rPr lang="fr-FR" smtClean="0"/>
+              <a:t>5</a:t>
+            </a:fld>
+            <a:endParaRPr lang="fr-FR"/>
+          </a:p>
+        </p:txBody>
+      </p:sp>
+      <p:pic>
+        <p:nvPicPr>
+          <p:cNvPr id="8" name="Picture 2" descr="HES-SO - Logo - Haute école">
+            <a:extLst>
+              <a:ext uri="{FF2B5EF4-FFF2-40B4-BE49-F238E27FC236}">
+                <a16:creationId xmlns:a16="http://schemas.microsoft.com/office/drawing/2014/main" id="{EA03034B-9075-280A-A560-1F98B0D46A44}"/>
+              </a:ext>
+            </a:extLst>
+          </p:cNvPr>
+          <p:cNvPicPr>
+            <a:picLocks noChangeAspect="1" noChangeArrowheads="1"/>
+          </p:cNvPicPr>
+          <p:nvPr/>
+        </p:nvPicPr>
+        <p:blipFill>
+          <a:blip r:embed="rId3">
+            <a:extLst>
+              <a:ext uri="{28A0092B-C50C-407E-A947-70E740481C1C}">
+                <a14:useLocalDpi xmlns:a14="http://schemas.microsoft.com/office/drawing/2010/main" val="0"/>
+              </a:ext>
+            </a:extLst>
+          </a:blip>
+          <a:srcRect/>
+          <a:stretch>
+            <a:fillRect/>
+          </a:stretch>
+        </p:blipFill>
+        <p:spPr bwMode="auto">
+          <a:xfrm>
+            <a:off x="5563101" y="6386879"/>
+            <a:ext cx="1065798" cy="334596"/>
+          </a:xfrm>
+          <a:prstGeom prst="rect">
+            <a:avLst/>
+          </a:prstGeom>
+          <a:noFill/>
+          <a:extLst>
+            <a:ext uri="{909E8E84-426E-40DD-AFC4-6F175D3DCCD1}">
+              <a14:hiddenFill xmlns:a14="http://schemas.microsoft.com/office/drawing/2010/main">
+                <a:solidFill>
+                  <a:srgbClr val="FFFFFF"/>
+                </a:solidFill>
+              </a14:hiddenFill>
+            </a:ext>
+          </a:extLst>
+        </p:spPr>
+      </p:pic>
+    </p:spTree>
+    <p:extLst>
+      <p:ext uri="{BB962C8B-B14F-4D97-AF65-F5344CB8AC3E}">
+        <p14:creationId xmlns:p14="http://schemas.microsoft.com/office/powerpoint/2010/main" val="68203045"/>
+      </p:ext>
+    </p:extLst>
+  </p:cSld>
+  <p:clrMapOvr>
+    <a:masterClrMapping/>
+  </p:clrMapOvr>
+</p:sld>
+</file>
+
+<file path=ppt/slides/slide6.xml><?xml version="1.0" encoding="utf-8"?>
+<p:sld xmlns:a="http://schemas.openxmlformats.org/drawingml/2006/main" xmlns:r="http://schemas.openxmlformats.org/officeDocument/2006/relationships" xmlns:p="http://schemas.openxmlformats.org/presentationml/2006/main">
+  <p:cSld>
+    <p:spTree>
+      <p:nvGrpSpPr>
+        <p:cNvPr id="1" name=""/>
+        <p:cNvGrpSpPr/>
+        <p:nvPr/>
+      </p:nvGrpSpPr>
+      <p:grpSpPr>
+        <a:xfrm>
+          <a:off x="0" y="0"/>
+          <a:ext cx="0" cy="0"/>
+          <a:chOff x="0" y="0"/>
+          <a:chExt cx="0" cy="0"/>
+        </a:xfrm>
+      </p:grpSpPr>
+      <p:sp>
+        <p:nvSpPr>
+          <p:cNvPr id="2" name="Title 1">
+            <a:extLst>
+              <a:ext uri="{FF2B5EF4-FFF2-40B4-BE49-F238E27FC236}">
+                <a16:creationId xmlns:a16="http://schemas.microsoft.com/office/drawing/2014/main" id="{F32D2FED-7694-B794-E4A7-C183D83D2881}"/>
+              </a:ext>
+            </a:extLst>
+          </p:cNvPr>
+          <p:cNvSpPr>
+            <a:spLocks noGrp="1"/>
+          </p:cNvSpPr>
+          <p:nvPr>
+            <p:ph type="title"/>
+          </p:nvPr>
+        </p:nvSpPr>
+        <p:spPr/>
+        <p:txBody>
+          <a:bodyPr/>
+          <a:lstStyle/>
+          <a:p>
+            <a:r>
+              <a:rPr lang="en-GB" dirty="0">
+                <a:latin typeface="Avenir Next Medium" panose="020B0503020202020204" pitchFamily="34" charset="0"/>
+              </a:rPr>
+              <a:t>Algorithm</a:t>
+            </a:r>
+            <a:endParaRPr lang="fr-FR" dirty="0">
+              <a:latin typeface="Avenir Next Medium" panose="020B0503020202020204" pitchFamily="34" charset="0"/>
+            </a:endParaRPr>
+          </a:p>
+        </p:txBody>
+      </p:sp>
+      <p:sp>
+        <p:nvSpPr>
+          <p:cNvPr id="3" name="Content Placeholder 2">
+            <a:extLst>
+              <a:ext uri="{FF2B5EF4-FFF2-40B4-BE49-F238E27FC236}">
+                <a16:creationId xmlns:a16="http://schemas.microsoft.com/office/drawing/2014/main" id="{138ECBA7-E0A5-8D39-6737-EB13A307A0BE}"/>
+              </a:ext>
+            </a:extLst>
+          </p:cNvPr>
+          <p:cNvSpPr>
+            <a:spLocks noGrp="1"/>
+          </p:cNvSpPr>
+          <p:nvPr>
+            <p:ph idx="1"/>
+          </p:nvPr>
+        </p:nvSpPr>
+        <p:spPr/>
+        <p:txBody>
+          <a:bodyPr>
+            <a:normAutofit/>
+          </a:bodyPr>
+          <a:lstStyle/>
+          <a:p>
+            <a:r>
+              <a:rPr lang="fr-FR" sz="2400" dirty="0">
+                <a:latin typeface="Avenir Next" panose="020B0503020202020204" pitchFamily="34" charset="0"/>
+              </a:rPr>
+              <a:t>An </a:t>
+            </a:r>
+            <a:r>
+              <a:rPr lang="fr-FR" sz="2400" dirty="0" err="1">
+                <a:latin typeface="Avenir Next" panose="020B0503020202020204" pitchFamily="34" charset="0"/>
+              </a:rPr>
+              <a:t>unsupervised</a:t>
+            </a:r>
+            <a:r>
+              <a:rPr lang="fr-FR" sz="2400" dirty="0">
+                <a:latin typeface="Avenir Next" panose="020B0503020202020204" pitchFamily="34" charset="0"/>
+              </a:rPr>
+              <a:t> </a:t>
+            </a:r>
+            <a:r>
+              <a:rPr lang="fr-FR" sz="2400" dirty="0" err="1">
+                <a:latin typeface="Avenir Next" panose="020B0503020202020204" pitchFamily="34" charset="0"/>
+              </a:rPr>
+              <a:t>learning</a:t>
+            </a:r>
+            <a:r>
+              <a:rPr lang="fr-FR" sz="2400" dirty="0">
+                <a:latin typeface="Avenir Next" panose="020B0503020202020204" pitchFamily="34" charset="0"/>
+              </a:rPr>
+              <a:t> </a:t>
+            </a:r>
+            <a:r>
+              <a:rPr lang="fr-FR" sz="2400" dirty="0" err="1">
+                <a:latin typeface="Avenir Next" panose="020B0503020202020204" pitchFamily="34" charset="0"/>
+              </a:rPr>
+              <a:t>algorithm</a:t>
+            </a:r>
+            <a:r>
+              <a:rPr lang="fr-FR" sz="2400" dirty="0">
+                <a:latin typeface="Avenir Next" panose="020B0503020202020204" pitchFamily="34" charset="0"/>
+              </a:rPr>
+              <a:t> </a:t>
+            </a:r>
+            <a:r>
+              <a:rPr lang="fr-FR" sz="2400" dirty="0" err="1">
+                <a:latin typeface="Avenir Next" panose="020B0503020202020204" pitchFamily="34" charset="0"/>
+              </a:rPr>
+              <a:t>is</a:t>
+            </a:r>
+            <a:r>
+              <a:rPr lang="fr-FR" sz="2400" dirty="0">
+                <a:latin typeface="Avenir Next" panose="020B0503020202020204" pitchFamily="34" charset="0"/>
+              </a:rPr>
+              <a:t> </a:t>
+            </a:r>
+            <a:r>
+              <a:rPr lang="fr-FR" sz="2400" dirty="0" err="1">
+                <a:latin typeface="Avenir Next" panose="020B0503020202020204" pitchFamily="34" charset="0"/>
+              </a:rPr>
+              <a:t>applied</a:t>
+            </a:r>
+            <a:r>
+              <a:rPr lang="fr-FR" sz="2400" dirty="0">
+                <a:latin typeface="Avenir Next" panose="020B0503020202020204" pitchFamily="34" charset="0"/>
+              </a:rPr>
+              <a:t>: </a:t>
+            </a:r>
+            <a:r>
+              <a:rPr lang="fr-FR" sz="2400" b="1" dirty="0">
+                <a:latin typeface="Avenir Next" panose="020B0503020202020204" pitchFamily="34" charset="0"/>
+              </a:rPr>
+              <a:t>K-</a:t>
+            </a:r>
+            <a:r>
+              <a:rPr lang="fr-FR" sz="2400" b="1" dirty="0" err="1">
+                <a:latin typeface="Avenir Next" panose="020B0503020202020204" pitchFamily="34" charset="0"/>
+              </a:rPr>
+              <a:t>means</a:t>
+            </a:r>
+            <a:r>
+              <a:rPr lang="fr-FR" sz="2400" b="1" dirty="0">
+                <a:latin typeface="Avenir Next" panose="020B0503020202020204" pitchFamily="34" charset="0"/>
+              </a:rPr>
+              <a:t> </a:t>
+            </a:r>
+            <a:r>
+              <a:rPr lang="fr-FR" sz="2400" dirty="0">
+                <a:latin typeface="Avenir Next" panose="020B0503020202020204" pitchFamily="34" charset="0"/>
+              </a:rPr>
+              <a:t>clustering. </a:t>
+            </a:r>
+          </a:p>
+          <a:p>
+            <a:r>
+              <a:rPr lang="fr-FR" sz="2400" dirty="0">
+                <a:latin typeface="Avenir Next" panose="020B0503020202020204" pitchFamily="34" charset="0"/>
+              </a:rPr>
+              <a:t>The </a:t>
+            </a:r>
+            <a:r>
+              <a:rPr lang="fr-FR" sz="2400" dirty="0" err="1">
+                <a:latin typeface="Avenir Next" panose="020B0503020202020204" pitchFamily="34" charset="0"/>
+              </a:rPr>
+              <a:t>idea</a:t>
+            </a:r>
+            <a:r>
+              <a:rPr lang="fr-FR" sz="2400" dirty="0">
+                <a:latin typeface="Avenir Next" panose="020B0503020202020204" pitchFamily="34" charset="0"/>
+              </a:rPr>
+              <a:t> </a:t>
+            </a:r>
+            <a:r>
+              <a:rPr lang="fr-FR" sz="2400" dirty="0" err="1">
+                <a:latin typeface="Avenir Next" panose="020B0503020202020204" pitchFamily="34" charset="0"/>
+              </a:rPr>
+              <a:t>is</a:t>
+            </a:r>
+            <a:r>
+              <a:rPr lang="fr-FR" sz="2400" dirty="0">
+                <a:latin typeface="Avenir Next" panose="020B0503020202020204" pitchFamily="34" charset="0"/>
+              </a:rPr>
+              <a:t> to let the clustering </a:t>
+            </a:r>
+            <a:r>
+              <a:rPr lang="fr-FR" sz="2400" dirty="0" err="1">
+                <a:latin typeface="Avenir Next" panose="020B0503020202020204" pitchFamily="34" charset="0"/>
+              </a:rPr>
+              <a:t>discover</a:t>
+            </a:r>
+            <a:r>
+              <a:rPr lang="fr-FR" sz="2400" dirty="0">
+                <a:latin typeface="Avenir Next" panose="020B0503020202020204" pitchFamily="34" charset="0"/>
+              </a:rPr>
+              <a:t> </a:t>
+            </a:r>
+            <a:r>
+              <a:rPr lang="fr-FR" sz="2400" i="1" dirty="0">
+                <a:latin typeface="Avenir Next" panose="020B0503020202020204" pitchFamily="34" charset="0"/>
+              </a:rPr>
+              <a:t>normal</a:t>
+            </a:r>
+            <a:r>
+              <a:rPr lang="fr-FR" sz="2400" dirty="0">
+                <a:latin typeface="Avenir Next" panose="020B0503020202020204" pitchFamily="34" charset="0"/>
+              </a:rPr>
+              <a:t> </a:t>
+            </a:r>
+            <a:r>
+              <a:rPr lang="fr-FR" sz="2400" dirty="0" err="1">
+                <a:latin typeface="Avenir Next" panose="020B0503020202020204" pitchFamily="34" charset="0"/>
+              </a:rPr>
+              <a:t>behavior</a:t>
+            </a:r>
+            <a:r>
+              <a:rPr lang="fr-FR" sz="2400" dirty="0">
+                <a:latin typeface="Avenir Next" panose="020B0503020202020204" pitchFamily="34" charset="0"/>
+              </a:rPr>
+              <a:t>. </a:t>
+            </a:r>
+          </a:p>
+          <a:p>
+            <a:r>
+              <a:rPr lang="fr-FR" sz="2400" dirty="0">
+                <a:latin typeface="Avenir Next" panose="020B0503020202020204" pitchFamily="34" charset="0"/>
+              </a:rPr>
+              <a:t>Connections </a:t>
+            </a:r>
+            <a:r>
+              <a:rPr lang="fr-FR" sz="2400" dirty="0" err="1">
+                <a:latin typeface="Avenir Next" panose="020B0503020202020204" pitchFamily="34" charset="0"/>
+              </a:rPr>
+              <a:t>that</a:t>
+            </a:r>
+            <a:r>
+              <a:rPr lang="fr-FR" sz="2400" dirty="0">
+                <a:latin typeface="Avenir Next" panose="020B0503020202020204" pitchFamily="34" charset="0"/>
+              </a:rPr>
+              <a:t> </a:t>
+            </a:r>
+            <a:r>
+              <a:rPr lang="fr-FR" sz="2400" dirty="0" err="1">
+                <a:latin typeface="Avenir Next" panose="020B0503020202020204" pitchFamily="34" charset="0"/>
+              </a:rPr>
+              <a:t>fall</a:t>
+            </a:r>
+            <a:r>
+              <a:rPr lang="fr-FR" sz="2400" dirty="0">
+                <a:latin typeface="Avenir Next" panose="020B0503020202020204" pitchFamily="34" charset="0"/>
+              </a:rPr>
+              <a:t> </a:t>
+            </a:r>
+            <a:r>
+              <a:rPr lang="fr-FR" sz="2400" dirty="0" err="1">
+                <a:latin typeface="Avenir Next" panose="020B0503020202020204" pitchFamily="34" charset="0"/>
+              </a:rPr>
+              <a:t>outside</a:t>
+            </a:r>
+            <a:r>
+              <a:rPr lang="fr-FR" sz="2400" dirty="0">
+                <a:latin typeface="Avenir Next" panose="020B0503020202020204" pitchFamily="34" charset="0"/>
+              </a:rPr>
+              <a:t> of clusters are </a:t>
+            </a:r>
+            <a:r>
+              <a:rPr lang="fr-FR" sz="2400" dirty="0" err="1">
+                <a:latin typeface="Avenir Next" panose="020B0503020202020204" pitchFamily="34" charset="0"/>
+              </a:rPr>
+              <a:t>potentially</a:t>
+            </a:r>
+            <a:r>
+              <a:rPr lang="fr-FR" sz="2400" dirty="0">
+                <a:latin typeface="Avenir Next" panose="020B0503020202020204" pitchFamily="34" charset="0"/>
+              </a:rPr>
+              <a:t> </a:t>
+            </a:r>
+            <a:r>
+              <a:rPr lang="fr-FR" sz="2400" dirty="0" err="1">
+                <a:latin typeface="Avenir Next" panose="020B0503020202020204" pitchFamily="34" charset="0"/>
+              </a:rPr>
+              <a:t>anomalous</a:t>
+            </a:r>
+            <a:r>
+              <a:rPr lang="fr-FR" sz="2400" dirty="0">
+                <a:latin typeface="Avenir Next" panose="020B0503020202020204" pitchFamily="34" charset="0"/>
+              </a:rPr>
+              <a:t>.</a:t>
+            </a:r>
+          </a:p>
+        </p:txBody>
+      </p:sp>
+      <p:sp>
+        <p:nvSpPr>
+          <p:cNvPr id="4" name="Date Placeholder 3">
+            <a:extLst>
+              <a:ext uri="{FF2B5EF4-FFF2-40B4-BE49-F238E27FC236}">
+                <a16:creationId xmlns:a16="http://schemas.microsoft.com/office/drawing/2014/main" id="{29128103-CC75-2E58-B635-5950CA33C1DF}"/>
+              </a:ext>
+            </a:extLst>
+          </p:cNvPr>
+          <p:cNvSpPr>
+            <a:spLocks noGrp="1"/>
+          </p:cNvSpPr>
+          <p:nvPr>
+            <p:ph type="dt" sz="half" idx="10"/>
+          </p:nvPr>
+        </p:nvSpPr>
+        <p:spPr/>
+        <p:txBody>
+          <a:bodyPr/>
+          <a:lstStyle/>
+          <a:p>
+            <a:r>
+              <a:rPr lang="de-CH" dirty="0"/>
+              <a:t>10.06.2022</a:t>
+            </a:r>
+            <a:endParaRPr lang="fr-FR" dirty="0"/>
+          </a:p>
+        </p:txBody>
+      </p:sp>
+      <p:sp>
+        <p:nvSpPr>
+          <p:cNvPr id="6" name="Slide Number Placeholder 5">
+            <a:extLst>
+              <a:ext uri="{FF2B5EF4-FFF2-40B4-BE49-F238E27FC236}">
+                <a16:creationId xmlns:a16="http://schemas.microsoft.com/office/drawing/2014/main" id="{A06554C2-2984-B2C8-2158-C04BED7CEDFC}"/>
+              </a:ext>
+            </a:extLst>
+          </p:cNvPr>
+          <p:cNvSpPr>
+            <a:spLocks noGrp="1"/>
+          </p:cNvSpPr>
+          <p:nvPr>
+            <p:ph type="sldNum" sz="quarter" idx="12"/>
+          </p:nvPr>
+        </p:nvSpPr>
+        <p:spPr/>
+        <p:txBody>
+          <a:bodyPr/>
+          <a:lstStyle/>
+          <a:p>
+            <a:fld id="{50E96FFC-9A77-BE40-93A2-F2F19ACBA9AE}" type="slidenum">
+              <a:rPr lang="fr-FR" smtClean="0"/>
+              <a:t>6</a:t>
+            </a:fld>
+            <a:endParaRPr lang="fr-FR"/>
+          </a:p>
+        </p:txBody>
+      </p:sp>
+      <p:pic>
+        <p:nvPicPr>
+          <p:cNvPr id="1028" name="Picture 4" descr="K-means: A Complete Introduction. K-means is an unsupervised clustering… |  by Alan Jeffares | Towards Data Science">
+            <a:extLst>
+              <a:ext uri="{FF2B5EF4-FFF2-40B4-BE49-F238E27FC236}">
+                <a16:creationId xmlns:a16="http://schemas.microsoft.com/office/drawing/2014/main" id="{417F2CA0-FB05-85BD-6169-B38EF1B79C8C}"/>
+              </a:ext>
+            </a:extLst>
+          </p:cNvPr>
+          <p:cNvPicPr>
+            <a:picLocks noChangeAspect="1" noChangeArrowheads="1"/>
+          </p:cNvPicPr>
+          <p:nvPr/>
+        </p:nvPicPr>
+        <p:blipFill>
+          <a:blip r:embed="rId2">
+            <a:extLst>
+              <a:ext uri="{28A0092B-C50C-407E-A947-70E740481C1C}">
+                <a14:useLocalDpi xmlns:a14="http://schemas.microsoft.com/office/drawing/2010/main" val="0"/>
+              </a:ext>
+            </a:extLst>
+          </a:blip>
+          <a:srcRect/>
+          <a:stretch>
+            <a:fillRect/>
+          </a:stretch>
+        </p:blipFill>
+        <p:spPr bwMode="auto">
+          <a:xfrm>
+            <a:off x="2109216" y="3231857"/>
+            <a:ext cx="7973568" cy="3322320"/>
+          </a:xfrm>
+          <a:prstGeom prst="rect">
+            <a:avLst/>
+          </a:prstGeom>
+          <a:noFill/>
+          <a:extLst>
+            <a:ext uri="{909E8E84-426E-40DD-AFC4-6F175D3DCCD1}">
+              <a14:hiddenFill xmlns:a14="http://schemas.microsoft.com/office/drawing/2010/main">
+                <a:solidFill>
+                  <a:srgbClr val="FFFFFF"/>
+                </a:solidFill>
+              </a14:hiddenFill>
+            </a:ext>
+          </a:extLst>
+        </p:spPr>
+      </p:pic>
+      <p:pic>
+        <p:nvPicPr>
+          <p:cNvPr id="8" name="Picture 2" descr="HES-SO - Logo - Haute école">
+            <a:extLst>
+              <a:ext uri="{FF2B5EF4-FFF2-40B4-BE49-F238E27FC236}">
+                <a16:creationId xmlns:a16="http://schemas.microsoft.com/office/drawing/2014/main" id="{EA03034B-9075-280A-A560-1F98B0D46A44}"/>
+              </a:ext>
+            </a:extLst>
+          </p:cNvPr>
+          <p:cNvPicPr>
+            <a:picLocks noChangeAspect="1" noChangeArrowheads="1"/>
+          </p:cNvPicPr>
+          <p:nvPr/>
+        </p:nvPicPr>
+        <p:blipFill>
+          <a:blip r:embed="rId3">
+            <a:extLst>
+              <a:ext uri="{28A0092B-C50C-407E-A947-70E740481C1C}">
+                <a14:useLocalDpi xmlns:a14="http://schemas.microsoft.com/office/drawing/2010/main" val="0"/>
+              </a:ext>
+            </a:extLst>
+          </a:blip>
+          <a:srcRect/>
+          <a:stretch>
+            <a:fillRect/>
+          </a:stretch>
+        </p:blipFill>
+        <p:spPr bwMode="auto">
+          <a:xfrm>
+            <a:off x="5563101" y="6386879"/>
+            <a:ext cx="1065798" cy="334596"/>
+          </a:xfrm>
+          <a:prstGeom prst="rect">
+            <a:avLst/>
+          </a:prstGeom>
+          <a:noFill/>
+          <a:extLst>
+            <a:ext uri="{909E8E84-426E-40DD-AFC4-6F175D3DCCD1}">
+              <a14:hiddenFill xmlns:a14="http://schemas.microsoft.com/office/drawing/2010/main">
+                <a:solidFill>
+                  <a:srgbClr val="FFFFFF"/>
+                </a:solidFill>
+              </a14:hiddenFill>
+            </a:ext>
+          </a:extLst>
+        </p:spPr>
+      </p:pic>
+    </p:spTree>
+    <p:extLst>
+      <p:ext uri="{BB962C8B-B14F-4D97-AF65-F5344CB8AC3E}">
+        <p14:creationId xmlns:p14="http://schemas.microsoft.com/office/powerpoint/2010/main" val="3982315908"/>
+      </p:ext>
+    </p:extLst>
+  </p:cSld>
+  <p:clrMapOvr>
+    <a:masterClrMapping/>
+  </p:clrMapOvr>
+</p:sld>
+</file>
+
+<file path=ppt/slides/slide7.xml><?xml version="1.0" encoding="utf-8"?>
+<p:sld xmlns:a="http://schemas.openxmlformats.org/drawingml/2006/main" xmlns:r="http://schemas.openxmlformats.org/officeDocument/2006/relationships" xmlns:p="http://schemas.openxmlformats.org/presentationml/2006/main">
+  <p:cSld>
+    <p:spTree>
+      <p:nvGrpSpPr>
+        <p:cNvPr id="1" name=""/>
+        <p:cNvGrpSpPr/>
+        <p:nvPr/>
+      </p:nvGrpSpPr>
+      <p:grpSpPr>
+        <a:xfrm>
+          <a:off x="0" y="0"/>
+          <a:ext cx="0" cy="0"/>
+          <a:chOff x="0" y="0"/>
+          <a:chExt cx="0" cy="0"/>
+        </a:xfrm>
+      </p:grpSpPr>
+      <p:sp>
+        <p:nvSpPr>
+          <p:cNvPr id="2" name="Title 1">
+            <a:extLst>
+              <a:ext uri="{FF2B5EF4-FFF2-40B4-BE49-F238E27FC236}">
+                <a16:creationId xmlns:a16="http://schemas.microsoft.com/office/drawing/2014/main" id="{F32D2FED-7694-B794-E4A7-C183D83D2881}"/>
+              </a:ext>
+            </a:extLst>
+          </p:cNvPr>
+          <p:cNvSpPr>
+            <a:spLocks noGrp="1"/>
+          </p:cNvSpPr>
+          <p:nvPr>
+            <p:ph type="title"/>
+          </p:nvPr>
+        </p:nvSpPr>
+        <p:spPr/>
+        <p:txBody>
+          <a:bodyPr/>
+          <a:lstStyle/>
+          <a:p>
+            <a:r>
+              <a:rPr lang="en-GB" dirty="0">
+                <a:latin typeface="Avenir Next Medium" panose="020B0503020202020204" pitchFamily="34" charset="0"/>
+              </a:rPr>
               <a:t>Analysis questions</a:t>
             </a:r>
           </a:p>
@@ -6173,7 +9168,7 @@
           <a:p>
             <a:fld id="{50E96FFC-9A77-BE40-93A2-F2F19ACBA9AE}" type="slidenum">
               <a:rPr lang="fr-FR" smtClean="0"/>
-              <a:t>4</a:t>
+              <a:t>7</a:t>
             </a:fld>
             <a:endParaRPr lang="fr-FR"/>
           </a:p>
@@ -6239,7 +9234,7 @@
 </p:sld>
 </file>
 
-<file path=ppt/slides/slide5.xml><?xml version="1.0" encoding="utf-8"?>
+<file path=ppt/slides/slide8.xml><?xml version="1.0" encoding="utf-8"?>
 <p:sld xmlns:a="http://schemas.openxmlformats.org/drawingml/2006/main" xmlns:r="http://schemas.openxmlformats.org/officeDocument/2006/relationships" xmlns:p="http://schemas.openxmlformats.org/presentationml/2006/main">
   <p:cSld>
     <p:spTree>
@@ -6406,7 +9401,7 @@
           <a:p>
             <a:fld id="{50E96FFC-9A77-BE40-93A2-F2F19ACBA9AE}" type="slidenum">
               <a:rPr lang="fr-FR" smtClean="0"/>
-              <a:t>5</a:t>
+              <a:t>8</a:t>
             </a:fld>
             <a:endParaRPr lang="fr-FR"/>
           </a:p>
@@ -6472,7 +9467,7 @@
 </p:sld>
 </file>
 
-<file path=ppt/slides/slide6.xml><?xml version="1.0" encoding="utf-8"?>
+<file path=ppt/slides/slide9.xml><?xml version="1.0" encoding="utf-8"?>
 <p:sld xmlns:a="http://schemas.openxmlformats.org/drawingml/2006/main" xmlns:r="http://schemas.openxmlformats.org/officeDocument/2006/relationships" xmlns:p="http://schemas.openxmlformats.org/presentationml/2006/main">
   <p:cSld>
     <p:spTree>
@@ -6615,7 +9610,7 @@
           <a:p>
             <a:fld id="{50E96FFC-9A77-BE40-93A2-F2F19ACBA9AE}" type="slidenum">
               <a:rPr lang="fr-FR" smtClean="0"/>
-              <a:t>6</a:t>
+              <a:t>9</a:t>
             </a:fld>
             <a:endParaRPr lang="fr-FR"/>
           </a:p>
@@ -6672,549 +9667,6 @@
     <p:extLst>
       <p:ext uri="{BB962C8B-B14F-4D97-AF65-F5344CB8AC3E}">
         <p14:creationId xmlns:p14="http://schemas.microsoft.com/office/powerpoint/2010/main" val="2608574514"/>
-      </p:ext>
-    </p:extLst>
-  </p:cSld>
-  <p:clrMapOvr>
-    <a:masterClrMapping/>
-  </p:clrMapOvr>
-</p:sld>
-</file>
-
-<file path=ppt/slides/slide7.xml><?xml version="1.0" encoding="utf-8"?>
-<p:sld xmlns:a="http://schemas.openxmlformats.org/drawingml/2006/main" xmlns:r="http://schemas.openxmlformats.org/officeDocument/2006/relationships" xmlns:p="http://schemas.openxmlformats.org/presentationml/2006/main">
-  <p:cSld>
-    <p:spTree>
-      <p:nvGrpSpPr>
-        <p:cNvPr id="1" name=""/>
-        <p:cNvGrpSpPr/>
-        <p:nvPr/>
-      </p:nvGrpSpPr>
-      <p:grpSpPr>
-        <a:xfrm>
-          <a:off x="0" y="0"/>
-          <a:ext cx="0" cy="0"/>
-          <a:chOff x="0" y="0"/>
-          <a:chExt cx="0" cy="0"/>
-        </a:xfrm>
-      </p:grpSpPr>
-      <p:sp>
-        <p:nvSpPr>
-          <p:cNvPr id="2" name="Title 1">
-            <a:extLst>
-              <a:ext uri="{FF2B5EF4-FFF2-40B4-BE49-F238E27FC236}">
-                <a16:creationId xmlns:a16="http://schemas.microsoft.com/office/drawing/2014/main" id="{F32D2FED-7694-B794-E4A7-C183D83D2881}"/>
-              </a:ext>
-            </a:extLst>
-          </p:cNvPr>
-          <p:cNvSpPr>
-            <a:spLocks noGrp="1"/>
-          </p:cNvSpPr>
-          <p:nvPr>
-            <p:ph type="title"/>
-          </p:nvPr>
-        </p:nvSpPr>
-        <p:spPr/>
-        <p:txBody>
-          <a:bodyPr>
-            <a:normAutofit/>
-          </a:bodyPr>
-          <a:lstStyle/>
-          <a:p>
-            <a:r>
-              <a:rPr lang="en-GB" sz="4800" dirty="0">
-                <a:latin typeface="Avenir Next Medium" panose="020B0503020202020204" pitchFamily="34" charset="0"/>
-              </a:rPr>
-              <a:t>How to find the optimal value of the hyperparameter K of the K-means clustering ?</a:t>
-            </a:r>
-          </a:p>
-        </p:txBody>
-      </p:sp>
-      <p:sp>
-        <p:nvSpPr>
-          <p:cNvPr id="4" name="Date Placeholder 3">
-            <a:extLst>
-              <a:ext uri="{FF2B5EF4-FFF2-40B4-BE49-F238E27FC236}">
-                <a16:creationId xmlns:a16="http://schemas.microsoft.com/office/drawing/2014/main" id="{29128103-CC75-2E58-B635-5950CA33C1DF}"/>
-              </a:ext>
-            </a:extLst>
-          </p:cNvPr>
-          <p:cNvSpPr>
-            <a:spLocks noGrp="1"/>
-          </p:cNvSpPr>
-          <p:nvPr>
-            <p:ph type="dt" sz="half" idx="10"/>
-          </p:nvPr>
-        </p:nvSpPr>
-        <p:spPr/>
-        <p:txBody>
-          <a:bodyPr/>
-          <a:lstStyle/>
-          <a:p>
-            <a:r>
-              <a:rPr lang="de-CH"/>
-              <a:t>10.06.2022</a:t>
-            </a:r>
-            <a:endParaRPr lang="fr-FR"/>
-          </a:p>
-        </p:txBody>
-      </p:sp>
-      <p:sp>
-        <p:nvSpPr>
-          <p:cNvPr id="6" name="Slide Number Placeholder 5">
-            <a:extLst>
-              <a:ext uri="{FF2B5EF4-FFF2-40B4-BE49-F238E27FC236}">
-                <a16:creationId xmlns:a16="http://schemas.microsoft.com/office/drawing/2014/main" id="{A06554C2-2984-B2C8-2158-C04BED7CEDFC}"/>
-              </a:ext>
-            </a:extLst>
-          </p:cNvPr>
-          <p:cNvSpPr>
-            <a:spLocks noGrp="1"/>
-          </p:cNvSpPr>
-          <p:nvPr>
-            <p:ph type="sldNum" sz="quarter" idx="12"/>
-          </p:nvPr>
-        </p:nvSpPr>
-        <p:spPr/>
-        <p:txBody>
-          <a:bodyPr/>
-          <a:lstStyle/>
-          <a:p>
-            <a:fld id="{50E96FFC-9A77-BE40-93A2-F2F19ACBA9AE}" type="slidenum">
-              <a:rPr lang="fr-FR" smtClean="0"/>
-              <a:t>7</a:t>
-            </a:fld>
-            <a:endParaRPr lang="fr-FR"/>
-          </a:p>
-        </p:txBody>
-      </p:sp>
-      <p:pic>
-        <p:nvPicPr>
-          <p:cNvPr id="8" name="Picture 2" descr="HES-SO - Logo - Haute école">
-            <a:extLst>
-              <a:ext uri="{FF2B5EF4-FFF2-40B4-BE49-F238E27FC236}">
-                <a16:creationId xmlns:a16="http://schemas.microsoft.com/office/drawing/2014/main" id="{EA03034B-9075-280A-A560-1F98B0D46A44}"/>
-              </a:ext>
-            </a:extLst>
-          </p:cNvPr>
-          <p:cNvPicPr>
-            <a:picLocks noChangeAspect="1" noChangeArrowheads="1"/>
-          </p:cNvPicPr>
-          <p:nvPr/>
-        </p:nvPicPr>
-        <p:blipFill>
-          <a:blip r:embed="rId2">
-            <a:extLst>
-              <a:ext uri="{28A0092B-C50C-407E-A947-70E740481C1C}">
-                <a14:useLocalDpi xmlns:a14="http://schemas.microsoft.com/office/drawing/2010/main" val="0"/>
-              </a:ext>
-            </a:extLst>
-          </a:blip>
-          <a:srcRect/>
-          <a:stretch>
-            <a:fillRect/>
-          </a:stretch>
-        </p:blipFill>
-        <p:spPr bwMode="auto">
-          <a:xfrm>
-            <a:off x="5563101" y="6386879"/>
-            <a:ext cx="1065798" cy="334596"/>
-          </a:xfrm>
-          <a:prstGeom prst="rect">
-            <a:avLst/>
-          </a:prstGeom>
-          <a:noFill/>
-          <a:extLst>
-            <a:ext uri="{909E8E84-426E-40DD-AFC4-6F175D3DCCD1}">
-              <a14:hiddenFill xmlns:a14="http://schemas.microsoft.com/office/drawing/2010/main">
-                <a:solidFill>
-                  <a:srgbClr val="FFFFFF"/>
-                </a:solidFill>
-              </a14:hiddenFill>
-            </a:ext>
-          </a:extLst>
-        </p:spPr>
-      </p:pic>
-    </p:spTree>
-    <p:extLst>
-      <p:ext uri="{BB962C8B-B14F-4D97-AF65-F5344CB8AC3E}">
-        <p14:creationId xmlns:p14="http://schemas.microsoft.com/office/powerpoint/2010/main" val="675007858"/>
-      </p:ext>
-    </p:extLst>
-  </p:cSld>
-  <p:clrMapOvr>
-    <a:masterClrMapping/>
-  </p:clrMapOvr>
-</p:sld>
-</file>
-
-<file path=ppt/slides/slide8.xml><?xml version="1.0" encoding="utf-8"?>
-<p:sld xmlns:a="http://schemas.openxmlformats.org/drawingml/2006/main" xmlns:r="http://schemas.openxmlformats.org/officeDocument/2006/relationships" xmlns:p="http://schemas.openxmlformats.org/presentationml/2006/main">
-  <p:cSld>
-    <p:spTree>
-      <p:nvGrpSpPr>
-        <p:cNvPr id="1" name=""/>
-        <p:cNvGrpSpPr/>
-        <p:nvPr/>
-      </p:nvGrpSpPr>
-      <p:grpSpPr>
-        <a:xfrm>
-          <a:off x="0" y="0"/>
-          <a:ext cx="0" cy="0"/>
-          <a:chOff x="0" y="0"/>
-          <a:chExt cx="0" cy="0"/>
-        </a:xfrm>
-      </p:grpSpPr>
-      <p:sp>
-        <p:nvSpPr>
-          <p:cNvPr id="2" name="Title 1">
-            <a:extLst>
-              <a:ext uri="{FF2B5EF4-FFF2-40B4-BE49-F238E27FC236}">
-                <a16:creationId xmlns:a16="http://schemas.microsoft.com/office/drawing/2014/main" id="{F32D2FED-7694-B794-E4A7-C183D83D2881}"/>
-              </a:ext>
-            </a:extLst>
-          </p:cNvPr>
-          <p:cNvSpPr>
-            <a:spLocks noGrp="1"/>
-          </p:cNvSpPr>
-          <p:nvPr>
-            <p:ph type="title"/>
-          </p:nvPr>
-        </p:nvSpPr>
-        <p:spPr/>
-        <p:txBody>
-          <a:bodyPr/>
-          <a:lstStyle/>
-          <a:p>
-            <a:r>
-              <a:rPr lang="en-GB" dirty="0">
-                <a:latin typeface="Avenir Next Medium" panose="020B0503020202020204" pitchFamily="34" charset="0"/>
-              </a:rPr>
-              <a:t>The optimal </a:t>
-            </a:r>
-            <a:r>
-              <a:rPr lang="en-GB" i="1" dirty="0">
-                <a:latin typeface="Avenir Next Medium" panose="020B0503020202020204" pitchFamily="34" charset="0"/>
-              </a:rPr>
-              <a:t>K </a:t>
-            </a:r>
-            <a:r>
-              <a:rPr lang="en-GB" dirty="0">
-                <a:latin typeface="Avenir Next Medium" panose="020B0503020202020204" pitchFamily="34" charset="0"/>
-              </a:rPr>
-              <a:t>value</a:t>
-            </a:r>
-            <a:endParaRPr lang="fr-FR" dirty="0">
-              <a:latin typeface="Avenir Next Medium" panose="020B0503020202020204" pitchFamily="34" charset="0"/>
-            </a:endParaRPr>
-          </a:p>
-        </p:txBody>
-      </p:sp>
-      <p:sp>
-        <p:nvSpPr>
-          <p:cNvPr id="3" name="Content Placeholder 2">
-            <a:extLst>
-              <a:ext uri="{FF2B5EF4-FFF2-40B4-BE49-F238E27FC236}">
-                <a16:creationId xmlns:a16="http://schemas.microsoft.com/office/drawing/2014/main" id="{138ECBA7-E0A5-8D39-6737-EB13A307A0BE}"/>
-              </a:ext>
-            </a:extLst>
-          </p:cNvPr>
-          <p:cNvSpPr>
-            <a:spLocks noGrp="1"/>
-          </p:cNvSpPr>
-          <p:nvPr>
-            <p:ph idx="1"/>
-          </p:nvPr>
-        </p:nvSpPr>
-        <p:spPr/>
-        <p:txBody>
-          <a:bodyPr>
-            <a:normAutofit/>
-          </a:bodyPr>
-          <a:lstStyle/>
-          <a:p>
-            <a:endParaRPr lang="fr-FR" sz="2400" dirty="0">
-              <a:latin typeface="Avenir Next" panose="020B0503020202020204" pitchFamily="34" charset="0"/>
-            </a:endParaRPr>
-          </a:p>
-        </p:txBody>
-      </p:sp>
-      <p:sp>
-        <p:nvSpPr>
-          <p:cNvPr id="4" name="Date Placeholder 3">
-            <a:extLst>
-              <a:ext uri="{FF2B5EF4-FFF2-40B4-BE49-F238E27FC236}">
-                <a16:creationId xmlns:a16="http://schemas.microsoft.com/office/drawing/2014/main" id="{29128103-CC75-2E58-B635-5950CA33C1DF}"/>
-              </a:ext>
-            </a:extLst>
-          </p:cNvPr>
-          <p:cNvSpPr>
-            <a:spLocks noGrp="1"/>
-          </p:cNvSpPr>
-          <p:nvPr>
-            <p:ph type="dt" sz="half" idx="10"/>
-          </p:nvPr>
-        </p:nvSpPr>
-        <p:spPr/>
-        <p:txBody>
-          <a:bodyPr/>
-          <a:lstStyle/>
-          <a:p>
-            <a:r>
-              <a:rPr lang="de-CH"/>
-              <a:t>10.06.2022</a:t>
-            </a:r>
-            <a:endParaRPr lang="fr-FR"/>
-          </a:p>
-        </p:txBody>
-      </p:sp>
-      <p:sp>
-        <p:nvSpPr>
-          <p:cNvPr id="6" name="Slide Number Placeholder 5">
-            <a:extLst>
-              <a:ext uri="{FF2B5EF4-FFF2-40B4-BE49-F238E27FC236}">
-                <a16:creationId xmlns:a16="http://schemas.microsoft.com/office/drawing/2014/main" id="{A06554C2-2984-B2C8-2158-C04BED7CEDFC}"/>
-              </a:ext>
-            </a:extLst>
-          </p:cNvPr>
-          <p:cNvSpPr>
-            <a:spLocks noGrp="1"/>
-          </p:cNvSpPr>
-          <p:nvPr>
-            <p:ph type="sldNum" sz="quarter" idx="12"/>
-          </p:nvPr>
-        </p:nvSpPr>
-        <p:spPr/>
-        <p:txBody>
-          <a:bodyPr/>
-          <a:lstStyle/>
-          <a:p>
-            <a:fld id="{50E96FFC-9A77-BE40-93A2-F2F19ACBA9AE}" type="slidenum">
-              <a:rPr lang="fr-FR" smtClean="0"/>
-              <a:t>8</a:t>
-            </a:fld>
-            <a:endParaRPr lang="fr-FR"/>
-          </a:p>
-        </p:txBody>
-      </p:sp>
-      <p:pic>
-        <p:nvPicPr>
-          <p:cNvPr id="8" name="Picture 2" descr="HES-SO - Logo - Haute école">
-            <a:extLst>
-              <a:ext uri="{FF2B5EF4-FFF2-40B4-BE49-F238E27FC236}">
-                <a16:creationId xmlns:a16="http://schemas.microsoft.com/office/drawing/2014/main" id="{EA03034B-9075-280A-A560-1F98B0D46A44}"/>
-              </a:ext>
-            </a:extLst>
-          </p:cNvPr>
-          <p:cNvPicPr>
-            <a:picLocks noChangeAspect="1" noChangeArrowheads="1"/>
-          </p:cNvPicPr>
-          <p:nvPr/>
-        </p:nvPicPr>
-        <p:blipFill>
-          <a:blip r:embed="rId2">
-            <a:extLst>
-              <a:ext uri="{28A0092B-C50C-407E-A947-70E740481C1C}">
-                <a14:useLocalDpi xmlns:a14="http://schemas.microsoft.com/office/drawing/2010/main" val="0"/>
-              </a:ext>
-            </a:extLst>
-          </a:blip>
-          <a:srcRect/>
-          <a:stretch>
-            <a:fillRect/>
-          </a:stretch>
-        </p:blipFill>
-        <p:spPr bwMode="auto">
-          <a:xfrm>
-            <a:off x="5563101" y="6386879"/>
-            <a:ext cx="1065798" cy="334596"/>
-          </a:xfrm>
-          <a:prstGeom prst="rect">
-            <a:avLst/>
-          </a:prstGeom>
-          <a:noFill/>
-          <a:extLst>
-            <a:ext uri="{909E8E84-426E-40DD-AFC4-6F175D3DCCD1}">
-              <a14:hiddenFill xmlns:a14="http://schemas.microsoft.com/office/drawing/2010/main">
-                <a:solidFill>
-                  <a:srgbClr val="FFFFFF"/>
-                </a:solidFill>
-              </a14:hiddenFill>
-            </a:ext>
-          </a:extLst>
-        </p:spPr>
-      </p:pic>
-    </p:spTree>
-    <p:extLst>
-      <p:ext uri="{BB962C8B-B14F-4D97-AF65-F5344CB8AC3E}">
-        <p14:creationId xmlns:p14="http://schemas.microsoft.com/office/powerpoint/2010/main" val="2346558059"/>
-      </p:ext>
-    </p:extLst>
-  </p:cSld>
-  <p:clrMapOvr>
-    <a:masterClrMapping/>
-  </p:clrMapOvr>
-</p:sld>
-</file>
-
-<file path=ppt/slides/slide9.xml><?xml version="1.0" encoding="utf-8"?>
-<p:sld xmlns:a="http://schemas.openxmlformats.org/drawingml/2006/main" xmlns:r="http://schemas.openxmlformats.org/officeDocument/2006/relationships" xmlns:p="http://schemas.openxmlformats.org/presentationml/2006/main">
-  <p:cSld>
-    <p:spTree>
-      <p:nvGrpSpPr>
-        <p:cNvPr id="1" name=""/>
-        <p:cNvGrpSpPr/>
-        <p:nvPr/>
-      </p:nvGrpSpPr>
-      <p:grpSpPr>
-        <a:xfrm>
-          <a:off x="0" y="0"/>
-          <a:ext cx="0" cy="0"/>
-          <a:chOff x="0" y="0"/>
-          <a:chExt cx="0" cy="0"/>
-        </a:xfrm>
-      </p:grpSpPr>
-      <p:sp>
-        <p:nvSpPr>
-          <p:cNvPr id="2" name="Title 1">
-            <a:extLst>
-              <a:ext uri="{FF2B5EF4-FFF2-40B4-BE49-F238E27FC236}">
-                <a16:creationId xmlns:a16="http://schemas.microsoft.com/office/drawing/2014/main" id="{F32D2FED-7694-B794-E4A7-C183D83D2881}"/>
-              </a:ext>
-            </a:extLst>
-          </p:cNvPr>
-          <p:cNvSpPr>
-            <a:spLocks noGrp="1"/>
-          </p:cNvSpPr>
-          <p:nvPr>
-            <p:ph type="title"/>
-          </p:nvPr>
-        </p:nvSpPr>
-        <p:spPr/>
-        <p:txBody>
-          <a:bodyPr>
-            <a:noAutofit/>
-          </a:bodyPr>
-          <a:lstStyle/>
-          <a:p>
-            <a:r>
-              <a:rPr lang="en-GB" sz="4000" dirty="0">
-                <a:latin typeface="Avenir Next Medium" panose="020B0503020202020204" pitchFamily="34" charset="0"/>
-              </a:rPr>
-              <a:t>What is the distribution of attacks on each protocol (TCP, UDP, ICMP…), by which service (port) were they carried out, what type of attacks are they and what was the final purpose of the attack ?</a:t>
-            </a:r>
-          </a:p>
-        </p:txBody>
-      </p:sp>
-      <p:sp>
-        <p:nvSpPr>
-          <p:cNvPr id="4" name="Date Placeholder 3">
-            <a:extLst>
-              <a:ext uri="{FF2B5EF4-FFF2-40B4-BE49-F238E27FC236}">
-                <a16:creationId xmlns:a16="http://schemas.microsoft.com/office/drawing/2014/main" id="{29128103-CC75-2E58-B635-5950CA33C1DF}"/>
-              </a:ext>
-            </a:extLst>
-          </p:cNvPr>
-          <p:cNvSpPr>
-            <a:spLocks noGrp="1"/>
-          </p:cNvSpPr>
-          <p:nvPr>
-            <p:ph type="dt" sz="half" idx="10"/>
-          </p:nvPr>
-        </p:nvSpPr>
-        <p:spPr/>
-        <p:txBody>
-          <a:bodyPr/>
-          <a:lstStyle/>
-          <a:p>
-            <a:r>
-              <a:rPr lang="de-CH"/>
-              <a:t>10.06.2022</a:t>
-            </a:r>
-            <a:endParaRPr lang="fr-FR"/>
-          </a:p>
-        </p:txBody>
-      </p:sp>
-      <p:sp>
-        <p:nvSpPr>
-          <p:cNvPr id="6" name="Slide Number Placeholder 5">
-            <a:extLst>
-              <a:ext uri="{FF2B5EF4-FFF2-40B4-BE49-F238E27FC236}">
-                <a16:creationId xmlns:a16="http://schemas.microsoft.com/office/drawing/2014/main" id="{A06554C2-2984-B2C8-2158-C04BED7CEDFC}"/>
-              </a:ext>
-            </a:extLst>
-          </p:cNvPr>
-          <p:cNvSpPr>
-            <a:spLocks noGrp="1"/>
-          </p:cNvSpPr>
-          <p:nvPr>
-            <p:ph type="sldNum" sz="quarter" idx="12"/>
-          </p:nvPr>
-        </p:nvSpPr>
-        <p:spPr/>
-        <p:txBody>
-          <a:bodyPr/>
-          <a:lstStyle/>
-          <a:p>
-            <a:fld id="{50E96FFC-9A77-BE40-93A2-F2F19ACBA9AE}" type="slidenum">
-              <a:rPr lang="fr-FR" smtClean="0"/>
-              <a:t>9</a:t>
-            </a:fld>
-            <a:endParaRPr lang="fr-FR"/>
-          </a:p>
-        </p:txBody>
-      </p:sp>
-      <p:pic>
-        <p:nvPicPr>
-          <p:cNvPr id="8" name="Picture 2" descr="HES-SO - Logo - Haute école">
-            <a:extLst>
-              <a:ext uri="{FF2B5EF4-FFF2-40B4-BE49-F238E27FC236}">
-                <a16:creationId xmlns:a16="http://schemas.microsoft.com/office/drawing/2014/main" id="{EA03034B-9075-280A-A560-1F98B0D46A44}"/>
-              </a:ext>
-            </a:extLst>
-          </p:cNvPr>
-          <p:cNvPicPr>
-            <a:picLocks noChangeAspect="1" noChangeArrowheads="1"/>
-          </p:cNvPicPr>
-          <p:nvPr/>
-        </p:nvPicPr>
-        <p:blipFill>
-          <a:blip r:embed="rId2">
-            <a:extLst>
-              <a:ext uri="{28A0092B-C50C-407E-A947-70E740481C1C}">
-                <a14:useLocalDpi xmlns:a14="http://schemas.microsoft.com/office/drawing/2010/main" val="0"/>
-              </a:ext>
-            </a:extLst>
-          </a:blip>
-          <a:srcRect/>
-          <a:stretch>
-            <a:fillRect/>
-          </a:stretch>
-        </p:blipFill>
-        <p:spPr bwMode="auto">
-          <a:xfrm>
-            <a:off x="5563101" y="6386879"/>
-            <a:ext cx="1065798" cy="334596"/>
-          </a:xfrm>
-          <a:prstGeom prst="rect">
-            <a:avLst/>
-          </a:prstGeom>
-          <a:noFill/>
-          <a:extLst>
-            <a:ext uri="{909E8E84-426E-40DD-AFC4-6F175D3DCCD1}">
-              <a14:hiddenFill xmlns:a14="http://schemas.microsoft.com/office/drawing/2010/main">
-                <a:solidFill>
-                  <a:srgbClr val="FFFFFF"/>
-                </a:solidFill>
-              </a14:hiddenFill>
-            </a:ext>
-          </a:extLst>
-        </p:spPr>
-      </p:pic>
-    </p:spTree>
-    <p:extLst>
-      <p:ext uri="{BB962C8B-B14F-4D97-AF65-F5344CB8AC3E}">
-        <p14:creationId xmlns:p14="http://schemas.microsoft.com/office/powerpoint/2010/main" val="1785542576"/>
       </p:ext>
     </p:extLst>
   </p:cSld>

--- a/Documentation/Anomaly-Detection-in-Network-Traffic-with-K-means-Clustering.pptx
+++ b/Documentation/Anomaly-Detection-in-Network-Traffic-with-K-means-Clustering.pptx
@@ -211,7 +211,7 @@
           <a:p>
             <a:fld id="{A355C87F-AD3D-5F4D-AE80-C3D964C530DC}" type="datetimeFigureOut">
               <a:rPr lang="fr-FR" smtClean="0"/>
-              <a:t>07/06/2022</a:t>
+              <a:t>08/06/2022</a:t>
             </a:fld>
             <a:endParaRPr lang="fr-FR"/>
           </a:p>
@@ -5565,7 +5565,7 @@
               <a:rPr lang="en-GB" dirty="0">
                 <a:latin typeface="Avenir Next Medium" panose="020B0503020202020204" pitchFamily="34" charset="0"/>
               </a:rPr>
-              <a:t>Possible improvements</a:t>
+              <a:t>Conclusion</a:t>
             </a:r>
             <a:endParaRPr lang="fr-FR" dirty="0">
               <a:latin typeface="Avenir Next Medium" panose="020B0503020202020204" pitchFamily="34" charset="0"/>

--- a/Documentation/Anomaly-Detection-in-Network-Traffic-with-K-means-Clustering.pptx
+++ b/Documentation/Anomaly-Detection-in-Network-Traffic-with-K-means-Clustering.pptx
@@ -5,7 +5,7 @@
     <p:sldMasterId id="2147483648" r:id="rId1"/>
   </p:sldMasterIdLst>
   <p:notesMasterIdLst>
-    <p:notesMasterId r:id="rId17"/>
+    <p:notesMasterId r:id="rId20"/>
   </p:notesMasterIdLst>
   <p:sldIdLst>
     <p:sldId id="256" r:id="rId2"/>
@@ -14,15 +14,18 @@
     <p:sldId id="269" r:id="rId5"/>
     <p:sldId id="270" r:id="rId6"/>
     <p:sldId id="268" r:id="rId7"/>
-    <p:sldId id="259" r:id="rId8"/>
-    <p:sldId id="260" r:id="rId9"/>
-    <p:sldId id="263" r:id="rId10"/>
-    <p:sldId id="261" r:id="rId11"/>
-    <p:sldId id="264" r:id="rId12"/>
+    <p:sldId id="271" r:id="rId8"/>
+    <p:sldId id="259" r:id="rId9"/>
+    <p:sldId id="274" r:id="rId10"/>
+    <p:sldId id="263" r:id="rId11"/>
+    <p:sldId id="261" r:id="rId12"/>
     <p:sldId id="262" r:id="rId13"/>
-    <p:sldId id="265" r:id="rId14"/>
-    <p:sldId id="266" r:id="rId15"/>
-    <p:sldId id="267" r:id="rId16"/>
+    <p:sldId id="264" r:id="rId14"/>
+    <p:sldId id="272" r:id="rId15"/>
+    <p:sldId id="273" r:id="rId16"/>
+    <p:sldId id="265" r:id="rId17"/>
+    <p:sldId id="266" r:id="rId18"/>
+    <p:sldId id="267" r:id="rId19"/>
   </p:sldIdLst>
   <p:sldSz cx="12192000" cy="6858000"/>
   <p:notesSz cx="6858000" cy="9144000"/>
@@ -211,7 +214,7 @@
           <a:p>
             <a:fld id="{A355C87F-AD3D-5F4D-AE80-C3D964C530DC}" type="datetimeFigureOut">
               <a:rPr lang="fr-FR" smtClean="0"/>
-              <a:t>08/06/2022</a:t>
+              <a:t>09/06/2022</a:t>
             </a:fld>
             <a:endParaRPr lang="fr-FR"/>
           </a:p>
@@ -4621,50 +4624,74 @@
           <a:lstStyle/>
           <a:p>
             <a:r>
-              <a:rPr lang="fr-FR" sz="4800" dirty="0" err="1">
-                <a:latin typeface="Avenir Next Medium" panose="020B0503020202020204" pitchFamily="34" charset="0"/>
+              <a:rPr lang="fr-FR" sz="4800" b="1" dirty="0" err="1">
+                <a:solidFill>
+                  <a:srgbClr val="00609C"/>
+                </a:solidFill>
+                <a:latin typeface="Avenir Next Demi Bold" panose="020B0503020202020204" pitchFamily="34" charset="0"/>
               </a:rPr>
               <a:t>Anomaly</a:t>
             </a:r>
             <a:r>
-              <a:rPr lang="fr-FR" sz="4800" dirty="0">
-                <a:latin typeface="Avenir Next Medium" panose="020B0503020202020204" pitchFamily="34" charset="0"/>
+              <a:rPr lang="fr-FR" sz="4800" b="1" dirty="0">
+                <a:solidFill>
+                  <a:srgbClr val="00609C"/>
+                </a:solidFill>
+                <a:latin typeface="Avenir Next Demi Bold" panose="020B0503020202020204" pitchFamily="34" charset="0"/>
               </a:rPr>
               <a:t> </a:t>
             </a:r>
             <a:r>
-              <a:rPr lang="fr-FR" sz="4800" dirty="0" err="1">
-                <a:latin typeface="Avenir Next Medium" panose="020B0503020202020204" pitchFamily="34" charset="0"/>
+              <a:rPr lang="fr-FR" sz="4800" b="1" dirty="0" err="1">
+                <a:solidFill>
+                  <a:srgbClr val="00609C"/>
+                </a:solidFill>
+                <a:latin typeface="Avenir Next Demi Bold" panose="020B0503020202020204" pitchFamily="34" charset="0"/>
               </a:rPr>
               <a:t>Detection</a:t>
             </a:r>
             <a:r>
-              <a:rPr lang="fr-FR" sz="4800" dirty="0">
-                <a:latin typeface="Avenir Next Medium" panose="020B0503020202020204" pitchFamily="34" charset="0"/>
+              <a:rPr lang="fr-FR" sz="4800" b="1" dirty="0">
+                <a:solidFill>
+                  <a:srgbClr val="00609C"/>
+                </a:solidFill>
+                <a:latin typeface="Avenir Next Demi Bold" panose="020B0503020202020204" pitchFamily="34" charset="0"/>
               </a:rPr>
               <a:t> in Network Traffic </a:t>
             </a:r>
             <a:r>
-              <a:rPr lang="fr-FR" sz="4800" dirty="0" err="1">
-                <a:latin typeface="Avenir Next Medium" panose="020B0503020202020204" pitchFamily="34" charset="0"/>
+              <a:rPr lang="fr-FR" sz="4800" b="1" dirty="0" err="1">
+                <a:solidFill>
+                  <a:srgbClr val="00609C"/>
+                </a:solidFill>
+                <a:latin typeface="Avenir Next Demi Bold" panose="020B0503020202020204" pitchFamily="34" charset="0"/>
               </a:rPr>
               <a:t>with</a:t>
             </a:r>
             <a:r>
-              <a:rPr lang="fr-FR" sz="4800" dirty="0">
-                <a:latin typeface="Avenir Next Medium" panose="020B0503020202020204" pitchFamily="34" charset="0"/>
+              <a:rPr lang="fr-FR" sz="4800" b="1" dirty="0">
+                <a:solidFill>
+                  <a:srgbClr val="00609C"/>
+                </a:solidFill>
+                <a:latin typeface="Avenir Next Demi Bold" panose="020B0503020202020204" pitchFamily="34" charset="0"/>
               </a:rPr>
               <a:t> K-</a:t>
             </a:r>
             <a:r>
-              <a:rPr lang="fr-FR" sz="4800" dirty="0" err="1">
-                <a:latin typeface="Avenir Next Medium" panose="020B0503020202020204" pitchFamily="34" charset="0"/>
+              <a:rPr lang="fr-FR" sz="4800" b="1" dirty="0" err="1">
+                <a:solidFill>
+                  <a:srgbClr val="00609C"/>
+                </a:solidFill>
+                <a:latin typeface="Avenir Next Demi Bold" panose="020B0503020202020204" pitchFamily="34" charset="0"/>
               </a:rPr>
               <a:t>means</a:t>
             </a:r>
             <a:r>
-              <a:rPr lang="fr-FR" sz="4800" dirty="0">
-                <a:latin typeface="Avenir Next Medium" panose="020B0503020202020204" pitchFamily="34" charset="0"/>
+              <a:rPr lang="fr-FR" sz="4800" b="1" dirty="0">
+                <a:solidFill>
+                  <a:srgbClr val="00609C"/>
+                </a:solidFill>
+                <a:latin typeface="Avenir Next Demi Bold" panose="020B0503020202020204" pitchFamily="34" charset="0"/>
               </a:rPr>
               <a:t> Clustering</a:t>
             </a:r>
@@ -4818,17 +4845,59 @@
         </p:nvSpPr>
         <p:spPr/>
         <p:txBody>
+          <a:bodyPr/>
+          <a:lstStyle/>
+          <a:p>
+            <a:r>
+              <a:rPr lang="fr-FR" dirty="0" err="1">
+                <a:latin typeface="Avenir Next Medium" panose="020B0503020202020204" pitchFamily="34" charset="0"/>
+              </a:rPr>
+              <a:t>Define</a:t>
+            </a:r>
+            <a:r>
+              <a:rPr lang="fr-FR" dirty="0">
+                <a:latin typeface="Avenir Next Medium" panose="020B0503020202020204" pitchFamily="34" charset="0"/>
+              </a:rPr>
+              <a:t> an </a:t>
+            </a:r>
+            <a:r>
+              <a:rPr lang="fr-FR" dirty="0" err="1">
+                <a:latin typeface="Avenir Next Medium" panose="020B0503020202020204" pitchFamily="34" charset="0"/>
+              </a:rPr>
+              <a:t>anomaly</a:t>
+            </a:r>
+            <a:endParaRPr lang="fr-FR" dirty="0">
+              <a:latin typeface="Avenir Next Medium" panose="020B0503020202020204" pitchFamily="34" charset="0"/>
+            </a:endParaRPr>
+          </a:p>
+        </p:txBody>
+      </p:sp>
+      <p:sp>
+        <p:nvSpPr>
+          <p:cNvPr id="3" name="Content Placeholder 2">
+            <a:extLst>
+              <a:ext uri="{FF2B5EF4-FFF2-40B4-BE49-F238E27FC236}">
+                <a16:creationId xmlns:a16="http://schemas.microsoft.com/office/drawing/2014/main" id="{138ECBA7-E0A5-8D39-6737-EB13A307A0BE}"/>
+              </a:ext>
+            </a:extLst>
+          </p:cNvPr>
+          <p:cNvSpPr>
+            <a:spLocks noGrp="1"/>
+          </p:cNvSpPr>
+          <p:nvPr>
+            <p:ph idx="1"/>
+          </p:nvPr>
+        </p:nvSpPr>
+        <p:spPr/>
+        <p:txBody>
           <a:bodyPr>
             <a:normAutofit/>
           </a:bodyPr>
           <a:lstStyle/>
           <a:p>
-            <a:r>
-              <a:rPr lang="en-GB" sz="4800" dirty="0">
-                <a:latin typeface="Avenir Next Medium" panose="020B0503020202020204" pitchFamily="34" charset="0"/>
-              </a:rPr>
-              <a:t>How to find the optimal value of the hyperparameter K of the K-means clustering ?</a:t>
-            </a:r>
+            <a:endParaRPr lang="fr-FR" sz="2400" dirty="0">
+              <a:latin typeface="Avenir Next" panose="020B0503020202020204" pitchFamily="34" charset="0"/>
+            </a:endParaRPr>
           </a:p>
         </p:txBody>
       </p:sp>
@@ -4885,6 +4954,173 @@
             <a:fld id="{50E96FFC-9A77-BE40-93A2-F2F19ACBA9AE}" type="slidenum">
               <a:rPr lang="fr-FR" smtClean="0"/>
               <a:t>10</a:t>
+            </a:fld>
+            <a:endParaRPr lang="fr-FR"/>
+          </a:p>
+        </p:txBody>
+      </p:sp>
+      <p:pic>
+        <p:nvPicPr>
+          <p:cNvPr id="8" name="Picture 2" descr="HES-SO - Logo - Haute école">
+            <a:extLst>
+              <a:ext uri="{FF2B5EF4-FFF2-40B4-BE49-F238E27FC236}">
+                <a16:creationId xmlns:a16="http://schemas.microsoft.com/office/drawing/2014/main" id="{EA03034B-9075-280A-A560-1F98B0D46A44}"/>
+              </a:ext>
+            </a:extLst>
+          </p:cNvPr>
+          <p:cNvPicPr>
+            <a:picLocks noChangeAspect="1" noChangeArrowheads="1"/>
+          </p:cNvPicPr>
+          <p:nvPr/>
+        </p:nvPicPr>
+        <p:blipFill>
+          <a:blip r:embed="rId2">
+            <a:extLst>
+              <a:ext uri="{28A0092B-C50C-407E-A947-70E740481C1C}">
+                <a14:useLocalDpi xmlns:a14="http://schemas.microsoft.com/office/drawing/2010/main" val="0"/>
+              </a:ext>
+            </a:extLst>
+          </a:blip>
+          <a:srcRect/>
+          <a:stretch>
+            <a:fillRect/>
+          </a:stretch>
+        </p:blipFill>
+        <p:spPr bwMode="auto">
+          <a:xfrm>
+            <a:off x="5563101" y="6386879"/>
+            <a:ext cx="1065798" cy="334596"/>
+          </a:xfrm>
+          <a:prstGeom prst="rect">
+            <a:avLst/>
+          </a:prstGeom>
+          <a:noFill/>
+          <a:extLst>
+            <a:ext uri="{909E8E84-426E-40DD-AFC4-6F175D3DCCD1}">
+              <a14:hiddenFill xmlns:a14="http://schemas.microsoft.com/office/drawing/2010/main">
+                <a:solidFill>
+                  <a:srgbClr val="FFFFFF"/>
+                </a:solidFill>
+              </a14:hiddenFill>
+            </a:ext>
+          </a:extLst>
+        </p:spPr>
+      </p:pic>
+    </p:spTree>
+    <p:extLst>
+      <p:ext uri="{BB962C8B-B14F-4D97-AF65-F5344CB8AC3E}">
+        <p14:creationId xmlns:p14="http://schemas.microsoft.com/office/powerpoint/2010/main" val="2608574514"/>
+      </p:ext>
+    </p:extLst>
+  </p:cSld>
+  <p:clrMapOvr>
+    <a:masterClrMapping/>
+  </p:clrMapOvr>
+</p:sld>
+</file>
+
+<file path=ppt/slides/slide11.xml><?xml version="1.0" encoding="utf-8"?>
+<p:sld xmlns:a="http://schemas.openxmlformats.org/drawingml/2006/main" xmlns:r="http://schemas.openxmlformats.org/officeDocument/2006/relationships" xmlns:p="http://schemas.openxmlformats.org/presentationml/2006/main">
+  <p:cSld>
+    <p:spTree>
+      <p:nvGrpSpPr>
+        <p:cNvPr id="1" name=""/>
+        <p:cNvGrpSpPr/>
+        <p:nvPr/>
+      </p:nvGrpSpPr>
+      <p:grpSpPr>
+        <a:xfrm>
+          <a:off x="0" y="0"/>
+          <a:ext cx="0" cy="0"/>
+          <a:chOff x="0" y="0"/>
+          <a:chExt cx="0" cy="0"/>
+        </a:xfrm>
+      </p:grpSpPr>
+      <p:sp>
+        <p:nvSpPr>
+          <p:cNvPr id="2" name="Title 1">
+            <a:extLst>
+              <a:ext uri="{FF2B5EF4-FFF2-40B4-BE49-F238E27FC236}">
+                <a16:creationId xmlns:a16="http://schemas.microsoft.com/office/drawing/2014/main" id="{F32D2FED-7694-B794-E4A7-C183D83D2881}"/>
+              </a:ext>
+            </a:extLst>
+          </p:cNvPr>
+          <p:cNvSpPr>
+            <a:spLocks noGrp="1"/>
+          </p:cNvSpPr>
+          <p:nvPr>
+            <p:ph type="title"/>
+          </p:nvPr>
+        </p:nvSpPr>
+        <p:spPr/>
+        <p:txBody>
+          <a:bodyPr>
+            <a:normAutofit/>
+          </a:bodyPr>
+          <a:lstStyle/>
+          <a:p>
+            <a:r>
+              <a:rPr lang="en-GB" sz="4800" dirty="0">
+                <a:latin typeface="Avenir Next Medium" panose="020B0503020202020204" pitchFamily="34" charset="0"/>
+              </a:rPr>
+              <a:t>2. How to find the optimal value of the hyperparameter K of the K-means clustering ?</a:t>
+            </a:r>
+          </a:p>
+        </p:txBody>
+      </p:sp>
+      <p:sp>
+        <p:nvSpPr>
+          <p:cNvPr id="4" name="Date Placeholder 3">
+            <a:extLst>
+              <a:ext uri="{FF2B5EF4-FFF2-40B4-BE49-F238E27FC236}">
+                <a16:creationId xmlns:a16="http://schemas.microsoft.com/office/drawing/2014/main" id="{29128103-CC75-2E58-B635-5950CA33C1DF}"/>
+              </a:ext>
+            </a:extLst>
+          </p:cNvPr>
+          <p:cNvSpPr>
+            <a:spLocks noGrp="1"/>
+          </p:cNvSpPr>
+          <p:nvPr>
+            <p:ph type="dt" sz="half" idx="10"/>
+          </p:nvPr>
+        </p:nvSpPr>
+        <p:spPr/>
+        <p:txBody>
+          <a:bodyPr/>
+          <a:lstStyle/>
+          <a:p>
+            <a:r>
+              <a:rPr lang="de-CH"/>
+              <a:t>10.06.2022</a:t>
+            </a:r>
+            <a:endParaRPr lang="fr-FR"/>
+          </a:p>
+        </p:txBody>
+      </p:sp>
+      <p:sp>
+        <p:nvSpPr>
+          <p:cNvPr id="6" name="Slide Number Placeholder 5">
+            <a:extLst>
+              <a:ext uri="{FF2B5EF4-FFF2-40B4-BE49-F238E27FC236}">
+                <a16:creationId xmlns:a16="http://schemas.microsoft.com/office/drawing/2014/main" id="{A06554C2-2984-B2C8-2158-C04BED7CEDFC}"/>
+              </a:ext>
+            </a:extLst>
+          </p:cNvPr>
+          <p:cNvSpPr>
+            <a:spLocks noGrp="1"/>
+          </p:cNvSpPr>
+          <p:nvPr>
+            <p:ph type="sldNum" sz="quarter" idx="12"/>
+          </p:nvPr>
+        </p:nvSpPr>
+        <p:spPr/>
+        <p:txBody>
+          <a:bodyPr/>
+          <a:lstStyle/>
+          <a:p>
+            <a:fld id="{50E96FFC-9A77-BE40-93A2-F2F19ACBA9AE}" type="slidenum">
+              <a:rPr lang="fr-FR" smtClean="0"/>
+              <a:t>11</a:t>
             </a:fld>
             <a:endParaRPr lang="fr-FR"/>
           </a:p>
@@ -4950,9 +5186,19 @@
 </p:sld>
 </file>
 
-<file path=ppt/slides/slide11.xml><?xml version="1.0" encoding="utf-8"?>
+<file path=ppt/slides/slide12.xml><?xml version="1.0" encoding="utf-8"?>
 <p:sld xmlns:a="http://schemas.openxmlformats.org/drawingml/2006/main" xmlns:r="http://schemas.openxmlformats.org/officeDocument/2006/relationships" xmlns:p="http://schemas.openxmlformats.org/presentationml/2006/main">
   <p:cSld>
+    <p:bg>
+      <p:bgPr>
+        <a:solidFill>
+          <a:srgbClr val="00609C">
+            <a:alpha val="70000"/>
+          </a:srgbClr>
+        </a:solidFill>
+        <a:effectLst/>
+      </p:bgPr>
+    </p:bg>
     <p:spTree>
       <p:nvGrpSpPr>
         <p:cNvPr id="1" name=""/>
@@ -4983,216 +5229,12 @@
             <p:ph type="title"/>
           </p:nvPr>
         </p:nvSpPr>
-        <p:spPr/>
-        <p:txBody>
-          <a:bodyPr/>
-          <a:lstStyle/>
-          <a:p>
-            <a:r>
-              <a:rPr lang="en-GB" dirty="0">
-                <a:latin typeface="Avenir Next Medium" panose="020B0503020202020204" pitchFamily="34" charset="0"/>
-              </a:rPr>
-              <a:t>The optimal </a:t>
-            </a:r>
-            <a:r>
-              <a:rPr lang="en-GB" i="1" dirty="0">
-                <a:latin typeface="Avenir Next Medium" panose="020B0503020202020204" pitchFamily="34" charset="0"/>
-              </a:rPr>
-              <a:t>K </a:t>
-            </a:r>
-            <a:r>
-              <a:rPr lang="en-GB" dirty="0">
-                <a:latin typeface="Avenir Next Medium" panose="020B0503020202020204" pitchFamily="34" charset="0"/>
-              </a:rPr>
-              <a:t>value</a:t>
-            </a:r>
-            <a:endParaRPr lang="fr-FR" dirty="0">
-              <a:latin typeface="Avenir Next Medium" panose="020B0503020202020204" pitchFamily="34" charset="0"/>
-            </a:endParaRPr>
-          </a:p>
-        </p:txBody>
-      </p:sp>
-      <p:sp>
-        <p:nvSpPr>
-          <p:cNvPr id="3" name="Content Placeholder 2">
-            <a:extLst>
-              <a:ext uri="{FF2B5EF4-FFF2-40B4-BE49-F238E27FC236}">
-                <a16:creationId xmlns:a16="http://schemas.microsoft.com/office/drawing/2014/main" id="{138ECBA7-E0A5-8D39-6737-EB13A307A0BE}"/>
-              </a:ext>
-            </a:extLst>
-          </p:cNvPr>
-          <p:cNvSpPr>
-            <a:spLocks noGrp="1"/>
-          </p:cNvSpPr>
-          <p:nvPr>
-            <p:ph idx="1"/>
-          </p:nvPr>
-        </p:nvSpPr>
-        <p:spPr/>
-        <p:txBody>
-          <a:bodyPr>
-            <a:normAutofit/>
-          </a:bodyPr>
-          <a:lstStyle/>
-          <a:p>
-            <a:endParaRPr lang="fr-FR" sz="2400" dirty="0">
-              <a:latin typeface="Avenir Next" panose="020B0503020202020204" pitchFamily="34" charset="0"/>
-            </a:endParaRPr>
-          </a:p>
-        </p:txBody>
-      </p:sp>
-      <p:sp>
-        <p:nvSpPr>
-          <p:cNvPr id="4" name="Date Placeholder 3">
-            <a:extLst>
-              <a:ext uri="{FF2B5EF4-FFF2-40B4-BE49-F238E27FC236}">
-                <a16:creationId xmlns:a16="http://schemas.microsoft.com/office/drawing/2014/main" id="{29128103-CC75-2E58-B635-5950CA33C1DF}"/>
-              </a:ext>
-            </a:extLst>
-          </p:cNvPr>
-          <p:cNvSpPr>
-            <a:spLocks noGrp="1"/>
-          </p:cNvSpPr>
-          <p:nvPr>
-            <p:ph type="dt" sz="half" idx="10"/>
-          </p:nvPr>
-        </p:nvSpPr>
-        <p:spPr/>
-        <p:txBody>
-          <a:bodyPr/>
-          <a:lstStyle/>
-          <a:p>
-            <a:r>
-              <a:rPr lang="de-CH"/>
-              <a:t>10.06.2022</a:t>
-            </a:r>
-            <a:endParaRPr lang="fr-FR"/>
-          </a:p>
-        </p:txBody>
-      </p:sp>
-      <p:sp>
-        <p:nvSpPr>
-          <p:cNvPr id="6" name="Slide Number Placeholder 5">
-            <a:extLst>
-              <a:ext uri="{FF2B5EF4-FFF2-40B4-BE49-F238E27FC236}">
-                <a16:creationId xmlns:a16="http://schemas.microsoft.com/office/drawing/2014/main" id="{A06554C2-2984-B2C8-2158-C04BED7CEDFC}"/>
-              </a:ext>
-            </a:extLst>
-          </p:cNvPr>
-          <p:cNvSpPr>
-            <a:spLocks noGrp="1"/>
-          </p:cNvSpPr>
-          <p:nvPr>
-            <p:ph type="sldNum" sz="quarter" idx="12"/>
-          </p:nvPr>
-        </p:nvSpPr>
-        <p:spPr/>
-        <p:txBody>
-          <a:bodyPr/>
-          <a:lstStyle/>
-          <a:p>
-            <a:fld id="{50E96FFC-9A77-BE40-93A2-F2F19ACBA9AE}" type="slidenum">
-              <a:rPr lang="fr-FR" smtClean="0"/>
-              <a:t>11</a:t>
-            </a:fld>
-            <a:endParaRPr lang="fr-FR"/>
-          </a:p>
-        </p:txBody>
-      </p:sp>
-      <p:pic>
-        <p:nvPicPr>
-          <p:cNvPr id="8" name="Picture 2" descr="HES-SO - Logo - Haute école">
-            <a:extLst>
-              <a:ext uri="{FF2B5EF4-FFF2-40B4-BE49-F238E27FC236}">
-                <a16:creationId xmlns:a16="http://schemas.microsoft.com/office/drawing/2014/main" id="{EA03034B-9075-280A-A560-1F98B0D46A44}"/>
-              </a:ext>
-            </a:extLst>
-          </p:cNvPr>
-          <p:cNvPicPr>
-            <a:picLocks noChangeAspect="1" noChangeArrowheads="1"/>
-          </p:cNvPicPr>
-          <p:nvPr/>
-        </p:nvPicPr>
-        <p:blipFill>
-          <a:blip r:embed="rId2">
-            <a:extLst>
-              <a:ext uri="{28A0092B-C50C-407E-A947-70E740481C1C}">
-                <a14:useLocalDpi xmlns:a14="http://schemas.microsoft.com/office/drawing/2010/main" val="0"/>
-              </a:ext>
-            </a:extLst>
-          </a:blip>
-          <a:srcRect/>
-          <a:stretch>
-            <a:fillRect/>
-          </a:stretch>
-        </p:blipFill>
-        <p:spPr bwMode="auto">
+        <p:spPr>
           <a:xfrm>
-            <a:off x="5563101" y="6386879"/>
-            <a:ext cx="1065798" cy="334596"/>
+            <a:off x="838200" y="2268460"/>
+            <a:ext cx="10515600" cy="2321080"/>
           </a:xfrm>
-          <a:prstGeom prst="rect">
-            <a:avLst/>
-          </a:prstGeom>
-          <a:noFill/>
-          <a:extLst>
-            <a:ext uri="{909E8E84-426E-40DD-AFC4-6F175D3DCCD1}">
-              <a14:hiddenFill xmlns:a14="http://schemas.microsoft.com/office/drawing/2010/main">
-                <a:solidFill>
-                  <a:srgbClr val="FFFFFF"/>
-                </a:solidFill>
-              </a14:hiddenFill>
-            </a:ext>
-          </a:extLst>
         </p:spPr>
-      </p:pic>
-    </p:spTree>
-    <p:extLst>
-      <p:ext uri="{BB962C8B-B14F-4D97-AF65-F5344CB8AC3E}">
-        <p14:creationId xmlns:p14="http://schemas.microsoft.com/office/powerpoint/2010/main" val="2346558059"/>
-      </p:ext>
-    </p:extLst>
-  </p:cSld>
-  <p:clrMapOvr>
-    <a:masterClrMapping/>
-  </p:clrMapOvr>
-</p:sld>
-</file>
-
-<file path=ppt/slides/slide12.xml><?xml version="1.0" encoding="utf-8"?>
-<p:sld xmlns:a="http://schemas.openxmlformats.org/drawingml/2006/main" xmlns:r="http://schemas.openxmlformats.org/officeDocument/2006/relationships" xmlns:p="http://schemas.openxmlformats.org/presentationml/2006/main">
-  <p:cSld>
-    <p:spTree>
-      <p:nvGrpSpPr>
-        <p:cNvPr id="1" name=""/>
-        <p:cNvGrpSpPr/>
-        <p:nvPr/>
-      </p:nvGrpSpPr>
-      <p:grpSpPr>
-        <a:xfrm>
-          <a:off x="0" y="0"/>
-          <a:ext cx="0" cy="0"/>
-          <a:chOff x="0" y="0"/>
-          <a:chExt cx="0" cy="0"/>
-        </a:xfrm>
-      </p:grpSpPr>
-      <p:sp>
-        <p:nvSpPr>
-          <p:cNvPr id="2" name="Title 1">
-            <a:extLst>
-              <a:ext uri="{FF2B5EF4-FFF2-40B4-BE49-F238E27FC236}">
-                <a16:creationId xmlns:a16="http://schemas.microsoft.com/office/drawing/2014/main" id="{F32D2FED-7694-B794-E4A7-C183D83D2881}"/>
-              </a:ext>
-            </a:extLst>
-          </p:cNvPr>
-          <p:cNvSpPr>
-            <a:spLocks noGrp="1"/>
-          </p:cNvSpPr>
-          <p:nvPr>
-            <p:ph type="title"/>
-          </p:nvPr>
-        </p:nvSpPr>
-        <p:spPr/>
         <p:txBody>
           <a:bodyPr>
             <a:noAutofit/>
@@ -5201,9 +5243,29 @@
           <a:p>
             <a:r>
               <a:rPr lang="en-GB" sz="4000" dirty="0">
+                <a:solidFill>
+                  <a:schemeClr val="bg1"/>
+                </a:solidFill>
                 <a:latin typeface="Avenir Next Medium" panose="020B0503020202020204" pitchFamily="34" charset="0"/>
               </a:rPr>
-              <a:t>What is the distribution of attacks on each protocol (TCP, UDP, ICMP…), by which service (port) were they carried out, what type of attacks are they and what was the final purpose of the attack ?</a:t>
+              <a:t>2. </a:t>
+            </a:r>
+            <a:br>
+              <a:rPr lang="en-GB" sz="4000" dirty="0">
+                <a:solidFill>
+                  <a:schemeClr val="bg1"/>
+                </a:solidFill>
+                <a:latin typeface="Avenir Next Medium" panose="020B0503020202020204" pitchFamily="34" charset="0"/>
+              </a:rPr>
+            </a:br>
+            <a:r>
+              <a:rPr lang="en-GB" sz="4000" dirty="0">
+                <a:solidFill>
+                  <a:schemeClr val="bg1"/>
+                </a:solidFill>
+                <a:latin typeface="Avenir Next Medium" panose="020B0503020202020204" pitchFamily="34" charset="0"/>
+              </a:rPr>
+              <a:t>How to find the optimal value of the hyperparameter K of the K-means clustering?</a:t>
             </a:r>
           </a:p>
         </p:txBody>
@@ -5230,10 +5292,18 @@
           <a:lstStyle/>
           <a:p>
             <a:r>
-              <a:rPr lang="de-CH"/>
+              <a:rPr lang="de-CH" dirty="0">
+                <a:solidFill>
+                  <a:schemeClr val="bg1"/>
+                </a:solidFill>
+              </a:rPr>
               <a:t>10.06.2022</a:t>
             </a:r>
-            <a:endParaRPr lang="fr-FR"/>
+            <a:endParaRPr lang="fr-FR" dirty="0">
+              <a:solidFill>
+                <a:schemeClr val="bg1"/>
+              </a:solidFill>
+            </a:endParaRPr>
           </a:p>
         </p:txBody>
       </p:sp>
@@ -5259,10 +5329,18 @@
           <a:lstStyle/>
           <a:p>
             <a:fld id="{50E96FFC-9A77-BE40-93A2-F2F19ACBA9AE}" type="slidenum">
-              <a:rPr lang="fr-FR" smtClean="0"/>
+              <a:rPr lang="fr-FR" smtClean="0">
+                <a:solidFill>
+                  <a:schemeClr val="bg1"/>
+                </a:solidFill>
+              </a:rPr>
               <a:t>12</a:t>
             </a:fld>
-            <a:endParaRPr lang="fr-FR"/>
+            <a:endParaRPr lang="fr-FR">
+              <a:solidFill>
+                <a:schemeClr val="bg1"/>
+              </a:solidFill>
+            </a:endParaRPr>
           </a:p>
         </p:txBody>
       </p:sp>
@@ -5368,7 +5446,19 @@
               <a:rPr lang="en-GB" dirty="0">
                 <a:latin typeface="Avenir Next Medium" panose="020B0503020202020204" pitchFamily="34" charset="0"/>
               </a:rPr>
-              <a:t>Distribution of attacks</a:t>
+              <a:t>The optimal </a:t>
+            </a:r>
+            <a:r>
+              <a:rPr lang="en-GB" i="1" dirty="0">
+                <a:latin typeface="Avenir Next Medium" panose="020B0503020202020204" pitchFamily="34" charset="0"/>
+              </a:rPr>
+              <a:t>K </a:t>
+            </a:r>
+            <a:r>
+              <a:rPr lang="en-GB" dirty="0">
+                <a:latin typeface="Avenir Next Medium" panose="020B0503020202020204" pitchFamily="34" charset="0"/>
+              </a:rPr>
+              <a:t>value - Steps</a:t>
             </a:r>
             <a:endParaRPr lang="fr-FR" dirty="0">
               <a:latin typeface="Avenir Next Medium" panose="020B0503020202020204" pitchFamily="34" charset="0"/>
@@ -5399,10 +5489,212 @@
           </a:bodyPr>
           <a:lstStyle/>
           <a:p>
+            <a:pPr marL="457200" indent="-457200">
+              <a:buFont typeface="+mj-lt"/>
+              <a:buAutoNum type="arabicPeriod"/>
+            </a:pPr>
+            <a:r>
+              <a:rPr lang="fr-FR" sz="2400" dirty="0">
+                <a:latin typeface="Avenir Next" panose="020B0503020202020204" pitchFamily="34" charset="0"/>
+              </a:rPr>
+              <a:t> The </a:t>
+            </a:r>
+            <a:r>
+              <a:rPr lang="fr-FR" sz="2400" dirty="0" err="1">
+                <a:latin typeface="Avenir Next" panose="020B0503020202020204" pitchFamily="34" charset="0"/>
+              </a:rPr>
+              <a:t>beginning</a:t>
+            </a:r>
             <a:endParaRPr lang="fr-FR" sz="2400" dirty="0">
               <a:latin typeface="Avenir Next" panose="020B0503020202020204" pitchFamily="34" charset="0"/>
             </a:endParaRPr>
           </a:p>
+          <a:p>
+            <a:pPr marL="457200" indent="-457200">
+              <a:buFont typeface="+mj-lt"/>
+              <a:buAutoNum type="arabicPeriod"/>
+            </a:pPr>
+            <a:r>
+              <a:rPr lang="fr-FR" sz="2400" dirty="0">
+                <a:latin typeface="Avenir Next" panose="020B0503020202020204" pitchFamily="34" charset="0"/>
+              </a:rPr>
+              <a:t> Max </a:t>
+            </a:r>
+            <a:r>
+              <a:rPr lang="fr-FR" sz="2400" dirty="0" err="1">
+                <a:latin typeface="Avenir Next" panose="020B0503020202020204" pitchFamily="34" charset="0"/>
+              </a:rPr>
+              <a:t>iteration</a:t>
+            </a:r>
+            <a:r>
+              <a:rPr lang="fr-FR" sz="2400" dirty="0">
+                <a:latin typeface="Avenir Next" panose="020B0503020202020204" pitchFamily="34" charset="0"/>
+              </a:rPr>
+              <a:t> and </a:t>
+            </a:r>
+            <a:r>
+              <a:rPr lang="fr-FR" sz="2400" dirty="0" err="1">
+                <a:latin typeface="Avenir Next" panose="020B0503020202020204" pitchFamily="34" charset="0"/>
+              </a:rPr>
+              <a:t>tolerance</a:t>
+            </a:r>
+            <a:endParaRPr lang="fr-FR" sz="2400" dirty="0">
+              <a:latin typeface="Avenir Next" panose="020B0503020202020204" pitchFamily="34" charset="0"/>
+            </a:endParaRPr>
+          </a:p>
+          <a:p>
+            <a:pPr marL="457200" indent="-457200">
+              <a:buFont typeface="+mj-lt"/>
+              <a:buAutoNum type="arabicPeriod"/>
+            </a:pPr>
+            <a:r>
+              <a:rPr lang="fr-FR" sz="2400" dirty="0">
+                <a:latin typeface="Avenir Next" panose="020B0503020202020204" pitchFamily="34" charset="0"/>
+              </a:rPr>
+              <a:t> </a:t>
+            </a:r>
+            <a:r>
+              <a:rPr lang="fr-FR" sz="2400" dirty="0" err="1">
+                <a:latin typeface="Avenir Next" panose="020B0503020202020204" pitchFamily="34" charset="0"/>
+              </a:rPr>
+              <a:t>Normalization</a:t>
+            </a:r>
+            <a:endParaRPr lang="fr-FR" sz="2400" dirty="0">
+              <a:latin typeface="Avenir Next" panose="020B0503020202020204" pitchFamily="34" charset="0"/>
+            </a:endParaRPr>
+          </a:p>
+          <a:p>
+            <a:pPr marL="457200" indent="-457200">
+              <a:buFont typeface="+mj-lt"/>
+              <a:buAutoNum type="arabicPeriod"/>
+            </a:pPr>
+            <a:r>
+              <a:rPr lang="fr-FR" sz="2400" dirty="0">
+                <a:latin typeface="Avenir Next" panose="020B0503020202020204" pitchFamily="34" charset="0"/>
+              </a:rPr>
+              <a:t> Non-</a:t>
+            </a:r>
+            <a:r>
+              <a:rPr lang="fr-FR" sz="2400" dirty="0" err="1">
+                <a:latin typeface="Avenir Next" panose="020B0503020202020204" pitchFamily="34" charset="0"/>
+              </a:rPr>
+              <a:t>numeric</a:t>
+            </a:r>
+            <a:r>
+              <a:rPr lang="fr-FR" sz="2400" dirty="0">
+                <a:latin typeface="Avenir Next" panose="020B0503020202020204" pitchFamily="34" charset="0"/>
+              </a:rPr>
+              <a:t> </a:t>
+            </a:r>
+            <a:r>
+              <a:rPr lang="fr-FR" sz="2400" dirty="0" err="1">
+                <a:latin typeface="Avenir Next" panose="020B0503020202020204" pitchFamily="34" charset="0"/>
+              </a:rPr>
+              <a:t>features</a:t>
+            </a:r>
+            <a:endParaRPr lang="fr-FR" sz="2400" dirty="0">
+              <a:latin typeface="Avenir Next" panose="020B0503020202020204" pitchFamily="34" charset="0"/>
+            </a:endParaRPr>
+          </a:p>
+          <a:p>
+            <a:pPr marL="457200" indent="-457200">
+              <a:buFont typeface="+mj-lt"/>
+              <a:buAutoNum type="arabicPeriod"/>
+            </a:pPr>
+            <a:r>
+              <a:rPr lang="fr-FR" sz="2400" dirty="0">
+                <a:latin typeface="Avenir Next" panose="020B0503020202020204" pitchFamily="34" charset="0"/>
+              </a:rPr>
+              <a:t> </a:t>
+            </a:r>
+            <a:r>
+              <a:rPr lang="fr-FR" sz="2400" dirty="0" err="1">
+                <a:latin typeface="Avenir Next" panose="020B0503020202020204" pitchFamily="34" charset="0"/>
+              </a:rPr>
+              <a:t>Entropy</a:t>
+            </a:r>
+            <a:endParaRPr lang="fr-FR" sz="2400" dirty="0">
+              <a:latin typeface="Avenir Next" panose="020B0503020202020204" pitchFamily="34" charset="0"/>
+            </a:endParaRPr>
+          </a:p>
+          <a:p>
+            <a:pPr marL="457200" indent="-457200">
+              <a:buFont typeface="+mj-lt"/>
+              <a:buAutoNum type="arabicPeriod"/>
+            </a:pPr>
+            <a:r>
+              <a:rPr lang="fr-FR" sz="2400" dirty="0">
+                <a:latin typeface="Avenir Next" panose="020B0503020202020204" pitchFamily="34" charset="0"/>
+              </a:rPr>
+              <a:t> Clustering</a:t>
+            </a:r>
+          </a:p>
+          <a:p>
+            <a:pPr marL="457200" indent="-457200">
+              <a:buFont typeface="+mj-lt"/>
+              <a:buAutoNum type="arabicPeriod"/>
+            </a:pPr>
+            <a:r>
+              <a:rPr lang="fr-FR" sz="2400" dirty="0">
+                <a:latin typeface="Avenir Next" panose="020B0503020202020204" pitchFamily="34" charset="0"/>
+              </a:rPr>
+              <a:t> </a:t>
+            </a:r>
+            <a:r>
+              <a:rPr lang="fr-FR" sz="2400" dirty="0" err="1">
+                <a:latin typeface="Avenir Next" panose="020B0503020202020204" pitchFamily="34" charset="0"/>
+              </a:rPr>
+              <a:t>Cosine</a:t>
+            </a:r>
+            <a:r>
+              <a:rPr lang="fr-FR" sz="2400" dirty="0">
+                <a:latin typeface="Avenir Next" panose="020B0503020202020204" pitchFamily="34" charset="0"/>
+              </a:rPr>
+              <a:t> distance </a:t>
+            </a:r>
+            <a:r>
+              <a:rPr lang="fr-FR" sz="2400" dirty="0" err="1">
+                <a:latin typeface="Avenir Next" panose="020B0503020202020204" pitchFamily="34" charset="0"/>
+              </a:rPr>
+              <a:t>measure</a:t>
+            </a:r>
+            <a:endParaRPr lang="fr-FR" sz="2400" dirty="0">
+              <a:latin typeface="Avenir Next" panose="020B0503020202020204" pitchFamily="34" charset="0"/>
+            </a:endParaRPr>
+          </a:p>
+          <a:p>
+            <a:pPr marL="457200" indent="-457200">
+              <a:buFont typeface="+mj-lt"/>
+              <a:buAutoNum type="arabicPeriod"/>
+            </a:pPr>
+            <a:r>
+              <a:rPr lang="fr-FR" sz="2400" dirty="0">
+                <a:latin typeface="Avenir Next" panose="020B0503020202020204" pitchFamily="34" charset="0"/>
+              </a:rPr>
+              <a:t> </a:t>
+            </a:r>
+            <a:r>
+              <a:rPr lang="fr-FR" sz="2400" dirty="0" err="1">
+                <a:latin typeface="Avenir Next" panose="020B0503020202020204" pitchFamily="34" charset="0"/>
+              </a:rPr>
+              <a:t>Bisecting</a:t>
+            </a:r>
+            <a:r>
+              <a:rPr lang="fr-FR" sz="2400" dirty="0">
+                <a:latin typeface="Avenir Next" panose="020B0503020202020204" pitchFamily="34" charset="0"/>
+              </a:rPr>
+              <a:t> K-</a:t>
+            </a:r>
+            <a:r>
+              <a:rPr lang="fr-FR" sz="2400" dirty="0" err="1">
+                <a:latin typeface="Avenir Next" panose="020B0503020202020204" pitchFamily="34" charset="0"/>
+              </a:rPr>
+              <a:t>means</a:t>
+            </a:r>
+            <a:endParaRPr lang="fr-FR" sz="2400" dirty="0">
+              <a:latin typeface="Avenir Next" panose="020B0503020202020204" pitchFamily="34" charset="0"/>
+            </a:endParaRPr>
+          </a:p>
         </p:txBody>
       </p:sp>
       <p:sp>
@@ -5458,6 +5750,634 @@
             <a:fld id="{50E96FFC-9A77-BE40-93A2-F2F19ACBA9AE}" type="slidenum">
               <a:rPr lang="fr-FR" smtClean="0"/>
               <a:t>13</a:t>
+            </a:fld>
+            <a:endParaRPr lang="fr-FR"/>
+          </a:p>
+        </p:txBody>
+      </p:sp>
+      <p:pic>
+        <p:nvPicPr>
+          <p:cNvPr id="8" name="Picture 2" descr="HES-SO - Logo - Haute école">
+            <a:extLst>
+              <a:ext uri="{FF2B5EF4-FFF2-40B4-BE49-F238E27FC236}">
+                <a16:creationId xmlns:a16="http://schemas.microsoft.com/office/drawing/2014/main" id="{EA03034B-9075-280A-A560-1F98B0D46A44}"/>
+              </a:ext>
+            </a:extLst>
+          </p:cNvPr>
+          <p:cNvPicPr>
+            <a:picLocks noChangeAspect="1" noChangeArrowheads="1"/>
+          </p:cNvPicPr>
+          <p:nvPr/>
+        </p:nvPicPr>
+        <p:blipFill>
+          <a:blip r:embed="rId2">
+            <a:extLst>
+              <a:ext uri="{28A0092B-C50C-407E-A947-70E740481C1C}">
+                <a14:useLocalDpi xmlns:a14="http://schemas.microsoft.com/office/drawing/2010/main" val="0"/>
+              </a:ext>
+            </a:extLst>
+          </a:blip>
+          <a:srcRect/>
+          <a:stretch>
+            <a:fillRect/>
+          </a:stretch>
+        </p:blipFill>
+        <p:spPr bwMode="auto">
+          <a:xfrm>
+            <a:off x="5563101" y="6386879"/>
+            <a:ext cx="1065798" cy="334596"/>
+          </a:xfrm>
+          <a:prstGeom prst="rect">
+            <a:avLst/>
+          </a:prstGeom>
+          <a:noFill/>
+          <a:extLst>
+            <a:ext uri="{909E8E84-426E-40DD-AFC4-6F175D3DCCD1}">
+              <a14:hiddenFill xmlns:a14="http://schemas.microsoft.com/office/drawing/2010/main">
+                <a:solidFill>
+                  <a:srgbClr val="FFFFFF"/>
+                </a:solidFill>
+              </a14:hiddenFill>
+            </a:ext>
+          </a:extLst>
+        </p:spPr>
+      </p:pic>
+    </p:spTree>
+    <p:extLst>
+      <p:ext uri="{BB962C8B-B14F-4D97-AF65-F5344CB8AC3E}">
+        <p14:creationId xmlns:p14="http://schemas.microsoft.com/office/powerpoint/2010/main" val="2346558059"/>
+      </p:ext>
+    </p:extLst>
+  </p:cSld>
+  <p:clrMapOvr>
+    <a:masterClrMapping/>
+  </p:clrMapOvr>
+</p:sld>
+</file>
+
+<file path=ppt/slides/slide14.xml><?xml version="1.0" encoding="utf-8"?>
+<p:sld xmlns:a="http://schemas.openxmlformats.org/drawingml/2006/main" xmlns:r="http://schemas.openxmlformats.org/officeDocument/2006/relationships" xmlns:p="http://schemas.openxmlformats.org/presentationml/2006/main">
+  <p:cSld>
+    <p:spTree>
+      <p:nvGrpSpPr>
+        <p:cNvPr id="1" name=""/>
+        <p:cNvGrpSpPr/>
+        <p:nvPr/>
+      </p:nvGrpSpPr>
+      <p:grpSpPr>
+        <a:xfrm>
+          <a:off x="0" y="0"/>
+          <a:ext cx="0" cy="0"/>
+          <a:chOff x="0" y="0"/>
+          <a:chExt cx="0" cy="0"/>
+        </a:xfrm>
+      </p:grpSpPr>
+      <p:sp>
+        <p:nvSpPr>
+          <p:cNvPr id="2" name="Title 1">
+            <a:extLst>
+              <a:ext uri="{FF2B5EF4-FFF2-40B4-BE49-F238E27FC236}">
+                <a16:creationId xmlns:a16="http://schemas.microsoft.com/office/drawing/2014/main" id="{F32D2FED-7694-B794-E4A7-C183D83D2881}"/>
+              </a:ext>
+            </a:extLst>
+          </p:cNvPr>
+          <p:cNvSpPr>
+            <a:spLocks noGrp="1"/>
+          </p:cNvSpPr>
+          <p:nvPr>
+            <p:ph type="title"/>
+          </p:nvPr>
+        </p:nvSpPr>
+        <p:spPr/>
+        <p:txBody>
+          <a:bodyPr/>
+          <a:lstStyle/>
+          <a:p>
+            <a:r>
+              <a:rPr lang="en-GB" dirty="0">
+                <a:latin typeface="Avenir Next Medium" panose="020B0503020202020204" pitchFamily="34" charset="0"/>
+              </a:rPr>
+              <a:t>The optimal </a:t>
+            </a:r>
+            <a:r>
+              <a:rPr lang="en-GB" i="1" dirty="0">
+                <a:latin typeface="Avenir Next Medium" panose="020B0503020202020204" pitchFamily="34" charset="0"/>
+              </a:rPr>
+              <a:t>K </a:t>
+            </a:r>
+            <a:r>
+              <a:rPr lang="en-GB" dirty="0">
+                <a:latin typeface="Avenir Next Medium" panose="020B0503020202020204" pitchFamily="34" charset="0"/>
+              </a:rPr>
+              <a:t>value - Results</a:t>
+            </a:r>
+            <a:endParaRPr lang="fr-FR" dirty="0">
+              <a:latin typeface="Avenir Next Medium" panose="020B0503020202020204" pitchFamily="34" charset="0"/>
+            </a:endParaRPr>
+          </a:p>
+        </p:txBody>
+      </p:sp>
+      <p:sp>
+        <p:nvSpPr>
+          <p:cNvPr id="3" name="Content Placeholder 2">
+            <a:extLst>
+              <a:ext uri="{FF2B5EF4-FFF2-40B4-BE49-F238E27FC236}">
+                <a16:creationId xmlns:a16="http://schemas.microsoft.com/office/drawing/2014/main" id="{138ECBA7-E0A5-8D39-6737-EB13A307A0BE}"/>
+              </a:ext>
+            </a:extLst>
+          </p:cNvPr>
+          <p:cNvSpPr>
+            <a:spLocks noGrp="1"/>
+          </p:cNvSpPr>
+          <p:nvPr>
+            <p:ph idx="1"/>
+          </p:nvPr>
+        </p:nvSpPr>
+        <p:spPr/>
+        <p:txBody>
+          <a:bodyPr>
+            <a:normAutofit/>
+          </a:bodyPr>
+          <a:lstStyle/>
+          <a:p>
+            <a:pPr marL="457200" indent="-457200">
+              <a:buFont typeface="+mj-lt"/>
+              <a:buAutoNum type="arabicPeriod"/>
+            </a:pPr>
+            <a:endParaRPr lang="fr-FR" sz="2400" dirty="0">
+              <a:latin typeface="Avenir Next" panose="020B0503020202020204" pitchFamily="34" charset="0"/>
+            </a:endParaRPr>
+          </a:p>
+        </p:txBody>
+      </p:sp>
+      <p:sp>
+        <p:nvSpPr>
+          <p:cNvPr id="4" name="Date Placeholder 3">
+            <a:extLst>
+              <a:ext uri="{FF2B5EF4-FFF2-40B4-BE49-F238E27FC236}">
+                <a16:creationId xmlns:a16="http://schemas.microsoft.com/office/drawing/2014/main" id="{29128103-CC75-2E58-B635-5950CA33C1DF}"/>
+              </a:ext>
+            </a:extLst>
+          </p:cNvPr>
+          <p:cNvSpPr>
+            <a:spLocks noGrp="1"/>
+          </p:cNvSpPr>
+          <p:nvPr>
+            <p:ph type="dt" sz="half" idx="10"/>
+          </p:nvPr>
+        </p:nvSpPr>
+        <p:spPr/>
+        <p:txBody>
+          <a:bodyPr/>
+          <a:lstStyle/>
+          <a:p>
+            <a:r>
+              <a:rPr lang="de-CH"/>
+              <a:t>10.06.2022</a:t>
+            </a:r>
+            <a:endParaRPr lang="fr-FR"/>
+          </a:p>
+        </p:txBody>
+      </p:sp>
+      <p:sp>
+        <p:nvSpPr>
+          <p:cNvPr id="6" name="Slide Number Placeholder 5">
+            <a:extLst>
+              <a:ext uri="{FF2B5EF4-FFF2-40B4-BE49-F238E27FC236}">
+                <a16:creationId xmlns:a16="http://schemas.microsoft.com/office/drawing/2014/main" id="{A06554C2-2984-B2C8-2158-C04BED7CEDFC}"/>
+              </a:ext>
+            </a:extLst>
+          </p:cNvPr>
+          <p:cNvSpPr>
+            <a:spLocks noGrp="1"/>
+          </p:cNvSpPr>
+          <p:nvPr>
+            <p:ph type="sldNum" sz="quarter" idx="12"/>
+          </p:nvPr>
+        </p:nvSpPr>
+        <p:spPr/>
+        <p:txBody>
+          <a:bodyPr/>
+          <a:lstStyle/>
+          <a:p>
+            <a:fld id="{50E96FFC-9A77-BE40-93A2-F2F19ACBA9AE}" type="slidenum">
+              <a:rPr lang="fr-FR" smtClean="0"/>
+              <a:t>14</a:t>
+            </a:fld>
+            <a:endParaRPr lang="fr-FR"/>
+          </a:p>
+        </p:txBody>
+      </p:sp>
+      <p:pic>
+        <p:nvPicPr>
+          <p:cNvPr id="8" name="Picture 2" descr="HES-SO - Logo - Haute école">
+            <a:extLst>
+              <a:ext uri="{FF2B5EF4-FFF2-40B4-BE49-F238E27FC236}">
+                <a16:creationId xmlns:a16="http://schemas.microsoft.com/office/drawing/2014/main" id="{EA03034B-9075-280A-A560-1F98B0D46A44}"/>
+              </a:ext>
+            </a:extLst>
+          </p:cNvPr>
+          <p:cNvPicPr>
+            <a:picLocks noChangeAspect="1" noChangeArrowheads="1"/>
+          </p:cNvPicPr>
+          <p:nvPr/>
+        </p:nvPicPr>
+        <p:blipFill>
+          <a:blip r:embed="rId2">
+            <a:extLst>
+              <a:ext uri="{28A0092B-C50C-407E-A947-70E740481C1C}">
+                <a14:useLocalDpi xmlns:a14="http://schemas.microsoft.com/office/drawing/2010/main" val="0"/>
+              </a:ext>
+            </a:extLst>
+          </a:blip>
+          <a:srcRect/>
+          <a:stretch>
+            <a:fillRect/>
+          </a:stretch>
+        </p:blipFill>
+        <p:spPr bwMode="auto">
+          <a:xfrm>
+            <a:off x="5563101" y="6386879"/>
+            <a:ext cx="1065798" cy="334596"/>
+          </a:xfrm>
+          <a:prstGeom prst="rect">
+            <a:avLst/>
+          </a:prstGeom>
+          <a:noFill/>
+          <a:extLst>
+            <a:ext uri="{909E8E84-426E-40DD-AFC4-6F175D3DCCD1}">
+              <a14:hiddenFill xmlns:a14="http://schemas.microsoft.com/office/drawing/2010/main">
+                <a:solidFill>
+                  <a:srgbClr val="FFFFFF"/>
+                </a:solidFill>
+              </a14:hiddenFill>
+            </a:ext>
+          </a:extLst>
+        </p:spPr>
+      </p:pic>
+    </p:spTree>
+    <p:extLst>
+      <p:ext uri="{BB962C8B-B14F-4D97-AF65-F5344CB8AC3E}">
+        <p14:creationId xmlns:p14="http://schemas.microsoft.com/office/powerpoint/2010/main" val="3405404309"/>
+      </p:ext>
+    </p:extLst>
+  </p:cSld>
+  <p:clrMapOvr>
+    <a:masterClrMapping/>
+  </p:clrMapOvr>
+</p:sld>
+</file>
+
+<file path=ppt/slides/slide15.xml><?xml version="1.0" encoding="utf-8"?>
+<p:sld xmlns:a="http://schemas.openxmlformats.org/drawingml/2006/main" xmlns:r="http://schemas.openxmlformats.org/officeDocument/2006/relationships" xmlns:p="http://schemas.openxmlformats.org/presentationml/2006/main">
+  <p:cSld>
+    <p:bg>
+      <p:bgPr>
+        <a:solidFill>
+          <a:srgbClr val="00609C">
+            <a:alpha val="70000"/>
+          </a:srgbClr>
+        </a:solidFill>
+        <a:effectLst/>
+      </p:bgPr>
+    </p:bg>
+    <p:spTree>
+      <p:nvGrpSpPr>
+        <p:cNvPr id="1" name=""/>
+        <p:cNvGrpSpPr/>
+        <p:nvPr/>
+      </p:nvGrpSpPr>
+      <p:grpSpPr>
+        <a:xfrm>
+          <a:off x="0" y="0"/>
+          <a:ext cx="0" cy="0"/>
+          <a:chOff x="0" y="0"/>
+          <a:chExt cx="0" cy="0"/>
+        </a:xfrm>
+      </p:grpSpPr>
+      <p:sp>
+        <p:nvSpPr>
+          <p:cNvPr id="2" name="Title 1">
+            <a:extLst>
+              <a:ext uri="{FF2B5EF4-FFF2-40B4-BE49-F238E27FC236}">
+                <a16:creationId xmlns:a16="http://schemas.microsoft.com/office/drawing/2014/main" id="{F32D2FED-7694-B794-E4A7-C183D83D2881}"/>
+              </a:ext>
+            </a:extLst>
+          </p:cNvPr>
+          <p:cNvSpPr>
+            <a:spLocks noGrp="1"/>
+          </p:cNvSpPr>
+          <p:nvPr>
+            <p:ph type="title"/>
+          </p:nvPr>
+        </p:nvSpPr>
+        <p:spPr>
+          <a:xfrm>
+            <a:off x="838200" y="1724664"/>
+            <a:ext cx="10515600" cy="3408672"/>
+          </a:xfrm>
+        </p:spPr>
+        <p:txBody>
+          <a:bodyPr>
+            <a:noAutofit/>
+          </a:bodyPr>
+          <a:lstStyle/>
+          <a:p>
+            <a:r>
+              <a:rPr lang="en-GB" sz="4000" dirty="0">
+                <a:solidFill>
+                  <a:schemeClr val="bg1"/>
+                </a:solidFill>
+                <a:latin typeface="Avenir Next Medium" panose="020B0503020202020204" pitchFamily="34" charset="0"/>
+              </a:rPr>
+              <a:t>3. </a:t>
+            </a:r>
+            <a:br>
+              <a:rPr lang="en-GB" sz="4000" dirty="0">
+                <a:solidFill>
+                  <a:schemeClr val="bg1"/>
+                </a:solidFill>
+                <a:latin typeface="Avenir Next Medium" panose="020B0503020202020204" pitchFamily="34" charset="0"/>
+              </a:rPr>
+            </a:br>
+            <a:r>
+              <a:rPr lang="en-GB" sz="4000" dirty="0">
+                <a:solidFill>
+                  <a:schemeClr val="bg1"/>
+                </a:solidFill>
+                <a:latin typeface="Avenir Next Medium" panose="020B0503020202020204" pitchFamily="34" charset="0"/>
+              </a:rPr>
+              <a:t>What is the distribution of attacks on each protocol (TCP, UDP, ICMP…), by which service (port) were they carried out, what type of attacks are they and what was the final purpose of the attack ?</a:t>
+            </a:r>
+          </a:p>
+        </p:txBody>
+      </p:sp>
+      <p:sp>
+        <p:nvSpPr>
+          <p:cNvPr id="4" name="Date Placeholder 3">
+            <a:extLst>
+              <a:ext uri="{FF2B5EF4-FFF2-40B4-BE49-F238E27FC236}">
+                <a16:creationId xmlns:a16="http://schemas.microsoft.com/office/drawing/2014/main" id="{29128103-CC75-2E58-B635-5950CA33C1DF}"/>
+              </a:ext>
+            </a:extLst>
+          </p:cNvPr>
+          <p:cNvSpPr>
+            <a:spLocks noGrp="1"/>
+          </p:cNvSpPr>
+          <p:nvPr>
+            <p:ph type="dt" sz="half" idx="10"/>
+          </p:nvPr>
+        </p:nvSpPr>
+        <p:spPr/>
+        <p:txBody>
+          <a:bodyPr/>
+          <a:lstStyle/>
+          <a:p>
+            <a:r>
+              <a:rPr lang="de-CH" dirty="0">
+                <a:solidFill>
+                  <a:schemeClr val="bg1"/>
+                </a:solidFill>
+              </a:rPr>
+              <a:t>10.06.2022</a:t>
+            </a:r>
+            <a:endParaRPr lang="fr-FR" dirty="0">
+              <a:solidFill>
+                <a:schemeClr val="bg1"/>
+              </a:solidFill>
+            </a:endParaRPr>
+          </a:p>
+        </p:txBody>
+      </p:sp>
+      <p:sp>
+        <p:nvSpPr>
+          <p:cNvPr id="6" name="Slide Number Placeholder 5">
+            <a:extLst>
+              <a:ext uri="{FF2B5EF4-FFF2-40B4-BE49-F238E27FC236}">
+                <a16:creationId xmlns:a16="http://schemas.microsoft.com/office/drawing/2014/main" id="{A06554C2-2984-B2C8-2158-C04BED7CEDFC}"/>
+              </a:ext>
+            </a:extLst>
+          </p:cNvPr>
+          <p:cNvSpPr>
+            <a:spLocks noGrp="1"/>
+          </p:cNvSpPr>
+          <p:nvPr>
+            <p:ph type="sldNum" sz="quarter" idx="12"/>
+          </p:nvPr>
+        </p:nvSpPr>
+        <p:spPr/>
+        <p:txBody>
+          <a:bodyPr/>
+          <a:lstStyle/>
+          <a:p>
+            <a:fld id="{50E96FFC-9A77-BE40-93A2-F2F19ACBA9AE}" type="slidenum">
+              <a:rPr lang="fr-FR" smtClean="0">
+                <a:solidFill>
+                  <a:schemeClr val="bg1"/>
+                </a:solidFill>
+              </a:rPr>
+              <a:t>15</a:t>
+            </a:fld>
+            <a:endParaRPr lang="fr-FR">
+              <a:solidFill>
+                <a:schemeClr val="bg1"/>
+              </a:solidFill>
+            </a:endParaRPr>
+          </a:p>
+        </p:txBody>
+      </p:sp>
+      <p:pic>
+        <p:nvPicPr>
+          <p:cNvPr id="8" name="Picture 2" descr="HES-SO - Logo - Haute école">
+            <a:extLst>
+              <a:ext uri="{FF2B5EF4-FFF2-40B4-BE49-F238E27FC236}">
+                <a16:creationId xmlns:a16="http://schemas.microsoft.com/office/drawing/2014/main" id="{EA03034B-9075-280A-A560-1F98B0D46A44}"/>
+              </a:ext>
+            </a:extLst>
+          </p:cNvPr>
+          <p:cNvPicPr>
+            <a:picLocks noChangeAspect="1" noChangeArrowheads="1"/>
+          </p:cNvPicPr>
+          <p:nvPr/>
+        </p:nvPicPr>
+        <p:blipFill>
+          <a:blip r:embed="rId2">
+            <a:extLst>
+              <a:ext uri="{28A0092B-C50C-407E-A947-70E740481C1C}">
+                <a14:useLocalDpi xmlns:a14="http://schemas.microsoft.com/office/drawing/2010/main" val="0"/>
+              </a:ext>
+            </a:extLst>
+          </a:blip>
+          <a:srcRect/>
+          <a:stretch>
+            <a:fillRect/>
+          </a:stretch>
+        </p:blipFill>
+        <p:spPr bwMode="auto">
+          <a:xfrm>
+            <a:off x="5563101" y="6386879"/>
+            <a:ext cx="1065798" cy="334596"/>
+          </a:xfrm>
+          <a:prstGeom prst="rect">
+            <a:avLst/>
+          </a:prstGeom>
+          <a:noFill/>
+          <a:extLst>
+            <a:ext uri="{909E8E84-426E-40DD-AFC4-6F175D3DCCD1}">
+              <a14:hiddenFill xmlns:a14="http://schemas.microsoft.com/office/drawing/2010/main">
+                <a:solidFill>
+                  <a:srgbClr val="FFFFFF"/>
+                </a:solidFill>
+              </a14:hiddenFill>
+            </a:ext>
+          </a:extLst>
+        </p:spPr>
+      </p:pic>
+    </p:spTree>
+    <p:extLst>
+      <p:ext uri="{BB962C8B-B14F-4D97-AF65-F5344CB8AC3E}">
+        <p14:creationId xmlns:p14="http://schemas.microsoft.com/office/powerpoint/2010/main" val="37320301"/>
+      </p:ext>
+    </p:extLst>
+  </p:cSld>
+  <p:clrMapOvr>
+    <a:masterClrMapping/>
+  </p:clrMapOvr>
+</p:sld>
+</file>
+
+<file path=ppt/slides/slide16.xml><?xml version="1.0" encoding="utf-8"?>
+<p:sld xmlns:a="http://schemas.openxmlformats.org/drawingml/2006/main" xmlns:r="http://schemas.openxmlformats.org/officeDocument/2006/relationships" xmlns:p="http://schemas.openxmlformats.org/presentationml/2006/main">
+  <p:cSld>
+    <p:spTree>
+      <p:nvGrpSpPr>
+        <p:cNvPr id="1" name=""/>
+        <p:cNvGrpSpPr/>
+        <p:nvPr/>
+      </p:nvGrpSpPr>
+      <p:grpSpPr>
+        <a:xfrm>
+          <a:off x="0" y="0"/>
+          <a:ext cx="0" cy="0"/>
+          <a:chOff x="0" y="0"/>
+          <a:chExt cx="0" cy="0"/>
+        </a:xfrm>
+      </p:grpSpPr>
+      <p:sp>
+        <p:nvSpPr>
+          <p:cNvPr id="2" name="Title 1">
+            <a:extLst>
+              <a:ext uri="{FF2B5EF4-FFF2-40B4-BE49-F238E27FC236}">
+                <a16:creationId xmlns:a16="http://schemas.microsoft.com/office/drawing/2014/main" id="{F32D2FED-7694-B794-E4A7-C183D83D2881}"/>
+              </a:ext>
+            </a:extLst>
+          </p:cNvPr>
+          <p:cNvSpPr>
+            <a:spLocks noGrp="1"/>
+          </p:cNvSpPr>
+          <p:nvPr>
+            <p:ph type="title"/>
+          </p:nvPr>
+        </p:nvSpPr>
+        <p:spPr/>
+        <p:txBody>
+          <a:bodyPr/>
+          <a:lstStyle/>
+          <a:p>
+            <a:r>
+              <a:rPr lang="en-GB" dirty="0">
+                <a:latin typeface="Avenir Next Medium" panose="020B0503020202020204" pitchFamily="34" charset="0"/>
+              </a:rPr>
+              <a:t>Distribution of attacks</a:t>
+            </a:r>
+            <a:endParaRPr lang="fr-FR" dirty="0">
+              <a:latin typeface="Avenir Next Medium" panose="020B0503020202020204" pitchFamily="34" charset="0"/>
+            </a:endParaRPr>
+          </a:p>
+        </p:txBody>
+      </p:sp>
+      <p:sp>
+        <p:nvSpPr>
+          <p:cNvPr id="3" name="Content Placeholder 2">
+            <a:extLst>
+              <a:ext uri="{FF2B5EF4-FFF2-40B4-BE49-F238E27FC236}">
+                <a16:creationId xmlns:a16="http://schemas.microsoft.com/office/drawing/2014/main" id="{138ECBA7-E0A5-8D39-6737-EB13A307A0BE}"/>
+              </a:ext>
+            </a:extLst>
+          </p:cNvPr>
+          <p:cNvSpPr>
+            <a:spLocks noGrp="1"/>
+          </p:cNvSpPr>
+          <p:nvPr>
+            <p:ph idx="1"/>
+          </p:nvPr>
+        </p:nvSpPr>
+        <p:spPr/>
+        <p:txBody>
+          <a:bodyPr>
+            <a:normAutofit/>
+          </a:bodyPr>
+          <a:lstStyle/>
+          <a:p>
+            <a:endParaRPr lang="fr-FR" sz="2400" dirty="0">
+              <a:latin typeface="Avenir Next" panose="020B0503020202020204" pitchFamily="34" charset="0"/>
+            </a:endParaRPr>
+          </a:p>
+        </p:txBody>
+      </p:sp>
+      <p:sp>
+        <p:nvSpPr>
+          <p:cNvPr id="4" name="Date Placeholder 3">
+            <a:extLst>
+              <a:ext uri="{FF2B5EF4-FFF2-40B4-BE49-F238E27FC236}">
+                <a16:creationId xmlns:a16="http://schemas.microsoft.com/office/drawing/2014/main" id="{29128103-CC75-2E58-B635-5950CA33C1DF}"/>
+              </a:ext>
+            </a:extLst>
+          </p:cNvPr>
+          <p:cNvSpPr>
+            <a:spLocks noGrp="1"/>
+          </p:cNvSpPr>
+          <p:nvPr>
+            <p:ph type="dt" sz="half" idx="10"/>
+          </p:nvPr>
+        </p:nvSpPr>
+        <p:spPr/>
+        <p:txBody>
+          <a:bodyPr/>
+          <a:lstStyle/>
+          <a:p>
+            <a:r>
+              <a:rPr lang="de-CH"/>
+              <a:t>10.06.2022</a:t>
+            </a:r>
+            <a:endParaRPr lang="fr-FR"/>
+          </a:p>
+        </p:txBody>
+      </p:sp>
+      <p:sp>
+        <p:nvSpPr>
+          <p:cNvPr id="6" name="Slide Number Placeholder 5">
+            <a:extLst>
+              <a:ext uri="{FF2B5EF4-FFF2-40B4-BE49-F238E27FC236}">
+                <a16:creationId xmlns:a16="http://schemas.microsoft.com/office/drawing/2014/main" id="{A06554C2-2984-B2C8-2158-C04BED7CEDFC}"/>
+              </a:ext>
+            </a:extLst>
+          </p:cNvPr>
+          <p:cNvSpPr>
+            <a:spLocks noGrp="1"/>
+          </p:cNvSpPr>
+          <p:nvPr>
+            <p:ph type="sldNum" sz="quarter" idx="12"/>
+          </p:nvPr>
+        </p:nvSpPr>
+        <p:spPr/>
+        <p:txBody>
+          <a:bodyPr/>
+          <a:lstStyle/>
+          <a:p>
+            <a:fld id="{50E96FFC-9A77-BE40-93A2-F2F19ACBA9AE}" type="slidenum">
+              <a:rPr lang="fr-FR" smtClean="0"/>
+              <a:t>16</a:t>
             </a:fld>
             <a:endParaRPr lang="fr-FR"/>
           </a:p>
@@ -5523,7 +6443,7 @@
 </p:sld>
 </file>
 
-<file path=ppt/slides/slide14.xml><?xml version="1.0" encoding="utf-8"?>
+<file path=ppt/slides/slide17.xml><?xml version="1.0" encoding="utf-8"?>
 <p:sld xmlns:a="http://schemas.openxmlformats.org/drawingml/2006/main" xmlns:r="http://schemas.openxmlformats.org/officeDocument/2006/relationships" xmlns:p="http://schemas.openxmlformats.org/presentationml/2006/main">
   <p:cSld>
     <p:spTree>
@@ -5654,7 +6574,7 @@
           <a:p>
             <a:fld id="{50E96FFC-9A77-BE40-93A2-F2F19ACBA9AE}" type="slidenum">
               <a:rPr lang="fr-FR" smtClean="0"/>
-              <a:t>14</a:t>
+              <a:t>17</a:t>
             </a:fld>
             <a:endParaRPr lang="fr-FR"/>
           </a:p>
@@ -5720,13 +6640,15 @@
 </p:sld>
 </file>
 
-<file path=ppt/slides/slide15.xml><?xml version="1.0" encoding="utf-8"?>
+<file path=ppt/slides/slide18.xml><?xml version="1.0" encoding="utf-8"?>
 <p:sld xmlns:a="http://schemas.openxmlformats.org/drawingml/2006/main" xmlns:r="http://schemas.openxmlformats.org/officeDocument/2006/relationships" xmlns:p="http://schemas.openxmlformats.org/presentationml/2006/main">
   <p:cSld>
     <p:bg>
       <p:bgPr>
         <a:solidFill>
-          <a:schemeClr val="bg1"/>
+          <a:srgbClr val="00609C">
+            <a:alpha val="69000"/>
+          </a:srgbClr>
         </a:solidFill>
         <a:effectLst/>
       </p:bgPr>
@@ -6338,7 +7260,7 @@
                   <a:spcPts val="600"/>
                 </a:spcAft>
               </a:pPr>
-              <a:t>15</a:t>
+              <a:t>18</a:t>
             </a:fld>
             <a:endParaRPr lang="fr-FR">
               <a:solidFill>
@@ -8616,10 +9538,10 @@
       </p:sp>
       <p:pic>
         <p:nvPicPr>
-          <p:cNvPr id="1028" name="Picture 4" descr="K-means: A Complete Introduction. K-means is an unsupervised clustering… |  by Alan Jeffares | Towards Data Science">
-            <a:extLst>
-              <a:ext uri="{FF2B5EF4-FFF2-40B4-BE49-F238E27FC236}">
-                <a16:creationId xmlns:a16="http://schemas.microsoft.com/office/drawing/2014/main" id="{417F2CA0-FB05-85BD-6169-B38EF1B79C8C}"/>
+          <p:cNvPr id="8" name="Picture 2" descr="HES-SO - Logo - Haute école">
+            <a:extLst>
+              <a:ext uri="{FF2B5EF4-FFF2-40B4-BE49-F238E27FC236}">
+                <a16:creationId xmlns:a16="http://schemas.microsoft.com/office/drawing/2014/main" id="{EA03034B-9075-280A-A560-1F98B0D46A44}"/>
               </a:ext>
             </a:extLst>
           </p:cNvPr>
@@ -8630,53 +9552,6 @@
         </p:nvPicPr>
         <p:blipFill>
           <a:blip r:embed="rId2">
-            <a:extLst>
-              <a:ext uri="{28A0092B-C50C-407E-A947-70E740481C1C}">
-                <a14:useLocalDpi xmlns:a14="http://schemas.microsoft.com/office/drawing/2010/main" val="0"/>
-              </a:ext>
-            </a:extLst>
-          </a:blip>
-          <a:srcRect/>
-          <a:stretch>
-            <a:fillRect/>
-          </a:stretch>
-        </p:blipFill>
-        <p:spPr bwMode="auto">
-          <a:xfrm>
-            <a:off x="2109216" y="3231857"/>
-            <a:ext cx="7973568" cy="3322320"/>
-          </a:xfrm>
-          <a:prstGeom prst="rect">
-            <a:avLst/>
-          </a:prstGeom>
-          <a:noFill/>
-          <a:extLst>
-            <a:ext uri="{909E8E84-426E-40DD-AFC4-6F175D3DCCD1}">
-              <a14:hiddenFill xmlns:a14="http://schemas.microsoft.com/office/drawing/2010/main">
-                <a:solidFill>
-                  <a:srgbClr val="FFFFFF"/>
-                </a:solidFill>
-              </a14:hiddenFill>
-            </a:ext>
-          </a:extLst>
-        </p:spPr>
-      </p:pic>
-      <p:pic>
-        <p:nvPicPr>
-          <p:cNvPr id="8" name="Picture 2" descr="HES-SO - Logo - Haute école">
-            <a:extLst>
-              <a:ext uri="{FF2B5EF4-FFF2-40B4-BE49-F238E27FC236}">
-                <a16:creationId xmlns:a16="http://schemas.microsoft.com/office/drawing/2014/main" id="{EA03034B-9075-280A-A560-1F98B0D46A44}"/>
-              </a:ext>
-            </a:extLst>
-          </p:cNvPr>
-          <p:cNvPicPr>
-            <a:picLocks noChangeAspect="1" noChangeArrowheads="1"/>
-          </p:cNvPicPr>
-          <p:nvPr/>
-        </p:nvPicPr>
-        <p:blipFill>
-          <a:blip r:embed="rId3">
             <a:extLst>
               <a:ext uri="{28A0092B-C50C-407E-A947-70E740481C1C}">
                 <a14:useLocalDpi xmlns:a14="http://schemas.microsoft.com/office/drawing/2010/main" val="0"/>
@@ -8763,6 +9638,223 @@
               <a:rPr lang="en-GB" dirty="0">
                 <a:latin typeface="Avenir Next Medium" panose="020B0503020202020204" pitchFamily="34" charset="0"/>
               </a:rPr>
+              <a:t>K-means</a:t>
+            </a:r>
+            <a:endParaRPr lang="fr-FR" dirty="0">
+              <a:latin typeface="Avenir Next Medium" panose="020B0503020202020204" pitchFamily="34" charset="0"/>
+            </a:endParaRPr>
+          </a:p>
+        </p:txBody>
+      </p:sp>
+      <p:sp>
+        <p:nvSpPr>
+          <p:cNvPr id="4" name="Date Placeholder 3">
+            <a:extLst>
+              <a:ext uri="{FF2B5EF4-FFF2-40B4-BE49-F238E27FC236}">
+                <a16:creationId xmlns:a16="http://schemas.microsoft.com/office/drawing/2014/main" id="{29128103-CC75-2E58-B635-5950CA33C1DF}"/>
+              </a:ext>
+            </a:extLst>
+          </p:cNvPr>
+          <p:cNvSpPr>
+            <a:spLocks noGrp="1"/>
+          </p:cNvSpPr>
+          <p:nvPr>
+            <p:ph type="dt" sz="half" idx="10"/>
+          </p:nvPr>
+        </p:nvSpPr>
+        <p:spPr/>
+        <p:txBody>
+          <a:bodyPr/>
+          <a:lstStyle/>
+          <a:p>
+            <a:r>
+              <a:rPr lang="de-CH" dirty="0"/>
+              <a:t>10.06.2022</a:t>
+            </a:r>
+            <a:endParaRPr lang="fr-FR" dirty="0"/>
+          </a:p>
+        </p:txBody>
+      </p:sp>
+      <p:sp>
+        <p:nvSpPr>
+          <p:cNvPr id="6" name="Slide Number Placeholder 5">
+            <a:extLst>
+              <a:ext uri="{FF2B5EF4-FFF2-40B4-BE49-F238E27FC236}">
+                <a16:creationId xmlns:a16="http://schemas.microsoft.com/office/drawing/2014/main" id="{A06554C2-2984-B2C8-2158-C04BED7CEDFC}"/>
+              </a:ext>
+            </a:extLst>
+          </p:cNvPr>
+          <p:cNvSpPr>
+            <a:spLocks noGrp="1"/>
+          </p:cNvSpPr>
+          <p:nvPr>
+            <p:ph type="sldNum" sz="quarter" idx="12"/>
+          </p:nvPr>
+        </p:nvSpPr>
+        <p:spPr/>
+        <p:txBody>
+          <a:bodyPr/>
+          <a:lstStyle/>
+          <a:p>
+            <a:fld id="{50E96FFC-9A77-BE40-93A2-F2F19ACBA9AE}" type="slidenum">
+              <a:rPr lang="fr-FR" smtClean="0"/>
+              <a:t>7</a:t>
+            </a:fld>
+            <a:endParaRPr lang="fr-FR"/>
+          </a:p>
+        </p:txBody>
+      </p:sp>
+      <p:pic>
+        <p:nvPicPr>
+          <p:cNvPr id="8" name="Picture 2" descr="HES-SO - Logo - Haute école">
+            <a:extLst>
+              <a:ext uri="{FF2B5EF4-FFF2-40B4-BE49-F238E27FC236}">
+                <a16:creationId xmlns:a16="http://schemas.microsoft.com/office/drawing/2014/main" id="{EA03034B-9075-280A-A560-1F98B0D46A44}"/>
+              </a:ext>
+            </a:extLst>
+          </p:cNvPr>
+          <p:cNvPicPr>
+            <a:picLocks noChangeAspect="1" noChangeArrowheads="1"/>
+          </p:cNvPicPr>
+          <p:nvPr/>
+        </p:nvPicPr>
+        <p:blipFill>
+          <a:blip r:embed="rId2">
+            <a:extLst>
+              <a:ext uri="{28A0092B-C50C-407E-A947-70E740481C1C}">
+                <a14:useLocalDpi xmlns:a14="http://schemas.microsoft.com/office/drawing/2010/main" val="0"/>
+              </a:ext>
+            </a:extLst>
+          </a:blip>
+          <a:srcRect/>
+          <a:stretch>
+            <a:fillRect/>
+          </a:stretch>
+        </p:blipFill>
+        <p:spPr bwMode="auto">
+          <a:xfrm>
+            <a:off x="5563101" y="6386879"/>
+            <a:ext cx="1065798" cy="334596"/>
+          </a:xfrm>
+          <a:prstGeom prst="rect">
+            <a:avLst/>
+          </a:prstGeom>
+          <a:noFill/>
+          <a:extLst>
+            <a:ext uri="{909E8E84-426E-40DD-AFC4-6F175D3DCCD1}">
+              <a14:hiddenFill xmlns:a14="http://schemas.microsoft.com/office/drawing/2010/main">
+                <a:solidFill>
+                  <a:srgbClr val="FFFFFF"/>
+                </a:solidFill>
+              </a14:hiddenFill>
+            </a:ext>
+          </a:extLst>
+        </p:spPr>
+      </p:pic>
+      <p:pic>
+        <p:nvPicPr>
+          <p:cNvPr id="9" name="Picture 4" descr="K-means: A Complete Introduction. K-means is an unsupervised clustering… |  by Alan Jeffares | Towards Data Science">
+            <a:extLst>
+              <a:ext uri="{FF2B5EF4-FFF2-40B4-BE49-F238E27FC236}">
+                <a16:creationId xmlns:a16="http://schemas.microsoft.com/office/drawing/2014/main" id="{93377117-BAD9-E8B7-5EB7-A6EF9CF474CF}"/>
+              </a:ext>
+            </a:extLst>
+          </p:cNvPr>
+          <p:cNvPicPr>
+            <a:picLocks noGrp="1" noChangeAspect="1" noChangeArrowheads="1"/>
+          </p:cNvPicPr>
+          <p:nvPr>
+            <p:ph idx="1"/>
+          </p:nvPr>
+        </p:nvPicPr>
+        <p:blipFill>
+          <a:blip r:embed="rId3">
+            <a:extLst>
+              <a:ext uri="{28A0092B-C50C-407E-A947-70E740481C1C}">
+                <a14:useLocalDpi xmlns:a14="http://schemas.microsoft.com/office/drawing/2010/main" val="0"/>
+              </a:ext>
+            </a:extLst>
+          </a:blip>
+          <a:srcRect/>
+          <a:stretch>
+            <a:fillRect/>
+          </a:stretch>
+        </p:blipFill>
+        <p:spPr bwMode="auto">
+          <a:xfrm>
+            <a:off x="2286000" y="2413794"/>
+            <a:ext cx="7620000" cy="3175000"/>
+          </a:xfrm>
+          <a:prstGeom prst="rect">
+            <a:avLst/>
+          </a:prstGeom>
+          <a:noFill/>
+          <a:extLst>
+            <a:ext uri="{909E8E84-426E-40DD-AFC4-6F175D3DCCD1}">
+              <a14:hiddenFill xmlns:a14="http://schemas.microsoft.com/office/drawing/2010/main">
+                <a:solidFill>
+                  <a:srgbClr val="FFFFFF"/>
+                </a:solidFill>
+              </a14:hiddenFill>
+            </a:ext>
+          </a:extLst>
+        </p:spPr>
+      </p:pic>
+    </p:spTree>
+    <p:extLst>
+      <p:ext uri="{BB962C8B-B14F-4D97-AF65-F5344CB8AC3E}">
+        <p14:creationId xmlns:p14="http://schemas.microsoft.com/office/powerpoint/2010/main" val="3710746320"/>
+      </p:ext>
+    </p:extLst>
+  </p:cSld>
+  <p:clrMapOvr>
+    <a:masterClrMapping/>
+  </p:clrMapOvr>
+</p:sld>
+</file>
+
+<file path=ppt/slides/slide8.xml><?xml version="1.0" encoding="utf-8"?>
+<p:sld xmlns:a="http://schemas.openxmlformats.org/drawingml/2006/main" xmlns:r="http://schemas.openxmlformats.org/officeDocument/2006/relationships" xmlns:p="http://schemas.openxmlformats.org/presentationml/2006/main">
+  <p:cSld>
+    <p:spTree>
+      <p:nvGrpSpPr>
+        <p:cNvPr id="1" name=""/>
+        <p:cNvGrpSpPr/>
+        <p:nvPr/>
+      </p:nvGrpSpPr>
+      <p:grpSpPr>
+        <a:xfrm>
+          <a:off x="0" y="0"/>
+          <a:ext cx="0" cy="0"/>
+          <a:chOff x="0" y="0"/>
+          <a:chExt cx="0" cy="0"/>
+        </a:xfrm>
+      </p:grpSpPr>
+      <p:sp>
+        <p:nvSpPr>
+          <p:cNvPr id="2" name="Title 1">
+            <a:extLst>
+              <a:ext uri="{FF2B5EF4-FFF2-40B4-BE49-F238E27FC236}">
+                <a16:creationId xmlns:a16="http://schemas.microsoft.com/office/drawing/2014/main" id="{F32D2FED-7694-B794-E4A7-C183D83D2881}"/>
+              </a:ext>
+            </a:extLst>
+          </p:cNvPr>
+          <p:cNvSpPr>
+            <a:spLocks noGrp="1"/>
+          </p:cNvSpPr>
+          <p:nvPr>
+            <p:ph type="title"/>
+          </p:nvPr>
+        </p:nvSpPr>
+        <p:spPr/>
+        <p:txBody>
+          <a:bodyPr/>
+          <a:lstStyle/>
+          <a:p>
+            <a:r>
+              <a:rPr lang="en-GB" dirty="0">
+                <a:latin typeface="Avenir Next Medium" panose="020B0503020202020204" pitchFamily="34" charset="0"/>
+              </a:rPr>
               <a:t>Analysis questions</a:t>
             </a:r>
           </a:p>
@@ -9168,7 +10260,7 @@
           <a:p>
             <a:fld id="{50E96FFC-9A77-BE40-93A2-F2F19ACBA9AE}" type="slidenum">
               <a:rPr lang="fr-FR" smtClean="0"/>
-              <a:t>7</a:t>
+              <a:t>8</a:t>
             </a:fld>
             <a:endParaRPr lang="fr-FR"/>
           </a:p>
@@ -9234,9 +10326,19 @@
 </p:sld>
 </file>
 
-<file path=ppt/slides/slide8.xml><?xml version="1.0" encoding="utf-8"?>
+<file path=ppt/slides/slide9.xml><?xml version="1.0" encoding="utf-8"?>
 <p:sld xmlns:a="http://schemas.openxmlformats.org/drawingml/2006/main" xmlns:r="http://schemas.openxmlformats.org/officeDocument/2006/relationships" xmlns:p="http://schemas.openxmlformats.org/presentationml/2006/main">
   <p:cSld>
+    <p:bg>
+      <p:bgPr>
+        <a:solidFill>
+          <a:srgbClr val="00609C">
+            <a:alpha val="70000"/>
+          </a:srgbClr>
+        </a:solidFill>
+        <a:effectLst/>
+      </p:bgPr>
+    </p:bg>
     <p:spTree>
       <p:nvGrpSpPr>
         <p:cNvPr id="1" name=""/>
@@ -9267,102 +10369,98 @@
             <p:ph type="title"/>
           </p:nvPr>
         </p:nvSpPr>
+        <p:spPr>
+          <a:xfrm>
+            <a:off x="838200" y="2502635"/>
+            <a:ext cx="10515600" cy="1852729"/>
+          </a:xfrm>
+        </p:spPr>
+        <p:txBody>
+          <a:bodyPr>
+            <a:noAutofit/>
+          </a:bodyPr>
+          <a:lstStyle/>
+          <a:p>
+            <a:r>
+              <a:rPr lang="en-GB" sz="4000" dirty="0">
+                <a:solidFill>
+                  <a:schemeClr val="bg1"/>
+                </a:solidFill>
+                <a:latin typeface="Avenir Next Medium" panose="020B0503020202020204" pitchFamily="34" charset="0"/>
+              </a:rPr>
+              <a:t>1.</a:t>
+            </a:r>
+            <a:br>
+              <a:rPr lang="en-GB" sz="4000" dirty="0">
+                <a:solidFill>
+                  <a:schemeClr val="bg1"/>
+                </a:solidFill>
+                <a:latin typeface="Avenir Next Medium" panose="020B0503020202020204" pitchFamily="34" charset="0"/>
+              </a:rPr>
+            </a:br>
+            <a:r>
+              <a:rPr lang="en-GB" sz="4000" dirty="0">
+                <a:solidFill>
+                  <a:schemeClr val="bg1"/>
+                </a:solidFill>
+                <a:latin typeface="Avenir Next Medium" panose="020B0503020202020204" pitchFamily="34" charset="0"/>
+              </a:rPr>
+              <a:t>What are the characteristics and features that define an anomaly ?</a:t>
+            </a:r>
+          </a:p>
+        </p:txBody>
+      </p:sp>
+      <p:sp>
+        <p:nvSpPr>
+          <p:cNvPr id="4" name="Date Placeholder 3">
+            <a:extLst>
+              <a:ext uri="{FF2B5EF4-FFF2-40B4-BE49-F238E27FC236}">
+                <a16:creationId xmlns:a16="http://schemas.microsoft.com/office/drawing/2014/main" id="{29128103-CC75-2E58-B635-5950CA33C1DF}"/>
+              </a:ext>
+            </a:extLst>
+          </p:cNvPr>
+          <p:cNvSpPr>
+            <a:spLocks noGrp="1"/>
+          </p:cNvSpPr>
+          <p:nvPr>
+            <p:ph type="dt" sz="half" idx="10"/>
+          </p:nvPr>
+        </p:nvSpPr>
         <p:spPr/>
         <p:txBody>
-          <a:bodyPr>
-            <a:normAutofit/>
-          </a:bodyPr>
-          <a:lstStyle/>
-          <a:p>
-            <a:r>
-              <a:rPr lang="fr-FR" sz="4800" dirty="0" err="1">
-                <a:latin typeface="Avenir Next Medium" panose="020B0503020202020204" pitchFamily="34" charset="0"/>
-              </a:rPr>
-              <a:t>What</a:t>
-            </a:r>
-            <a:r>
-              <a:rPr lang="fr-FR" sz="4800" dirty="0">
-                <a:latin typeface="Avenir Next Medium" panose="020B0503020202020204" pitchFamily="34" charset="0"/>
-              </a:rPr>
-              <a:t> are the </a:t>
-            </a:r>
-            <a:r>
-              <a:rPr lang="fr-FR" sz="4800" dirty="0" err="1">
-                <a:latin typeface="Avenir Next Medium" panose="020B0503020202020204" pitchFamily="34" charset="0"/>
-              </a:rPr>
-              <a:t>characteristics</a:t>
-            </a:r>
-            <a:r>
-              <a:rPr lang="fr-FR" sz="4800" dirty="0">
-                <a:latin typeface="Avenir Next Medium" panose="020B0503020202020204" pitchFamily="34" charset="0"/>
-              </a:rPr>
-              <a:t> and </a:t>
-            </a:r>
-            <a:r>
-              <a:rPr lang="fr-FR" sz="4800" dirty="0" err="1">
-                <a:latin typeface="Avenir Next Medium" panose="020B0503020202020204" pitchFamily="34" charset="0"/>
-              </a:rPr>
-              <a:t>features</a:t>
-            </a:r>
-            <a:r>
-              <a:rPr lang="fr-FR" sz="4800" dirty="0">
-                <a:latin typeface="Avenir Next Medium" panose="020B0503020202020204" pitchFamily="34" charset="0"/>
-              </a:rPr>
-              <a:t> </a:t>
-            </a:r>
-            <a:r>
-              <a:rPr lang="fr-FR" sz="4800" dirty="0" err="1">
-                <a:latin typeface="Avenir Next Medium" panose="020B0503020202020204" pitchFamily="34" charset="0"/>
-              </a:rPr>
-              <a:t>that</a:t>
-            </a:r>
-            <a:r>
-              <a:rPr lang="fr-FR" sz="4800" dirty="0">
-                <a:latin typeface="Avenir Next Medium" panose="020B0503020202020204" pitchFamily="34" charset="0"/>
-              </a:rPr>
-              <a:t> </a:t>
-            </a:r>
-            <a:r>
-              <a:rPr lang="fr-FR" sz="4800" dirty="0" err="1">
-                <a:latin typeface="Avenir Next Medium" panose="020B0503020202020204" pitchFamily="34" charset="0"/>
-              </a:rPr>
-              <a:t>define</a:t>
-            </a:r>
-            <a:r>
-              <a:rPr lang="fr-FR" sz="4800" dirty="0">
-                <a:latin typeface="Avenir Next Medium" panose="020B0503020202020204" pitchFamily="34" charset="0"/>
-              </a:rPr>
-              <a:t> an </a:t>
-            </a:r>
-            <a:r>
-              <a:rPr lang="fr-FR" sz="4800" dirty="0" err="1">
-                <a:latin typeface="Avenir Next Medium" panose="020B0503020202020204" pitchFamily="34" charset="0"/>
-              </a:rPr>
-              <a:t>anomaly</a:t>
-            </a:r>
-            <a:r>
-              <a:rPr lang="fr-FR" sz="4800" dirty="0">
-                <a:latin typeface="Avenir Next Medium" panose="020B0503020202020204" pitchFamily="34" charset="0"/>
-              </a:rPr>
-              <a:t> ?</a:t>
-            </a:r>
-          </a:p>
-        </p:txBody>
-      </p:sp>
-      <p:sp>
-        <p:nvSpPr>
-          <p:cNvPr id="4" name="Date Placeholder 3">
-            <a:extLst>
-              <a:ext uri="{FF2B5EF4-FFF2-40B4-BE49-F238E27FC236}">
-                <a16:creationId xmlns:a16="http://schemas.microsoft.com/office/drawing/2014/main" id="{29128103-CC75-2E58-B635-5950CA33C1DF}"/>
-              </a:ext>
-            </a:extLst>
-          </p:cNvPr>
-          <p:cNvSpPr>
-            <a:spLocks noGrp="1"/>
-          </p:cNvSpPr>
-          <p:nvPr>
-            <p:ph type="dt" sz="half" idx="10"/>
+          <a:bodyPr/>
+          <a:lstStyle/>
+          <a:p>
+            <a:r>
+              <a:rPr lang="de-CH" dirty="0">
+                <a:solidFill>
+                  <a:schemeClr val="bg1"/>
+                </a:solidFill>
+              </a:rPr>
+              <a:t>10.06.2022</a:t>
+            </a:r>
+            <a:endParaRPr lang="fr-FR" dirty="0">
+              <a:solidFill>
+                <a:schemeClr val="bg1"/>
+              </a:solidFill>
+            </a:endParaRPr>
+          </a:p>
+        </p:txBody>
+      </p:sp>
+      <p:sp>
+        <p:nvSpPr>
+          <p:cNvPr id="6" name="Slide Number Placeholder 5">
+            <a:extLst>
+              <a:ext uri="{FF2B5EF4-FFF2-40B4-BE49-F238E27FC236}">
+                <a16:creationId xmlns:a16="http://schemas.microsoft.com/office/drawing/2014/main" id="{A06554C2-2984-B2C8-2158-C04BED7CEDFC}"/>
+              </a:ext>
+            </a:extLst>
+          </p:cNvPr>
+          <p:cNvSpPr>
+            <a:spLocks noGrp="1"/>
+          </p:cNvSpPr>
+          <p:nvPr>
+            <p:ph type="sldNum" sz="quarter" idx="12"/>
           </p:nvPr>
         </p:nvSpPr>
         <p:spPr/>
@@ -9370,40 +10468,19 @@
           <a:bodyPr/>
           <a:lstStyle/>
           <a:p>
-            <a:r>
-              <a:rPr lang="de-CH"/>
-              <a:t>10.06.2022</a:t>
-            </a:r>
-            <a:endParaRPr lang="fr-FR"/>
-          </a:p>
-        </p:txBody>
-      </p:sp>
-      <p:sp>
-        <p:nvSpPr>
-          <p:cNvPr id="6" name="Slide Number Placeholder 5">
-            <a:extLst>
-              <a:ext uri="{FF2B5EF4-FFF2-40B4-BE49-F238E27FC236}">
-                <a16:creationId xmlns:a16="http://schemas.microsoft.com/office/drawing/2014/main" id="{A06554C2-2984-B2C8-2158-C04BED7CEDFC}"/>
-              </a:ext>
-            </a:extLst>
-          </p:cNvPr>
-          <p:cNvSpPr>
-            <a:spLocks noGrp="1"/>
-          </p:cNvSpPr>
-          <p:nvPr>
-            <p:ph type="sldNum" sz="quarter" idx="12"/>
-          </p:nvPr>
-        </p:nvSpPr>
-        <p:spPr/>
-        <p:txBody>
-          <a:bodyPr/>
-          <a:lstStyle/>
-          <a:p>
             <a:fld id="{50E96FFC-9A77-BE40-93A2-F2F19ACBA9AE}" type="slidenum">
-              <a:rPr lang="fr-FR" smtClean="0"/>
-              <a:t>8</a:t>
+              <a:rPr lang="fr-FR" smtClean="0">
+                <a:solidFill>
+                  <a:schemeClr val="bg1"/>
+                </a:solidFill>
+              </a:rPr>
+              <a:t>9</a:t>
             </a:fld>
-            <a:endParaRPr lang="fr-FR"/>
+            <a:endParaRPr lang="fr-FR">
+              <a:solidFill>
+                <a:schemeClr val="bg1"/>
+              </a:solidFill>
+            </a:endParaRPr>
           </a:p>
         </p:txBody>
       </p:sp>
@@ -9457,216 +10534,7 @@
     </p:spTree>
     <p:extLst>
       <p:ext uri="{BB962C8B-B14F-4D97-AF65-F5344CB8AC3E}">
-        <p14:creationId xmlns:p14="http://schemas.microsoft.com/office/powerpoint/2010/main" val="3427944340"/>
-      </p:ext>
-    </p:extLst>
-  </p:cSld>
-  <p:clrMapOvr>
-    <a:masterClrMapping/>
-  </p:clrMapOvr>
-</p:sld>
-</file>
-
-<file path=ppt/slides/slide9.xml><?xml version="1.0" encoding="utf-8"?>
-<p:sld xmlns:a="http://schemas.openxmlformats.org/drawingml/2006/main" xmlns:r="http://schemas.openxmlformats.org/officeDocument/2006/relationships" xmlns:p="http://schemas.openxmlformats.org/presentationml/2006/main">
-  <p:cSld>
-    <p:spTree>
-      <p:nvGrpSpPr>
-        <p:cNvPr id="1" name=""/>
-        <p:cNvGrpSpPr/>
-        <p:nvPr/>
-      </p:nvGrpSpPr>
-      <p:grpSpPr>
-        <a:xfrm>
-          <a:off x="0" y="0"/>
-          <a:ext cx="0" cy="0"/>
-          <a:chOff x="0" y="0"/>
-          <a:chExt cx="0" cy="0"/>
-        </a:xfrm>
-      </p:grpSpPr>
-      <p:sp>
-        <p:nvSpPr>
-          <p:cNvPr id="2" name="Title 1">
-            <a:extLst>
-              <a:ext uri="{FF2B5EF4-FFF2-40B4-BE49-F238E27FC236}">
-                <a16:creationId xmlns:a16="http://schemas.microsoft.com/office/drawing/2014/main" id="{F32D2FED-7694-B794-E4A7-C183D83D2881}"/>
-              </a:ext>
-            </a:extLst>
-          </p:cNvPr>
-          <p:cNvSpPr>
-            <a:spLocks noGrp="1"/>
-          </p:cNvSpPr>
-          <p:nvPr>
-            <p:ph type="title"/>
-          </p:nvPr>
-        </p:nvSpPr>
-        <p:spPr/>
-        <p:txBody>
-          <a:bodyPr/>
-          <a:lstStyle/>
-          <a:p>
-            <a:r>
-              <a:rPr lang="fr-FR" dirty="0" err="1">
-                <a:latin typeface="Avenir Next Medium" panose="020B0503020202020204" pitchFamily="34" charset="0"/>
-              </a:rPr>
-              <a:t>Define</a:t>
-            </a:r>
-            <a:r>
-              <a:rPr lang="fr-FR" dirty="0">
-                <a:latin typeface="Avenir Next Medium" panose="020B0503020202020204" pitchFamily="34" charset="0"/>
-              </a:rPr>
-              <a:t> an </a:t>
-            </a:r>
-            <a:r>
-              <a:rPr lang="fr-FR" dirty="0" err="1">
-                <a:latin typeface="Avenir Next Medium" panose="020B0503020202020204" pitchFamily="34" charset="0"/>
-              </a:rPr>
-              <a:t>anomaly</a:t>
-            </a:r>
-            <a:endParaRPr lang="fr-FR" dirty="0">
-              <a:latin typeface="Avenir Next Medium" panose="020B0503020202020204" pitchFamily="34" charset="0"/>
-            </a:endParaRPr>
-          </a:p>
-        </p:txBody>
-      </p:sp>
-      <p:sp>
-        <p:nvSpPr>
-          <p:cNvPr id="3" name="Content Placeholder 2">
-            <a:extLst>
-              <a:ext uri="{FF2B5EF4-FFF2-40B4-BE49-F238E27FC236}">
-                <a16:creationId xmlns:a16="http://schemas.microsoft.com/office/drawing/2014/main" id="{138ECBA7-E0A5-8D39-6737-EB13A307A0BE}"/>
-              </a:ext>
-            </a:extLst>
-          </p:cNvPr>
-          <p:cNvSpPr>
-            <a:spLocks noGrp="1"/>
-          </p:cNvSpPr>
-          <p:nvPr>
-            <p:ph idx="1"/>
-          </p:nvPr>
-        </p:nvSpPr>
-        <p:spPr/>
-        <p:txBody>
-          <a:bodyPr>
-            <a:normAutofit/>
-          </a:bodyPr>
-          <a:lstStyle/>
-          <a:p>
-            <a:endParaRPr lang="fr-FR" sz="2400" dirty="0">
-              <a:latin typeface="Avenir Next" panose="020B0503020202020204" pitchFamily="34" charset="0"/>
-            </a:endParaRPr>
-          </a:p>
-        </p:txBody>
-      </p:sp>
-      <p:sp>
-        <p:nvSpPr>
-          <p:cNvPr id="4" name="Date Placeholder 3">
-            <a:extLst>
-              <a:ext uri="{FF2B5EF4-FFF2-40B4-BE49-F238E27FC236}">
-                <a16:creationId xmlns:a16="http://schemas.microsoft.com/office/drawing/2014/main" id="{29128103-CC75-2E58-B635-5950CA33C1DF}"/>
-              </a:ext>
-            </a:extLst>
-          </p:cNvPr>
-          <p:cNvSpPr>
-            <a:spLocks noGrp="1"/>
-          </p:cNvSpPr>
-          <p:nvPr>
-            <p:ph type="dt" sz="half" idx="10"/>
-          </p:nvPr>
-        </p:nvSpPr>
-        <p:spPr/>
-        <p:txBody>
-          <a:bodyPr/>
-          <a:lstStyle/>
-          <a:p>
-            <a:r>
-              <a:rPr lang="de-CH"/>
-              <a:t>10.06.2022</a:t>
-            </a:r>
-            <a:endParaRPr lang="fr-FR"/>
-          </a:p>
-        </p:txBody>
-      </p:sp>
-      <p:sp>
-        <p:nvSpPr>
-          <p:cNvPr id="6" name="Slide Number Placeholder 5">
-            <a:extLst>
-              <a:ext uri="{FF2B5EF4-FFF2-40B4-BE49-F238E27FC236}">
-                <a16:creationId xmlns:a16="http://schemas.microsoft.com/office/drawing/2014/main" id="{A06554C2-2984-B2C8-2158-C04BED7CEDFC}"/>
-              </a:ext>
-            </a:extLst>
-          </p:cNvPr>
-          <p:cNvSpPr>
-            <a:spLocks noGrp="1"/>
-          </p:cNvSpPr>
-          <p:nvPr>
-            <p:ph type="sldNum" sz="quarter" idx="12"/>
-          </p:nvPr>
-        </p:nvSpPr>
-        <p:spPr/>
-        <p:txBody>
-          <a:bodyPr/>
-          <a:lstStyle/>
-          <a:p>
-            <a:fld id="{50E96FFC-9A77-BE40-93A2-F2F19ACBA9AE}" type="slidenum">
-              <a:rPr lang="fr-FR" smtClean="0"/>
-              <a:t>9</a:t>
-            </a:fld>
-            <a:endParaRPr lang="fr-FR"/>
-          </a:p>
-        </p:txBody>
-      </p:sp>
-      <p:pic>
-        <p:nvPicPr>
-          <p:cNvPr id="8" name="Picture 2" descr="HES-SO - Logo - Haute école">
-            <a:extLst>
-              <a:ext uri="{FF2B5EF4-FFF2-40B4-BE49-F238E27FC236}">
-                <a16:creationId xmlns:a16="http://schemas.microsoft.com/office/drawing/2014/main" id="{EA03034B-9075-280A-A560-1F98B0D46A44}"/>
-              </a:ext>
-            </a:extLst>
-          </p:cNvPr>
-          <p:cNvPicPr>
-            <a:picLocks noChangeAspect="1" noChangeArrowheads="1"/>
-          </p:cNvPicPr>
-          <p:nvPr/>
-        </p:nvPicPr>
-        <p:blipFill>
-          <a:blip r:embed="rId2">
-            <a:extLst>
-              <a:ext uri="{28A0092B-C50C-407E-A947-70E740481C1C}">
-                <a14:useLocalDpi xmlns:a14="http://schemas.microsoft.com/office/drawing/2010/main" val="0"/>
-              </a:ext>
-            </a:extLst>
-          </a:blip>
-          <a:srcRect/>
-          <a:stretch>
-            <a:fillRect/>
-          </a:stretch>
-        </p:blipFill>
-        <p:spPr bwMode="auto">
-          <a:xfrm>
-            <a:off x="5563101" y="6386879"/>
-            <a:ext cx="1065798" cy="334596"/>
-          </a:xfrm>
-          <a:prstGeom prst="rect">
-            <a:avLst/>
-          </a:prstGeom>
-          <a:noFill/>
-          <a:extLst>
-            <a:ext uri="{909E8E84-426E-40DD-AFC4-6F175D3DCCD1}">
-              <a14:hiddenFill xmlns:a14="http://schemas.microsoft.com/office/drawing/2010/main">
-                <a:solidFill>
-                  <a:srgbClr val="FFFFFF"/>
-                </a:solidFill>
-              </a14:hiddenFill>
-            </a:ext>
-          </a:extLst>
-        </p:spPr>
-      </p:pic>
-    </p:spTree>
-    <p:extLst>
-      <p:ext uri="{BB962C8B-B14F-4D97-AF65-F5344CB8AC3E}">
-        <p14:creationId xmlns:p14="http://schemas.microsoft.com/office/powerpoint/2010/main" val="2608574514"/>
+        <p14:creationId xmlns:p14="http://schemas.microsoft.com/office/powerpoint/2010/main" val="1396892165"/>
       </p:ext>
     </p:extLst>
   </p:cSld>

--- a/Documentation/Anomaly-Detection-in-Network-Traffic-with-K-means-Clustering.pptx
+++ b/Documentation/Anomaly-Detection-in-Network-Traffic-with-K-means-Clustering.pptx
@@ -5,7 +5,7 @@
     <p:sldMasterId id="2147483648" r:id="rId1"/>
   </p:sldMasterIdLst>
   <p:notesMasterIdLst>
-    <p:notesMasterId r:id="rId20"/>
+    <p:notesMasterId r:id="rId22"/>
   </p:notesMasterIdLst>
   <p:sldIdLst>
     <p:sldId id="256" r:id="rId2"/>
@@ -18,14 +18,16 @@
     <p:sldId id="259" r:id="rId9"/>
     <p:sldId id="274" r:id="rId10"/>
     <p:sldId id="263" r:id="rId11"/>
-    <p:sldId id="261" r:id="rId12"/>
-    <p:sldId id="262" r:id="rId13"/>
-    <p:sldId id="264" r:id="rId14"/>
-    <p:sldId id="272" r:id="rId15"/>
-    <p:sldId id="273" r:id="rId16"/>
-    <p:sldId id="265" r:id="rId17"/>
-    <p:sldId id="266" r:id="rId18"/>
-    <p:sldId id="267" r:id="rId19"/>
+    <p:sldId id="275" r:id="rId12"/>
+    <p:sldId id="261" r:id="rId13"/>
+    <p:sldId id="262" r:id="rId14"/>
+    <p:sldId id="264" r:id="rId15"/>
+    <p:sldId id="272" r:id="rId16"/>
+    <p:sldId id="273" r:id="rId17"/>
+    <p:sldId id="265" r:id="rId18"/>
+    <p:sldId id="276" r:id="rId19"/>
+    <p:sldId id="266" r:id="rId20"/>
+    <p:sldId id="267" r:id="rId21"/>
   </p:sldIdLst>
   <p:sldSz cx="12192000" cy="6858000"/>
   <p:notesSz cx="6858000" cy="9144000"/>
@@ -132,6 +134,924 @@
 </p:presentation>
 </file>
 
+<file path=ppt/charts/chart1.xml><?xml version="1.0" encoding="utf-8"?>
+<c:chartSpace xmlns:c="http://schemas.openxmlformats.org/drawingml/2006/chart" xmlns:a="http://schemas.openxmlformats.org/drawingml/2006/main" xmlns:r="http://schemas.openxmlformats.org/officeDocument/2006/relationships" xmlns:c16r2="http://schemas.microsoft.com/office/drawing/2015/06/chart">
+  <c:date1904 val="0"/>
+  <c:lang val="fr-FR"/>
+  <c:roundedCorners val="0"/>
+  <mc:AlternateContent xmlns:mc="http://schemas.openxmlformats.org/markup-compatibility/2006">
+    <mc:Choice xmlns:c14="http://schemas.microsoft.com/office/drawing/2007/8/2/chart" Requires="c14">
+      <c14:style val="102"/>
+    </mc:Choice>
+    <mc:Fallback>
+      <c:style val="2"/>
+    </mc:Fallback>
+  </mc:AlternateContent>
+  <c:chart>
+    <c:title>
+      <c:tx>
+        <c:rich>
+          <a:bodyPr rot="0" spcFirstLastPara="1" vertOverflow="ellipsis" vert="horz" wrap="square" anchor="ctr" anchorCtr="1"/>
+          <a:lstStyle/>
+          <a:p>
+            <a:pPr>
+              <a:defRPr sz="1800" b="1" i="0" u="none" strike="noStrike" kern="1200" baseline="0">
+                <a:solidFill>
+                  <a:schemeClr val="dk1">
+                    <a:lumMod val="65000"/>
+                    <a:lumOff val="35000"/>
+                  </a:schemeClr>
+                </a:solidFill>
+                <a:latin typeface="+mn-lt"/>
+                <a:ea typeface="+mn-ea"/>
+                <a:cs typeface="+mn-cs"/>
+              </a:defRPr>
+            </a:pPr>
+            <a:r>
+              <a:rPr lang="en-US"/>
+              <a:t>Distribution of Protocol</a:t>
+            </a:r>
+          </a:p>
+        </c:rich>
+      </c:tx>
+      <c:overlay val="0"/>
+      <c:spPr>
+        <a:noFill/>
+        <a:ln>
+          <a:noFill/>
+        </a:ln>
+        <a:effectLst/>
+      </c:spPr>
+      <c:txPr>
+        <a:bodyPr rot="0" spcFirstLastPara="1" vertOverflow="ellipsis" vert="horz" wrap="square" anchor="ctr" anchorCtr="1"/>
+        <a:lstStyle/>
+        <a:p>
+          <a:pPr>
+            <a:defRPr sz="1800" b="1" i="0" u="none" strike="noStrike" kern="1200" baseline="0">
+              <a:solidFill>
+                <a:schemeClr val="dk1">
+                  <a:lumMod val="65000"/>
+                  <a:lumOff val="35000"/>
+                </a:schemeClr>
+              </a:solidFill>
+              <a:latin typeface="+mn-lt"/>
+              <a:ea typeface="+mn-ea"/>
+              <a:cs typeface="+mn-cs"/>
+            </a:defRPr>
+          </a:pPr>
+          <a:endParaRPr lang="fr-FR"/>
+        </a:p>
+      </c:txPr>
+    </c:title>
+    <c:autoTitleDeleted val="0"/>
+    <c:plotArea>
+      <c:layout/>
+      <c:pieChart>
+        <c:varyColors val="1"/>
+        <c:ser>
+          <c:idx val="0"/>
+          <c:order val="0"/>
+          <c:dPt>
+            <c:idx val="0"/>
+            <c:bubble3D val="0"/>
+            <c:spPr>
+              <a:solidFill>
+                <a:schemeClr val="accent1"/>
+              </a:solidFill>
+              <a:ln>
+                <a:noFill/>
+              </a:ln>
+              <a:effectLst>
+                <a:outerShdw blurRad="317500" algn="ctr" rotWithShape="0">
+                  <a:prstClr val="black">
+                    <a:alpha val="25000"/>
+                  </a:prstClr>
+                </a:outerShdw>
+              </a:effectLst>
+            </c:spPr>
+            <c:extLst>
+              <c:ext xmlns:c16="http://schemas.microsoft.com/office/drawing/2014/chart" uri="{C3380CC4-5D6E-409C-BE32-E72D297353CC}">
+                <c16:uniqueId val="{00000001-9F60-46EC-B7B8-BD8352C63DAF}"/>
+              </c:ext>
+            </c:extLst>
+          </c:dPt>
+          <c:dPt>
+            <c:idx val="1"/>
+            <c:bubble3D val="0"/>
+            <c:spPr>
+              <a:solidFill>
+                <a:schemeClr val="accent2"/>
+              </a:solidFill>
+              <a:ln>
+                <a:noFill/>
+              </a:ln>
+              <a:effectLst>
+                <a:outerShdw blurRad="317500" algn="ctr" rotWithShape="0">
+                  <a:prstClr val="black">
+                    <a:alpha val="25000"/>
+                  </a:prstClr>
+                </a:outerShdw>
+              </a:effectLst>
+            </c:spPr>
+            <c:extLst>
+              <c:ext xmlns:c16="http://schemas.microsoft.com/office/drawing/2014/chart" uri="{C3380CC4-5D6E-409C-BE32-E72D297353CC}">
+                <c16:uniqueId val="{00000003-9F60-46EC-B7B8-BD8352C63DAF}"/>
+              </c:ext>
+            </c:extLst>
+          </c:dPt>
+          <c:dPt>
+            <c:idx val="2"/>
+            <c:bubble3D val="0"/>
+            <c:spPr>
+              <a:solidFill>
+                <a:schemeClr val="accent3"/>
+              </a:solidFill>
+              <a:ln>
+                <a:noFill/>
+              </a:ln>
+              <a:effectLst>
+                <a:outerShdw blurRad="317500" algn="ctr" rotWithShape="0">
+                  <a:prstClr val="black">
+                    <a:alpha val="25000"/>
+                  </a:prstClr>
+                </a:outerShdw>
+              </a:effectLst>
+            </c:spPr>
+            <c:extLst>
+              <c:ext xmlns:c16="http://schemas.microsoft.com/office/drawing/2014/chart" uri="{C3380CC4-5D6E-409C-BE32-E72D297353CC}">
+                <c16:uniqueId val="{00000005-9F60-46EC-B7B8-BD8352C63DAF}"/>
+              </c:ext>
+            </c:extLst>
+          </c:dPt>
+          <c:dLbls>
+            <c:spPr>
+              <a:noFill/>
+              <a:ln>
+                <a:noFill/>
+              </a:ln>
+              <a:effectLst/>
+            </c:spPr>
+            <c:txPr>
+              <a:bodyPr rot="0" spcFirstLastPara="1" vertOverflow="ellipsis" vert="horz" wrap="square" lIns="38100" tIns="19050" rIns="38100" bIns="19050" anchor="ctr" anchorCtr="1">
+                <a:spAutoFit/>
+              </a:bodyPr>
+              <a:lstStyle/>
+              <a:p>
+                <a:pPr>
+                  <a:defRPr sz="900" b="1" i="0" u="none" strike="noStrike" kern="1200" baseline="0">
+                    <a:solidFill>
+                      <a:schemeClr val="lt1"/>
+                    </a:solidFill>
+                    <a:latin typeface="+mn-lt"/>
+                    <a:ea typeface="+mn-ea"/>
+                    <a:cs typeface="+mn-cs"/>
+                  </a:defRPr>
+                </a:pPr>
+                <a:endParaRPr lang="fr-FR"/>
+              </a:p>
+            </c:txPr>
+            <c:dLblPos val="inEnd"/>
+            <c:showLegendKey val="0"/>
+            <c:showVal val="0"/>
+            <c:showCatName val="0"/>
+            <c:showSerName val="0"/>
+            <c:showPercent val="1"/>
+            <c:showBubbleSize val="0"/>
+            <c:showLeaderLines val="1"/>
+            <c:leaderLines>
+              <c:spPr>
+                <a:ln w="9525" cap="flat" cmpd="sng" algn="ctr">
+                  <a:solidFill>
+                    <a:schemeClr val="dk1">
+                      <a:lumMod val="35000"/>
+                      <a:lumOff val="65000"/>
+                    </a:schemeClr>
+                  </a:solidFill>
+                  <a:round/>
+                </a:ln>
+                <a:effectLst/>
+              </c:spPr>
+            </c:leaderLines>
+            <c:extLst>
+              <c:ext xmlns:c15="http://schemas.microsoft.com/office/drawing/2012/chart" uri="{CE6537A1-D6FC-4f65-9D91-7224C49458BB}"/>
+            </c:extLst>
+          </c:dLbls>
+          <c:cat>
+            <c:strRef>
+              <c:f>Feuil1!$A$1:$A$3</c:f>
+              <c:strCache>
+                <c:ptCount val="3"/>
+                <c:pt idx="0">
+                  <c:v>icmp</c:v>
+                </c:pt>
+                <c:pt idx="1">
+                  <c:v>tcp</c:v>
+                </c:pt>
+                <c:pt idx="2">
+                  <c:v>udp</c:v>
+                </c:pt>
+              </c:strCache>
+            </c:strRef>
+          </c:cat>
+          <c:val>
+            <c:numRef>
+              <c:f>Feuil1!$B$1:$B$3</c:f>
+              <c:numCache>
+                <c:formatCode>General</c:formatCode>
+                <c:ptCount val="3"/>
+                <c:pt idx="0">
+                  <c:v>2833545</c:v>
+                </c:pt>
+                <c:pt idx="1">
+                  <c:v>1870598</c:v>
+                </c:pt>
+                <c:pt idx="2">
+                  <c:v>194288</c:v>
+                </c:pt>
+              </c:numCache>
+            </c:numRef>
+          </c:val>
+          <c:extLst>
+            <c:ext xmlns:c16="http://schemas.microsoft.com/office/drawing/2014/chart" uri="{C3380CC4-5D6E-409C-BE32-E72D297353CC}">
+              <c16:uniqueId val="{00000006-9F60-46EC-B7B8-BD8352C63DAF}"/>
+            </c:ext>
+          </c:extLst>
+        </c:ser>
+        <c:dLbls>
+          <c:dLblPos val="inEnd"/>
+          <c:showLegendKey val="0"/>
+          <c:showVal val="0"/>
+          <c:showCatName val="0"/>
+          <c:showSerName val="0"/>
+          <c:showPercent val="1"/>
+          <c:showBubbleSize val="0"/>
+          <c:showLeaderLines val="1"/>
+        </c:dLbls>
+        <c:firstSliceAng val="0"/>
+      </c:pieChart>
+      <c:spPr>
+        <a:noFill/>
+        <a:ln>
+          <a:noFill/>
+        </a:ln>
+        <a:effectLst/>
+      </c:spPr>
+    </c:plotArea>
+    <c:legend>
+      <c:legendPos val="b"/>
+      <c:overlay val="0"/>
+      <c:spPr>
+        <a:solidFill>
+          <a:schemeClr val="lt1">
+            <a:alpha val="78000"/>
+          </a:schemeClr>
+        </a:solidFill>
+        <a:ln>
+          <a:noFill/>
+        </a:ln>
+        <a:effectLst/>
+      </c:spPr>
+      <c:txPr>
+        <a:bodyPr rot="0" spcFirstLastPara="1" vertOverflow="ellipsis" vert="horz" wrap="square" anchor="ctr" anchorCtr="1"/>
+        <a:lstStyle/>
+        <a:p>
+          <a:pPr>
+            <a:defRPr sz="900" b="0" i="0" u="none" strike="noStrike" kern="1200" baseline="0">
+              <a:solidFill>
+                <a:schemeClr val="dk1">
+                  <a:lumMod val="65000"/>
+                  <a:lumOff val="35000"/>
+                </a:schemeClr>
+              </a:solidFill>
+              <a:latin typeface="+mn-lt"/>
+              <a:ea typeface="+mn-ea"/>
+              <a:cs typeface="+mn-cs"/>
+            </a:defRPr>
+          </a:pPr>
+          <a:endParaRPr lang="fr-FR"/>
+        </a:p>
+      </c:txPr>
+    </c:legend>
+    <c:plotVisOnly val="1"/>
+    <c:dispBlanksAs val="gap"/>
+    <c:extLst>
+      <c:ext xmlns:c16r3="http://schemas.microsoft.com/office/drawing/2017/03/chart" uri="{56B9EC1D-385E-4148-901F-78D8002777C0}">
+        <c16r3:dataDisplayOptions16>
+          <c16r3:dispNaAsBlank val="1"/>
+        </c16r3:dataDisplayOptions16>
+      </c:ext>
+    </c:extLst>
+    <c:showDLblsOverMax val="0"/>
+  </c:chart>
+  <c:spPr>
+    <a:pattFill prst="dkDnDiag">
+      <a:fgClr>
+        <a:schemeClr val="lt1">
+          <a:lumMod val="95000"/>
+        </a:schemeClr>
+      </a:fgClr>
+      <a:bgClr>
+        <a:schemeClr val="lt1"/>
+      </a:bgClr>
+    </a:pattFill>
+    <a:ln w="9525" cap="flat" cmpd="sng" algn="ctr">
+      <a:solidFill>
+        <a:schemeClr val="dk1">
+          <a:lumMod val="15000"/>
+          <a:lumOff val="85000"/>
+        </a:schemeClr>
+      </a:solidFill>
+      <a:round/>
+    </a:ln>
+    <a:effectLst/>
+  </c:spPr>
+  <c:txPr>
+    <a:bodyPr/>
+    <a:lstStyle/>
+    <a:p>
+      <a:pPr>
+        <a:defRPr/>
+      </a:pPr>
+      <a:endParaRPr lang="fr-FR"/>
+    </a:p>
+  </c:txPr>
+  <c:externalData r:id="rId3">
+    <c:autoUpdate val="0"/>
+  </c:externalData>
+</c:chartSpace>
+</file>
+
+<file path=ppt/charts/colors1.xml><?xml version="1.0" encoding="utf-8"?>
+<cs:colorStyle xmlns:cs="http://schemas.microsoft.com/office/drawing/2012/chartStyle" xmlns:a="http://schemas.openxmlformats.org/drawingml/2006/main" meth="cycle" id="10">
+  <a:schemeClr val="accent1"/>
+  <a:schemeClr val="accent2"/>
+  <a:schemeClr val="accent3"/>
+  <a:schemeClr val="accent4"/>
+  <a:schemeClr val="accent5"/>
+  <a:schemeClr val="accent6"/>
+  <cs:variation/>
+  <cs:variation>
+    <a:lumMod val="60000"/>
+  </cs:variation>
+  <cs:variation>
+    <a:lumMod val="80000"/>
+    <a:lumOff val="20000"/>
+  </cs:variation>
+  <cs:variation>
+    <a:lumMod val="80000"/>
+  </cs:variation>
+  <cs:variation>
+    <a:lumMod val="60000"/>
+    <a:lumOff val="40000"/>
+  </cs:variation>
+  <cs:variation>
+    <a:lumMod val="50000"/>
+  </cs:variation>
+  <cs:variation>
+    <a:lumMod val="70000"/>
+    <a:lumOff val="30000"/>
+  </cs:variation>
+  <cs:variation>
+    <a:lumMod val="70000"/>
+  </cs:variation>
+  <cs:variation>
+    <a:lumMod val="50000"/>
+    <a:lumOff val="50000"/>
+  </cs:variation>
+</cs:colorStyle>
+</file>
+
+<file path=ppt/charts/style1.xml><?xml version="1.0" encoding="utf-8"?>
+<cs:chartStyle xmlns:cs="http://schemas.microsoft.com/office/drawing/2012/chartStyle" xmlns:a="http://schemas.openxmlformats.org/drawingml/2006/main" id="261">
+  <cs:axisTitle>
+    <cs:lnRef idx="0"/>
+    <cs:fillRef idx="0"/>
+    <cs:effectRef idx="0"/>
+    <cs:fontRef idx="minor">
+      <a:schemeClr val="dk1">
+        <a:lumMod val="65000"/>
+        <a:lumOff val="35000"/>
+      </a:schemeClr>
+    </cs:fontRef>
+    <cs:defRPr sz="900" kern="1200"/>
+  </cs:axisTitle>
+  <cs:categoryAxis>
+    <cs:lnRef idx="0"/>
+    <cs:fillRef idx="0"/>
+    <cs:effectRef idx="0"/>
+    <cs:fontRef idx="minor">
+      <a:schemeClr val="dk1">
+        <a:lumMod val="65000"/>
+        <a:lumOff val="35000"/>
+      </a:schemeClr>
+    </cs:fontRef>
+    <cs:defRPr sz="900" kern="1200"/>
+  </cs:categoryAxis>
+  <cs:chartArea>
+    <cs:lnRef idx="0"/>
+    <cs:fillRef idx="0"/>
+    <cs:effectRef idx="0"/>
+    <cs:fontRef idx="minor">
+      <a:schemeClr val="dk1"/>
+    </cs:fontRef>
+    <cs:spPr>
+      <a:pattFill prst="dkDnDiag">
+        <a:fgClr>
+          <a:schemeClr val="lt1">
+            <a:lumMod val="95000"/>
+          </a:schemeClr>
+        </a:fgClr>
+        <a:bgClr>
+          <a:schemeClr val="lt1"/>
+        </a:bgClr>
+      </a:pattFill>
+      <a:ln w="9525" cap="flat" cmpd="sng" algn="ctr">
+        <a:solidFill>
+          <a:schemeClr val="dk1">
+            <a:lumMod val="15000"/>
+            <a:lumOff val="85000"/>
+          </a:schemeClr>
+        </a:solidFill>
+        <a:round/>
+      </a:ln>
+    </cs:spPr>
+    <cs:defRPr sz="900" kern="1200"/>
+  </cs:chartArea>
+  <cs:dataLabel>
+    <cs:lnRef idx="0"/>
+    <cs:fillRef idx="0"/>
+    <cs:effectRef idx="0"/>
+    <cs:fontRef idx="minor">
+      <a:schemeClr val="lt1"/>
+    </cs:fontRef>
+    <cs:defRPr sz="900" b="1" i="0" u="none" strike="noStrike" kern="1200" baseline="0"/>
+  </cs:dataLabel>
+  <cs:dataLabelCallout>
+    <cs:lnRef idx="0"/>
+    <cs:fillRef idx="0"/>
+    <cs:effectRef idx="0"/>
+    <cs:fontRef idx="minor">
+      <a:schemeClr val="dk1">
+        <a:lumMod val="65000"/>
+        <a:lumOff val="35000"/>
+      </a:schemeClr>
+    </cs:fontRef>
+    <cs:spPr>
+      <a:solidFill>
+        <a:schemeClr val="lt1">
+          <a:alpha val="75000"/>
+        </a:schemeClr>
+      </a:solidFill>
+      <a:ln w="9525">
+        <a:solidFill>
+          <a:schemeClr val="dk1">
+            <a:lumMod val="25000"/>
+            <a:lumOff val="75000"/>
+          </a:schemeClr>
+        </a:solidFill>
+      </a:ln>
+    </cs:spPr>
+    <cs:defRPr sz="900" kern="1200"/>
+    <cs:bodyPr rot="0" spcFirstLastPara="1" vertOverflow="clip" horzOverflow="clip" vert="horz" wrap="square" lIns="36576" tIns="18288" rIns="36576" bIns="18288" anchor="ctr" anchorCtr="1">
+      <a:spAutoFit/>
+    </cs:bodyPr>
+  </cs:dataLabelCallout>
+  <cs:dataPoint>
+    <cs:lnRef idx="0"/>
+    <cs:fillRef idx="0">
+      <cs:styleClr val="auto"/>
+    </cs:fillRef>
+    <cs:effectRef idx="0"/>
+    <cs:fontRef idx="minor">
+      <a:schemeClr val="dk1"/>
+    </cs:fontRef>
+    <cs:spPr>
+      <a:solidFill>
+        <a:schemeClr val="phClr"/>
+      </a:solidFill>
+      <a:effectLst>
+        <a:outerShdw blurRad="317500" algn="ctr" rotWithShape="0">
+          <a:prstClr val="black">
+            <a:alpha val="25000"/>
+          </a:prstClr>
+        </a:outerShdw>
+      </a:effectLst>
+    </cs:spPr>
+  </cs:dataPoint>
+  <cs:dataPoint3D>
+    <cs:lnRef idx="0"/>
+    <cs:fillRef idx="0">
+      <cs:styleClr val="auto"/>
+    </cs:fillRef>
+    <cs:effectRef idx="0"/>
+    <cs:fontRef idx="minor">
+      <a:schemeClr val="dk1"/>
+    </cs:fontRef>
+    <cs:spPr>
+      <a:solidFill>
+        <a:schemeClr val="phClr"/>
+      </a:solidFill>
+      <a:effectLst>
+        <a:outerShdw blurRad="88900" sx="102000" sy="102000" algn="ctr" rotWithShape="0">
+          <a:prstClr val="black">
+            <a:alpha val="20000"/>
+          </a:prstClr>
+        </a:outerShdw>
+      </a:effectLst>
+      <a:scene3d>
+        <a:camera prst="orthographicFront"/>
+        <a:lightRig rig="threePt" dir="t"/>
+      </a:scene3d>
+      <a:sp3d prstMaterial="matte"/>
+    </cs:spPr>
+  </cs:dataPoint3D>
+  <cs:dataPointLine>
+    <cs:lnRef idx="0">
+      <cs:styleClr val="auto"/>
+    </cs:lnRef>
+    <cs:fillRef idx="0"/>
+    <cs:effectRef idx="0"/>
+    <cs:fontRef idx="minor">
+      <a:schemeClr val="dk1"/>
+    </cs:fontRef>
+    <cs:spPr>
+      <a:ln w="28575" cap="rnd">
+        <a:solidFill>
+          <a:schemeClr val="phClr"/>
+        </a:solidFill>
+        <a:round/>
+      </a:ln>
+    </cs:spPr>
+  </cs:dataPointLine>
+  <cs:dataPointMarker>
+    <cs:lnRef idx="0"/>
+    <cs:fillRef idx="0">
+      <cs:styleClr val="auto"/>
+    </cs:fillRef>
+    <cs:effectRef idx="0"/>
+    <cs:fontRef idx="minor">
+      <a:schemeClr val="dk1"/>
+    </cs:fontRef>
+    <cs:spPr>
+      <a:solidFill>
+        <a:schemeClr val="phClr"/>
+      </a:solidFill>
+      <a:ln w="9525">
+        <a:solidFill>
+          <a:schemeClr val="lt1"/>
+        </a:solidFill>
+      </a:ln>
+    </cs:spPr>
+  </cs:dataPointMarker>
+  <cs:dataPointMarkerLayout symbol="circle" size="6"/>
+  <cs:dataPointWireframe>
+    <cs:lnRef idx="0">
+      <cs:styleClr val="auto"/>
+    </cs:lnRef>
+    <cs:fillRef idx="0"/>
+    <cs:effectRef idx="0"/>
+    <cs:fontRef idx="minor">
+      <a:schemeClr val="dk1"/>
+    </cs:fontRef>
+    <cs:spPr>
+      <a:ln w="9525" cap="rnd">
+        <a:solidFill>
+          <a:schemeClr val="phClr"/>
+        </a:solidFill>
+        <a:round/>
+      </a:ln>
+    </cs:spPr>
+  </cs:dataPointWireframe>
+  <cs:dataTable>
+    <cs:lnRef idx="0"/>
+    <cs:fillRef idx="0"/>
+    <cs:effectRef idx="0"/>
+    <cs:fontRef idx="minor">
+      <a:schemeClr val="dk1">
+        <a:lumMod val="65000"/>
+        <a:lumOff val="35000"/>
+      </a:schemeClr>
+    </cs:fontRef>
+    <cs:spPr>
+      <a:noFill/>
+      <a:ln w="9525" cap="flat" cmpd="sng" algn="ctr">
+        <a:solidFill>
+          <a:schemeClr val="dk1">
+            <a:lumMod val="15000"/>
+            <a:lumOff val="85000"/>
+          </a:schemeClr>
+        </a:solidFill>
+        <a:round/>
+      </a:ln>
+    </cs:spPr>
+    <cs:defRPr sz="900" kern="1200"/>
+  </cs:dataTable>
+  <cs:downBar>
+    <cs:lnRef idx="0"/>
+    <cs:fillRef idx="0"/>
+    <cs:effectRef idx="0"/>
+    <cs:fontRef idx="minor">
+      <a:schemeClr val="dk1"/>
+    </cs:fontRef>
+    <cs:spPr>
+      <a:solidFill>
+        <a:schemeClr val="dk1">
+          <a:lumMod val="75000"/>
+          <a:lumOff val="25000"/>
+        </a:schemeClr>
+      </a:solidFill>
+      <a:ln w="9525" cap="flat" cmpd="sng" algn="ctr">
+        <a:solidFill>
+          <a:schemeClr val="dk1">
+            <a:lumMod val="65000"/>
+            <a:lumOff val="35000"/>
+          </a:schemeClr>
+        </a:solidFill>
+        <a:round/>
+      </a:ln>
+    </cs:spPr>
+  </cs:downBar>
+  <cs:dropLine>
+    <cs:lnRef idx="0"/>
+    <cs:fillRef idx="0"/>
+    <cs:effectRef idx="0"/>
+    <cs:fontRef idx="minor">
+      <a:schemeClr val="dk1"/>
+    </cs:fontRef>
+    <cs:spPr>
+      <a:ln w="9525" cap="flat" cmpd="sng" algn="ctr">
+        <a:solidFill>
+          <a:schemeClr val="dk1">
+            <a:lumMod val="35000"/>
+            <a:lumOff val="65000"/>
+          </a:schemeClr>
+        </a:solidFill>
+        <a:round/>
+      </a:ln>
+    </cs:spPr>
+  </cs:dropLine>
+  <cs:errorBar>
+    <cs:lnRef idx="0"/>
+    <cs:fillRef idx="0"/>
+    <cs:effectRef idx="0"/>
+    <cs:fontRef idx="minor">
+      <a:schemeClr val="dk1"/>
+    </cs:fontRef>
+    <cs:spPr>
+      <a:ln w="9525" cap="flat" cmpd="sng" algn="ctr">
+        <a:solidFill>
+          <a:schemeClr val="dk1">
+            <a:lumMod val="65000"/>
+            <a:lumOff val="35000"/>
+          </a:schemeClr>
+        </a:solidFill>
+        <a:round/>
+      </a:ln>
+    </cs:spPr>
+  </cs:errorBar>
+  <cs:floor>
+    <cs:lnRef idx="0"/>
+    <cs:fillRef idx="0"/>
+    <cs:effectRef idx="0"/>
+    <cs:fontRef idx="minor">
+      <a:schemeClr val="dk1"/>
+    </cs:fontRef>
+    <cs:spPr>
+      <a:noFill/>
+      <a:ln>
+        <a:noFill/>
+      </a:ln>
+    </cs:spPr>
+  </cs:floor>
+  <cs:gridlineMajor>
+    <cs:lnRef idx="0"/>
+    <cs:fillRef idx="0"/>
+    <cs:effectRef idx="0"/>
+    <cs:fontRef idx="minor">
+      <a:schemeClr val="dk1"/>
+    </cs:fontRef>
+    <cs:spPr>
+      <a:ln w="9525" cap="flat" cmpd="sng" algn="ctr">
+        <a:solidFill>
+          <a:schemeClr val="dk1">
+            <a:lumMod val="15000"/>
+            <a:lumOff val="85000"/>
+          </a:schemeClr>
+        </a:solidFill>
+        <a:round/>
+      </a:ln>
+    </cs:spPr>
+  </cs:gridlineMajor>
+  <cs:gridlineMinor>
+    <cs:lnRef idx="0"/>
+    <cs:fillRef idx="0"/>
+    <cs:effectRef idx="0"/>
+    <cs:fontRef idx="minor">
+      <a:schemeClr val="dk1"/>
+    </cs:fontRef>
+    <cs:spPr>
+      <a:ln w="9525" cap="flat" cmpd="sng" algn="ctr">
+        <a:solidFill>
+          <a:schemeClr val="dk1">
+            <a:lumMod val="5000"/>
+            <a:lumOff val="95000"/>
+          </a:schemeClr>
+        </a:solidFill>
+        <a:round/>
+      </a:ln>
+    </cs:spPr>
+  </cs:gridlineMinor>
+  <cs:hiLoLine>
+    <cs:lnRef idx="0"/>
+    <cs:fillRef idx="0"/>
+    <cs:effectRef idx="0"/>
+    <cs:fontRef idx="minor">
+      <a:schemeClr val="dk1"/>
+    </cs:fontRef>
+    <cs:spPr>
+      <a:ln w="9525" cap="flat" cmpd="sng" algn="ctr">
+        <a:solidFill>
+          <a:schemeClr val="dk1">
+            <a:lumMod val="50000"/>
+            <a:lumOff val="50000"/>
+          </a:schemeClr>
+        </a:solidFill>
+        <a:round/>
+      </a:ln>
+    </cs:spPr>
+  </cs:hiLoLine>
+  <cs:leaderLine>
+    <cs:lnRef idx="0"/>
+    <cs:fillRef idx="0"/>
+    <cs:effectRef idx="0"/>
+    <cs:fontRef idx="minor">
+      <a:schemeClr val="dk1"/>
+    </cs:fontRef>
+    <cs:spPr>
+      <a:ln w="9525" cap="flat" cmpd="sng" algn="ctr">
+        <a:solidFill>
+          <a:schemeClr val="dk1">
+            <a:lumMod val="35000"/>
+            <a:lumOff val="65000"/>
+          </a:schemeClr>
+        </a:solidFill>
+        <a:round/>
+      </a:ln>
+    </cs:spPr>
+  </cs:leaderLine>
+  <cs:legend>
+    <cs:lnRef idx="0"/>
+    <cs:fillRef idx="0"/>
+    <cs:effectRef idx="0"/>
+    <cs:fontRef idx="minor">
+      <a:schemeClr val="dk1">
+        <a:lumMod val="65000"/>
+        <a:lumOff val="35000"/>
+      </a:schemeClr>
+    </cs:fontRef>
+    <cs:spPr>
+      <a:solidFill>
+        <a:schemeClr val="lt1">
+          <a:alpha val="78000"/>
+        </a:schemeClr>
+      </a:solidFill>
+    </cs:spPr>
+    <cs:defRPr sz="900" kern="1200"/>
+  </cs:legend>
+  <cs:plotArea mods="allowNoFillOverride allowNoLineOverride">
+    <cs:lnRef idx="0"/>
+    <cs:fillRef idx="0"/>
+    <cs:effectRef idx="0"/>
+    <cs:fontRef idx="minor">
+      <a:schemeClr val="dk1"/>
+    </cs:fontRef>
+  </cs:plotArea>
+  <cs:plotArea3D mods="allowNoFillOverride allowNoLineOverride">
+    <cs:lnRef idx="0"/>
+    <cs:fillRef idx="0"/>
+    <cs:effectRef idx="0"/>
+    <cs:fontRef idx="minor">
+      <a:schemeClr val="dk1"/>
+    </cs:fontRef>
+  </cs:plotArea3D>
+  <cs:seriesAxis>
+    <cs:lnRef idx="0"/>
+    <cs:fillRef idx="0"/>
+    <cs:effectRef idx="0"/>
+    <cs:fontRef idx="minor">
+      <a:schemeClr val="dk1">
+        <a:lumMod val="65000"/>
+        <a:lumOff val="35000"/>
+      </a:schemeClr>
+    </cs:fontRef>
+    <cs:defRPr sz="900" kern="1200"/>
+  </cs:seriesAxis>
+  <cs:seriesLine>
+    <cs:lnRef idx="0"/>
+    <cs:fillRef idx="0"/>
+    <cs:effectRef idx="0"/>
+    <cs:fontRef idx="minor">
+      <a:schemeClr val="dk1"/>
+    </cs:fontRef>
+    <cs:spPr>
+      <a:ln w="9525" cap="flat" cmpd="sng" algn="ctr">
+        <a:solidFill>
+          <a:schemeClr val="dk1">
+            <a:lumMod val="35000"/>
+            <a:lumOff val="65000"/>
+          </a:schemeClr>
+        </a:solidFill>
+        <a:round/>
+      </a:ln>
+    </cs:spPr>
+  </cs:seriesLine>
+  <cs:title>
+    <cs:lnRef idx="0"/>
+    <cs:fillRef idx="0"/>
+    <cs:effectRef idx="0"/>
+    <cs:fontRef idx="minor">
+      <a:schemeClr val="dk1">
+        <a:lumMod val="65000"/>
+        <a:lumOff val="35000"/>
+      </a:schemeClr>
+    </cs:fontRef>
+    <cs:defRPr sz="1800" b="1" kern="1200" baseline="0"/>
+  </cs:title>
+  <cs:trendline>
+    <cs:lnRef idx="0">
+      <cs:styleClr val="auto"/>
+    </cs:lnRef>
+    <cs:fillRef idx="0"/>
+    <cs:effectRef idx="0"/>
+    <cs:fontRef idx="minor">
+      <a:schemeClr val="dk1"/>
+    </cs:fontRef>
+    <cs:spPr>
+      <a:ln w="19050" cap="rnd">
+        <a:solidFill>
+          <a:schemeClr val="phClr"/>
+        </a:solidFill>
+        <a:prstDash val="sysDash"/>
+      </a:ln>
+    </cs:spPr>
+  </cs:trendline>
+  <cs:trendlineLabel>
+    <cs:lnRef idx="0"/>
+    <cs:fillRef idx="0"/>
+    <cs:effectRef idx="0"/>
+    <cs:fontRef idx="minor">
+      <a:schemeClr val="dk1">
+        <a:lumMod val="65000"/>
+        <a:lumOff val="35000"/>
+      </a:schemeClr>
+    </cs:fontRef>
+    <cs:defRPr sz="900" kern="1200"/>
+  </cs:trendlineLabel>
+  <cs:upBar>
+    <cs:lnRef idx="0"/>
+    <cs:fillRef idx="0"/>
+    <cs:effectRef idx="0"/>
+    <cs:fontRef idx="minor">
+      <a:schemeClr val="dk1"/>
+    </cs:fontRef>
+    <cs:spPr>
+      <a:solidFill>
+        <a:schemeClr val="lt1"/>
+      </a:solidFill>
+      <a:ln w="9525" cap="flat" cmpd="sng" algn="ctr">
+        <a:solidFill>
+          <a:schemeClr val="dk1">
+            <a:lumMod val="65000"/>
+            <a:lumOff val="35000"/>
+          </a:schemeClr>
+        </a:solidFill>
+        <a:round/>
+      </a:ln>
+    </cs:spPr>
+  </cs:upBar>
+  <cs:valueAxis>
+    <cs:lnRef idx="0"/>
+    <cs:fillRef idx="0"/>
+    <cs:effectRef idx="0"/>
+    <cs:fontRef idx="minor">
+      <a:schemeClr val="dk1">
+        <a:lumMod val="65000"/>
+        <a:lumOff val="35000"/>
+      </a:schemeClr>
+    </cs:fontRef>
+    <cs:defRPr sz="900" kern="1200"/>
+  </cs:valueAxis>
+  <cs:wall>
+    <cs:lnRef idx="0"/>
+    <cs:fillRef idx="0"/>
+    <cs:effectRef idx="0"/>
+    <cs:fontRef idx="minor">
+      <a:schemeClr val="dk1"/>
+    </cs:fontRef>
+  </cs:wall>
+</cs:chartStyle>
+</file>
+
 <file path=ppt/notesMasters/notesMaster1.xml><?xml version="1.0" encoding="utf-8"?>
 <p:notesMaster xmlns:a="http://schemas.openxmlformats.org/drawingml/2006/main" xmlns:r="http://schemas.openxmlformats.org/officeDocument/2006/relationships" xmlns:p="http://schemas.openxmlformats.org/presentationml/2006/main">
   <p:cSld>
@@ -373,7 +1293,7 @@
           <a:p>
             <a:fld id="{0816C602-ED9F-514A-8C86-73D406EEAFE5}" type="slidenum">
               <a:rPr lang="fr-FR" smtClean="0"/>
-              <a:t>‹#›</a:t>
+              <a:t>‹N°›</a:t>
             </a:fld>
             <a:endParaRPr lang="fr-FR"/>
           </a:p>
@@ -1529,7 +2449,7 @@
           <a:p>
             <a:fld id="{50E96FFC-9A77-BE40-93A2-F2F19ACBA9AE}" type="slidenum">
               <a:rPr lang="fr-FR" smtClean="0"/>
-              <a:t>‹#›</a:t>
+              <a:t>‹N°›</a:t>
             </a:fld>
             <a:endParaRPr lang="fr-FR"/>
           </a:p>
@@ -1732,7 +2652,7 @@
           <a:p>
             <a:fld id="{50E96FFC-9A77-BE40-93A2-F2F19ACBA9AE}" type="slidenum">
               <a:rPr lang="fr-FR" smtClean="0"/>
-              <a:t>‹#›</a:t>
+              <a:t>‹N°›</a:t>
             </a:fld>
             <a:endParaRPr lang="fr-FR"/>
           </a:p>
@@ -1945,7 +2865,7 @@
           <a:p>
             <a:fld id="{50E96FFC-9A77-BE40-93A2-F2F19ACBA9AE}" type="slidenum">
               <a:rPr lang="fr-FR" smtClean="0"/>
-              <a:t>‹#›</a:t>
+              <a:t>‹N°›</a:t>
             </a:fld>
             <a:endParaRPr lang="fr-FR"/>
           </a:p>
@@ -2148,7 +3068,7 @@
           <a:p>
             <a:fld id="{50E96FFC-9A77-BE40-93A2-F2F19ACBA9AE}" type="slidenum">
               <a:rPr lang="fr-FR" smtClean="0"/>
-              <a:t>‹#›</a:t>
+              <a:t>‹N°›</a:t>
             </a:fld>
             <a:endParaRPr lang="fr-FR"/>
           </a:p>
@@ -2427,7 +3347,7 @@
           <a:p>
             <a:fld id="{50E96FFC-9A77-BE40-93A2-F2F19ACBA9AE}" type="slidenum">
               <a:rPr lang="fr-FR" smtClean="0"/>
-              <a:t>‹#›</a:t>
+              <a:t>‹N°›</a:t>
             </a:fld>
             <a:endParaRPr lang="fr-FR"/>
           </a:p>
@@ -2698,7 +3618,7 @@
           <a:p>
             <a:fld id="{50E96FFC-9A77-BE40-93A2-F2F19ACBA9AE}" type="slidenum">
               <a:rPr lang="fr-FR" smtClean="0"/>
-              <a:t>‹#›</a:t>
+              <a:t>‹N°›</a:t>
             </a:fld>
             <a:endParaRPr lang="fr-FR"/>
           </a:p>
@@ -3116,7 +4036,7 @@
           <a:p>
             <a:fld id="{50E96FFC-9A77-BE40-93A2-F2F19ACBA9AE}" type="slidenum">
               <a:rPr lang="fr-FR" smtClean="0"/>
-              <a:t>‹#›</a:t>
+              <a:t>‹N°›</a:t>
             </a:fld>
             <a:endParaRPr lang="fr-FR"/>
           </a:p>
@@ -3261,7 +4181,7 @@
           <a:p>
             <a:fld id="{50E96FFC-9A77-BE40-93A2-F2F19ACBA9AE}" type="slidenum">
               <a:rPr lang="fr-FR" smtClean="0"/>
-              <a:t>‹#›</a:t>
+              <a:t>‹N°›</a:t>
             </a:fld>
             <a:endParaRPr lang="fr-FR"/>
           </a:p>
@@ -3377,7 +4297,7 @@
           <a:p>
             <a:fld id="{50E96FFC-9A77-BE40-93A2-F2F19ACBA9AE}" type="slidenum">
               <a:rPr lang="fr-FR" smtClean="0"/>
-              <a:t>‹#›</a:t>
+              <a:t>‹N°›</a:t>
             </a:fld>
             <a:endParaRPr lang="fr-FR"/>
           </a:p>
@@ -3693,7 +4613,7 @@
           <a:p>
             <a:fld id="{50E96FFC-9A77-BE40-93A2-F2F19ACBA9AE}" type="slidenum">
               <a:rPr lang="fr-FR" smtClean="0"/>
-              <a:t>‹#›</a:t>
+              <a:t>‹N°›</a:t>
             </a:fld>
             <a:endParaRPr lang="fr-FR"/>
           </a:p>
@@ -3985,7 +4905,7 @@
           <a:p>
             <a:fld id="{50E96FFC-9A77-BE40-93A2-F2F19ACBA9AE}" type="slidenum">
               <a:rPr lang="fr-FR" smtClean="0"/>
-              <a:t>‹#›</a:t>
+              <a:t>‹N°›</a:t>
             </a:fld>
             <a:endParaRPr lang="fr-FR"/>
           </a:p>
@@ -4267,7 +5187,7 @@
           <a:p>
             <a:fld id="{50E96FFC-9A77-BE40-93A2-F2F19ACBA9AE}" type="slidenum">
               <a:rPr lang="fr-FR" smtClean="0"/>
-              <a:t>‹#›</a:t>
+              <a:t>‹N°›</a:t>
             </a:fld>
             <a:endParaRPr lang="fr-FR"/>
           </a:p>
@@ -4895,7 +5815,334 @@
           </a:bodyPr>
           <a:lstStyle/>
           <a:p>
-            <a:endParaRPr lang="fr-FR" sz="2400" dirty="0">
+            <a:r>
+              <a:rPr lang="fr-FR" sz="2400" dirty="0">
+                <a:latin typeface="Avenir Next" panose="020B0503020202020204" pitchFamily="34" charset="0"/>
+              </a:rPr>
+              <a:t>Multiple </a:t>
+            </a:r>
+            <a:r>
+              <a:rPr lang="fr-FR" sz="2400" dirty="0" err="1">
+                <a:latin typeface="Avenir Next" panose="020B0503020202020204" pitchFamily="34" charset="0"/>
+              </a:rPr>
+              <a:t>attack</a:t>
+            </a:r>
+            <a:r>
+              <a:rPr lang="fr-FR" sz="2400" dirty="0">
+                <a:latin typeface="Avenir Next" panose="020B0503020202020204" pitchFamily="34" charset="0"/>
+              </a:rPr>
+              <a:t> types:</a:t>
+            </a:r>
+          </a:p>
+          <a:p>
+            <a:pPr lvl="1"/>
+            <a:r>
+              <a:rPr lang="fr-FR" sz="2000" b="1" dirty="0" err="1">
+                <a:latin typeface="Avenir Next" panose="020B0503020202020204" pitchFamily="34" charset="0"/>
+              </a:rPr>
+              <a:t>DoS</a:t>
+            </a:r>
+            <a:r>
+              <a:rPr lang="fr-FR" sz="2000" dirty="0">
+                <a:latin typeface="Avenir Next" panose="020B0503020202020204" pitchFamily="34" charset="0"/>
+              </a:rPr>
+              <a:t> (Denial of Service) : smurf, </a:t>
+            </a:r>
+            <a:r>
+              <a:rPr lang="fr-FR" sz="2000" dirty="0" err="1">
+                <a:latin typeface="Avenir Next" panose="020B0503020202020204" pitchFamily="34" charset="0"/>
+              </a:rPr>
+              <a:t>neptune</a:t>
+            </a:r>
+            <a:endParaRPr lang="fr-FR" sz="2000" dirty="0">
+              <a:latin typeface="Avenir Next" panose="020B0503020202020204" pitchFamily="34" charset="0"/>
+            </a:endParaRPr>
+          </a:p>
+          <a:p>
+            <a:pPr lvl="2"/>
+            <a:r>
+              <a:rPr lang="fr-FR" sz="1600" dirty="0" err="1">
+                <a:latin typeface="Avenir Next" panose="020B0503020202020204" pitchFamily="34" charset="0"/>
+              </a:rPr>
+              <a:t>Overflows</a:t>
+            </a:r>
+            <a:r>
+              <a:rPr lang="fr-FR" sz="1600" dirty="0">
+                <a:latin typeface="Avenir Next" panose="020B0503020202020204" pitchFamily="34" charset="0"/>
+              </a:rPr>
+              <a:t> </a:t>
+            </a:r>
+            <a:r>
+              <a:rPr lang="fr-FR" sz="1600" dirty="0" err="1">
+                <a:latin typeface="Avenir Next" panose="020B0503020202020204" pitchFamily="34" charset="0"/>
+              </a:rPr>
+              <a:t>traffic</a:t>
+            </a:r>
+            <a:endParaRPr lang="fr-FR" sz="1600" dirty="0">
+              <a:latin typeface="Avenir Next" panose="020B0503020202020204" pitchFamily="34" charset="0"/>
+            </a:endParaRPr>
+          </a:p>
+          <a:p>
+            <a:pPr lvl="2"/>
+            <a:r>
+              <a:rPr lang="fr-FR" sz="1600" dirty="0" err="1">
+                <a:latin typeface="Avenir Next" panose="020B0503020202020204" pitchFamily="34" charset="0"/>
+              </a:rPr>
+              <a:t>Denies</a:t>
+            </a:r>
+            <a:r>
+              <a:rPr lang="fr-FR" sz="1600" dirty="0">
+                <a:latin typeface="Avenir Next" panose="020B0503020202020204" pitchFamily="34" charset="0"/>
+              </a:rPr>
+              <a:t> </a:t>
+            </a:r>
+            <a:r>
+              <a:rPr lang="fr-FR" sz="1600" dirty="0" err="1">
+                <a:latin typeface="Avenir Next" panose="020B0503020202020204" pitchFamily="34" charset="0"/>
+              </a:rPr>
+              <a:t>other</a:t>
+            </a:r>
+            <a:r>
+              <a:rPr lang="fr-FR" sz="1600" dirty="0">
+                <a:latin typeface="Avenir Next" panose="020B0503020202020204" pitchFamily="34" charset="0"/>
+              </a:rPr>
+              <a:t> </a:t>
+            </a:r>
+            <a:r>
+              <a:rPr lang="fr-FR" sz="1600" dirty="0" err="1">
+                <a:latin typeface="Avenir Next" panose="020B0503020202020204" pitchFamily="34" charset="0"/>
+              </a:rPr>
+              <a:t>requests</a:t>
+            </a:r>
+            <a:endParaRPr lang="fr-FR" sz="1600" dirty="0">
+              <a:latin typeface="Avenir Next" panose="020B0503020202020204" pitchFamily="34" charset="0"/>
+            </a:endParaRPr>
+          </a:p>
+          <a:p>
+            <a:pPr lvl="1"/>
+            <a:r>
+              <a:rPr lang="fr-FR" sz="2000" b="1" dirty="0">
+                <a:latin typeface="Avenir Next" panose="020B0503020202020204" pitchFamily="34" charset="0"/>
+              </a:rPr>
+              <a:t>R2L</a:t>
+            </a:r>
+            <a:r>
+              <a:rPr lang="fr-FR" sz="2000" dirty="0">
+                <a:latin typeface="Avenir Next" panose="020B0503020202020204" pitchFamily="34" charset="0"/>
+              </a:rPr>
+              <a:t> (Root to Local) : </a:t>
+            </a:r>
+            <a:r>
+              <a:rPr lang="fr-FR" sz="2000" dirty="0" err="1">
+                <a:latin typeface="Avenir Next" panose="020B0503020202020204" pitchFamily="34" charset="0"/>
+              </a:rPr>
+              <a:t>warezclient</a:t>
+            </a:r>
+            <a:r>
+              <a:rPr lang="fr-FR" sz="2000" dirty="0">
+                <a:latin typeface="Avenir Next" panose="020B0503020202020204" pitchFamily="34" charset="0"/>
+              </a:rPr>
+              <a:t>, </a:t>
+            </a:r>
+            <a:r>
+              <a:rPr lang="fr-FR" sz="2000" dirty="0" err="1">
+                <a:latin typeface="Avenir Next" panose="020B0503020202020204" pitchFamily="34" charset="0"/>
+              </a:rPr>
+              <a:t>guess_pwd</a:t>
+            </a:r>
+            <a:endParaRPr lang="fr-FR" sz="2000" dirty="0">
+              <a:latin typeface="Avenir Next" panose="020B0503020202020204" pitchFamily="34" charset="0"/>
+            </a:endParaRPr>
+          </a:p>
+          <a:p>
+            <a:pPr lvl="2"/>
+            <a:r>
+              <a:rPr lang="fr-FR" sz="1600" dirty="0" err="1">
+                <a:latin typeface="Avenir Next" panose="020B0503020202020204" pitchFamily="34" charset="0"/>
+              </a:rPr>
+              <a:t>Seek</a:t>
+            </a:r>
+            <a:r>
+              <a:rPr lang="fr-FR" sz="1600" dirty="0">
+                <a:latin typeface="Avenir Next" panose="020B0503020202020204" pitchFamily="34" charset="0"/>
+              </a:rPr>
+              <a:t> </a:t>
+            </a:r>
+            <a:r>
+              <a:rPr lang="fr-FR" sz="1600" dirty="0" err="1">
+                <a:latin typeface="Avenir Next" panose="020B0503020202020204" pitchFamily="34" charset="0"/>
+              </a:rPr>
+              <a:t>vulnerabilites</a:t>
+            </a:r>
+            <a:endParaRPr lang="fr-FR" sz="1600" dirty="0">
+              <a:latin typeface="Avenir Next" panose="020B0503020202020204" pitchFamily="34" charset="0"/>
+            </a:endParaRPr>
+          </a:p>
+          <a:p>
+            <a:pPr lvl="2"/>
+            <a:r>
+              <a:rPr lang="fr-FR" sz="1600" dirty="0" err="1">
+                <a:latin typeface="Avenir Next" panose="020B0503020202020204" pitchFamily="34" charset="0"/>
+              </a:rPr>
+              <a:t>Illegal</a:t>
+            </a:r>
+            <a:r>
+              <a:rPr lang="fr-FR" sz="1600" dirty="0">
+                <a:latin typeface="Avenir Next" panose="020B0503020202020204" pitchFamily="34" charset="0"/>
+              </a:rPr>
+              <a:t> local </a:t>
+            </a:r>
+            <a:r>
+              <a:rPr lang="fr-FR" sz="1600" dirty="0" err="1">
+                <a:latin typeface="Avenir Next" panose="020B0503020202020204" pitchFamily="34" charset="0"/>
+              </a:rPr>
+              <a:t>access</a:t>
+            </a:r>
+            <a:endParaRPr lang="fr-FR" sz="1600" dirty="0">
+              <a:latin typeface="Avenir Next" panose="020B0503020202020204" pitchFamily="34" charset="0"/>
+            </a:endParaRPr>
+          </a:p>
+          <a:p>
+            <a:pPr lvl="1"/>
+            <a:r>
+              <a:rPr lang="fr-FR" sz="2000" b="1" dirty="0">
+                <a:latin typeface="Avenir Next" panose="020B0503020202020204" pitchFamily="34" charset="0"/>
+              </a:rPr>
+              <a:t>U2R</a:t>
+            </a:r>
+            <a:r>
+              <a:rPr lang="fr-FR" sz="2000" dirty="0">
+                <a:latin typeface="Avenir Next" panose="020B0503020202020204" pitchFamily="34" charset="0"/>
+              </a:rPr>
+              <a:t> (User to Root) : </a:t>
+            </a:r>
+            <a:r>
+              <a:rPr lang="fr-FR" sz="2000" dirty="0" err="1">
+                <a:latin typeface="Avenir Next" panose="020B0503020202020204" pitchFamily="34" charset="0"/>
+              </a:rPr>
+              <a:t>buffer_overflow</a:t>
+            </a:r>
+            <a:r>
+              <a:rPr lang="fr-FR" sz="2000" dirty="0">
+                <a:latin typeface="Avenir Next" panose="020B0503020202020204" pitchFamily="34" charset="0"/>
+              </a:rPr>
+              <a:t>, rootkit</a:t>
+            </a:r>
+          </a:p>
+          <a:p>
+            <a:pPr lvl="2"/>
+            <a:r>
+              <a:rPr lang="fr-FR" sz="1600" dirty="0">
+                <a:latin typeface="Avenir Next" panose="020B0503020202020204" pitchFamily="34" charset="0"/>
+              </a:rPr>
+              <a:t>Memory manipulation</a:t>
+            </a:r>
+          </a:p>
+          <a:p>
+            <a:pPr lvl="2"/>
+            <a:r>
+              <a:rPr lang="fr-FR" sz="1600" dirty="0">
+                <a:latin typeface="Avenir Next" panose="020B0503020202020204" pitchFamily="34" charset="0"/>
+              </a:rPr>
+              <a:t>Access to root user</a:t>
+            </a:r>
+          </a:p>
+          <a:p>
+            <a:pPr lvl="1"/>
+            <a:r>
+              <a:rPr lang="fr-FR" sz="2000" b="1" dirty="0">
+                <a:latin typeface="Avenir Next" panose="020B0503020202020204" pitchFamily="34" charset="0"/>
+              </a:rPr>
+              <a:t>Probe</a:t>
+            </a:r>
+            <a:r>
+              <a:rPr lang="fr-FR" sz="2000" dirty="0">
+                <a:latin typeface="Avenir Next" panose="020B0503020202020204" pitchFamily="34" charset="0"/>
+              </a:rPr>
+              <a:t> : </a:t>
+            </a:r>
+            <a:r>
+              <a:rPr lang="fr-FR" sz="2000" dirty="0" err="1">
+                <a:latin typeface="Avenir Next" panose="020B0503020202020204" pitchFamily="34" charset="0"/>
+              </a:rPr>
+              <a:t>ipsweep</a:t>
+            </a:r>
+            <a:r>
+              <a:rPr lang="fr-FR" sz="2000" dirty="0">
+                <a:latin typeface="Avenir Next" panose="020B0503020202020204" pitchFamily="34" charset="0"/>
+              </a:rPr>
+              <a:t>, </a:t>
+            </a:r>
+            <a:r>
+              <a:rPr lang="fr-FR" sz="2000" dirty="0" err="1">
+                <a:latin typeface="Avenir Next" panose="020B0503020202020204" pitchFamily="34" charset="0"/>
+              </a:rPr>
+              <a:t>portsweep</a:t>
+            </a:r>
+            <a:endParaRPr lang="fr-FR" sz="2000" dirty="0">
+              <a:latin typeface="Avenir Next" panose="020B0503020202020204" pitchFamily="34" charset="0"/>
+            </a:endParaRPr>
+          </a:p>
+          <a:p>
+            <a:pPr lvl="2"/>
+            <a:r>
+              <a:rPr lang="fr-FR" sz="1600" dirty="0" err="1">
+                <a:latin typeface="Avenir Next" panose="020B0503020202020204" pitchFamily="34" charset="0"/>
+              </a:rPr>
+              <a:t>Finds</a:t>
+            </a:r>
+            <a:r>
+              <a:rPr lang="fr-FR" sz="1600" dirty="0">
+                <a:latin typeface="Avenir Next" panose="020B0503020202020204" pitchFamily="34" charset="0"/>
+              </a:rPr>
+              <a:t> </a:t>
+            </a:r>
+            <a:r>
+              <a:rPr lang="fr-FR" sz="1600" dirty="0" err="1">
+                <a:latin typeface="Avenir Next" panose="020B0503020202020204" pitchFamily="34" charset="0"/>
+              </a:rPr>
+              <a:t>vulnerable</a:t>
+            </a:r>
+            <a:r>
+              <a:rPr lang="fr-FR" sz="1600" dirty="0">
+                <a:latin typeface="Avenir Next" panose="020B0503020202020204" pitchFamily="34" charset="0"/>
+              </a:rPr>
+              <a:t> ports</a:t>
+            </a:r>
+          </a:p>
+          <a:p>
+            <a:pPr lvl="2"/>
+            <a:r>
+              <a:rPr lang="fr-FR" sz="1600" dirty="0" err="1">
+                <a:latin typeface="Avenir Next" panose="020B0503020202020204" pitchFamily="34" charset="0"/>
+              </a:rPr>
+              <a:t>Gate</a:t>
+            </a:r>
+            <a:r>
+              <a:rPr lang="fr-FR" sz="1600" dirty="0">
+                <a:latin typeface="Avenir Next" panose="020B0503020202020204" pitchFamily="34" charset="0"/>
+              </a:rPr>
+              <a:t> to </a:t>
+            </a:r>
+            <a:r>
+              <a:rPr lang="fr-FR" sz="1600" dirty="0" err="1">
+                <a:latin typeface="Avenir Next" panose="020B0503020202020204" pitchFamily="34" charset="0"/>
+              </a:rPr>
+              <a:t>other</a:t>
+            </a:r>
+            <a:r>
+              <a:rPr lang="fr-FR" sz="1600" dirty="0">
+                <a:latin typeface="Avenir Next" panose="020B0503020202020204" pitchFamily="34" charset="0"/>
+              </a:rPr>
+              <a:t> </a:t>
+            </a:r>
+            <a:r>
+              <a:rPr lang="fr-FR" sz="1600" dirty="0" err="1">
+                <a:latin typeface="Avenir Next" panose="020B0503020202020204" pitchFamily="34" charset="0"/>
+              </a:rPr>
+              <a:t>attacks</a:t>
+            </a:r>
+            <a:endParaRPr lang="fr-FR" sz="1600" dirty="0">
               <a:latin typeface="Avenir Next" panose="020B0503020202020204" pitchFamily="34" charset="0"/>
             </a:endParaRPr>
           </a:p>
@@ -5038,6 +6285,296 @@
       </p:grpSpPr>
       <p:sp>
         <p:nvSpPr>
+          <p:cNvPr id="2" name="Titre 1">
+            <a:extLst>
+              <a:ext uri="{FF2B5EF4-FFF2-40B4-BE49-F238E27FC236}">
+                <a16:creationId xmlns:a16="http://schemas.microsoft.com/office/drawing/2014/main" id="{7B24666F-D5E8-1E61-34A8-833EA0C59717}"/>
+              </a:ext>
+            </a:extLst>
+          </p:cNvPr>
+          <p:cNvSpPr>
+            <a:spLocks noGrp="1"/>
+          </p:cNvSpPr>
+          <p:nvPr>
+            <p:ph type="title"/>
+          </p:nvPr>
+        </p:nvSpPr>
+        <p:spPr/>
+        <p:txBody>
+          <a:bodyPr/>
+          <a:lstStyle/>
+          <a:p>
+            <a:r>
+              <a:rPr lang="fr-CH" dirty="0" err="1"/>
+              <a:t>Anomaly</a:t>
+            </a:r>
+            <a:r>
+              <a:rPr lang="fr-CH" dirty="0"/>
+              <a:t> </a:t>
+            </a:r>
+            <a:r>
+              <a:rPr lang="fr-CH" dirty="0" err="1"/>
+              <a:t>characteristics</a:t>
+            </a:r>
+            <a:endParaRPr lang="fr-CH" dirty="0"/>
+          </a:p>
+        </p:txBody>
+      </p:sp>
+      <p:sp>
+        <p:nvSpPr>
+          <p:cNvPr id="3" name="Espace réservé du contenu 2">
+            <a:extLst>
+              <a:ext uri="{FF2B5EF4-FFF2-40B4-BE49-F238E27FC236}">
+                <a16:creationId xmlns:a16="http://schemas.microsoft.com/office/drawing/2014/main" id="{FFE8A463-47F6-ED7A-4F39-3DCA870CF788}"/>
+              </a:ext>
+            </a:extLst>
+          </p:cNvPr>
+          <p:cNvSpPr>
+            <a:spLocks noGrp="1"/>
+          </p:cNvSpPr>
+          <p:nvPr>
+            <p:ph idx="1"/>
+          </p:nvPr>
+        </p:nvSpPr>
+        <p:spPr/>
+        <p:txBody>
+          <a:bodyPr/>
+          <a:lstStyle/>
+          <a:p>
+            <a:r>
+              <a:rPr lang="fr-CH" dirty="0" err="1"/>
+              <a:t>DoS</a:t>
+            </a:r>
+            <a:r>
+              <a:rPr lang="fr-CH" dirty="0"/>
+              <a:t>:</a:t>
+            </a:r>
+          </a:p>
+          <a:p>
+            <a:pPr lvl="1"/>
+            <a:r>
+              <a:rPr lang="fr-CH" dirty="0"/>
+              <a:t>A lot of </a:t>
+            </a:r>
+            <a:r>
+              <a:rPr lang="fr-CH" dirty="0" err="1"/>
+              <a:t>request</a:t>
+            </a:r>
+            <a:r>
+              <a:rPr lang="fr-CH" dirty="0"/>
+              <a:t> of </a:t>
+            </a:r>
+            <a:r>
+              <a:rPr lang="fr-CH" dirty="0" err="1"/>
+              <a:t>very</a:t>
+            </a:r>
+            <a:r>
+              <a:rPr lang="fr-CH" dirty="0"/>
+              <a:t> </a:t>
+            </a:r>
+            <a:r>
+              <a:rPr lang="fr-CH" dirty="0" err="1"/>
+              <a:t>small</a:t>
+            </a:r>
+            <a:r>
+              <a:rPr lang="fr-CH" dirty="0"/>
+              <a:t> size</a:t>
+            </a:r>
+          </a:p>
+          <a:p>
+            <a:r>
+              <a:rPr lang="fr-CH" dirty="0"/>
+              <a:t>R2L</a:t>
+            </a:r>
+          </a:p>
+          <a:p>
+            <a:pPr lvl="1"/>
+            <a:r>
+              <a:rPr lang="fr-CH" dirty="0"/>
+              <a:t>More normal </a:t>
+            </a:r>
+            <a:r>
+              <a:rPr lang="fr-CH" dirty="0" err="1"/>
+              <a:t>sized</a:t>
+            </a:r>
+            <a:r>
+              <a:rPr lang="fr-CH" dirty="0"/>
+              <a:t> </a:t>
+            </a:r>
+            <a:r>
+              <a:rPr lang="fr-CH" dirty="0" err="1"/>
+              <a:t>requests</a:t>
+            </a:r>
+            <a:endParaRPr lang="fr-CH" dirty="0"/>
+          </a:p>
+          <a:p>
+            <a:r>
+              <a:rPr lang="fr-CH" dirty="0"/>
+              <a:t>U2R</a:t>
+            </a:r>
+          </a:p>
+          <a:p>
+            <a:pPr lvl="1"/>
+            <a:r>
+              <a:rPr lang="fr-CH" dirty="0"/>
+              <a:t>More normal </a:t>
+            </a:r>
+            <a:r>
+              <a:rPr lang="fr-CH" dirty="0" err="1"/>
+              <a:t>sized</a:t>
+            </a:r>
+            <a:r>
+              <a:rPr lang="fr-CH" dirty="0"/>
+              <a:t> </a:t>
+            </a:r>
+            <a:r>
+              <a:rPr lang="fr-CH" dirty="0" err="1"/>
+              <a:t>requests</a:t>
+            </a:r>
+            <a:endParaRPr lang="fr-CH" dirty="0"/>
+          </a:p>
+          <a:p>
+            <a:r>
+              <a:rPr lang="fr-CH" dirty="0" err="1"/>
+              <a:t>Probing</a:t>
+            </a:r>
+            <a:endParaRPr lang="fr-CH" dirty="0"/>
+          </a:p>
+          <a:p>
+            <a:pPr lvl="1"/>
+            <a:r>
+              <a:rPr lang="fr-CH" dirty="0" err="1"/>
+              <a:t>Bigger</a:t>
+            </a:r>
+            <a:r>
+              <a:rPr lang="fr-CH" dirty="0"/>
+              <a:t> </a:t>
+            </a:r>
+            <a:r>
+              <a:rPr lang="fr-CH" dirty="0" err="1"/>
+              <a:t>requests</a:t>
+            </a:r>
+            <a:r>
+              <a:rPr lang="fr-CH" dirty="0"/>
+              <a:t>, in </a:t>
+            </a:r>
+            <a:r>
+              <a:rPr lang="fr-CH" dirty="0" err="1"/>
+              <a:t>particular</a:t>
+            </a:r>
+            <a:r>
+              <a:rPr lang="fr-CH" dirty="0"/>
+              <a:t> for the </a:t>
+            </a:r>
+            <a:r>
+              <a:rPr lang="fr-CH" dirty="0" err="1"/>
+              <a:t>portsweep</a:t>
+            </a:r>
+            <a:r>
+              <a:rPr lang="fr-CH" dirty="0"/>
+              <a:t> </a:t>
+            </a:r>
+            <a:r>
+              <a:rPr lang="fr-CH" dirty="0" err="1"/>
+              <a:t>attack</a:t>
+            </a:r>
+            <a:endParaRPr lang="fr-CH" dirty="0"/>
+          </a:p>
+          <a:p>
+            <a:endParaRPr lang="fr-CH" dirty="0"/>
+          </a:p>
+        </p:txBody>
+      </p:sp>
+      <p:sp>
+        <p:nvSpPr>
+          <p:cNvPr id="4" name="Espace réservé de la date 3">
+            <a:extLst>
+              <a:ext uri="{FF2B5EF4-FFF2-40B4-BE49-F238E27FC236}">
+                <a16:creationId xmlns:a16="http://schemas.microsoft.com/office/drawing/2014/main" id="{DDA7F289-88E1-34D5-B282-173E02BDF0C3}"/>
+              </a:ext>
+            </a:extLst>
+          </p:cNvPr>
+          <p:cNvSpPr>
+            <a:spLocks noGrp="1"/>
+          </p:cNvSpPr>
+          <p:nvPr>
+            <p:ph type="dt" sz="half" idx="10"/>
+          </p:nvPr>
+        </p:nvSpPr>
+        <p:spPr/>
+        <p:txBody>
+          <a:bodyPr/>
+          <a:lstStyle/>
+          <a:p>
+            <a:r>
+              <a:rPr lang="de-CH"/>
+              <a:t>10.06.2022</a:t>
+            </a:r>
+            <a:endParaRPr lang="fr-FR"/>
+          </a:p>
+        </p:txBody>
+      </p:sp>
+      <p:sp>
+        <p:nvSpPr>
+          <p:cNvPr id="5" name="Espace réservé du numéro de diapositive 4">
+            <a:extLst>
+              <a:ext uri="{FF2B5EF4-FFF2-40B4-BE49-F238E27FC236}">
+                <a16:creationId xmlns:a16="http://schemas.microsoft.com/office/drawing/2014/main" id="{6A9531E7-FC16-8109-E338-BA338E0547B2}"/>
+              </a:ext>
+            </a:extLst>
+          </p:cNvPr>
+          <p:cNvSpPr>
+            <a:spLocks noGrp="1"/>
+          </p:cNvSpPr>
+          <p:nvPr>
+            <p:ph type="sldNum" sz="quarter" idx="12"/>
+          </p:nvPr>
+        </p:nvSpPr>
+        <p:spPr/>
+        <p:txBody>
+          <a:bodyPr/>
+          <a:lstStyle/>
+          <a:p>
+            <a:fld id="{50E96FFC-9A77-BE40-93A2-F2F19ACBA9AE}" type="slidenum">
+              <a:rPr lang="fr-FR" smtClean="0"/>
+              <a:t>11</a:t>
+            </a:fld>
+            <a:endParaRPr lang="fr-FR"/>
+          </a:p>
+        </p:txBody>
+      </p:sp>
+    </p:spTree>
+    <p:extLst>
+      <p:ext uri="{BB962C8B-B14F-4D97-AF65-F5344CB8AC3E}">
+        <p14:creationId xmlns:p14="http://schemas.microsoft.com/office/powerpoint/2010/main" val="3108134522"/>
+      </p:ext>
+    </p:extLst>
+  </p:cSld>
+  <p:clrMapOvr>
+    <a:masterClrMapping/>
+  </p:clrMapOvr>
+</p:sld>
+</file>
+
+<file path=ppt/slides/slide12.xml><?xml version="1.0" encoding="utf-8"?>
+<p:sld xmlns:a="http://schemas.openxmlformats.org/drawingml/2006/main" xmlns:r="http://schemas.openxmlformats.org/officeDocument/2006/relationships" xmlns:p="http://schemas.openxmlformats.org/presentationml/2006/main">
+  <p:cSld>
+    <p:spTree>
+      <p:nvGrpSpPr>
+        <p:cNvPr id="1" name=""/>
+        <p:cNvGrpSpPr/>
+        <p:nvPr/>
+      </p:nvGrpSpPr>
+      <p:grpSpPr>
+        <a:xfrm>
+          <a:off x="0" y="0"/>
+          <a:ext cx="0" cy="0"/>
+          <a:chOff x="0" y="0"/>
+          <a:chExt cx="0" cy="0"/>
+        </a:xfrm>
+      </p:grpSpPr>
+      <p:sp>
+        <p:nvSpPr>
           <p:cNvPr id="2" name="Title 1">
             <a:extLst>
               <a:ext uri="{FF2B5EF4-FFF2-40B4-BE49-F238E27FC236}">
@@ -5120,7 +6657,7 @@
           <a:p>
             <a:fld id="{50E96FFC-9A77-BE40-93A2-F2F19ACBA9AE}" type="slidenum">
               <a:rPr lang="fr-FR" smtClean="0"/>
-              <a:t>11</a:t>
+              <a:t>12</a:t>
             </a:fld>
             <a:endParaRPr lang="fr-FR"/>
           </a:p>
@@ -5186,7 +6723,7 @@
 </p:sld>
 </file>
 
-<file path=ppt/slides/slide12.xml><?xml version="1.0" encoding="utf-8"?>
+<file path=ppt/slides/slide13.xml><?xml version="1.0" encoding="utf-8"?>
 <p:sld xmlns:a="http://schemas.openxmlformats.org/drawingml/2006/main" xmlns:r="http://schemas.openxmlformats.org/officeDocument/2006/relationships" xmlns:p="http://schemas.openxmlformats.org/presentationml/2006/main">
   <p:cSld>
     <p:bg>
@@ -5334,7 +6871,7 @@
                   <a:schemeClr val="bg1"/>
                 </a:solidFill>
               </a:rPr>
-              <a:t>12</a:t>
+              <a:t>13</a:t>
             </a:fld>
             <a:endParaRPr lang="fr-FR">
               <a:solidFill>
@@ -5404,7 +6941,7 @@
 </p:sld>
 </file>
 
-<file path=ppt/slides/slide13.xml><?xml version="1.0" encoding="utf-8"?>
+<file path=ppt/slides/slide14.xml><?xml version="1.0" encoding="utf-8"?>
 <p:sld xmlns:a="http://schemas.openxmlformats.org/drawingml/2006/main" xmlns:r="http://schemas.openxmlformats.org/officeDocument/2006/relationships" xmlns:p="http://schemas.openxmlformats.org/presentationml/2006/main">
   <p:cSld>
     <p:spTree>
@@ -5749,7 +7286,7 @@
           <a:p>
             <a:fld id="{50E96FFC-9A77-BE40-93A2-F2F19ACBA9AE}" type="slidenum">
               <a:rPr lang="fr-FR" smtClean="0"/>
-              <a:t>13</a:t>
+              <a:t>14</a:t>
             </a:fld>
             <a:endParaRPr lang="fr-FR"/>
           </a:p>
@@ -5815,7 +7352,7 @@
 </p:sld>
 </file>
 
-<file path=ppt/slides/slide14.xml><?xml version="1.0" encoding="utf-8"?>
+<file path=ppt/slides/slide15.xml><?xml version="1.0" encoding="utf-8"?>
 <p:sld xmlns:a="http://schemas.openxmlformats.org/drawingml/2006/main" xmlns:r="http://schemas.openxmlformats.org/officeDocument/2006/relationships" xmlns:p="http://schemas.openxmlformats.org/presentationml/2006/main">
   <p:cSld>
     <p:spTree>
@@ -5962,7 +7499,7 @@
           <a:p>
             <a:fld id="{50E96FFC-9A77-BE40-93A2-F2F19ACBA9AE}" type="slidenum">
               <a:rPr lang="fr-FR" smtClean="0"/>
-              <a:t>14</a:t>
+              <a:t>15</a:t>
             </a:fld>
             <a:endParaRPr lang="fr-FR"/>
           </a:p>
@@ -6028,7 +7565,7 @@
 </p:sld>
 </file>
 
-<file path=ppt/slides/slide15.xml><?xml version="1.0" encoding="utf-8"?>
+<file path=ppt/slides/slide16.xml><?xml version="1.0" encoding="utf-8"?>
 <p:sld xmlns:a="http://schemas.openxmlformats.org/drawingml/2006/main" xmlns:r="http://schemas.openxmlformats.org/officeDocument/2006/relationships" xmlns:p="http://schemas.openxmlformats.org/presentationml/2006/main">
   <p:cSld>
     <p:bg>
@@ -6176,7 +7713,7 @@
                   <a:schemeClr val="bg1"/>
                 </a:solidFill>
               </a:rPr>
-              <a:t>15</a:t>
+              <a:t>16</a:t>
             </a:fld>
             <a:endParaRPr lang="fr-FR">
               <a:solidFill>
@@ -6246,7 +7783,7 @@
 </p:sld>
 </file>
 
-<file path=ppt/slides/slide16.xml><?xml version="1.0" encoding="utf-8"?>
+<file path=ppt/slides/slide17.xml><?xml version="1.0" encoding="utf-8"?>
 <p:sld xmlns:a="http://schemas.openxmlformats.org/drawingml/2006/main" xmlns:r="http://schemas.openxmlformats.org/officeDocument/2006/relationships" xmlns:p="http://schemas.openxmlformats.org/presentationml/2006/main">
   <p:cSld>
     <p:spTree>
@@ -6288,7 +7825,7 @@
               <a:rPr lang="en-GB" dirty="0">
                 <a:latin typeface="Avenir Next Medium" panose="020B0503020202020204" pitchFamily="34" charset="0"/>
               </a:rPr>
-              <a:t>Distribution of attacks</a:t>
+              <a:t>Distribution of protocol</a:t>
             </a:r>
             <a:endParaRPr lang="fr-FR" dirty="0">
               <a:latin typeface="Avenir Next Medium" panose="020B0503020202020204" pitchFamily="34" charset="0"/>
@@ -6377,7 +7914,7 @@
           <a:p>
             <a:fld id="{50E96FFC-9A77-BE40-93A2-F2F19ACBA9AE}" type="slidenum">
               <a:rPr lang="fr-FR" smtClean="0"/>
-              <a:t>16</a:t>
+              <a:t>17</a:t>
             </a:fld>
             <a:endParaRPr lang="fr-FR"/>
           </a:p>
@@ -6430,6 +7967,36 @@
           </a:extLst>
         </p:spPr>
       </p:pic>
+      <p:graphicFrame>
+        <p:nvGraphicFramePr>
+          <p:cNvPr id="10" name="Graphique 9">
+            <a:extLst>
+              <a:ext uri="{FF2B5EF4-FFF2-40B4-BE49-F238E27FC236}">
+                <a16:creationId xmlns:a16="http://schemas.microsoft.com/office/drawing/2014/main" id="{DE436372-8ED7-D416-24D3-0F0315FF786F}"/>
+              </a:ext>
+            </a:extLst>
+          </p:cNvPr>
+          <p:cNvGraphicFramePr>
+            <a:graphicFrameLocks/>
+          </p:cNvGraphicFramePr>
+          <p:nvPr>
+            <p:extLst>
+              <p:ext uri="{D42A27DB-BD31-4B8C-83A1-F6EECF244321}">
+                <p14:modId xmlns:p14="http://schemas.microsoft.com/office/powerpoint/2010/main" val="871992513"/>
+              </p:ext>
+            </p:extLst>
+          </p:nvPr>
+        </p:nvGraphicFramePr>
+        <p:xfrm>
+          <a:off x="838200" y="1825625"/>
+          <a:ext cx="10515600" cy="4351338"/>
+        </p:xfrm>
+        <a:graphic>
+          <a:graphicData uri="http://schemas.openxmlformats.org/drawingml/2006/chart">
+            <c:chart xmlns:c="http://schemas.openxmlformats.org/drawingml/2006/chart" xmlns:r="http://schemas.openxmlformats.org/officeDocument/2006/relationships" r:id="rId3"/>
+          </a:graphicData>
+        </a:graphic>
+      </p:graphicFrame>
     </p:spTree>
     <p:extLst>
       <p:ext uri="{BB962C8B-B14F-4D97-AF65-F5344CB8AC3E}">
@@ -6443,7 +8010,7 @@
 </p:sld>
 </file>
 
-<file path=ppt/slides/slide17.xml><?xml version="1.0" encoding="utf-8"?>
+<file path=ppt/slides/slide18.xml><?xml version="1.0" encoding="utf-8"?>
 <p:sld xmlns:a="http://schemas.openxmlformats.org/drawingml/2006/main" xmlns:r="http://schemas.openxmlformats.org/officeDocument/2006/relationships" xmlns:p="http://schemas.openxmlformats.org/presentationml/2006/main">
   <p:cSld>
     <p:spTree>
@@ -6462,6 +8029,160 @@
       </p:grpSpPr>
       <p:sp>
         <p:nvSpPr>
+          <p:cNvPr id="2" name="Titre 1">
+            <a:extLst>
+              <a:ext uri="{FF2B5EF4-FFF2-40B4-BE49-F238E27FC236}">
+                <a16:creationId xmlns:a16="http://schemas.microsoft.com/office/drawing/2014/main" id="{09342CB2-B197-DEF3-4436-03EA8C74A9A1}"/>
+              </a:ext>
+            </a:extLst>
+          </p:cNvPr>
+          <p:cNvSpPr>
+            <a:spLocks noGrp="1"/>
+          </p:cNvSpPr>
+          <p:nvPr>
+            <p:ph type="title"/>
+          </p:nvPr>
+        </p:nvSpPr>
+        <p:spPr/>
+        <p:txBody>
+          <a:bodyPr/>
+          <a:lstStyle/>
+          <a:p>
+            <a:r>
+              <a:rPr lang="fr-CH" dirty="0"/>
+              <a:t>Distribution of </a:t>
+            </a:r>
+            <a:r>
+              <a:rPr lang="fr-CH" dirty="0" err="1"/>
+              <a:t>attacks</a:t>
+            </a:r>
+            <a:r>
+              <a:rPr lang="fr-CH" dirty="0"/>
+              <a:t> by </a:t>
+            </a:r>
+            <a:r>
+              <a:rPr lang="fr-CH" dirty="0" err="1"/>
+              <a:t>protocol</a:t>
+            </a:r>
+            <a:endParaRPr lang="fr-CH" dirty="0"/>
+          </a:p>
+        </p:txBody>
+      </p:sp>
+      <p:sp>
+        <p:nvSpPr>
+          <p:cNvPr id="3" name="Espace réservé du contenu 2">
+            <a:extLst>
+              <a:ext uri="{FF2B5EF4-FFF2-40B4-BE49-F238E27FC236}">
+                <a16:creationId xmlns:a16="http://schemas.microsoft.com/office/drawing/2014/main" id="{CC8C98FC-302E-C64C-F11A-E60A71BA9C74}"/>
+              </a:ext>
+            </a:extLst>
+          </p:cNvPr>
+          <p:cNvSpPr>
+            <a:spLocks noGrp="1"/>
+          </p:cNvSpPr>
+          <p:nvPr>
+            <p:ph idx="1"/>
+          </p:nvPr>
+        </p:nvSpPr>
+        <p:spPr/>
+        <p:txBody>
+          <a:bodyPr/>
+          <a:lstStyle/>
+          <a:p>
+            <a:endParaRPr lang="fr-CH" dirty="0"/>
+          </a:p>
+        </p:txBody>
+      </p:sp>
+      <p:sp>
+        <p:nvSpPr>
+          <p:cNvPr id="4" name="Espace réservé de la date 3">
+            <a:extLst>
+              <a:ext uri="{FF2B5EF4-FFF2-40B4-BE49-F238E27FC236}">
+                <a16:creationId xmlns:a16="http://schemas.microsoft.com/office/drawing/2014/main" id="{6B6B9AF9-BD7B-7079-5B1B-3E7DC049489E}"/>
+              </a:ext>
+            </a:extLst>
+          </p:cNvPr>
+          <p:cNvSpPr>
+            <a:spLocks noGrp="1"/>
+          </p:cNvSpPr>
+          <p:nvPr>
+            <p:ph type="dt" sz="half" idx="10"/>
+          </p:nvPr>
+        </p:nvSpPr>
+        <p:spPr/>
+        <p:txBody>
+          <a:bodyPr/>
+          <a:lstStyle/>
+          <a:p>
+            <a:r>
+              <a:rPr lang="de-CH"/>
+              <a:t>10.06.2022</a:t>
+            </a:r>
+            <a:endParaRPr lang="fr-FR"/>
+          </a:p>
+        </p:txBody>
+      </p:sp>
+      <p:sp>
+        <p:nvSpPr>
+          <p:cNvPr id="5" name="Espace réservé du numéro de diapositive 4">
+            <a:extLst>
+              <a:ext uri="{FF2B5EF4-FFF2-40B4-BE49-F238E27FC236}">
+                <a16:creationId xmlns:a16="http://schemas.microsoft.com/office/drawing/2014/main" id="{61FB39D0-D776-4562-280C-22BD4B296A24}"/>
+              </a:ext>
+            </a:extLst>
+          </p:cNvPr>
+          <p:cNvSpPr>
+            <a:spLocks noGrp="1"/>
+          </p:cNvSpPr>
+          <p:nvPr>
+            <p:ph type="sldNum" sz="quarter" idx="12"/>
+          </p:nvPr>
+        </p:nvSpPr>
+        <p:spPr/>
+        <p:txBody>
+          <a:bodyPr/>
+          <a:lstStyle/>
+          <a:p>
+            <a:fld id="{50E96FFC-9A77-BE40-93A2-F2F19ACBA9AE}" type="slidenum">
+              <a:rPr lang="fr-FR" smtClean="0"/>
+              <a:t>18</a:t>
+            </a:fld>
+            <a:endParaRPr lang="fr-FR"/>
+          </a:p>
+        </p:txBody>
+      </p:sp>
+    </p:spTree>
+    <p:extLst>
+      <p:ext uri="{BB962C8B-B14F-4D97-AF65-F5344CB8AC3E}">
+        <p14:creationId xmlns:p14="http://schemas.microsoft.com/office/powerpoint/2010/main" val="3427995524"/>
+      </p:ext>
+    </p:extLst>
+  </p:cSld>
+  <p:clrMapOvr>
+    <a:masterClrMapping/>
+  </p:clrMapOvr>
+</p:sld>
+</file>
+
+<file path=ppt/slides/slide19.xml><?xml version="1.0" encoding="utf-8"?>
+<p:sld xmlns:a="http://schemas.openxmlformats.org/drawingml/2006/main" xmlns:r="http://schemas.openxmlformats.org/officeDocument/2006/relationships" xmlns:p="http://schemas.openxmlformats.org/presentationml/2006/main">
+  <p:cSld>
+    <p:spTree>
+      <p:nvGrpSpPr>
+        <p:cNvPr id="1" name=""/>
+        <p:cNvGrpSpPr/>
+        <p:nvPr/>
+      </p:nvGrpSpPr>
+      <p:grpSpPr>
+        <a:xfrm>
+          <a:off x="0" y="0"/>
+          <a:ext cx="0" cy="0"/>
+          <a:chOff x="0" y="0"/>
+          <a:chExt cx="0" cy="0"/>
+        </a:xfrm>
+      </p:grpSpPr>
+      <p:sp>
+        <p:nvSpPr>
           <p:cNvPr id="2" name="Title 1">
             <a:extLst>
               <a:ext uri="{FF2B5EF4-FFF2-40B4-BE49-F238E27FC236}">
@@ -6574,7 +8295,7 @@
           <a:p>
             <a:fld id="{50E96FFC-9A77-BE40-93A2-F2F19ACBA9AE}" type="slidenum">
               <a:rPr lang="fr-FR" smtClean="0"/>
-              <a:t>17</a:t>
+              <a:t>19</a:t>
             </a:fld>
             <a:endParaRPr lang="fr-FR"/>
           </a:p>
@@ -6640,7 +8361,520 @@
 </p:sld>
 </file>
 
-<file path=ppt/slides/slide18.xml><?xml version="1.0" encoding="utf-8"?>
+<file path=ppt/slides/slide2.xml><?xml version="1.0" encoding="utf-8"?>
+<p:sld xmlns:a="http://schemas.openxmlformats.org/drawingml/2006/main" xmlns:r="http://schemas.openxmlformats.org/officeDocument/2006/relationships" xmlns:p="http://schemas.openxmlformats.org/presentationml/2006/main">
+  <p:cSld>
+    <p:bg>
+      <p:bgPr>
+        <a:solidFill>
+          <a:schemeClr val="bg1"/>
+        </a:solidFill>
+        <a:effectLst/>
+      </p:bgPr>
+    </p:bg>
+    <p:spTree>
+      <p:nvGrpSpPr>
+        <p:cNvPr id="1" name=""/>
+        <p:cNvGrpSpPr/>
+        <p:nvPr/>
+      </p:nvGrpSpPr>
+      <p:grpSpPr>
+        <a:xfrm>
+          <a:off x="0" y="0"/>
+          <a:ext cx="0" cy="0"/>
+          <a:chOff x="0" y="0"/>
+          <a:chExt cx="0" cy="0"/>
+        </a:xfrm>
+      </p:grpSpPr>
+      <p:sp>
+        <p:nvSpPr>
+          <p:cNvPr id="3" name="Content Placeholder 2">
+            <a:extLst>
+              <a:ext uri="{FF2B5EF4-FFF2-40B4-BE49-F238E27FC236}">
+                <a16:creationId xmlns:a16="http://schemas.microsoft.com/office/drawing/2014/main" id="{138ECBA7-E0A5-8D39-6737-EB13A307A0BE}"/>
+              </a:ext>
+            </a:extLst>
+          </p:cNvPr>
+          <p:cNvSpPr>
+            <a:spLocks noGrp="1"/>
+          </p:cNvSpPr>
+          <p:nvPr>
+            <p:ph idx="1"/>
+          </p:nvPr>
+        </p:nvSpPr>
+        <p:spPr>
+          <a:xfrm>
+            <a:off x="838201" y="2358912"/>
+            <a:ext cx="6766096" cy="2140173"/>
+          </a:xfrm>
+        </p:spPr>
+        <p:txBody>
+          <a:bodyPr anchor="ctr">
+            <a:normAutofit/>
+          </a:bodyPr>
+          <a:lstStyle/>
+          <a:p>
+            <a:pPr marL="0" indent="0" algn="just">
+              <a:buNone/>
+            </a:pPr>
+            <a:r>
+              <a:rPr lang="en-GB" sz="2400" dirty="0">
+                <a:latin typeface="Avenir Next" panose="020B0503020202020204" pitchFamily="34" charset="0"/>
+              </a:rPr>
+              <a:t>The goal is to </a:t>
+            </a:r>
+            <a:r>
+              <a:rPr lang="en-GB" sz="2400" b="1" dirty="0">
+                <a:latin typeface="Avenir Next" panose="020B0503020202020204" pitchFamily="34" charset="0"/>
+              </a:rPr>
+              <a:t>detect anomalous </a:t>
+            </a:r>
+            <a:r>
+              <a:rPr lang="en-GB" sz="2400" b="1" dirty="0" err="1">
+                <a:latin typeface="Avenir Next" panose="020B0503020202020204" pitchFamily="34" charset="0"/>
+              </a:rPr>
+              <a:t>behavior</a:t>
+            </a:r>
+            <a:r>
+              <a:rPr lang="en-GB" sz="2400" b="1" dirty="0">
+                <a:latin typeface="Avenir Next" panose="020B0503020202020204" pitchFamily="34" charset="0"/>
+              </a:rPr>
+              <a:t> in the network traffic of an organization</a:t>
+            </a:r>
+            <a:r>
+              <a:rPr lang="en-GB" sz="2400" dirty="0">
+                <a:latin typeface="Avenir Next" panose="020B0503020202020204" pitchFamily="34" charset="0"/>
+              </a:rPr>
+              <a:t>.</a:t>
+            </a:r>
+          </a:p>
+          <a:p>
+            <a:pPr marL="0" indent="0" algn="just">
+              <a:buNone/>
+            </a:pPr>
+            <a:r>
+              <a:rPr lang="en-GB" sz="2400" dirty="0">
+                <a:latin typeface="Avenir Next" panose="020B0503020202020204" pitchFamily="34" charset="0"/>
+              </a:rPr>
+              <a:t>Anomalous </a:t>
+            </a:r>
+            <a:r>
+              <a:rPr lang="en-GB" sz="2400" dirty="0" err="1">
+                <a:latin typeface="Avenir Next" panose="020B0503020202020204" pitchFamily="34" charset="0"/>
+              </a:rPr>
+              <a:t>behavior</a:t>
+            </a:r>
+            <a:r>
+              <a:rPr lang="en-GB" sz="2400" dirty="0">
+                <a:latin typeface="Avenir Next" panose="020B0503020202020204" pitchFamily="34" charset="0"/>
+              </a:rPr>
+              <a:t> can point to things like intrusion attempts, denial-of-service attacks, port scanning, etc.</a:t>
+            </a:r>
+            <a:endParaRPr lang="fr-FR" sz="2400" dirty="0">
+              <a:latin typeface="Avenir Next" panose="020B0503020202020204" pitchFamily="34" charset="0"/>
+            </a:endParaRPr>
+          </a:p>
+        </p:txBody>
+      </p:sp>
+      <p:sp>
+        <p:nvSpPr>
+          <p:cNvPr id="20" name="Rectangle 13">
+            <a:extLst>
+              <a:ext uri="{FF2B5EF4-FFF2-40B4-BE49-F238E27FC236}">
+                <a16:creationId xmlns:a16="http://schemas.microsoft.com/office/drawing/2014/main" id="{59A309A7-1751-4ABE-A3C1-EEC40366AD89}"/>
+              </a:ext>
+              <a:ext uri="{C183D7F6-B498-43B3-948B-1728B52AA6E4}">
+                <adec:decorative xmlns:adec="http://schemas.microsoft.com/office/drawing/2017/decorative" val="1"/>
+              </a:ext>
+            </a:extLst>
+          </p:cNvPr>
+          <p:cNvSpPr>
+            <a:spLocks noGrp="1" noRot="1" noChangeAspect="1" noMove="1" noResize="1" noEditPoints="1" noAdjustHandles="1" noChangeArrowheads="1" noChangeShapeType="1" noTextEdit="1"/>
+          </p:cNvSpPr>
+          <p:nvPr>
+            <p:extLst>
+              <p:ext uri="{386F3935-93C4-4BCD-93E2-E3B085C9AB24}">
+                <p16:designElem xmlns:p16="http://schemas.microsoft.com/office/powerpoint/2015/main" val="1"/>
+              </p:ext>
+            </p:extLst>
+          </p:nvPr>
+        </p:nvSpPr>
+        <p:spPr>
+          <a:xfrm>
+            <a:off x="10088880" y="0"/>
+            <a:ext cx="2103120" cy="6858000"/>
+          </a:xfrm>
+          <a:prstGeom prst="rect">
+            <a:avLst/>
+          </a:prstGeom>
+          <a:ln>
+            <a:noFill/>
+          </a:ln>
+        </p:spPr>
+        <p:style>
+          <a:lnRef idx="2">
+            <a:schemeClr val="accent1">
+              <a:shade val="50000"/>
+            </a:schemeClr>
+          </a:lnRef>
+          <a:fillRef idx="1">
+            <a:schemeClr val="accent1"/>
+          </a:fillRef>
+          <a:effectRef idx="0">
+            <a:schemeClr val="accent1"/>
+          </a:effectRef>
+          <a:fontRef idx="minor">
+            <a:schemeClr val="lt1"/>
+          </a:fontRef>
+        </p:style>
+        <p:txBody>
+          <a:bodyPr rtlCol="0" anchor="ctr"/>
+          <a:lstStyle/>
+          <a:p>
+            <a:pPr algn="ctr"/>
+            <a:endParaRPr lang="en-US"/>
+          </a:p>
+        </p:txBody>
+      </p:sp>
+      <p:sp>
+        <p:nvSpPr>
+          <p:cNvPr id="21" name="Oval 15">
+            <a:extLst>
+              <a:ext uri="{FF2B5EF4-FFF2-40B4-BE49-F238E27FC236}">
+                <a16:creationId xmlns:a16="http://schemas.microsoft.com/office/drawing/2014/main" id="{967D8EB6-EAE1-4F9C-B398-83321E287204}"/>
+              </a:ext>
+              <a:ext uri="{C183D7F6-B498-43B3-948B-1728B52AA6E4}">
+                <adec:decorative xmlns:adec="http://schemas.microsoft.com/office/drawing/2017/decorative" val="1"/>
+              </a:ext>
+            </a:extLst>
+          </p:cNvPr>
+          <p:cNvSpPr>
+            <a:spLocks noGrp="1" noRot="1" noChangeAspect="1" noMove="1" noResize="1" noEditPoints="1" noAdjustHandles="1" noChangeArrowheads="1" noChangeShapeType="1" noTextEdit="1"/>
+          </p:cNvSpPr>
+          <p:nvPr>
+            <p:extLst>
+              <p:ext uri="{386F3935-93C4-4BCD-93E2-E3B085C9AB24}">
+                <p16:designElem xmlns:p16="http://schemas.microsoft.com/office/powerpoint/2015/main" val="1"/>
+              </p:ext>
+            </p:extLst>
+          </p:nvPr>
+        </p:nvSpPr>
+        <p:spPr>
+          <a:xfrm>
+            <a:off x="8915400" y="2358913"/>
+            <a:ext cx="2140172" cy="2140172"/>
+          </a:xfrm>
+          <a:prstGeom prst="ellipse">
+            <a:avLst/>
+          </a:prstGeom>
+          <a:solidFill>
+            <a:srgbClr val="FFFFFF"/>
+          </a:solidFill>
+          <a:ln w="22225">
+            <a:solidFill>
+              <a:srgbClr val="FABB74"/>
+            </a:solidFill>
+          </a:ln>
+        </p:spPr>
+        <p:style>
+          <a:lnRef idx="2">
+            <a:schemeClr val="accent1">
+              <a:shade val="50000"/>
+            </a:schemeClr>
+          </a:lnRef>
+          <a:fillRef idx="1">
+            <a:schemeClr val="accent1"/>
+          </a:fillRef>
+          <a:effectRef idx="0">
+            <a:schemeClr val="accent1"/>
+          </a:effectRef>
+          <a:fontRef idx="minor">
+            <a:schemeClr val="lt1"/>
+          </a:fontRef>
+        </p:style>
+        <p:txBody>
+          <a:bodyPr rtlCol="0" anchor="ctr"/>
+          <a:lstStyle/>
+          <a:p>
+            <a:pPr algn="ctr"/>
+            <a:endParaRPr lang="en-US"/>
+          </a:p>
+        </p:txBody>
+      </p:sp>
+      <p:pic>
+        <p:nvPicPr>
+          <p:cNvPr id="9" name="Picture 8" descr="Icon&#10;&#10;Description automatically generated">
+            <a:extLst>
+              <a:ext uri="{FF2B5EF4-FFF2-40B4-BE49-F238E27FC236}">
+                <a16:creationId xmlns:a16="http://schemas.microsoft.com/office/drawing/2014/main" id="{B4A247D1-F4D9-20CE-9159-2D581C81B4F8}"/>
+              </a:ext>
+            </a:extLst>
+          </p:cNvPr>
+          <p:cNvPicPr>
+            <a:picLocks noChangeAspect="1"/>
+          </p:cNvPicPr>
+          <p:nvPr/>
+        </p:nvPicPr>
+        <p:blipFill rotWithShape="1">
+          <a:blip r:embed="rId2">
+            <a:alphaModFix/>
+          </a:blip>
+          <a:srcRect r="-5" b="156"/>
+          <a:stretch/>
+        </p:blipFill>
+        <p:spPr>
+          <a:xfrm>
+            <a:off x="9030743" y="2474254"/>
+            <a:ext cx="1912560" cy="1909489"/>
+          </a:xfrm>
+          <a:custGeom>
+            <a:avLst/>
+            <a:gdLst/>
+            <a:ahLst/>
+            <a:cxnLst/>
+            <a:rect l="l" t="t" r="r" b="b"/>
+            <a:pathLst>
+              <a:path w="6057610" h="6057610">
+                <a:moveTo>
+                  <a:pt x="3028805" y="0"/>
+                </a:moveTo>
+                <a:cubicBezTo>
+                  <a:pt x="4701568" y="0"/>
+                  <a:pt x="6057610" y="1356042"/>
+                  <a:pt x="6057610" y="3028805"/>
+                </a:cubicBezTo>
+                <a:cubicBezTo>
+                  <a:pt x="6057610" y="4701568"/>
+                  <a:pt x="4701568" y="6057610"/>
+                  <a:pt x="3028805" y="6057610"/>
+                </a:cubicBezTo>
+                <a:cubicBezTo>
+                  <a:pt x="1356042" y="6057610"/>
+                  <a:pt x="0" y="4701568"/>
+                  <a:pt x="0" y="3028805"/>
+                </a:cubicBezTo>
+                <a:cubicBezTo>
+                  <a:pt x="0" y="1356042"/>
+                  <a:pt x="1356042" y="0"/>
+                  <a:pt x="3028805" y="0"/>
+                </a:cubicBezTo>
+                <a:close/>
+              </a:path>
+            </a:pathLst>
+          </a:custGeom>
+          <a:effectLst>
+            <a:softEdge rad="0"/>
+          </a:effectLst>
+        </p:spPr>
+      </p:pic>
+      <p:sp>
+        <p:nvSpPr>
+          <p:cNvPr id="6" name="Slide Number Placeholder 5">
+            <a:extLst>
+              <a:ext uri="{FF2B5EF4-FFF2-40B4-BE49-F238E27FC236}">
+                <a16:creationId xmlns:a16="http://schemas.microsoft.com/office/drawing/2014/main" id="{A06554C2-2984-B2C8-2158-C04BED7CEDFC}"/>
+              </a:ext>
+            </a:extLst>
+          </p:cNvPr>
+          <p:cNvSpPr>
+            <a:spLocks noGrp="1"/>
+          </p:cNvSpPr>
+          <p:nvPr>
+            <p:ph type="sldNum" sz="quarter" idx="12"/>
+          </p:nvPr>
+        </p:nvSpPr>
+        <p:spPr>
+          <a:xfrm>
+            <a:off x="10341428" y="6356350"/>
+            <a:ext cx="1012371" cy="365125"/>
+          </a:xfrm>
+        </p:spPr>
+        <p:txBody>
+          <a:bodyPr>
+            <a:normAutofit/>
+          </a:bodyPr>
+          <a:lstStyle/>
+          <a:p>
+            <a:pPr>
+              <a:spcAft>
+                <a:spcPts val="600"/>
+              </a:spcAft>
+            </a:pPr>
+            <a:fld id="{50E96FFC-9A77-BE40-93A2-F2F19ACBA9AE}" type="slidenum">
+              <a:rPr lang="fr-FR">
+                <a:solidFill>
+                  <a:srgbClr val="FFFFFF"/>
+                </a:solidFill>
+              </a:rPr>
+              <a:pPr>
+                <a:spcAft>
+                  <a:spcPts val="600"/>
+                </a:spcAft>
+              </a:pPr>
+              <a:t>2</a:t>
+            </a:fld>
+            <a:endParaRPr lang="fr-FR">
+              <a:solidFill>
+                <a:srgbClr val="FFFFFF"/>
+              </a:solidFill>
+            </a:endParaRPr>
+          </a:p>
+        </p:txBody>
+      </p:sp>
+      <p:pic>
+        <p:nvPicPr>
+          <p:cNvPr id="17" name="Picture 2" descr="HES-SO - Logo - Haute école">
+            <a:extLst>
+              <a:ext uri="{FF2B5EF4-FFF2-40B4-BE49-F238E27FC236}">
+                <a16:creationId xmlns:a16="http://schemas.microsoft.com/office/drawing/2014/main" id="{1476530F-F70B-1342-F4CE-A0DBB1A8D85C}"/>
+              </a:ext>
+            </a:extLst>
+          </p:cNvPr>
+          <p:cNvPicPr>
+            <a:picLocks noChangeAspect="1" noChangeArrowheads="1"/>
+          </p:cNvPicPr>
+          <p:nvPr/>
+        </p:nvPicPr>
+        <p:blipFill>
+          <a:blip r:embed="rId3">
+            <a:extLst>
+              <a:ext uri="{28A0092B-C50C-407E-A947-70E740481C1C}">
+                <a14:useLocalDpi xmlns:a14="http://schemas.microsoft.com/office/drawing/2010/main" val="0"/>
+              </a:ext>
+            </a:extLst>
+          </a:blip>
+          <a:srcRect/>
+          <a:stretch>
+            <a:fillRect/>
+          </a:stretch>
+        </p:blipFill>
+        <p:spPr bwMode="auto">
+          <a:xfrm>
+            <a:off x="5563101" y="6386879"/>
+            <a:ext cx="1065798" cy="334596"/>
+          </a:xfrm>
+          <a:prstGeom prst="rect">
+            <a:avLst/>
+          </a:prstGeom>
+          <a:noFill/>
+          <a:extLst>
+            <a:ext uri="{909E8E84-426E-40DD-AFC4-6F175D3DCCD1}">
+              <a14:hiddenFill xmlns:a14="http://schemas.microsoft.com/office/drawing/2010/main">
+                <a:solidFill>
+                  <a:srgbClr val="FFFFFF"/>
+                </a:solidFill>
+              </a14:hiddenFill>
+            </a:ext>
+          </a:extLst>
+        </p:spPr>
+      </p:pic>
+      <p:sp>
+        <p:nvSpPr>
+          <p:cNvPr id="19" name="Title 1">
+            <a:extLst>
+              <a:ext uri="{FF2B5EF4-FFF2-40B4-BE49-F238E27FC236}">
+                <a16:creationId xmlns:a16="http://schemas.microsoft.com/office/drawing/2014/main" id="{6CFBBD01-9649-6E46-A136-139A8E0CD8B4}"/>
+              </a:ext>
+            </a:extLst>
+          </p:cNvPr>
+          <p:cNvSpPr txBox="1">
+            <a:spLocks/>
+          </p:cNvSpPr>
+          <p:nvPr/>
+        </p:nvSpPr>
+        <p:spPr>
+          <a:xfrm>
+            <a:off x="838200" y="365125"/>
+            <a:ext cx="10515600" cy="1325563"/>
+          </a:xfrm>
+          <a:prstGeom prst="rect">
+            <a:avLst/>
+          </a:prstGeom>
+        </p:spPr>
+        <p:txBody>
+          <a:bodyPr vert="horz" lIns="91440" tIns="45720" rIns="91440" bIns="45720" rtlCol="0" anchor="ctr">
+            <a:normAutofit/>
+          </a:bodyPr>
+          <a:lstStyle>
+            <a:lvl1pPr algn="l" defTabSz="914400" rtl="0" eaLnBrk="1" latinLnBrk="0" hangingPunct="1">
+              <a:lnSpc>
+                <a:spcPct val="90000"/>
+              </a:lnSpc>
+              <a:spcBef>
+                <a:spcPct val="0"/>
+              </a:spcBef>
+              <a:buNone/>
+              <a:defRPr sz="4400" kern="1200">
+                <a:solidFill>
+                  <a:schemeClr val="tx1"/>
+                </a:solidFill>
+                <a:latin typeface="+mj-lt"/>
+                <a:ea typeface="+mj-ea"/>
+                <a:cs typeface="+mj-cs"/>
+              </a:defRPr>
+            </a:lvl1pPr>
+          </a:lstStyle>
+          <a:p>
+            <a:r>
+              <a:rPr lang="en-GB" dirty="0">
+                <a:latin typeface="Avenir Next Medium" panose="020B0503020202020204" pitchFamily="34" charset="0"/>
+              </a:rPr>
+              <a:t>Summary</a:t>
+            </a:r>
+            <a:endParaRPr lang="fr-FR" dirty="0">
+              <a:latin typeface="Avenir Next Medium" panose="020B0503020202020204" pitchFamily="34" charset="0"/>
+            </a:endParaRPr>
+          </a:p>
+        </p:txBody>
+      </p:sp>
+      <p:sp>
+        <p:nvSpPr>
+          <p:cNvPr id="22" name="Date Placeholder 3">
+            <a:extLst>
+              <a:ext uri="{FF2B5EF4-FFF2-40B4-BE49-F238E27FC236}">
+                <a16:creationId xmlns:a16="http://schemas.microsoft.com/office/drawing/2014/main" id="{087E2B1B-C49D-038D-6CFC-57F0DB254730}"/>
+              </a:ext>
+            </a:extLst>
+          </p:cNvPr>
+          <p:cNvSpPr>
+            <a:spLocks noGrp="1"/>
+          </p:cNvSpPr>
+          <p:nvPr>
+            <p:ph type="dt" sz="half" idx="10"/>
+          </p:nvPr>
+        </p:nvSpPr>
+        <p:spPr>
+          <a:xfrm>
+            <a:off x="838200" y="6356350"/>
+            <a:ext cx="2743200" cy="365125"/>
+          </a:xfrm>
+        </p:spPr>
+        <p:txBody>
+          <a:bodyPr/>
+          <a:lstStyle/>
+          <a:p>
+            <a:r>
+              <a:rPr lang="de-CH" dirty="0"/>
+              <a:t>10.06.2022</a:t>
+            </a:r>
+            <a:endParaRPr lang="fr-FR" dirty="0"/>
+          </a:p>
+        </p:txBody>
+      </p:sp>
+    </p:spTree>
+    <p:extLst>
+      <p:ext uri="{BB962C8B-B14F-4D97-AF65-F5344CB8AC3E}">
+        <p14:creationId xmlns:p14="http://schemas.microsoft.com/office/powerpoint/2010/main" val="3937285735"/>
+      </p:ext>
+    </p:extLst>
+  </p:cSld>
+  <p:clrMapOvr>
+    <a:masterClrMapping/>
+  </p:clrMapOvr>
+</p:sld>
+</file>
+
+<file path=ppt/slides/slide20.xml><?xml version="1.0" encoding="utf-8"?>
 <p:sld xmlns:a="http://schemas.openxmlformats.org/drawingml/2006/main" xmlns:r="http://schemas.openxmlformats.org/officeDocument/2006/relationships" xmlns:p="http://schemas.openxmlformats.org/presentationml/2006/main">
   <p:cSld>
     <p:bg>
@@ -7260,7 +9494,7 @@
                   <a:spcPts val="600"/>
                 </a:spcAft>
               </a:pPr>
-              <a:t>18</a:t>
+              <a:t>20</a:t>
             </a:fld>
             <a:endParaRPr lang="fr-FR">
               <a:solidFill>
@@ -7326,519 +9560,6 @@
   </p:cSld>
   <p:clrMapOvr>
     <a:overrideClrMapping bg1="dk1" tx1="lt1" bg2="dk2" tx2="lt2" accent1="accent1" accent2="accent2" accent3="accent3" accent4="accent4" accent5="accent5" accent6="accent6" hlink="hlink" folHlink="folHlink"/>
-  </p:clrMapOvr>
-</p:sld>
-</file>
-
-<file path=ppt/slides/slide2.xml><?xml version="1.0" encoding="utf-8"?>
-<p:sld xmlns:a="http://schemas.openxmlformats.org/drawingml/2006/main" xmlns:r="http://schemas.openxmlformats.org/officeDocument/2006/relationships" xmlns:p="http://schemas.openxmlformats.org/presentationml/2006/main">
-  <p:cSld>
-    <p:bg>
-      <p:bgPr>
-        <a:solidFill>
-          <a:schemeClr val="bg1"/>
-        </a:solidFill>
-        <a:effectLst/>
-      </p:bgPr>
-    </p:bg>
-    <p:spTree>
-      <p:nvGrpSpPr>
-        <p:cNvPr id="1" name=""/>
-        <p:cNvGrpSpPr/>
-        <p:nvPr/>
-      </p:nvGrpSpPr>
-      <p:grpSpPr>
-        <a:xfrm>
-          <a:off x="0" y="0"/>
-          <a:ext cx="0" cy="0"/>
-          <a:chOff x="0" y="0"/>
-          <a:chExt cx="0" cy="0"/>
-        </a:xfrm>
-      </p:grpSpPr>
-      <p:sp>
-        <p:nvSpPr>
-          <p:cNvPr id="3" name="Content Placeholder 2">
-            <a:extLst>
-              <a:ext uri="{FF2B5EF4-FFF2-40B4-BE49-F238E27FC236}">
-                <a16:creationId xmlns:a16="http://schemas.microsoft.com/office/drawing/2014/main" id="{138ECBA7-E0A5-8D39-6737-EB13A307A0BE}"/>
-              </a:ext>
-            </a:extLst>
-          </p:cNvPr>
-          <p:cNvSpPr>
-            <a:spLocks noGrp="1"/>
-          </p:cNvSpPr>
-          <p:nvPr>
-            <p:ph idx="1"/>
-          </p:nvPr>
-        </p:nvSpPr>
-        <p:spPr>
-          <a:xfrm>
-            <a:off x="838201" y="2358912"/>
-            <a:ext cx="6766096" cy="2140173"/>
-          </a:xfrm>
-        </p:spPr>
-        <p:txBody>
-          <a:bodyPr anchor="ctr">
-            <a:normAutofit/>
-          </a:bodyPr>
-          <a:lstStyle/>
-          <a:p>
-            <a:pPr marL="0" indent="0" algn="just">
-              <a:buNone/>
-            </a:pPr>
-            <a:r>
-              <a:rPr lang="en-GB" sz="2400" dirty="0">
-                <a:latin typeface="Avenir Next" panose="020B0503020202020204" pitchFamily="34" charset="0"/>
-              </a:rPr>
-              <a:t>The goal is to </a:t>
-            </a:r>
-            <a:r>
-              <a:rPr lang="en-GB" sz="2400" b="1" dirty="0">
-                <a:latin typeface="Avenir Next" panose="020B0503020202020204" pitchFamily="34" charset="0"/>
-              </a:rPr>
-              <a:t>detect anomalous </a:t>
-            </a:r>
-            <a:r>
-              <a:rPr lang="en-GB" sz="2400" b="1" dirty="0" err="1">
-                <a:latin typeface="Avenir Next" panose="020B0503020202020204" pitchFamily="34" charset="0"/>
-              </a:rPr>
-              <a:t>behavior</a:t>
-            </a:r>
-            <a:r>
-              <a:rPr lang="en-GB" sz="2400" b="1" dirty="0">
-                <a:latin typeface="Avenir Next" panose="020B0503020202020204" pitchFamily="34" charset="0"/>
-              </a:rPr>
-              <a:t> in the network traffic of an organization</a:t>
-            </a:r>
-            <a:r>
-              <a:rPr lang="en-GB" sz="2400" dirty="0">
-                <a:latin typeface="Avenir Next" panose="020B0503020202020204" pitchFamily="34" charset="0"/>
-              </a:rPr>
-              <a:t>.</a:t>
-            </a:r>
-          </a:p>
-          <a:p>
-            <a:pPr marL="0" indent="0" algn="just">
-              <a:buNone/>
-            </a:pPr>
-            <a:r>
-              <a:rPr lang="en-GB" sz="2400" dirty="0">
-                <a:latin typeface="Avenir Next" panose="020B0503020202020204" pitchFamily="34" charset="0"/>
-              </a:rPr>
-              <a:t>Anomalous </a:t>
-            </a:r>
-            <a:r>
-              <a:rPr lang="en-GB" sz="2400" dirty="0" err="1">
-                <a:latin typeface="Avenir Next" panose="020B0503020202020204" pitchFamily="34" charset="0"/>
-              </a:rPr>
-              <a:t>behavior</a:t>
-            </a:r>
-            <a:r>
-              <a:rPr lang="en-GB" sz="2400" dirty="0">
-                <a:latin typeface="Avenir Next" panose="020B0503020202020204" pitchFamily="34" charset="0"/>
-              </a:rPr>
-              <a:t> can point to things like intrusion attempts, denial-of-service attacks, port scanning, etc.</a:t>
-            </a:r>
-            <a:endParaRPr lang="fr-FR" sz="2400" dirty="0">
-              <a:latin typeface="Avenir Next" panose="020B0503020202020204" pitchFamily="34" charset="0"/>
-            </a:endParaRPr>
-          </a:p>
-        </p:txBody>
-      </p:sp>
-      <p:sp>
-        <p:nvSpPr>
-          <p:cNvPr id="20" name="Rectangle 13">
-            <a:extLst>
-              <a:ext uri="{FF2B5EF4-FFF2-40B4-BE49-F238E27FC236}">
-                <a16:creationId xmlns:a16="http://schemas.microsoft.com/office/drawing/2014/main" id="{59A309A7-1751-4ABE-A3C1-EEC40366AD89}"/>
-              </a:ext>
-              <a:ext uri="{C183D7F6-B498-43B3-948B-1728B52AA6E4}">
-                <adec:decorative xmlns:adec="http://schemas.microsoft.com/office/drawing/2017/decorative" val="1"/>
-              </a:ext>
-            </a:extLst>
-          </p:cNvPr>
-          <p:cNvSpPr>
-            <a:spLocks noGrp="1" noRot="1" noChangeAspect="1" noMove="1" noResize="1" noEditPoints="1" noAdjustHandles="1" noChangeArrowheads="1" noChangeShapeType="1" noTextEdit="1"/>
-          </p:cNvSpPr>
-          <p:nvPr>
-            <p:extLst>
-              <p:ext uri="{386F3935-93C4-4BCD-93E2-E3B085C9AB24}">
-                <p16:designElem xmlns:p16="http://schemas.microsoft.com/office/powerpoint/2015/main" val="1"/>
-              </p:ext>
-            </p:extLst>
-          </p:nvPr>
-        </p:nvSpPr>
-        <p:spPr>
-          <a:xfrm>
-            <a:off x="10088880" y="0"/>
-            <a:ext cx="2103120" cy="6858000"/>
-          </a:xfrm>
-          <a:prstGeom prst="rect">
-            <a:avLst/>
-          </a:prstGeom>
-          <a:ln>
-            <a:noFill/>
-          </a:ln>
-        </p:spPr>
-        <p:style>
-          <a:lnRef idx="2">
-            <a:schemeClr val="accent1">
-              <a:shade val="50000"/>
-            </a:schemeClr>
-          </a:lnRef>
-          <a:fillRef idx="1">
-            <a:schemeClr val="accent1"/>
-          </a:fillRef>
-          <a:effectRef idx="0">
-            <a:schemeClr val="accent1"/>
-          </a:effectRef>
-          <a:fontRef idx="minor">
-            <a:schemeClr val="lt1"/>
-          </a:fontRef>
-        </p:style>
-        <p:txBody>
-          <a:bodyPr rtlCol="0" anchor="ctr"/>
-          <a:lstStyle/>
-          <a:p>
-            <a:pPr algn="ctr"/>
-            <a:endParaRPr lang="en-US"/>
-          </a:p>
-        </p:txBody>
-      </p:sp>
-      <p:sp>
-        <p:nvSpPr>
-          <p:cNvPr id="21" name="Oval 15">
-            <a:extLst>
-              <a:ext uri="{FF2B5EF4-FFF2-40B4-BE49-F238E27FC236}">
-                <a16:creationId xmlns:a16="http://schemas.microsoft.com/office/drawing/2014/main" id="{967D8EB6-EAE1-4F9C-B398-83321E287204}"/>
-              </a:ext>
-              <a:ext uri="{C183D7F6-B498-43B3-948B-1728B52AA6E4}">
-                <adec:decorative xmlns:adec="http://schemas.microsoft.com/office/drawing/2017/decorative" val="1"/>
-              </a:ext>
-            </a:extLst>
-          </p:cNvPr>
-          <p:cNvSpPr>
-            <a:spLocks noGrp="1" noRot="1" noChangeAspect="1" noMove="1" noResize="1" noEditPoints="1" noAdjustHandles="1" noChangeArrowheads="1" noChangeShapeType="1" noTextEdit="1"/>
-          </p:cNvSpPr>
-          <p:nvPr>
-            <p:extLst>
-              <p:ext uri="{386F3935-93C4-4BCD-93E2-E3B085C9AB24}">
-                <p16:designElem xmlns:p16="http://schemas.microsoft.com/office/powerpoint/2015/main" val="1"/>
-              </p:ext>
-            </p:extLst>
-          </p:nvPr>
-        </p:nvSpPr>
-        <p:spPr>
-          <a:xfrm>
-            <a:off x="8915400" y="2358913"/>
-            <a:ext cx="2140172" cy="2140172"/>
-          </a:xfrm>
-          <a:prstGeom prst="ellipse">
-            <a:avLst/>
-          </a:prstGeom>
-          <a:solidFill>
-            <a:srgbClr val="FFFFFF"/>
-          </a:solidFill>
-          <a:ln w="22225">
-            <a:solidFill>
-              <a:srgbClr val="FABB74"/>
-            </a:solidFill>
-          </a:ln>
-        </p:spPr>
-        <p:style>
-          <a:lnRef idx="2">
-            <a:schemeClr val="accent1">
-              <a:shade val="50000"/>
-            </a:schemeClr>
-          </a:lnRef>
-          <a:fillRef idx="1">
-            <a:schemeClr val="accent1"/>
-          </a:fillRef>
-          <a:effectRef idx="0">
-            <a:schemeClr val="accent1"/>
-          </a:effectRef>
-          <a:fontRef idx="minor">
-            <a:schemeClr val="lt1"/>
-          </a:fontRef>
-        </p:style>
-        <p:txBody>
-          <a:bodyPr rtlCol="0" anchor="ctr"/>
-          <a:lstStyle/>
-          <a:p>
-            <a:pPr algn="ctr"/>
-            <a:endParaRPr lang="en-US"/>
-          </a:p>
-        </p:txBody>
-      </p:sp>
-      <p:pic>
-        <p:nvPicPr>
-          <p:cNvPr id="9" name="Picture 8" descr="Icon&#10;&#10;Description automatically generated">
-            <a:extLst>
-              <a:ext uri="{FF2B5EF4-FFF2-40B4-BE49-F238E27FC236}">
-                <a16:creationId xmlns:a16="http://schemas.microsoft.com/office/drawing/2014/main" id="{B4A247D1-F4D9-20CE-9159-2D581C81B4F8}"/>
-              </a:ext>
-            </a:extLst>
-          </p:cNvPr>
-          <p:cNvPicPr>
-            <a:picLocks noChangeAspect="1"/>
-          </p:cNvPicPr>
-          <p:nvPr/>
-        </p:nvPicPr>
-        <p:blipFill rotWithShape="1">
-          <a:blip r:embed="rId2">
-            <a:alphaModFix/>
-          </a:blip>
-          <a:srcRect r="-5" b="156"/>
-          <a:stretch/>
-        </p:blipFill>
-        <p:spPr>
-          <a:xfrm>
-            <a:off x="9030743" y="2474254"/>
-            <a:ext cx="1912560" cy="1909489"/>
-          </a:xfrm>
-          <a:custGeom>
-            <a:avLst/>
-            <a:gdLst/>
-            <a:ahLst/>
-            <a:cxnLst/>
-            <a:rect l="l" t="t" r="r" b="b"/>
-            <a:pathLst>
-              <a:path w="6057610" h="6057610">
-                <a:moveTo>
-                  <a:pt x="3028805" y="0"/>
-                </a:moveTo>
-                <a:cubicBezTo>
-                  <a:pt x="4701568" y="0"/>
-                  <a:pt x="6057610" y="1356042"/>
-                  <a:pt x="6057610" y="3028805"/>
-                </a:cubicBezTo>
-                <a:cubicBezTo>
-                  <a:pt x="6057610" y="4701568"/>
-                  <a:pt x="4701568" y="6057610"/>
-                  <a:pt x="3028805" y="6057610"/>
-                </a:cubicBezTo>
-                <a:cubicBezTo>
-                  <a:pt x="1356042" y="6057610"/>
-                  <a:pt x="0" y="4701568"/>
-                  <a:pt x="0" y="3028805"/>
-                </a:cubicBezTo>
-                <a:cubicBezTo>
-                  <a:pt x="0" y="1356042"/>
-                  <a:pt x="1356042" y="0"/>
-                  <a:pt x="3028805" y="0"/>
-                </a:cubicBezTo>
-                <a:close/>
-              </a:path>
-            </a:pathLst>
-          </a:custGeom>
-          <a:effectLst>
-            <a:softEdge rad="0"/>
-          </a:effectLst>
-        </p:spPr>
-      </p:pic>
-      <p:sp>
-        <p:nvSpPr>
-          <p:cNvPr id="6" name="Slide Number Placeholder 5">
-            <a:extLst>
-              <a:ext uri="{FF2B5EF4-FFF2-40B4-BE49-F238E27FC236}">
-                <a16:creationId xmlns:a16="http://schemas.microsoft.com/office/drawing/2014/main" id="{A06554C2-2984-B2C8-2158-C04BED7CEDFC}"/>
-              </a:ext>
-            </a:extLst>
-          </p:cNvPr>
-          <p:cNvSpPr>
-            <a:spLocks noGrp="1"/>
-          </p:cNvSpPr>
-          <p:nvPr>
-            <p:ph type="sldNum" sz="quarter" idx="12"/>
-          </p:nvPr>
-        </p:nvSpPr>
-        <p:spPr>
-          <a:xfrm>
-            <a:off x="10341428" y="6356350"/>
-            <a:ext cx="1012371" cy="365125"/>
-          </a:xfrm>
-        </p:spPr>
-        <p:txBody>
-          <a:bodyPr>
-            <a:normAutofit/>
-          </a:bodyPr>
-          <a:lstStyle/>
-          <a:p>
-            <a:pPr>
-              <a:spcAft>
-                <a:spcPts val="600"/>
-              </a:spcAft>
-            </a:pPr>
-            <a:fld id="{50E96FFC-9A77-BE40-93A2-F2F19ACBA9AE}" type="slidenum">
-              <a:rPr lang="fr-FR">
-                <a:solidFill>
-                  <a:srgbClr val="FFFFFF"/>
-                </a:solidFill>
-              </a:rPr>
-              <a:pPr>
-                <a:spcAft>
-                  <a:spcPts val="600"/>
-                </a:spcAft>
-              </a:pPr>
-              <a:t>2</a:t>
-            </a:fld>
-            <a:endParaRPr lang="fr-FR">
-              <a:solidFill>
-                <a:srgbClr val="FFFFFF"/>
-              </a:solidFill>
-            </a:endParaRPr>
-          </a:p>
-        </p:txBody>
-      </p:sp>
-      <p:pic>
-        <p:nvPicPr>
-          <p:cNvPr id="17" name="Picture 2" descr="HES-SO - Logo - Haute école">
-            <a:extLst>
-              <a:ext uri="{FF2B5EF4-FFF2-40B4-BE49-F238E27FC236}">
-                <a16:creationId xmlns:a16="http://schemas.microsoft.com/office/drawing/2014/main" id="{1476530F-F70B-1342-F4CE-A0DBB1A8D85C}"/>
-              </a:ext>
-            </a:extLst>
-          </p:cNvPr>
-          <p:cNvPicPr>
-            <a:picLocks noChangeAspect="1" noChangeArrowheads="1"/>
-          </p:cNvPicPr>
-          <p:nvPr/>
-        </p:nvPicPr>
-        <p:blipFill>
-          <a:blip r:embed="rId3">
-            <a:extLst>
-              <a:ext uri="{28A0092B-C50C-407E-A947-70E740481C1C}">
-                <a14:useLocalDpi xmlns:a14="http://schemas.microsoft.com/office/drawing/2010/main" val="0"/>
-              </a:ext>
-            </a:extLst>
-          </a:blip>
-          <a:srcRect/>
-          <a:stretch>
-            <a:fillRect/>
-          </a:stretch>
-        </p:blipFill>
-        <p:spPr bwMode="auto">
-          <a:xfrm>
-            <a:off x="5563101" y="6386879"/>
-            <a:ext cx="1065798" cy="334596"/>
-          </a:xfrm>
-          <a:prstGeom prst="rect">
-            <a:avLst/>
-          </a:prstGeom>
-          <a:noFill/>
-          <a:extLst>
-            <a:ext uri="{909E8E84-426E-40DD-AFC4-6F175D3DCCD1}">
-              <a14:hiddenFill xmlns:a14="http://schemas.microsoft.com/office/drawing/2010/main">
-                <a:solidFill>
-                  <a:srgbClr val="FFFFFF"/>
-                </a:solidFill>
-              </a14:hiddenFill>
-            </a:ext>
-          </a:extLst>
-        </p:spPr>
-      </p:pic>
-      <p:sp>
-        <p:nvSpPr>
-          <p:cNvPr id="19" name="Title 1">
-            <a:extLst>
-              <a:ext uri="{FF2B5EF4-FFF2-40B4-BE49-F238E27FC236}">
-                <a16:creationId xmlns:a16="http://schemas.microsoft.com/office/drawing/2014/main" id="{6CFBBD01-9649-6E46-A136-139A8E0CD8B4}"/>
-              </a:ext>
-            </a:extLst>
-          </p:cNvPr>
-          <p:cNvSpPr txBox="1">
-            <a:spLocks/>
-          </p:cNvSpPr>
-          <p:nvPr/>
-        </p:nvSpPr>
-        <p:spPr>
-          <a:xfrm>
-            <a:off x="838200" y="365125"/>
-            <a:ext cx="10515600" cy="1325563"/>
-          </a:xfrm>
-          <a:prstGeom prst="rect">
-            <a:avLst/>
-          </a:prstGeom>
-        </p:spPr>
-        <p:txBody>
-          <a:bodyPr vert="horz" lIns="91440" tIns="45720" rIns="91440" bIns="45720" rtlCol="0" anchor="ctr">
-            <a:normAutofit/>
-          </a:bodyPr>
-          <a:lstStyle>
-            <a:lvl1pPr algn="l" defTabSz="914400" rtl="0" eaLnBrk="1" latinLnBrk="0" hangingPunct="1">
-              <a:lnSpc>
-                <a:spcPct val="90000"/>
-              </a:lnSpc>
-              <a:spcBef>
-                <a:spcPct val="0"/>
-              </a:spcBef>
-              <a:buNone/>
-              <a:defRPr sz="4400" kern="1200">
-                <a:solidFill>
-                  <a:schemeClr val="tx1"/>
-                </a:solidFill>
-                <a:latin typeface="+mj-lt"/>
-                <a:ea typeface="+mj-ea"/>
-                <a:cs typeface="+mj-cs"/>
-              </a:defRPr>
-            </a:lvl1pPr>
-          </a:lstStyle>
-          <a:p>
-            <a:r>
-              <a:rPr lang="en-GB" dirty="0">
-                <a:latin typeface="Avenir Next Medium" panose="020B0503020202020204" pitchFamily="34" charset="0"/>
-              </a:rPr>
-              <a:t>Summary</a:t>
-            </a:r>
-            <a:endParaRPr lang="fr-FR" dirty="0">
-              <a:latin typeface="Avenir Next Medium" panose="020B0503020202020204" pitchFamily="34" charset="0"/>
-            </a:endParaRPr>
-          </a:p>
-        </p:txBody>
-      </p:sp>
-      <p:sp>
-        <p:nvSpPr>
-          <p:cNvPr id="22" name="Date Placeholder 3">
-            <a:extLst>
-              <a:ext uri="{FF2B5EF4-FFF2-40B4-BE49-F238E27FC236}">
-                <a16:creationId xmlns:a16="http://schemas.microsoft.com/office/drawing/2014/main" id="{087E2B1B-C49D-038D-6CFC-57F0DB254730}"/>
-              </a:ext>
-            </a:extLst>
-          </p:cNvPr>
-          <p:cNvSpPr>
-            <a:spLocks noGrp="1"/>
-          </p:cNvSpPr>
-          <p:nvPr>
-            <p:ph type="dt" sz="half" idx="10"/>
-          </p:nvPr>
-        </p:nvSpPr>
-        <p:spPr>
-          <a:xfrm>
-            <a:off x="838200" y="6356350"/>
-            <a:ext cx="2743200" cy="365125"/>
-          </a:xfrm>
-        </p:spPr>
-        <p:txBody>
-          <a:bodyPr/>
-          <a:lstStyle/>
-          <a:p>
-            <a:r>
-              <a:rPr lang="de-CH" dirty="0"/>
-              <a:t>10.06.2022</a:t>
-            </a:r>
-            <a:endParaRPr lang="fr-FR" dirty="0"/>
-          </a:p>
-        </p:txBody>
-      </p:sp>
-    </p:spTree>
-    <p:extLst>
-      <p:ext uri="{BB962C8B-B14F-4D97-AF65-F5344CB8AC3E}">
-        <p14:creationId xmlns:p14="http://schemas.microsoft.com/office/powerpoint/2010/main" val="3937285735"/>
-      </p:ext>
-    </p:extLst>
-  </p:cSld>
-  <p:clrMapOvr>
-    <a:masterClrMapping/>
   </p:clrMapOvr>
 </p:sld>
 </file>

--- a/Documentation/Anomaly-Detection-in-Network-Traffic-with-K-means-Clustering.pptx
+++ b/Documentation/Anomaly-Detection-in-Network-Traffic-with-K-means-Clustering.pptx
@@ -481,6 +481,1487 @@
 </c:chartSpace>
 </file>
 
+<file path=ppt/charts/chart2.xml><?xml version="1.0" encoding="utf-8"?>
+<c:chartSpace xmlns:c="http://schemas.openxmlformats.org/drawingml/2006/chart" xmlns:a="http://schemas.openxmlformats.org/drawingml/2006/main" xmlns:r="http://schemas.openxmlformats.org/officeDocument/2006/relationships" xmlns:c16r2="http://schemas.microsoft.com/office/drawing/2015/06/chart">
+  <c:date1904 val="0"/>
+  <c:lang val="fr-FR"/>
+  <c:roundedCorners val="0"/>
+  <mc:AlternateContent xmlns:mc="http://schemas.openxmlformats.org/markup-compatibility/2006">
+    <mc:Choice xmlns:c14="http://schemas.microsoft.com/office/drawing/2007/8/2/chart" Requires="c14">
+      <c14:style val="102"/>
+    </mc:Choice>
+    <mc:Fallback>
+      <c:style val="2"/>
+    </mc:Fallback>
+  </mc:AlternateContent>
+  <c:chart>
+    <c:title>
+      <c:tx>
+        <c:rich>
+          <a:bodyPr rot="0" spcFirstLastPara="1" vertOverflow="ellipsis" vert="horz" wrap="square" anchor="ctr" anchorCtr="1"/>
+          <a:lstStyle/>
+          <a:p>
+            <a:pPr>
+              <a:defRPr sz="1800" b="1" i="0" u="none" strike="noStrike" kern="1200" baseline="0">
+                <a:solidFill>
+                  <a:schemeClr val="dk1">
+                    <a:lumMod val="65000"/>
+                    <a:lumOff val="35000"/>
+                  </a:schemeClr>
+                </a:solidFill>
+                <a:latin typeface="+mn-lt"/>
+                <a:ea typeface="+mn-ea"/>
+                <a:cs typeface="+mn-cs"/>
+              </a:defRPr>
+            </a:pPr>
+            <a:r>
+              <a:rPr lang="fr-CH"/>
+              <a:t>UDP Request</a:t>
+            </a:r>
+            <a:r>
+              <a:rPr lang="fr-CH" baseline="0"/>
+              <a:t> distribution</a:t>
+            </a:r>
+            <a:endParaRPr lang="fr-CH"/>
+          </a:p>
+        </c:rich>
+      </c:tx>
+      <c:overlay val="0"/>
+      <c:spPr>
+        <a:noFill/>
+        <a:ln>
+          <a:noFill/>
+        </a:ln>
+        <a:effectLst/>
+      </c:spPr>
+      <c:txPr>
+        <a:bodyPr rot="0" spcFirstLastPara="1" vertOverflow="ellipsis" vert="horz" wrap="square" anchor="ctr" anchorCtr="1"/>
+        <a:lstStyle/>
+        <a:p>
+          <a:pPr>
+            <a:defRPr sz="1800" b="1" i="0" u="none" strike="noStrike" kern="1200" baseline="0">
+              <a:solidFill>
+                <a:schemeClr val="dk1">
+                  <a:lumMod val="65000"/>
+                  <a:lumOff val="35000"/>
+                </a:schemeClr>
+              </a:solidFill>
+              <a:latin typeface="+mn-lt"/>
+              <a:ea typeface="+mn-ea"/>
+              <a:cs typeface="+mn-cs"/>
+            </a:defRPr>
+          </a:pPr>
+          <a:endParaRPr lang="fr-FR"/>
+        </a:p>
+      </c:txPr>
+    </c:title>
+    <c:autoTitleDeleted val="0"/>
+    <c:plotArea>
+      <c:layout/>
+      <c:ofPieChart>
+        <c:ofPieType val="pie"/>
+        <c:varyColors val="1"/>
+        <c:ser>
+          <c:idx val="0"/>
+          <c:order val="0"/>
+          <c:explosion val="10"/>
+          <c:dPt>
+            <c:idx val="0"/>
+            <c:bubble3D val="0"/>
+            <c:spPr>
+              <a:solidFill>
+                <a:schemeClr val="accent1"/>
+              </a:solidFill>
+              <a:ln>
+                <a:noFill/>
+              </a:ln>
+              <a:effectLst>
+                <a:outerShdw blurRad="317500" algn="ctr" rotWithShape="0">
+                  <a:prstClr val="black">
+                    <a:alpha val="25000"/>
+                  </a:prstClr>
+                </a:outerShdw>
+              </a:effectLst>
+            </c:spPr>
+            <c:extLst>
+              <c:ext xmlns:c16="http://schemas.microsoft.com/office/drawing/2014/chart" uri="{C3380CC4-5D6E-409C-BE32-E72D297353CC}">
+                <c16:uniqueId val="{00000001-E6AB-4AB7-835A-15C7355A3CC4}"/>
+              </c:ext>
+            </c:extLst>
+          </c:dPt>
+          <c:dPt>
+            <c:idx val="1"/>
+            <c:bubble3D val="0"/>
+            <c:spPr>
+              <a:solidFill>
+                <a:schemeClr val="accent2"/>
+              </a:solidFill>
+              <a:ln>
+                <a:noFill/>
+              </a:ln>
+              <a:effectLst>
+                <a:outerShdw blurRad="317500" algn="ctr" rotWithShape="0">
+                  <a:prstClr val="black">
+                    <a:alpha val="25000"/>
+                  </a:prstClr>
+                </a:outerShdw>
+              </a:effectLst>
+            </c:spPr>
+            <c:extLst>
+              <c:ext xmlns:c16="http://schemas.microsoft.com/office/drawing/2014/chart" uri="{C3380CC4-5D6E-409C-BE32-E72D297353CC}">
+                <c16:uniqueId val="{00000003-E6AB-4AB7-835A-15C7355A3CC4}"/>
+              </c:ext>
+            </c:extLst>
+          </c:dPt>
+          <c:dPt>
+            <c:idx val="2"/>
+            <c:bubble3D val="0"/>
+            <c:spPr>
+              <a:solidFill>
+                <a:schemeClr val="accent3"/>
+              </a:solidFill>
+              <a:ln>
+                <a:noFill/>
+              </a:ln>
+              <a:effectLst>
+                <a:outerShdw blurRad="317500" algn="ctr" rotWithShape="0">
+                  <a:prstClr val="black">
+                    <a:alpha val="25000"/>
+                  </a:prstClr>
+                </a:outerShdw>
+              </a:effectLst>
+            </c:spPr>
+            <c:extLst>
+              <c:ext xmlns:c16="http://schemas.microsoft.com/office/drawing/2014/chart" uri="{C3380CC4-5D6E-409C-BE32-E72D297353CC}">
+                <c16:uniqueId val="{00000005-E6AB-4AB7-835A-15C7355A3CC4}"/>
+              </c:ext>
+            </c:extLst>
+          </c:dPt>
+          <c:dPt>
+            <c:idx val="3"/>
+            <c:bubble3D val="0"/>
+            <c:spPr>
+              <a:solidFill>
+                <a:schemeClr val="accent4"/>
+              </a:solidFill>
+              <a:ln>
+                <a:noFill/>
+              </a:ln>
+              <a:effectLst>
+                <a:outerShdw blurRad="317500" algn="ctr" rotWithShape="0">
+                  <a:prstClr val="black">
+                    <a:alpha val="25000"/>
+                  </a:prstClr>
+                </a:outerShdw>
+              </a:effectLst>
+            </c:spPr>
+            <c:extLst>
+              <c:ext xmlns:c16="http://schemas.microsoft.com/office/drawing/2014/chart" uri="{C3380CC4-5D6E-409C-BE32-E72D297353CC}">
+                <c16:uniqueId val="{00000007-E6AB-4AB7-835A-15C7355A3CC4}"/>
+              </c:ext>
+            </c:extLst>
+          </c:dPt>
+          <c:dPt>
+            <c:idx val="4"/>
+            <c:bubble3D val="0"/>
+            <c:spPr>
+              <a:solidFill>
+                <a:schemeClr val="accent5"/>
+              </a:solidFill>
+              <a:ln>
+                <a:noFill/>
+              </a:ln>
+              <a:effectLst>
+                <a:outerShdw blurRad="317500" algn="ctr" rotWithShape="0">
+                  <a:prstClr val="black">
+                    <a:alpha val="25000"/>
+                  </a:prstClr>
+                </a:outerShdw>
+              </a:effectLst>
+            </c:spPr>
+            <c:extLst>
+              <c:ext xmlns:c16="http://schemas.microsoft.com/office/drawing/2014/chart" uri="{C3380CC4-5D6E-409C-BE32-E72D297353CC}">
+                <c16:uniqueId val="{00000009-E6AB-4AB7-835A-15C7355A3CC4}"/>
+              </c:ext>
+            </c:extLst>
+          </c:dPt>
+          <c:dPt>
+            <c:idx val="5"/>
+            <c:bubble3D val="0"/>
+            <c:spPr>
+              <a:solidFill>
+                <a:schemeClr val="accent6"/>
+              </a:solidFill>
+              <a:ln>
+                <a:noFill/>
+              </a:ln>
+              <a:effectLst>
+                <a:outerShdw blurRad="317500" algn="ctr" rotWithShape="0">
+                  <a:prstClr val="black">
+                    <a:alpha val="25000"/>
+                  </a:prstClr>
+                </a:outerShdw>
+              </a:effectLst>
+            </c:spPr>
+            <c:extLst>
+              <c:ext xmlns:c16="http://schemas.microsoft.com/office/drawing/2014/chart" uri="{C3380CC4-5D6E-409C-BE32-E72D297353CC}">
+                <c16:uniqueId val="{0000000B-E6AB-4AB7-835A-15C7355A3CC4}"/>
+              </c:ext>
+            </c:extLst>
+          </c:dPt>
+          <c:dLbls>
+            <c:spPr>
+              <a:noFill/>
+              <a:ln>
+                <a:noFill/>
+              </a:ln>
+              <a:effectLst/>
+            </c:spPr>
+            <c:txPr>
+              <a:bodyPr rot="0" spcFirstLastPara="1" vertOverflow="ellipsis" vert="horz" wrap="square" lIns="38100" tIns="19050" rIns="38100" bIns="19050" anchor="ctr" anchorCtr="1">
+                <a:spAutoFit/>
+              </a:bodyPr>
+              <a:lstStyle/>
+              <a:p>
+                <a:pPr>
+                  <a:defRPr sz="900" b="1" i="0" u="none" strike="noStrike" kern="1200" baseline="0">
+                    <a:solidFill>
+                      <a:schemeClr val="lt1"/>
+                    </a:solidFill>
+                    <a:latin typeface="+mn-lt"/>
+                    <a:ea typeface="+mn-ea"/>
+                    <a:cs typeface="+mn-cs"/>
+                  </a:defRPr>
+                </a:pPr>
+                <a:endParaRPr lang="fr-FR"/>
+              </a:p>
+            </c:txPr>
+            <c:dLblPos val="inEnd"/>
+            <c:showLegendKey val="0"/>
+            <c:showVal val="0"/>
+            <c:showCatName val="0"/>
+            <c:showSerName val="0"/>
+            <c:showPercent val="1"/>
+            <c:showBubbleSize val="0"/>
+            <c:showLeaderLines val="1"/>
+            <c:leaderLines>
+              <c:spPr>
+                <a:ln w="9525" cap="flat" cmpd="sng" algn="ctr">
+                  <a:solidFill>
+                    <a:schemeClr val="dk1">
+                      <a:lumMod val="35000"/>
+                      <a:lumOff val="65000"/>
+                    </a:schemeClr>
+                  </a:solidFill>
+                  <a:round/>
+                </a:ln>
+                <a:effectLst/>
+              </c:spPr>
+            </c:leaderLines>
+            <c:extLst>
+              <c:ext xmlns:c15="http://schemas.microsoft.com/office/drawing/2012/chart" uri="{CE6537A1-D6FC-4f65-9D91-7224C49458BB}"/>
+            </c:extLst>
+          </c:dLbls>
+          <c:cat>
+            <c:strRef>
+              <c:f>Feuil1!$A$26:$A$30</c:f>
+              <c:strCache>
+                <c:ptCount val="5"/>
+                <c:pt idx="0">
+                  <c:v>normal</c:v>
+                </c:pt>
+                <c:pt idx="1">
+                  <c:v>satan</c:v>
+                </c:pt>
+                <c:pt idx="2">
+                  <c:v>teardrop</c:v>
+                </c:pt>
+                <c:pt idx="3">
+                  <c:v>nmap</c:v>
+                </c:pt>
+                <c:pt idx="4">
+                  <c:v>rootkit</c:v>
+                </c:pt>
+              </c:strCache>
+            </c:strRef>
+          </c:cat>
+          <c:val>
+            <c:numRef>
+              <c:f>Feuil1!$B$26:$B$30</c:f>
+              <c:numCache>
+                <c:formatCode>General</c:formatCode>
+                <c:ptCount val="5"/>
+                <c:pt idx="0">
+                  <c:v>191348</c:v>
+                </c:pt>
+                <c:pt idx="1">
+                  <c:v>1708</c:v>
+                </c:pt>
+                <c:pt idx="2">
+                  <c:v>979</c:v>
+                </c:pt>
+                <c:pt idx="3">
+                  <c:v>250</c:v>
+                </c:pt>
+                <c:pt idx="4">
+                  <c:v>3</c:v>
+                </c:pt>
+              </c:numCache>
+            </c:numRef>
+          </c:val>
+          <c:extLst>
+            <c:ext xmlns:c16="http://schemas.microsoft.com/office/drawing/2014/chart" uri="{C3380CC4-5D6E-409C-BE32-E72D297353CC}">
+              <c16:uniqueId val="{0000000C-E6AB-4AB7-835A-15C7355A3CC4}"/>
+            </c:ext>
+          </c:extLst>
+        </c:ser>
+        <c:dLbls>
+          <c:dLblPos val="inEnd"/>
+          <c:showLegendKey val="0"/>
+          <c:showVal val="0"/>
+          <c:showCatName val="0"/>
+          <c:showSerName val="0"/>
+          <c:showPercent val="1"/>
+          <c:showBubbleSize val="0"/>
+          <c:showLeaderLines val="1"/>
+        </c:dLbls>
+        <c:gapWidth val="106"/>
+        <c:splitType val="pos"/>
+        <c:splitPos val="4"/>
+        <c:secondPieSize val="75"/>
+        <c:serLines>
+          <c:spPr>
+            <a:ln w="9525" cap="flat" cmpd="sng" algn="ctr">
+              <a:solidFill>
+                <a:schemeClr val="dk1">
+                  <a:lumMod val="35000"/>
+                  <a:lumOff val="65000"/>
+                </a:schemeClr>
+              </a:solidFill>
+              <a:round/>
+            </a:ln>
+            <a:effectLst/>
+          </c:spPr>
+        </c:serLines>
+      </c:ofPieChart>
+      <c:spPr>
+        <a:noFill/>
+        <a:ln>
+          <a:noFill/>
+        </a:ln>
+        <a:effectLst/>
+      </c:spPr>
+    </c:plotArea>
+    <c:legend>
+      <c:legendPos val="b"/>
+      <c:overlay val="0"/>
+      <c:spPr>
+        <a:solidFill>
+          <a:schemeClr val="lt1">
+            <a:alpha val="78000"/>
+          </a:schemeClr>
+        </a:solidFill>
+        <a:ln>
+          <a:noFill/>
+        </a:ln>
+        <a:effectLst/>
+      </c:spPr>
+      <c:txPr>
+        <a:bodyPr rot="0" spcFirstLastPara="1" vertOverflow="ellipsis" vert="horz" wrap="square" anchor="ctr" anchorCtr="1"/>
+        <a:lstStyle/>
+        <a:p>
+          <a:pPr>
+            <a:defRPr sz="900" b="0" i="0" u="none" strike="noStrike" kern="1200" baseline="0">
+              <a:solidFill>
+                <a:schemeClr val="dk1">
+                  <a:lumMod val="65000"/>
+                  <a:lumOff val="35000"/>
+                </a:schemeClr>
+              </a:solidFill>
+              <a:latin typeface="+mn-lt"/>
+              <a:ea typeface="+mn-ea"/>
+              <a:cs typeface="+mn-cs"/>
+            </a:defRPr>
+          </a:pPr>
+          <a:endParaRPr lang="fr-FR"/>
+        </a:p>
+      </c:txPr>
+    </c:legend>
+    <c:plotVisOnly val="1"/>
+    <c:dispBlanksAs val="gap"/>
+    <c:extLst>
+      <c:ext xmlns:c16r3="http://schemas.microsoft.com/office/drawing/2017/03/chart" uri="{56B9EC1D-385E-4148-901F-78D8002777C0}">
+        <c16r3:dataDisplayOptions16>
+          <c16r3:dispNaAsBlank val="1"/>
+        </c16r3:dataDisplayOptions16>
+      </c:ext>
+    </c:extLst>
+    <c:showDLblsOverMax val="0"/>
+  </c:chart>
+  <c:spPr>
+    <a:pattFill prst="dkDnDiag">
+      <a:fgClr>
+        <a:schemeClr val="lt1">
+          <a:lumMod val="95000"/>
+        </a:schemeClr>
+      </a:fgClr>
+      <a:bgClr>
+        <a:schemeClr val="lt1"/>
+      </a:bgClr>
+    </a:pattFill>
+    <a:ln w="9525" cap="flat" cmpd="sng" algn="ctr">
+      <a:solidFill>
+        <a:schemeClr val="dk1">
+          <a:lumMod val="15000"/>
+          <a:lumOff val="85000"/>
+        </a:schemeClr>
+      </a:solidFill>
+      <a:round/>
+    </a:ln>
+    <a:effectLst/>
+  </c:spPr>
+  <c:txPr>
+    <a:bodyPr/>
+    <a:lstStyle/>
+    <a:p>
+      <a:pPr>
+        <a:defRPr/>
+      </a:pPr>
+      <a:endParaRPr lang="fr-FR"/>
+    </a:p>
+  </c:txPr>
+  <c:externalData r:id="rId3">
+    <c:autoUpdate val="0"/>
+  </c:externalData>
+</c:chartSpace>
+</file>
+
+<file path=ppt/charts/chart3.xml><?xml version="1.0" encoding="utf-8"?>
+<c:chartSpace xmlns:c="http://schemas.openxmlformats.org/drawingml/2006/chart" xmlns:a="http://schemas.openxmlformats.org/drawingml/2006/main" xmlns:r="http://schemas.openxmlformats.org/officeDocument/2006/relationships" xmlns:c16r2="http://schemas.microsoft.com/office/drawing/2015/06/chart">
+  <c:date1904 val="0"/>
+  <c:lang val="fr-FR"/>
+  <c:roundedCorners val="0"/>
+  <mc:AlternateContent xmlns:mc="http://schemas.openxmlformats.org/markup-compatibility/2006">
+    <mc:Choice xmlns:c14="http://schemas.microsoft.com/office/drawing/2007/8/2/chart" Requires="c14">
+      <c14:style val="102"/>
+    </mc:Choice>
+    <mc:Fallback>
+      <c:style val="2"/>
+    </mc:Fallback>
+  </mc:AlternateContent>
+  <c:chart>
+    <c:title>
+      <c:tx>
+        <c:rich>
+          <a:bodyPr rot="0" spcFirstLastPara="1" vertOverflow="ellipsis" vert="horz" wrap="square" anchor="ctr" anchorCtr="1"/>
+          <a:lstStyle/>
+          <a:p>
+            <a:pPr>
+              <a:defRPr sz="1800" b="1" i="0" u="none" strike="noStrike" kern="1200" baseline="0">
+                <a:solidFill>
+                  <a:schemeClr val="dk1">
+                    <a:lumMod val="65000"/>
+                    <a:lumOff val="35000"/>
+                  </a:schemeClr>
+                </a:solidFill>
+                <a:latin typeface="+mn-lt"/>
+                <a:ea typeface="+mn-ea"/>
+                <a:cs typeface="+mn-cs"/>
+              </a:defRPr>
+            </a:pPr>
+            <a:r>
+              <a:rPr lang="fr-CH"/>
+              <a:t>TCP Request distribution</a:t>
+            </a:r>
+          </a:p>
+        </c:rich>
+      </c:tx>
+      <c:overlay val="0"/>
+      <c:spPr>
+        <a:noFill/>
+        <a:ln>
+          <a:noFill/>
+        </a:ln>
+        <a:effectLst/>
+      </c:spPr>
+      <c:txPr>
+        <a:bodyPr rot="0" spcFirstLastPara="1" vertOverflow="ellipsis" vert="horz" wrap="square" anchor="ctr" anchorCtr="1"/>
+        <a:lstStyle/>
+        <a:p>
+          <a:pPr>
+            <a:defRPr sz="1800" b="1" i="0" u="none" strike="noStrike" kern="1200" baseline="0">
+              <a:solidFill>
+                <a:schemeClr val="dk1">
+                  <a:lumMod val="65000"/>
+                  <a:lumOff val="35000"/>
+                </a:schemeClr>
+              </a:solidFill>
+              <a:latin typeface="+mn-lt"/>
+              <a:ea typeface="+mn-ea"/>
+              <a:cs typeface="+mn-cs"/>
+            </a:defRPr>
+          </a:pPr>
+          <a:endParaRPr lang="fr-FR"/>
+        </a:p>
+      </c:txPr>
+    </c:title>
+    <c:autoTitleDeleted val="0"/>
+    <c:plotArea>
+      <c:layout/>
+      <c:ofPieChart>
+        <c:ofPieType val="pie"/>
+        <c:varyColors val="1"/>
+        <c:ser>
+          <c:idx val="0"/>
+          <c:order val="0"/>
+          <c:dPt>
+            <c:idx val="0"/>
+            <c:bubble3D val="0"/>
+            <c:spPr>
+              <a:solidFill>
+                <a:schemeClr val="accent1"/>
+              </a:solidFill>
+              <a:ln>
+                <a:noFill/>
+              </a:ln>
+              <a:effectLst>
+                <a:outerShdw blurRad="317500" algn="ctr" rotWithShape="0">
+                  <a:prstClr val="black">
+                    <a:alpha val="25000"/>
+                  </a:prstClr>
+                </a:outerShdw>
+              </a:effectLst>
+            </c:spPr>
+            <c:extLst>
+              <c:ext xmlns:c16="http://schemas.microsoft.com/office/drawing/2014/chart" uri="{C3380CC4-5D6E-409C-BE32-E72D297353CC}">
+                <c16:uniqueId val="{00000001-ACA4-464C-B34D-9D7DAD0F9F81}"/>
+              </c:ext>
+            </c:extLst>
+          </c:dPt>
+          <c:dPt>
+            <c:idx val="1"/>
+            <c:bubble3D val="0"/>
+            <c:spPr>
+              <a:solidFill>
+                <a:schemeClr val="accent2"/>
+              </a:solidFill>
+              <a:ln>
+                <a:noFill/>
+              </a:ln>
+              <a:effectLst>
+                <a:outerShdw blurRad="317500" algn="ctr" rotWithShape="0">
+                  <a:prstClr val="black">
+                    <a:alpha val="25000"/>
+                  </a:prstClr>
+                </a:outerShdw>
+              </a:effectLst>
+            </c:spPr>
+            <c:extLst>
+              <c:ext xmlns:c16="http://schemas.microsoft.com/office/drawing/2014/chart" uri="{C3380CC4-5D6E-409C-BE32-E72D297353CC}">
+                <c16:uniqueId val="{00000003-ACA4-464C-B34D-9D7DAD0F9F81}"/>
+              </c:ext>
+            </c:extLst>
+          </c:dPt>
+          <c:dPt>
+            <c:idx val="2"/>
+            <c:bubble3D val="0"/>
+            <c:spPr>
+              <a:solidFill>
+                <a:schemeClr val="accent3"/>
+              </a:solidFill>
+              <a:ln>
+                <a:noFill/>
+              </a:ln>
+              <a:effectLst>
+                <a:outerShdw blurRad="317500" algn="ctr" rotWithShape="0">
+                  <a:prstClr val="black">
+                    <a:alpha val="25000"/>
+                  </a:prstClr>
+                </a:outerShdw>
+              </a:effectLst>
+            </c:spPr>
+            <c:extLst>
+              <c:ext xmlns:c16="http://schemas.microsoft.com/office/drawing/2014/chart" uri="{C3380CC4-5D6E-409C-BE32-E72D297353CC}">
+                <c16:uniqueId val="{00000005-ACA4-464C-B34D-9D7DAD0F9F81}"/>
+              </c:ext>
+            </c:extLst>
+          </c:dPt>
+          <c:dPt>
+            <c:idx val="3"/>
+            <c:bubble3D val="0"/>
+            <c:spPr>
+              <a:solidFill>
+                <a:schemeClr val="accent4"/>
+              </a:solidFill>
+              <a:ln>
+                <a:noFill/>
+              </a:ln>
+              <a:effectLst>
+                <a:outerShdw blurRad="317500" algn="ctr" rotWithShape="0">
+                  <a:prstClr val="black">
+                    <a:alpha val="25000"/>
+                  </a:prstClr>
+                </a:outerShdw>
+              </a:effectLst>
+            </c:spPr>
+            <c:extLst>
+              <c:ext xmlns:c16="http://schemas.microsoft.com/office/drawing/2014/chart" uri="{C3380CC4-5D6E-409C-BE32-E72D297353CC}">
+                <c16:uniqueId val="{00000007-ACA4-464C-B34D-9D7DAD0F9F81}"/>
+              </c:ext>
+            </c:extLst>
+          </c:dPt>
+          <c:dPt>
+            <c:idx val="4"/>
+            <c:bubble3D val="0"/>
+            <c:spPr>
+              <a:solidFill>
+                <a:schemeClr val="accent5"/>
+              </a:solidFill>
+              <a:ln>
+                <a:noFill/>
+              </a:ln>
+              <a:effectLst>
+                <a:outerShdw blurRad="317500" algn="ctr" rotWithShape="0">
+                  <a:prstClr val="black">
+                    <a:alpha val="25000"/>
+                  </a:prstClr>
+                </a:outerShdw>
+              </a:effectLst>
+            </c:spPr>
+            <c:extLst>
+              <c:ext xmlns:c16="http://schemas.microsoft.com/office/drawing/2014/chart" uri="{C3380CC4-5D6E-409C-BE32-E72D297353CC}">
+                <c16:uniqueId val="{00000009-ACA4-464C-B34D-9D7DAD0F9F81}"/>
+              </c:ext>
+            </c:extLst>
+          </c:dPt>
+          <c:dPt>
+            <c:idx val="5"/>
+            <c:bubble3D val="0"/>
+            <c:spPr>
+              <a:solidFill>
+                <a:schemeClr val="accent6"/>
+              </a:solidFill>
+              <a:ln>
+                <a:noFill/>
+              </a:ln>
+              <a:effectLst>
+                <a:outerShdw blurRad="317500" algn="ctr" rotWithShape="0">
+                  <a:prstClr val="black">
+                    <a:alpha val="25000"/>
+                  </a:prstClr>
+                </a:outerShdw>
+              </a:effectLst>
+            </c:spPr>
+            <c:extLst>
+              <c:ext xmlns:c16="http://schemas.microsoft.com/office/drawing/2014/chart" uri="{C3380CC4-5D6E-409C-BE32-E72D297353CC}">
+                <c16:uniqueId val="{0000000B-ACA4-464C-B34D-9D7DAD0F9F81}"/>
+              </c:ext>
+            </c:extLst>
+          </c:dPt>
+          <c:dPt>
+            <c:idx val="6"/>
+            <c:bubble3D val="0"/>
+            <c:spPr>
+              <a:solidFill>
+                <a:schemeClr val="accent1">
+                  <a:lumMod val="60000"/>
+                </a:schemeClr>
+              </a:solidFill>
+              <a:ln>
+                <a:noFill/>
+              </a:ln>
+              <a:effectLst>
+                <a:outerShdw blurRad="317500" algn="ctr" rotWithShape="0">
+                  <a:prstClr val="black">
+                    <a:alpha val="25000"/>
+                  </a:prstClr>
+                </a:outerShdw>
+              </a:effectLst>
+            </c:spPr>
+            <c:extLst>
+              <c:ext xmlns:c16="http://schemas.microsoft.com/office/drawing/2014/chart" uri="{C3380CC4-5D6E-409C-BE32-E72D297353CC}">
+                <c16:uniqueId val="{0000000D-ACA4-464C-B34D-9D7DAD0F9F81}"/>
+              </c:ext>
+            </c:extLst>
+          </c:dPt>
+          <c:dPt>
+            <c:idx val="7"/>
+            <c:bubble3D val="0"/>
+            <c:spPr>
+              <a:solidFill>
+                <a:schemeClr val="accent2">
+                  <a:lumMod val="60000"/>
+                </a:schemeClr>
+              </a:solidFill>
+              <a:ln>
+                <a:noFill/>
+              </a:ln>
+              <a:effectLst>
+                <a:outerShdw blurRad="317500" algn="ctr" rotWithShape="0">
+                  <a:prstClr val="black">
+                    <a:alpha val="25000"/>
+                  </a:prstClr>
+                </a:outerShdw>
+              </a:effectLst>
+            </c:spPr>
+            <c:extLst>
+              <c:ext xmlns:c16="http://schemas.microsoft.com/office/drawing/2014/chart" uri="{C3380CC4-5D6E-409C-BE32-E72D297353CC}">
+                <c16:uniqueId val="{0000000F-ACA4-464C-B34D-9D7DAD0F9F81}"/>
+              </c:ext>
+            </c:extLst>
+          </c:dPt>
+          <c:dLbls>
+            <c:spPr>
+              <a:noFill/>
+              <a:ln>
+                <a:noFill/>
+              </a:ln>
+              <a:effectLst/>
+            </c:spPr>
+            <c:txPr>
+              <a:bodyPr rot="0" spcFirstLastPara="1" vertOverflow="ellipsis" vert="horz" wrap="square" lIns="38100" tIns="19050" rIns="38100" bIns="19050" anchor="ctr" anchorCtr="1">
+                <a:spAutoFit/>
+              </a:bodyPr>
+              <a:lstStyle/>
+              <a:p>
+                <a:pPr>
+                  <a:defRPr sz="900" b="1" i="0" u="none" strike="noStrike" kern="1200" baseline="0">
+                    <a:solidFill>
+                      <a:schemeClr val="lt1"/>
+                    </a:solidFill>
+                    <a:latin typeface="+mn-lt"/>
+                    <a:ea typeface="+mn-ea"/>
+                    <a:cs typeface="+mn-cs"/>
+                  </a:defRPr>
+                </a:pPr>
+                <a:endParaRPr lang="fr-FR"/>
+              </a:p>
+            </c:txPr>
+            <c:dLblPos val="inEnd"/>
+            <c:showLegendKey val="0"/>
+            <c:showVal val="0"/>
+            <c:showCatName val="0"/>
+            <c:showSerName val="0"/>
+            <c:showPercent val="1"/>
+            <c:showBubbleSize val="0"/>
+            <c:showLeaderLines val="1"/>
+            <c:leaderLines>
+              <c:spPr>
+                <a:ln w="9525" cap="flat" cmpd="sng" algn="ctr">
+                  <a:solidFill>
+                    <a:schemeClr val="dk1">
+                      <a:lumMod val="35000"/>
+                      <a:lumOff val="65000"/>
+                    </a:schemeClr>
+                  </a:solidFill>
+                  <a:round/>
+                </a:ln>
+                <a:effectLst/>
+              </c:spPr>
+            </c:leaderLines>
+            <c:extLst>
+              <c:ext xmlns:c15="http://schemas.microsoft.com/office/drawing/2012/chart" uri="{CE6537A1-D6FC-4f65-9D91-7224C49458BB}"/>
+            </c:extLst>
+          </c:dLbls>
+          <c:cat>
+            <c:strRef>
+              <c:f>Feuil1!$A$34:$A$40</c:f>
+              <c:strCache>
+                <c:ptCount val="7"/>
+                <c:pt idx="0">
+                  <c:v>neptune</c:v>
+                </c:pt>
+                <c:pt idx="1">
+                  <c:v>normal</c:v>
+                </c:pt>
+                <c:pt idx="2">
+                  <c:v>satan</c:v>
+                </c:pt>
+                <c:pt idx="3">
+                  <c:v>portsweep</c:v>
+                </c:pt>
+                <c:pt idx="4">
+                  <c:v>back</c:v>
+                </c:pt>
+                <c:pt idx="5">
+                  <c:v>nmap</c:v>
+                </c:pt>
+                <c:pt idx="6">
+                  <c:v>warezclient</c:v>
+                </c:pt>
+              </c:strCache>
+            </c:strRef>
+          </c:cat>
+          <c:val>
+            <c:numRef>
+              <c:f>Feuil1!$B$34:$B$40</c:f>
+              <c:numCache>
+                <c:formatCode>General</c:formatCode>
+                <c:ptCount val="7"/>
+                <c:pt idx="0">
+                  <c:v>1072017</c:v>
+                </c:pt>
+                <c:pt idx="1">
+                  <c:v>768670</c:v>
+                </c:pt>
+                <c:pt idx="2">
+                  <c:v>14147</c:v>
+                </c:pt>
+                <c:pt idx="3">
+                  <c:v>10407</c:v>
+                </c:pt>
+                <c:pt idx="4">
+                  <c:v>2203</c:v>
+                </c:pt>
+                <c:pt idx="5">
+                  <c:v>1034</c:v>
+                </c:pt>
+                <c:pt idx="6">
+                  <c:v>1020</c:v>
+                </c:pt>
+              </c:numCache>
+            </c:numRef>
+          </c:val>
+          <c:extLst>
+            <c:ext xmlns:c16="http://schemas.microsoft.com/office/drawing/2014/chart" uri="{C3380CC4-5D6E-409C-BE32-E72D297353CC}">
+              <c16:uniqueId val="{00000010-ACA4-464C-B34D-9D7DAD0F9F81}"/>
+            </c:ext>
+          </c:extLst>
+        </c:ser>
+        <c:dLbls>
+          <c:dLblPos val="inEnd"/>
+          <c:showLegendKey val="0"/>
+          <c:showVal val="0"/>
+          <c:showCatName val="0"/>
+          <c:showSerName val="0"/>
+          <c:showPercent val="1"/>
+          <c:showBubbleSize val="0"/>
+          <c:showLeaderLines val="1"/>
+        </c:dLbls>
+        <c:gapWidth val="100"/>
+        <c:splitType val="pos"/>
+        <c:splitPos val="5"/>
+        <c:secondPieSize val="75"/>
+        <c:serLines>
+          <c:spPr>
+            <a:ln w="9525" cap="flat" cmpd="sng" algn="ctr">
+              <a:solidFill>
+                <a:schemeClr val="dk1">
+                  <a:lumMod val="35000"/>
+                  <a:lumOff val="65000"/>
+                </a:schemeClr>
+              </a:solidFill>
+              <a:round/>
+            </a:ln>
+            <a:effectLst/>
+          </c:spPr>
+        </c:serLines>
+      </c:ofPieChart>
+      <c:spPr>
+        <a:noFill/>
+        <a:ln>
+          <a:noFill/>
+        </a:ln>
+        <a:effectLst/>
+      </c:spPr>
+    </c:plotArea>
+    <c:legend>
+      <c:legendPos val="b"/>
+      <c:overlay val="0"/>
+      <c:spPr>
+        <a:solidFill>
+          <a:schemeClr val="lt1">
+            <a:alpha val="78000"/>
+          </a:schemeClr>
+        </a:solidFill>
+        <a:ln>
+          <a:noFill/>
+        </a:ln>
+        <a:effectLst/>
+      </c:spPr>
+      <c:txPr>
+        <a:bodyPr rot="0" spcFirstLastPara="1" vertOverflow="ellipsis" vert="horz" wrap="square" anchor="ctr" anchorCtr="1"/>
+        <a:lstStyle/>
+        <a:p>
+          <a:pPr>
+            <a:defRPr sz="900" b="0" i="0" u="none" strike="noStrike" kern="1200" baseline="0">
+              <a:solidFill>
+                <a:schemeClr val="dk1">
+                  <a:lumMod val="65000"/>
+                  <a:lumOff val="35000"/>
+                </a:schemeClr>
+              </a:solidFill>
+              <a:latin typeface="+mn-lt"/>
+              <a:ea typeface="+mn-ea"/>
+              <a:cs typeface="+mn-cs"/>
+            </a:defRPr>
+          </a:pPr>
+          <a:endParaRPr lang="fr-FR"/>
+        </a:p>
+      </c:txPr>
+    </c:legend>
+    <c:plotVisOnly val="1"/>
+    <c:dispBlanksAs val="gap"/>
+    <c:extLst>
+      <c:ext xmlns:c16r3="http://schemas.microsoft.com/office/drawing/2017/03/chart" uri="{56B9EC1D-385E-4148-901F-78D8002777C0}">
+        <c16r3:dataDisplayOptions16>
+          <c16r3:dispNaAsBlank val="1"/>
+        </c16r3:dataDisplayOptions16>
+      </c:ext>
+    </c:extLst>
+    <c:showDLblsOverMax val="0"/>
+  </c:chart>
+  <c:spPr>
+    <a:pattFill prst="dkDnDiag">
+      <a:fgClr>
+        <a:schemeClr val="lt1">
+          <a:lumMod val="95000"/>
+        </a:schemeClr>
+      </a:fgClr>
+      <a:bgClr>
+        <a:schemeClr val="lt1"/>
+      </a:bgClr>
+    </a:pattFill>
+    <a:ln w="9525" cap="flat" cmpd="sng" algn="ctr">
+      <a:solidFill>
+        <a:schemeClr val="dk1">
+          <a:lumMod val="15000"/>
+          <a:lumOff val="85000"/>
+        </a:schemeClr>
+      </a:solidFill>
+      <a:round/>
+    </a:ln>
+    <a:effectLst/>
+  </c:spPr>
+  <c:txPr>
+    <a:bodyPr/>
+    <a:lstStyle/>
+    <a:p>
+      <a:pPr>
+        <a:defRPr/>
+      </a:pPr>
+      <a:endParaRPr lang="fr-FR"/>
+    </a:p>
+  </c:txPr>
+  <c:externalData r:id="rId3">
+    <c:autoUpdate val="0"/>
+  </c:externalData>
+</c:chartSpace>
+</file>
+
+<file path=ppt/charts/chart4.xml><?xml version="1.0" encoding="utf-8"?>
+<c:chartSpace xmlns:c="http://schemas.openxmlformats.org/drawingml/2006/chart" xmlns:a="http://schemas.openxmlformats.org/drawingml/2006/main" xmlns:r="http://schemas.openxmlformats.org/officeDocument/2006/relationships" xmlns:c16r2="http://schemas.microsoft.com/office/drawing/2015/06/chart">
+  <c:date1904 val="0"/>
+  <c:lang val="fr-FR"/>
+  <c:roundedCorners val="0"/>
+  <mc:AlternateContent xmlns:mc="http://schemas.openxmlformats.org/markup-compatibility/2006">
+    <mc:Choice xmlns:c14="http://schemas.microsoft.com/office/drawing/2007/8/2/chart" Requires="c14">
+      <c14:style val="102"/>
+    </mc:Choice>
+    <mc:Fallback>
+      <c:style val="2"/>
+    </mc:Fallback>
+  </mc:AlternateContent>
+  <c:chart>
+    <c:title>
+      <c:tx>
+        <c:rich>
+          <a:bodyPr rot="0" spcFirstLastPara="1" vertOverflow="ellipsis" vert="horz" wrap="square" anchor="ctr" anchorCtr="1"/>
+          <a:lstStyle/>
+          <a:p>
+            <a:pPr>
+              <a:defRPr sz="1800" b="1" i="0" u="none" strike="noStrike" kern="1200" baseline="0">
+                <a:solidFill>
+                  <a:schemeClr val="dk1">
+                    <a:lumMod val="65000"/>
+                    <a:lumOff val="35000"/>
+                  </a:schemeClr>
+                </a:solidFill>
+                <a:latin typeface="+mn-lt"/>
+                <a:ea typeface="+mn-ea"/>
+                <a:cs typeface="+mn-cs"/>
+              </a:defRPr>
+            </a:pPr>
+            <a:r>
+              <a:rPr lang="fr-CH"/>
+              <a:t>ICMP Request distribution</a:t>
+            </a:r>
+          </a:p>
+        </c:rich>
+      </c:tx>
+      <c:overlay val="0"/>
+      <c:spPr>
+        <a:noFill/>
+        <a:ln>
+          <a:noFill/>
+        </a:ln>
+        <a:effectLst/>
+      </c:spPr>
+      <c:txPr>
+        <a:bodyPr rot="0" spcFirstLastPara="1" vertOverflow="ellipsis" vert="horz" wrap="square" anchor="ctr" anchorCtr="1"/>
+        <a:lstStyle/>
+        <a:p>
+          <a:pPr>
+            <a:defRPr sz="1800" b="1" i="0" u="none" strike="noStrike" kern="1200" baseline="0">
+              <a:solidFill>
+                <a:schemeClr val="dk1">
+                  <a:lumMod val="65000"/>
+                  <a:lumOff val="35000"/>
+                </a:schemeClr>
+              </a:solidFill>
+              <a:latin typeface="+mn-lt"/>
+              <a:ea typeface="+mn-ea"/>
+              <a:cs typeface="+mn-cs"/>
+            </a:defRPr>
+          </a:pPr>
+          <a:endParaRPr lang="fr-FR"/>
+        </a:p>
+      </c:txPr>
+    </c:title>
+    <c:autoTitleDeleted val="0"/>
+    <c:plotArea>
+      <c:layout/>
+      <c:ofPieChart>
+        <c:ofPieType val="pie"/>
+        <c:varyColors val="1"/>
+        <c:ser>
+          <c:idx val="0"/>
+          <c:order val="0"/>
+          <c:dPt>
+            <c:idx val="0"/>
+            <c:bubble3D val="0"/>
+            <c:spPr>
+              <a:solidFill>
+                <a:schemeClr val="accent1"/>
+              </a:solidFill>
+              <a:ln>
+                <a:noFill/>
+              </a:ln>
+              <a:effectLst>
+                <a:outerShdw blurRad="317500" algn="ctr" rotWithShape="0">
+                  <a:prstClr val="black">
+                    <a:alpha val="25000"/>
+                  </a:prstClr>
+                </a:outerShdw>
+              </a:effectLst>
+            </c:spPr>
+            <c:extLst>
+              <c:ext xmlns:c16="http://schemas.microsoft.com/office/drawing/2014/chart" uri="{C3380CC4-5D6E-409C-BE32-E72D297353CC}">
+                <c16:uniqueId val="{00000001-75F7-4273-94EE-7DAFCA23698B}"/>
+              </c:ext>
+            </c:extLst>
+          </c:dPt>
+          <c:dPt>
+            <c:idx val="1"/>
+            <c:bubble3D val="0"/>
+            <c:spPr>
+              <a:solidFill>
+                <a:schemeClr val="accent2"/>
+              </a:solidFill>
+              <a:ln>
+                <a:noFill/>
+              </a:ln>
+              <a:effectLst>
+                <a:outerShdw blurRad="317500" algn="ctr" rotWithShape="0">
+                  <a:prstClr val="black">
+                    <a:alpha val="25000"/>
+                  </a:prstClr>
+                </a:outerShdw>
+              </a:effectLst>
+            </c:spPr>
+            <c:extLst>
+              <c:ext xmlns:c16="http://schemas.microsoft.com/office/drawing/2014/chart" uri="{C3380CC4-5D6E-409C-BE32-E72D297353CC}">
+                <c16:uniqueId val="{00000003-75F7-4273-94EE-7DAFCA23698B}"/>
+              </c:ext>
+            </c:extLst>
+          </c:dPt>
+          <c:dPt>
+            <c:idx val="2"/>
+            <c:bubble3D val="0"/>
+            <c:spPr>
+              <a:solidFill>
+                <a:schemeClr val="accent3"/>
+              </a:solidFill>
+              <a:ln>
+                <a:noFill/>
+              </a:ln>
+              <a:effectLst>
+                <a:outerShdw blurRad="317500" algn="ctr" rotWithShape="0">
+                  <a:prstClr val="black">
+                    <a:alpha val="25000"/>
+                  </a:prstClr>
+                </a:outerShdw>
+              </a:effectLst>
+            </c:spPr>
+            <c:extLst>
+              <c:ext xmlns:c16="http://schemas.microsoft.com/office/drawing/2014/chart" uri="{C3380CC4-5D6E-409C-BE32-E72D297353CC}">
+                <c16:uniqueId val="{00000005-75F7-4273-94EE-7DAFCA23698B}"/>
+              </c:ext>
+            </c:extLst>
+          </c:dPt>
+          <c:dPt>
+            <c:idx val="3"/>
+            <c:bubble3D val="0"/>
+            <c:spPr>
+              <a:solidFill>
+                <a:schemeClr val="accent4"/>
+              </a:solidFill>
+              <a:ln>
+                <a:noFill/>
+              </a:ln>
+              <a:effectLst>
+                <a:outerShdw blurRad="317500" algn="ctr" rotWithShape="0">
+                  <a:prstClr val="black">
+                    <a:alpha val="25000"/>
+                  </a:prstClr>
+                </a:outerShdw>
+              </a:effectLst>
+            </c:spPr>
+            <c:extLst>
+              <c:ext xmlns:c16="http://schemas.microsoft.com/office/drawing/2014/chart" uri="{C3380CC4-5D6E-409C-BE32-E72D297353CC}">
+                <c16:uniqueId val="{00000007-75F7-4273-94EE-7DAFCA23698B}"/>
+              </c:ext>
+            </c:extLst>
+          </c:dPt>
+          <c:dPt>
+            <c:idx val="4"/>
+            <c:bubble3D val="0"/>
+            <c:spPr>
+              <a:solidFill>
+                <a:schemeClr val="accent5"/>
+              </a:solidFill>
+              <a:ln>
+                <a:noFill/>
+              </a:ln>
+              <a:effectLst>
+                <a:outerShdw blurRad="317500" algn="ctr" rotWithShape="0">
+                  <a:prstClr val="black">
+                    <a:alpha val="25000"/>
+                  </a:prstClr>
+                </a:outerShdw>
+              </a:effectLst>
+            </c:spPr>
+            <c:extLst>
+              <c:ext xmlns:c16="http://schemas.microsoft.com/office/drawing/2014/chart" uri="{C3380CC4-5D6E-409C-BE32-E72D297353CC}">
+                <c16:uniqueId val="{00000009-75F7-4273-94EE-7DAFCA23698B}"/>
+              </c:ext>
+            </c:extLst>
+          </c:dPt>
+          <c:dPt>
+            <c:idx val="5"/>
+            <c:bubble3D val="0"/>
+            <c:spPr>
+              <a:solidFill>
+                <a:schemeClr val="accent6"/>
+              </a:solidFill>
+              <a:ln>
+                <a:noFill/>
+              </a:ln>
+              <a:effectLst>
+                <a:outerShdw blurRad="317500" algn="ctr" rotWithShape="0">
+                  <a:prstClr val="black">
+                    <a:alpha val="25000"/>
+                  </a:prstClr>
+                </a:outerShdw>
+              </a:effectLst>
+            </c:spPr>
+            <c:extLst>
+              <c:ext xmlns:c16="http://schemas.microsoft.com/office/drawing/2014/chart" uri="{C3380CC4-5D6E-409C-BE32-E72D297353CC}">
+                <c16:uniqueId val="{0000000B-75F7-4273-94EE-7DAFCA23698B}"/>
+              </c:ext>
+            </c:extLst>
+          </c:dPt>
+          <c:dPt>
+            <c:idx val="6"/>
+            <c:bubble3D val="0"/>
+            <c:spPr>
+              <a:solidFill>
+                <a:schemeClr val="accent1">
+                  <a:lumMod val="60000"/>
+                </a:schemeClr>
+              </a:solidFill>
+              <a:ln>
+                <a:noFill/>
+              </a:ln>
+              <a:effectLst>
+                <a:outerShdw blurRad="317500" algn="ctr" rotWithShape="0">
+                  <a:prstClr val="black">
+                    <a:alpha val="25000"/>
+                  </a:prstClr>
+                </a:outerShdw>
+              </a:effectLst>
+            </c:spPr>
+            <c:extLst>
+              <c:ext xmlns:c16="http://schemas.microsoft.com/office/drawing/2014/chart" uri="{C3380CC4-5D6E-409C-BE32-E72D297353CC}">
+                <c16:uniqueId val="{0000000D-75F7-4273-94EE-7DAFCA23698B}"/>
+              </c:ext>
+            </c:extLst>
+          </c:dPt>
+          <c:dPt>
+            <c:idx val="7"/>
+            <c:bubble3D val="0"/>
+            <c:spPr>
+              <a:solidFill>
+                <a:schemeClr val="accent2">
+                  <a:lumMod val="60000"/>
+                </a:schemeClr>
+              </a:solidFill>
+              <a:ln>
+                <a:noFill/>
+              </a:ln>
+              <a:effectLst>
+                <a:outerShdw blurRad="317500" algn="ctr" rotWithShape="0">
+                  <a:prstClr val="black">
+                    <a:alpha val="25000"/>
+                  </a:prstClr>
+                </a:outerShdw>
+              </a:effectLst>
+            </c:spPr>
+            <c:extLst>
+              <c:ext xmlns:c16="http://schemas.microsoft.com/office/drawing/2014/chart" uri="{C3380CC4-5D6E-409C-BE32-E72D297353CC}">
+                <c16:uniqueId val="{0000000F-75F7-4273-94EE-7DAFCA23698B}"/>
+              </c:ext>
+            </c:extLst>
+          </c:dPt>
+          <c:dLbls>
+            <c:spPr>
+              <a:noFill/>
+              <a:ln>
+                <a:noFill/>
+              </a:ln>
+              <a:effectLst/>
+            </c:spPr>
+            <c:txPr>
+              <a:bodyPr rot="0" spcFirstLastPara="1" vertOverflow="ellipsis" vert="horz" wrap="square" lIns="38100" tIns="19050" rIns="38100" bIns="19050" anchor="ctr" anchorCtr="1">
+                <a:spAutoFit/>
+              </a:bodyPr>
+              <a:lstStyle/>
+              <a:p>
+                <a:pPr>
+                  <a:defRPr sz="900" b="1" i="0" u="none" strike="noStrike" kern="1200" baseline="0">
+                    <a:solidFill>
+                      <a:schemeClr val="lt1"/>
+                    </a:solidFill>
+                    <a:latin typeface="+mn-lt"/>
+                    <a:ea typeface="+mn-ea"/>
+                    <a:cs typeface="+mn-cs"/>
+                  </a:defRPr>
+                </a:pPr>
+                <a:endParaRPr lang="fr-FR"/>
+              </a:p>
+            </c:txPr>
+            <c:dLblPos val="inEnd"/>
+            <c:showLegendKey val="0"/>
+            <c:showVal val="0"/>
+            <c:showCatName val="0"/>
+            <c:showSerName val="0"/>
+            <c:showPercent val="1"/>
+            <c:showBubbleSize val="0"/>
+            <c:showLeaderLines val="1"/>
+            <c:leaderLines>
+              <c:spPr>
+                <a:ln w="9525" cap="flat" cmpd="sng" algn="ctr">
+                  <a:solidFill>
+                    <a:schemeClr val="dk1">
+                      <a:lumMod val="35000"/>
+                      <a:lumOff val="65000"/>
+                    </a:schemeClr>
+                  </a:solidFill>
+                  <a:round/>
+                </a:ln>
+                <a:effectLst/>
+              </c:spPr>
+            </c:leaderLines>
+            <c:extLst>
+              <c:ext xmlns:c15="http://schemas.microsoft.com/office/drawing/2012/chart" uri="{CE6537A1-D6FC-4f65-9D91-7224C49458BB}"/>
+            </c:extLst>
+          </c:dLbls>
+          <c:cat>
+            <c:strRef>
+              <c:f>Feuil1!$A$6:$A$12</c:f>
+              <c:strCache>
+                <c:ptCount val="7"/>
+                <c:pt idx="0">
+                  <c:v>smurf</c:v>
+                </c:pt>
+                <c:pt idx="1">
+                  <c:v>normal</c:v>
+                </c:pt>
+                <c:pt idx="2">
+                  <c:v>ipsweep</c:v>
+                </c:pt>
+                <c:pt idx="3">
+                  <c:v>nmap</c:v>
+                </c:pt>
+                <c:pt idx="4">
+                  <c:v>pod</c:v>
+                </c:pt>
+                <c:pt idx="5">
+                  <c:v>satan</c:v>
+                </c:pt>
+                <c:pt idx="6">
+                  <c:v>portsweep</c:v>
+                </c:pt>
+              </c:strCache>
+            </c:strRef>
+          </c:cat>
+          <c:val>
+            <c:numRef>
+              <c:f>Feuil1!$B$6:$B$12</c:f>
+              <c:numCache>
+                <c:formatCode>General</c:formatCode>
+                <c:ptCount val="7"/>
+                <c:pt idx="0">
+                  <c:v>2807886</c:v>
+                </c:pt>
+                <c:pt idx="1">
+                  <c:v>12763</c:v>
+                </c:pt>
+                <c:pt idx="2">
+                  <c:v>11557</c:v>
+                </c:pt>
+                <c:pt idx="3">
+                  <c:v>1032</c:v>
+                </c:pt>
+                <c:pt idx="4">
+                  <c:v>264</c:v>
+                </c:pt>
+                <c:pt idx="5">
+                  <c:v>37</c:v>
+                </c:pt>
+                <c:pt idx="6">
+                  <c:v>6</c:v>
+                </c:pt>
+              </c:numCache>
+            </c:numRef>
+          </c:val>
+          <c:extLst>
+            <c:ext xmlns:c16="http://schemas.microsoft.com/office/drawing/2014/chart" uri="{C3380CC4-5D6E-409C-BE32-E72D297353CC}">
+              <c16:uniqueId val="{00000010-75F7-4273-94EE-7DAFCA23698B}"/>
+            </c:ext>
+          </c:extLst>
+        </c:ser>
+        <c:dLbls>
+          <c:dLblPos val="inEnd"/>
+          <c:showLegendKey val="0"/>
+          <c:showVal val="0"/>
+          <c:showCatName val="0"/>
+          <c:showSerName val="0"/>
+          <c:showPercent val="1"/>
+          <c:showBubbleSize val="0"/>
+          <c:showLeaderLines val="1"/>
+        </c:dLbls>
+        <c:gapWidth val="100"/>
+        <c:splitType val="pos"/>
+        <c:splitPos val="6"/>
+        <c:secondPieSize val="75"/>
+        <c:serLines>
+          <c:spPr>
+            <a:ln w="9525" cap="flat" cmpd="sng" algn="ctr">
+              <a:solidFill>
+                <a:schemeClr val="dk1">
+                  <a:lumMod val="35000"/>
+                  <a:lumOff val="65000"/>
+                </a:schemeClr>
+              </a:solidFill>
+              <a:round/>
+            </a:ln>
+            <a:effectLst/>
+          </c:spPr>
+        </c:serLines>
+      </c:ofPieChart>
+      <c:spPr>
+        <a:noFill/>
+        <a:ln>
+          <a:noFill/>
+        </a:ln>
+        <a:effectLst/>
+      </c:spPr>
+    </c:plotArea>
+    <c:legend>
+      <c:legendPos val="b"/>
+      <c:overlay val="0"/>
+      <c:spPr>
+        <a:solidFill>
+          <a:schemeClr val="lt1">
+            <a:alpha val="78000"/>
+          </a:schemeClr>
+        </a:solidFill>
+        <a:ln>
+          <a:noFill/>
+        </a:ln>
+        <a:effectLst/>
+      </c:spPr>
+      <c:txPr>
+        <a:bodyPr rot="0" spcFirstLastPara="1" vertOverflow="ellipsis" vert="horz" wrap="square" anchor="ctr" anchorCtr="1"/>
+        <a:lstStyle/>
+        <a:p>
+          <a:pPr>
+            <a:defRPr sz="900" b="0" i="0" u="none" strike="noStrike" kern="1200" baseline="0">
+              <a:solidFill>
+                <a:schemeClr val="dk1">
+                  <a:lumMod val="65000"/>
+                  <a:lumOff val="35000"/>
+                </a:schemeClr>
+              </a:solidFill>
+              <a:latin typeface="+mn-lt"/>
+              <a:ea typeface="+mn-ea"/>
+              <a:cs typeface="+mn-cs"/>
+            </a:defRPr>
+          </a:pPr>
+          <a:endParaRPr lang="fr-FR"/>
+        </a:p>
+      </c:txPr>
+    </c:legend>
+    <c:plotVisOnly val="1"/>
+    <c:dispBlanksAs val="gap"/>
+    <c:extLst>
+      <c:ext xmlns:c16r3="http://schemas.microsoft.com/office/drawing/2017/03/chart" uri="{56B9EC1D-385E-4148-901F-78D8002777C0}">
+        <c16r3:dataDisplayOptions16>
+          <c16r3:dispNaAsBlank val="1"/>
+        </c16r3:dataDisplayOptions16>
+      </c:ext>
+    </c:extLst>
+    <c:showDLblsOverMax val="0"/>
+  </c:chart>
+  <c:spPr>
+    <a:pattFill prst="dkDnDiag">
+      <a:fgClr>
+        <a:schemeClr val="lt1">
+          <a:lumMod val="95000"/>
+        </a:schemeClr>
+      </a:fgClr>
+      <a:bgClr>
+        <a:schemeClr val="lt1"/>
+      </a:bgClr>
+    </a:pattFill>
+    <a:ln w="9525" cap="flat" cmpd="sng" algn="ctr">
+      <a:solidFill>
+        <a:schemeClr val="dk1">
+          <a:lumMod val="15000"/>
+          <a:lumOff val="85000"/>
+        </a:schemeClr>
+      </a:solidFill>
+      <a:round/>
+    </a:ln>
+    <a:effectLst/>
+  </c:spPr>
+  <c:txPr>
+    <a:bodyPr/>
+    <a:lstStyle/>
+    <a:p>
+      <a:pPr>
+        <a:defRPr/>
+      </a:pPr>
+      <a:endParaRPr lang="fr-FR"/>
+    </a:p>
+  </c:txPr>
+  <c:externalData r:id="rId3">
+    <c:autoUpdate val="0"/>
+  </c:externalData>
+</c:chartSpace>
+</file>
+
 <file path=ppt/charts/colors1.xml><?xml version="1.0" encoding="utf-8"?>
 <cs:colorStyle xmlns:cs="http://schemas.microsoft.com/office/drawing/2012/chartStyle" xmlns:a="http://schemas.openxmlformats.org/drawingml/2006/main" meth="cycle" id="10">
   <a:schemeClr val="accent1"/>
@@ -521,7 +2002,1720 @@
 </cs:colorStyle>
 </file>
 
+<file path=ppt/charts/colors2.xml><?xml version="1.0" encoding="utf-8"?>
+<cs:colorStyle xmlns:cs="http://schemas.microsoft.com/office/drawing/2012/chartStyle" xmlns:a="http://schemas.openxmlformats.org/drawingml/2006/main" meth="cycle" id="10">
+  <a:schemeClr val="accent1"/>
+  <a:schemeClr val="accent2"/>
+  <a:schemeClr val="accent3"/>
+  <a:schemeClr val="accent4"/>
+  <a:schemeClr val="accent5"/>
+  <a:schemeClr val="accent6"/>
+  <cs:variation/>
+  <cs:variation>
+    <a:lumMod val="60000"/>
+  </cs:variation>
+  <cs:variation>
+    <a:lumMod val="80000"/>
+    <a:lumOff val="20000"/>
+  </cs:variation>
+  <cs:variation>
+    <a:lumMod val="80000"/>
+  </cs:variation>
+  <cs:variation>
+    <a:lumMod val="60000"/>
+    <a:lumOff val="40000"/>
+  </cs:variation>
+  <cs:variation>
+    <a:lumMod val="50000"/>
+  </cs:variation>
+  <cs:variation>
+    <a:lumMod val="70000"/>
+    <a:lumOff val="30000"/>
+  </cs:variation>
+  <cs:variation>
+    <a:lumMod val="70000"/>
+  </cs:variation>
+  <cs:variation>
+    <a:lumMod val="50000"/>
+    <a:lumOff val="50000"/>
+  </cs:variation>
+</cs:colorStyle>
+</file>
+
+<file path=ppt/charts/colors3.xml><?xml version="1.0" encoding="utf-8"?>
+<cs:colorStyle xmlns:cs="http://schemas.microsoft.com/office/drawing/2012/chartStyle" xmlns:a="http://schemas.openxmlformats.org/drawingml/2006/main" meth="cycle" id="10">
+  <a:schemeClr val="accent1"/>
+  <a:schemeClr val="accent2"/>
+  <a:schemeClr val="accent3"/>
+  <a:schemeClr val="accent4"/>
+  <a:schemeClr val="accent5"/>
+  <a:schemeClr val="accent6"/>
+  <cs:variation/>
+  <cs:variation>
+    <a:lumMod val="60000"/>
+  </cs:variation>
+  <cs:variation>
+    <a:lumMod val="80000"/>
+    <a:lumOff val="20000"/>
+  </cs:variation>
+  <cs:variation>
+    <a:lumMod val="80000"/>
+  </cs:variation>
+  <cs:variation>
+    <a:lumMod val="60000"/>
+    <a:lumOff val="40000"/>
+  </cs:variation>
+  <cs:variation>
+    <a:lumMod val="50000"/>
+  </cs:variation>
+  <cs:variation>
+    <a:lumMod val="70000"/>
+    <a:lumOff val="30000"/>
+  </cs:variation>
+  <cs:variation>
+    <a:lumMod val="70000"/>
+  </cs:variation>
+  <cs:variation>
+    <a:lumMod val="50000"/>
+    <a:lumOff val="50000"/>
+  </cs:variation>
+</cs:colorStyle>
+</file>
+
+<file path=ppt/charts/colors4.xml><?xml version="1.0" encoding="utf-8"?>
+<cs:colorStyle xmlns:cs="http://schemas.microsoft.com/office/drawing/2012/chartStyle" xmlns:a="http://schemas.openxmlformats.org/drawingml/2006/main" meth="cycle" id="10">
+  <a:schemeClr val="accent1"/>
+  <a:schemeClr val="accent2"/>
+  <a:schemeClr val="accent3"/>
+  <a:schemeClr val="accent4"/>
+  <a:schemeClr val="accent5"/>
+  <a:schemeClr val="accent6"/>
+  <cs:variation/>
+  <cs:variation>
+    <a:lumMod val="60000"/>
+  </cs:variation>
+  <cs:variation>
+    <a:lumMod val="80000"/>
+    <a:lumOff val="20000"/>
+  </cs:variation>
+  <cs:variation>
+    <a:lumMod val="80000"/>
+  </cs:variation>
+  <cs:variation>
+    <a:lumMod val="60000"/>
+    <a:lumOff val="40000"/>
+  </cs:variation>
+  <cs:variation>
+    <a:lumMod val="50000"/>
+  </cs:variation>
+  <cs:variation>
+    <a:lumMod val="70000"/>
+    <a:lumOff val="30000"/>
+  </cs:variation>
+  <cs:variation>
+    <a:lumMod val="70000"/>
+  </cs:variation>
+  <cs:variation>
+    <a:lumMod val="50000"/>
+    <a:lumOff val="50000"/>
+  </cs:variation>
+</cs:colorStyle>
+</file>
+
 <file path=ppt/charts/style1.xml><?xml version="1.0" encoding="utf-8"?>
+<cs:chartStyle xmlns:cs="http://schemas.microsoft.com/office/drawing/2012/chartStyle" xmlns:a="http://schemas.openxmlformats.org/drawingml/2006/main" id="261">
+  <cs:axisTitle>
+    <cs:lnRef idx="0"/>
+    <cs:fillRef idx="0"/>
+    <cs:effectRef idx="0"/>
+    <cs:fontRef idx="minor">
+      <a:schemeClr val="dk1">
+        <a:lumMod val="65000"/>
+        <a:lumOff val="35000"/>
+      </a:schemeClr>
+    </cs:fontRef>
+    <cs:defRPr sz="900" kern="1200"/>
+  </cs:axisTitle>
+  <cs:categoryAxis>
+    <cs:lnRef idx="0"/>
+    <cs:fillRef idx="0"/>
+    <cs:effectRef idx="0"/>
+    <cs:fontRef idx="minor">
+      <a:schemeClr val="dk1">
+        <a:lumMod val="65000"/>
+        <a:lumOff val="35000"/>
+      </a:schemeClr>
+    </cs:fontRef>
+    <cs:defRPr sz="900" kern="1200"/>
+  </cs:categoryAxis>
+  <cs:chartArea>
+    <cs:lnRef idx="0"/>
+    <cs:fillRef idx="0"/>
+    <cs:effectRef idx="0"/>
+    <cs:fontRef idx="minor">
+      <a:schemeClr val="dk1"/>
+    </cs:fontRef>
+    <cs:spPr>
+      <a:pattFill prst="dkDnDiag">
+        <a:fgClr>
+          <a:schemeClr val="lt1">
+            <a:lumMod val="95000"/>
+          </a:schemeClr>
+        </a:fgClr>
+        <a:bgClr>
+          <a:schemeClr val="lt1"/>
+        </a:bgClr>
+      </a:pattFill>
+      <a:ln w="9525" cap="flat" cmpd="sng" algn="ctr">
+        <a:solidFill>
+          <a:schemeClr val="dk1">
+            <a:lumMod val="15000"/>
+            <a:lumOff val="85000"/>
+          </a:schemeClr>
+        </a:solidFill>
+        <a:round/>
+      </a:ln>
+    </cs:spPr>
+    <cs:defRPr sz="900" kern="1200"/>
+  </cs:chartArea>
+  <cs:dataLabel>
+    <cs:lnRef idx="0"/>
+    <cs:fillRef idx="0"/>
+    <cs:effectRef idx="0"/>
+    <cs:fontRef idx="minor">
+      <a:schemeClr val="lt1"/>
+    </cs:fontRef>
+    <cs:defRPr sz="900" b="1" i="0" u="none" strike="noStrike" kern="1200" baseline="0"/>
+  </cs:dataLabel>
+  <cs:dataLabelCallout>
+    <cs:lnRef idx="0"/>
+    <cs:fillRef idx="0"/>
+    <cs:effectRef idx="0"/>
+    <cs:fontRef idx="minor">
+      <a:schemeClr val="dk1">
+        <a:lumMod val="65000"/>
+        <a:lumOff val="35000"/>
+      </a:schemeClr>
+    </cs:fontRef>
+    <cs:spPr>
+      <a:solidFill>
+        <a:schemeClr val="lt1">
+          <a:alpha val="75000"/>
+        </a:schemeClr>
+      </a:solidFill>
+      <a:ln w="9525">
+        <a:solidFill>
+          <a:schemeClr val="dk1">
+            <a:lumMod val="25000"/>
+            <a:lumOff val="75000"/>
+          </a:schemeClr>
+        </a:solidFill>
+      </a:ln>
+    </cs:spPr>
+    <cs:defRPr sz="900" kern="1200"/>
+    <cs:bodyPr rot="0" spcFirstLastPara="1" vertOverflow="clip" horzOverflow="clip" vert="horz" wrap="square" lIns="36576" tIns="18288" rIns="36576" bIns="18288" anchor="ctr" anchorCtr="1">
+      <a:spAutoFit/>
+    </cs:bodyPr>
+  </cs:dataLabelCallout>
+  <cs:dataPoint>
+    <cs:lnRef idx="0"/>
+    <cs:fillRef idx="0">
+      <cs:styleClr val="auto"/>
+    </cs:fillRef>
+    <cs:effectRef idx="0"/>
+    <cs:fontRef idx="minor">
+      <a:schemeClr val="dk1"/>
+    </cs:fontRef>
+    <cs:spPr>
+      <a:solidFill>
+        <a:schemeClr val="phClr"/>
+      </a:solidFill>
+      <a:effectLst>
+        <a:outerShdw blurRad="317500" algn="ctr" rotWithShape="0">
+          <a:prstClr val="black">
+            <a:alpha val="25000"/>
+          </a:prstClr>
+        </a:outerShdw>
+      </a:effectLst>
+    </cs:spPr>
+  </cs:dataPoint>
+  <cs:dataPoint3D>
+    <cs:lnRef idx="0"/>
+    <cs:fillRef idx="0">
+      <cs:styleClr val="auto"/>
+    </cs:fillRef>
+    <cs:effectRef idx="0"/>
+    <cs:fontRef idx="minor">
+      <a:schemeClr val="dk1"/>
+    </cs:fontRef>
+    <cs:spPr>
+      <a:solidFill>
+        <a:schemeClr val="phClr"/>
+      </a:solidFill>
+      <a:effectLst>
+        <a:outerShdw blurRad="88900" sx="102000" sy="102000" algn="ctr" rotWithShape="0">
+          <a:prstClr val="black">
+            <a:alpha val="20000"/>
+          </a:prstClr>
+        </a:outerShdw>
+      </a:effectLst>
+      <a:scene3d>
+        <a:camera prst="orthographicFront"/>
+        <a:lightRig rig="threePt" dir="t"/>
+      </a:scene3d>
+      <a:sp3d prstMaterial="matte"/>
+    </cs:spPr>
+  </cs:dataPoint3D>
+  <cs:dataPointLine>
+    <cs:lnRef idx="0">
+      <cs:styleClr val="auto"/>
+    </cs:lnRef>
+    <cs:fillRef idx="0"/>
+    <cs:effectRef idx="0"/>
+    <cs:fontRef idx="minor">
+      <a:schemeClr val="dk1"/>
+    </cs:fontRef>
+    <cs:spPr>
+      <a:ln w="28575" cap="rnd">
+        <a:solidFill>
+          <a:schemeClr val="phClr"/>
+        </a:solidFill>
+        <a:round/>
+      </a:ln>
+    </cs:spPr>
+  </cs:dataPointLine>
+  <cs:dataPointMarker>
+    <cs:lnRef idx="0"/>
+    <cs:fillRef idx="0">
+      <cs:styleClr val="auto"/>
+    </cs:fillRef>
+    <cs:effectRef idx="0"/>
+    <cs:fontRef idx="minor">
+      <a:schemeClr val="dk1"/>
+    </cs:fontRef>
+    <cs:spPr>
+      <a:solidFill>
+        <a:schemeClr val="phClr"/>
+      </a:solidFill>
+      <a:ln w="9525">
+        <a:solidFill>
+          <a:schemeClr val="lt1"/>
+        </a:solidFill>
+      </a:ln>
+    </cs:spPr>
+  </cs:dataPointMarker>
+  <cs:dataPointMarkerLayout symbol="circle" size="6"/>
+  <cs:dataPointWireframe>
+    <cs:lnRef idx="0">
+      <cs:styleClr val="auto"/>
+    </cs:lnRef>
+    <cs:fillRef idx="0"/>
+    <cs:effectRef idx="0"/>
+    <cs:fontRef idx="minor">
+      <a:schemeClr val="dk1"/>
+    </cs:fontRef>
+    <cs:spPr>
+      <a:ln w="9525" cap="rnd">
+        <a:solidFill>
+          <a:schemeClr val="phClr"/>
+        </a:solidFill>
+        <a:round/>
+      </a:ln>
+    </cs:spPr>
+  </cs:dataPointWireframe>
+  <cs:dataTable>
+    <cs:lnRef idx="0"/>
+    <cs:fillRef idx="0"/>
+    <cs:effectRef idx="0"/>
+    <cs:fontRef idx="minor">
+      <a:schemeClr val="dk1">
+        <a:lumMod val="65000"/>
+        <a:lumOff val="35000"/>
+      </a:schemeClr>
+    </cs:fontRef>
+    <cs:spPr>
+      <a:noFill/>
+      <a:ln w="9525" cap="flat" cmpd="sng" algn="ctr">
+        <a:solidFill>
+          <a:schemeClr val="dk1">
+            <a:lumMod val="15000"/>
+            <a:lumOff val="85000"/>
+          </a:schemeClr>
+        </a:solidFill>
+        <a:round/>
+      </a:ln>
+    </cs:spPr>
+    <cs:defRPr sz="900" kern="1200"/>
+  </cs:dataTable>
+  <cs:downBar>
+    <cs:lnRef idx="0"/>
+    <cs:fillRef idx="0"/>
+    <cs:effectRef idx="0"/>
+    <cs:fontRef idx="minor">
+      <a:schemeClr val="dk1"/>
+    </cs:fontRef>
+    <cs:spPr>
+      <a:solidFill>
+        <a:schemeClr val="dk1">
+          <a:lumMod val="75000"/>
+          <a:lumOff val="25000"/>
+        </a:schemeClr>
+      </a:solidFill>
+      <a:ln w="9525" cap="flat" cmpd="sng" algn="ctr">
+        <a:solidFill>
+          <a:schemeClr val="dk1">
+            <a:lumMod val="65000"/>
+            <a:lumOff val="35000"/>
+          </a:schemeClr>
+        </a:solidFill>
+        <a:round/>
+      </a:ln>
+    </cs:spPr>
+  </cs:downBar>
+  <cs:dropLine>
+    <cs:lnRef idx="0"/>
+    <cs:fillRef idx="0"/>
+    <cs:effectRef idx="0"/>
+    <cs:fontRef idx="minor">
+      <a:schemeClr val="dk1"/>
+    </cs:fontRef>
+    <cs:spPr>
+      <a:ln w="9525" cap="flat" cmpd="sng" algn="ctr">
+        <a:solidFill>
+          <a:schemeClr val="dk1">
+            <a:lumMod val="35000"/>
+            <a:lumOff val="65000"/>
+          </a:schemeClr>
+        </a:solidFill>
+        <a:round/>
+      </a:ln>
+    </cs:spPr>
+  </cs:dropLine>
+  <cs:errorBar>
+    <cs:lnRef idx="0"/>
+    <cs:fillRef idx="0"/>
+    <cs:effectRef idx="0"/>
+    <cs:fontRef idx="minor">
+      <a:schemeClr val="dk1"/>
+    </cs:fontRef>
+    <cs:spPr>
+      <a:ln w="9525" cap="flat" cmpd="sng" algn="ctr">
+        <a:solidFill>
+          <a:schemeClr val="dk1">
+            <a:lumMod val="65000"/>
+            <a:lumOff val="35000"/>
+          </a:schemeClr>
+        </a:solidFill>
+        <a:round/>
+      </a:ln>
+    </cs:spPr>
+  </cs:errorBar>
+  <cs:floor>
+    <cs:lnRef idx="0"/>
+    <cs:fillRef idx="0"/>
+    <cs:effectRef idx="0"/>
+    <cs:fontRef idx="minor">
+      <a:schemeClr val="dk1"/>
+    </cs:fontRef>
+    <cs:spPr>
+      <a:noFill/>
+      <a:ln>
+        <a:noFill/>
+      </a:ln>
+    </cs:spPr>
+  </cs:floor>
+  <cs:gridlineMajor>
+    <cs:lnRef idx="0"/>
+    <cs:fillRef idx="0"/>
+    <cs:effectRef idx="0"/>
+    <cs:fontRef idx="minor">
+      <a:schemeClr val="dk1"/>
+    </cs:fontRef>
+    <cs:spPr>
+      <a:ln w="9525" cap="flat" cmpd="sng" algn="ctr">
+        <a:solidFill>
+          <a:schemeClr val="dk1">
+            <a:lumMod val="15000"/>
+            <a:lumOff val="85000"/>
+          </a:schemeClr>
+        </a:solidFill>
+        <a:round/>
+      </a:ln>
+    </cs:spPr>
+  </cs:gridlineMajor>
+  <cs:gridlineMinor>
+    <cs:lnRef idx="0"/>
+    <cs:fillRef idx="0"/>
+    <cs:effectRef idx="0"/>
+    <cs:fontRef idx="minor">
+      <a:schemeClr val="dk1"/>
+    </cs:fontRef>
+    <cs:spPr>
+      <a:ln w="9525" cap="flat" cmpd="sng" algn="ctr">
+        <a:solidFill>
+          <a:schemeClr val="dk1">
+            <a:lumMod val="5000"/>
+            <a:lumOff val="95000"/>
+          </a:schemeClr>
+        </a:solidFill>
+        <a:round/>
+      </a:ln>
+    </cs:spPr>
+  </cs:gridlineMinor>
+  <cs:hiLoLine>
+    <cs:lnRef idx="0"/>
+    <cs:fillRef idx="0"/>
+    <cs:effectRef idx="0"/>
+    <cs:fontRef idx="minor">
+      <a:schemeClr val="dk1"/>
+    </cs:fontRef>
+    <cs:spPr>
+      <a:ln w="9525" cap="flat" cmpd="sng" algn="ctr">
+        <a:solidFill>
+          <a:schemeClr val="dk1">
+            <a:lumMod val="50000"/>
+            <a:lumOff val="50000"/>
+          </a:schemeClr>
+        </a:solidFill>
+        <a:round/>
+      </a:ln>
+    </cs:spPr>
+  </cs:hiLoLine>
+  <cs:leaderLine>
+    <cs:lnRef idx="0"/>
+    <cs:fillRef idx="0"/>
+    <cs:effectRef idx="0"/>
+    <cs:fontRef idx="minor">
+      <a:schemeClr val="dk1"/>
+    </cs:fontRef>
+    <cs:spPr>
+      <a:ln w="9525" cap="flat" cmpd="sng" algn="ctr">
+        <a:solidFill>
+          <a:schemeClr val="dk1">
+            <a:lumMod val="35000"/>
+            <a:lumOff val="65000"/>
+          </a:schemeClr>
+        </a:solidFill>
+        <a:round/>
+      </a:ln>
+    </cs:spPr>
+  </cs:leaderLine>
+  <cs:legend>
+    <cs:lnRef idx="0"/>
+    <cs:fillRef idx="0"/>
+    <cs:effectRef idx="0"/>
+    <cs:fontRef idx="minor">
+      <a:schemeClr val="dk1">
+        <a:lumMod val="65000"/>
+        <a:lumOff val="35000"/>
+      </a:schemeClr>
+    </cs:fontRef>
+    <cs:spPr>
+      <a:solidFill>
+        <a:schemeClr val="lt1">
+          <a:alpha val="78000"/>
+        </a:schemeClr>
+      </a:solidFill>
+    </cs:spPr>
+    <cs:defRPr sz="900" kern="1200"/>
+  </cs:legend>
+  <cs:plotArea mods="allowNoFillOverride allowNoLineOverride">
+    <cs:lnRef idx="0"/>
+    <cs:fillRef idx="0"/>
+    <cs:effectRef idx="0"/>
+    <cs:fontRef idx="minor">
+      <a:schemeClr val="dk1"/>
+    </cs:fontRef>
+  </cs:plotArea>
+  <cs:plotArea3D mods="allowNoFillOverride allowNoLineOverride">
+    <cs:lnRef idx="0"/>
+    <cs:fillRef idx="0"/>
+    <cs:effectRef idx="0"/>
+    <cs:fontRef idx="minor">
+      <a:schemeClr val="dk1"/>
+    </cs:fontRef>
+  </cs:plotArea3D>
+  <cs:seriesAxis>
+    <cs:lnRef idx="0"/>
+    <cs:fillRef idx="0"/>
+    <cs:effectRef idx="0"/>
+    <cs:fontRef idx="minor">
+      <a:schemeClr val="dk1">
+        <a:lumMod val="65000"/>
+        <a:lumOff val="35000"/>
+      </a:schemeClr>
+    </cs:fontRef>
+    <cs:defRPr sz="900" kern="1200"/>
+  </cs:seriesAxis>
+  <cs:seriesLine>
+    <cs:lnRef idx="0"/>
+    <cs:fillRef idx="0"/>
+    <cs:effectRef idx="0"/>
+    <cs:fontRef idx="minor">
+      <a:schemeClr val="dk1"/>
+    </cs:fontRef>
+    <cs:spPr>
+      <a:ln w="9525" cap="flat" cmpd="sng" algn="ctr">
+        <a:solidFill>
+          <a:schemeClr val="dk1">
+            <a:lumMod val="35000"/>
+            <a:lumOff val="65000"/>
+          </a:schemeClr>
+        </a:solidFill>
+        <a:round/>
+      </a:ln>
+    </cs:spPr>
+  </cs:seriesLine>
+  <cs:title>
+    <cs:lnRef idx="0"/>
+    <cs:fillRef idx="0"/>
+    <cs:effectRef idx="0"/>
+    <cs:fontRef idx="minor">
+      <a:schemeClr val="dk1">
+        <a:lumMod val="65000"/>
+        <a:lumOff val="35000"/>
+      </a:schemeClr>
+    </cs:fontRef>
+    <cs:defRPr sz="1800" b="1" kern="1200" baseline="0"/>
+  </cs:title>
+  <cs:trendline>
+    <cs:lnRef idx="0">
+      <cs:styleClr val="auto"/>
+    </cs:lnRef>
+    <cs:fillRef idx="0"/>
+    <cs:effectRef idx="0"/>
+    <cs:fontRef idx="minor">
+      <a:schemeClr val="dk1"/>
+    </cs:fontRef>
+    <cs:spPr>
+      <a:ln w="19050" cap="rnd">
+        <a:solidFill>
+          <a:schemeClr val="phClr"/>
+        </a:solidFill>
+        <a:prstDash val="sysDash"/>
+      </a:ln>
+    </cs:spPr>
+  </cs:trendline>
+  <cs:trendlineLabel>
+    <cs:lnRef idx="0"/>
+    <cs:fillRef idx="0"/>
+    <cs:effectRef idx="0"/>
+    <cs:fontRef idx="minor">
+      <a:schemeClr val="dk1">
+        <a:lumMod val="65000"/>
+        <a:lumOff val="35000"/>
+      </a:schemeClr>
+    </cs:fontRef>
+    <cs:defRPr sz="900" kern="1200"/>
+  </cs:trendlineLabel>
+  <cs:upBar>
+    <cs:lnRef idx="0"/>
+    <cs:fillRef idx="0"/>
+    <cs:effectRef idx="0"/>
+    <cs:fontRef idx="minor">
+      <a:schemeClr val="dk1"/>
+    </cs:fontRef>
+    <cs:spPr>
+      <a:solidFill>
+        <a:schemeClr val="lt1"/>
+      </a:solidFill>
+      <a:ln w="9525" cap="flat" cmpd="sng" algn="ctr">
+        <a:solidFill>
+          <a:schemeClr val="dk1">
+            <a:lumMod val="65000"/>
+            <a:lumOff val="35000"/>
+          </a:schemeClr>
+        </a:solidFill>
+        <a:round/>
+      </a:ln>
+    </cs:spPr>
+  </cs:upBar>
+  <cs:valueAxis>
+    <cs:lnRef idx="0"/>
+    <cs:fillRef idx="0"/>
+    <cs:effectRef idx="0"/>
+    <cs:fontRef idx="minor">
+      <a:schemeClr val="dk1">
+        <a:lumMod val="65000"/>
+        <a:lumOff val="35000"/>
+      </a:schemeClr>
+    </cs:fontRef>
+    <cs:defRPr sz="900" kern="1200"/>
+  </cs:valueAxis>
+  <cs:wall>
+    <cs:lnRef idx="0"/>
+    <cs:fillRef idx="0"/>
+    <cs:effectRef idx="0"/>
+    <cs:fontRef idx="minor">
+      <a:schemeClr val="dk1"/>
+    </cs:fontRef>
+  </cs:wall>
+</cs:chartStyle>
+</file>
+
+<file path=ppt/charts/style2.xml><?xml version="1.0" encoding="utf-8"?>
+<cs:chartStyle xmlns:cs="http://schemas.microsoft.com/office/drawing/2012/chartStyle" xmlns:a="http://schemas.openxmlformats.org/drawingml/2006/main" id="261">
+  <cs:axisTitle>
+    <cs:lnRef idx="0"/>
+    <cs:fillRef idx="0"/>
+    <cs:effectRef idx="0"/>
+    <cs:fontRef idx="minor">
+      <a:schemeClr val="dk1">
+        <a:lumMod val="65000"/>
+        <a:lumOff val="35000"/>
+      </a:schemeClr>
+    </cs:fontRef>
+    <cs:defRPr sz="900" kern="1200"/>
+  </cs:axisTitle>
+  <cs:categoryAxis>
+    <cs:lnRef idx="0"/>
+    <cs:fillRef idx="0"/>
+    <cs:effectRef idx="0"/>
+    <cs:fontRef idx="minor">
+      <a:schemeClr val="dk1">
+        <a:lumMod val="65000"/>
+        <a:lumOff val="35000"/>
+      </a:schemeClr>
+    </cs:fontRef>
+    <cs:defRPr sz="900" kern="1200"/>
+  </cs:categoryAxis>
+  <cs:chartArea>
+    <cs:lnRef idx="0"/>
+    <cs:fillRef idx="0"/>
+    <cs:effectRef idx="0"/>
+    <cs:fontRef idx="minor">
+      <a:schemeClr val="dk1"/>
+    </cs:fontRef>
+    <cs:spPr>
+      <a:pattFill prst="dkDnDiag">
+        <a:fgClr>
+          <a:schemeClr val="lt1">
+            <a:lumMod val="95000"/>
+          </a:schemeClr>
+        </a:fgClr>
+        <a:bgClr>
+          <a:schemeClr val="lt1"/>
+        </a:bgClr>
+      </a:pattFill>
+      <a:ln w="9525" cap="flat" cmpd="sng" algn="ctr">
+        <a:solidFill>
+          <a:schemeClr val="dk1">
+            <a:lumMod val="15000"/>
+            <a:lumOff val="85000"/>
+          </a:schemeClr>
+        </a:solidFill>
+        <a:round/>
+      </a:ln>
+    </cs:spPr>
+    <cs:defRPr sz="900" kern="1200"/>
+  </cs:chartArea>
+  <cs:dataLabel>
+    <cs:lnRef idx="0"/>
+    <cs:fillRef idx="0"/>
+    <cs:effectRef idx="0"/>
+    <cs:fontRef idx="minor">
+      <a:schemeClr val="lt1"/>
+    </cs:fontRef>
+    <cs:defRPr sz="900" b="1" i="0" u="none" strike="noStrike" kern="1200" baseline="0"/>
+  </cs:dataLabel>
+  <cs:dataLabelCallout>
+    <cs:lnRef idx="0"/>
+    <cs:fillRef idx="0"/>
+    <cs:effectRef idx="0"/>
+    <cs:fontRef idx="minor">
+      <a:schemeClr val="dk1">
+        <a:lumMod val="65000"/>
+        <a:lumOff val="35000"/>
+      </a:schemeClr>
+    </cs:fontRef>
+    <cs:spPr>
+      <a:solidFill>
+        <a:schemeClr val="lt1">
+          <a:alpha val="75000"/>
+        </a:schemeClr>
+      </a:solidFill>
+      <a:ln w="9525">
+        <a:solidFill>
+          <a:schemeClr val="dk1">
+            <a:lumMod val="25000"/>
+            <a:lumOff val="75000"/>
+          </a:schemeClr>
+        </a:solidFill>
+      </a:ln>
+    </cs:spPr>
+    <cs:defRPr sz="900" kern="1200"/>
+    <cs:bodyPr rot="0" spcFirstLastPara="1" vertOverflow="clip" horzOverflow="clip" vert="horz" wrap="square" lIns="36576" tIns="18288" rIns="36576" bIns="18288" anchor="ctr" anchorCtr="1">
+      <a:spAutoFit/>
+    </cs:bodyPr>
+  </cs:dataLabelCallout>
+  <cs:dataPoint>
+    <cs:lnRef idx="0"/>
+    <cs:fillRef idx="0">
+      <cs:styleClr val="auto"/>
+    </cs:fillRef>
+    <cs:effectRef idx="0"/>
+    <cs:fontRef idx="minor">
+      <a:schemeClr val="dk1"/>
+    </cs:fontRef>
+    <cs:spPr>
+      <a:solidFill>
+        <a:schemeClr val="phClr"/>
+      </a:solidFill>
+      <a:effectLst>
+        <a:outerShdw blurRad="317500" algn="ctr" rotWithShape="0">
+          <a:prstClr val="black">
+            <a:alpha val="25000"/>
+          </a:prstClr>
+        </a:outerShdw>
+      </a:effectLst>
+    </cs:spPr>
+  </cs:dataPoint>
+  <cs:dataPoint3D>
+    <cs:lnRef idx="0"/>
+    <cs:fillRef idx="0">
+      <cs:styleClr val="auto"/>
+    </cs:fillRef>
+    <cs:effectRef idx="0"/>
+    <cs:fontRef idx="minor">
+      <a:schemeClr val="dk1"/>
+    </cs:fontRef>
+    <cs:spPr>
+      <a:solidFill>
+        <a:schemeClr val="phClr"/>
+      </a:solidFill>
+      <a:effectLst>
+        <a:outerShdw blurRad="88900" sx="102000" sy="102000" algn="ctr" rotWithShape="0">
+          <a:prstClr val="black">
+            <a:alpha val="20000"/>
+          </a:prstClr>
+        </a:outerShdw>
+      </a:effectLst>
+      <a:scene3d>
+        <a:camera prst="orthographicFront"/>
+        <a:lightRig rig="threePt" dir="t"/>
+      </a:scene3d>
+      <a:sp3d prstMaterial="matte"/>
+    </cs:spPr>
+  </cs:dataPoint3D>
+  <cs:dataPointLine>
+    <cs:lnRef idx="0">
+      <cs:styleClr val="auto"/>
+    </cs:lnRef>
+    <cs:fillRef idx="0"/>
+    <cs:effectRef idx="0"/>
+    <cs:fontRef idx="minor">
+      <a:schemeClr val="dk1"/>
+    </cs:fontRef>
+    <cs:spPr>
+      <a:ln w="28575" cap="rnd">
+        <a:solidFill>
+          <a:schemeClr val="phClr"/>
+        </a:solidFill>
+        <a:round/>
+      </a:ln>
+    </cs:spPr>
+  </cs:dataPointLine>
+  <cs:dataPointMarker>
+    <cs:lnRef idx="0"/>
+    <cs:fillRef idx="0">
+      <cs:styleClr val="auto"/>
+    </cs:fillRef>
+    <cs:effectRef idx="0"/>
+    <cs:fontRef idx="minor">
+      <a:schemeClr val="dk1"/>
+    </cs:fontRef>
+    <cs:spPr>
+      <a:solidFill>
+        <a:schemeClr val="phClr"/>
+      </a:solidFill>
+      <a:ln w="9525">
+        <a:solidFill>
+          <a:schemeClr val="lt1"/>
+        </a:solidFill>
+      </a:ln>
+    </cs:spPr>
+  </cs:dataPointMarker>
+  <cs:dataPointMarkerLayout symbol="circle" size="6"/>
+  <cs:dataPointWireframe>
+    <cs:lnRef idx="0">
+      <cs:styleClr val="auto"/>
+    </cs:lnRef>
+    <cs:fillRef idx="0"/>
+    <cs:effectRef idx="0"/>
+    <cs:fontRef idx="minor">
+      <a:schemeClr val="dk1"/>
+    </cs:fontRef>
+    <cs:spPr>
+      <a:ln w="9525" cap="rnd">
+        <a:solidFill>
+          <a:schemeClr val="phClr"/>
+        </a:solidFill>
+        <a:round/>
+      </a:ln>
+    </cs:spPr>
+  </cs:dataPointWireframe>
+  <cs:dataTable>
+    <cs:lnRef idx="0"/>
+    <cs:fillRef idx="0"/>
+    <cs:effectRef idx="0"/>
+    <cs:fontRef idx="minor">
+      <a:schemeClr val="dk1">
+        <a:lumMod val="65000"/>
+        <a:lumOff val="35000"/>
+      </a:schemeClr>
+    </cs:fontRef>
+    <cs:spPr>
+      <a:noFill/>
+      <a:ln w="9525" cap="flat" cmpd="sng" algn="ctr">
+        <a:solidFill>
+          <a:schemeClr val="dk1">
+            <a:lumMod val="15000"/>
+            <a:lumOff val="85000"/>
+          </a:schemeClr>
+        </a:solidFill>
+        <a:round/>
+      </a:ln>
+    </cs:spPr>
+    <cs:defRPr sz="900" kern="1200"/>
+  </cs:dataTable>
+  <cs:downBar>
+    <cs:lnRef idx="0"/>
+    <cs:fillRef idx="0"/>
+    <cs:effectRef idx="0"/>
+    <cs:fontRef idx="minor">
+      <a:schemeClr val="dk1"/>
+    </cs:fontRef>
+    <cs:spPr>
+      <a:solidFill>
+        <a:schemeClr val="dk1">
+          <a:lumMod val="75000"/>
+          <a:lumOff val="25000"/>
+        </a:schemeClr>
+      </a:solidFill>
+      <a:ln w="9525" cap="flat" cmpd="sng" algn="ctr">
+        <a:solidFill>
+          <a:schemeClr val="dk1">
+            <a:lumMod val="65000"/>
+            <a:lumOff val="35000"/>
+          </a:schemeClr>
+        </a:solidFill>
+        <a:round/>
+      </a:ln>
+    </cs:spPr>
+  </cs:downBar>
+  <cs:dropLine>
+    <cs:lnRef idx="0"/>
+    <cs:fillRef idx="0"/>
+    <cs:effectRef idx="0"/>
+    <cs:fontRef idx="minor">
+      <a:schemeClr val="dk1"/>
+    </cs:fontRef>
+    <cs:spPr>
+      <a:ln w="9525" cap="flat" cmpd="sng" algn="ctr">
+        <a:solidFill>
+          <a:schemeClr val="dk1">
+            <a:lumMod val="35000"/>
+            <a:lumOff val="65000"/>
+          </a:schemeClr>
+        </a:solidFill>
+        <a:round/>
+      </a:ln>
+    </cs:spPr>
+  </cs:dropLine>
+  <cs:errorBar>
+    <cs:lnRef idx="0"/>
+    <cs:fillRef idx="0"/>
+    <cs:effectRef idx="0"/>
+    <cs:fontRef idx="minor">
+      <a:schemeClr val="dk1"/>
+    </cs:fontRef>
+    <cs:spPr>
+      <a:ln w="9525" cap="flat" cmpd="sng" algn="ctr">
+        <a:solidFill>
+          <a:schemeClr val="dk1">
+            <a:lumMod val="65000"/>
+            <a:lumOff val="35000"/>
+          </a:schemeClr>
+        </a:solidFill>
+        <a:round/>
+      </a:ln>
+    </cs:spPr>
+  </cs:errorBar>
+  <cs:floor>
+    <cs:lnRef idx="0"/>
+    <cs:fillRef idx="0"/>
+    <cs:effectRef idx="0"/>
+    <cs:fontRef idx="minor">
+      <a:schemeClr val="dk1"/>
+    </cs:fontRef>
+    <cs:spPr>
+      <a:noFill/>
+      <a:ln>
+        <a:noFill/>
+      </a:ln>
+    </cs:spPr>
+  </cs:floor>
+  <cs:gridlineMajor>
+    <cs:lnRef idx="0"/>
+    <cs:fillRef idx="0"/>
+    <cs:effectRef idx="0"/>
+    <cs:fontRef idx="minor">
+      <a:schemeClr val="dk1"/>
+    </cs:fontRef>
+    <cs:spPr>
+      <a:ln w="9525" cap="flat" cmpd="sng" algn="ctr">
+        <a:solidFill>
+          <a:schemeClr val="dk1">
+            <a:lumMod val="15000"/>
+            <a:lumOff val="85000"/>
+          </a:schemeClr>
+        </a:solidFill>
+        <a:round/>
+      </a:ln>
+    </cs:spPr>
+  </cs:gridlineMajor>
+  <cs:gridlineMinor>
+    <cs:lnRef idx="0"/>
+    <cs:fillRef idx="0"/>
+    <cs:effectRef idx="0"/>
+    <cs:fontRef idx="minor">
+      <a:schemeClr val="dk1"/>
+    </cs:fontRef>
+    <cs:spPr>
+      <a:ln w="9525" cap="flat" cmpd="sng" algn="ctr">
+        <a:solidFill>
+          <a:schemeClr val="dk1">
+            <a:lumMod val="5000"/>
+            <a:lumOff val="95000"/>
+          </a:schemeClr>
+        </a:solidFill>
+        <a:round/>
+      </a:ln>
+    </cs:spPr>
+  </cs:gridlineMinor>
+  <cs:hiLoLine>
+    <cs:lnRef idx="0"/>
+    <cs:fillRef idx="0"/>
+    <cs:effectRef idx="0"/>
+    <cs:fontRef idx="minor">
+      <a:schemeClr val="dk1"/>
+    </cs:fontRef>
+    <cs:spPr>
+      <a:ln w="9525" cap="flat" cmpd="sng" algn="ctr">
+        <a:solidFill>
+          <a:schemeClr val="dk1">
+            <a:lumMod val="50000"/>
+            <a:lumOff val="50000"/>
+          </a:schemeClr>
+        </a:solidFill>
+        <a:round/>
+      </a:ln>
+    </cs:spPr>
+  </cs:hiLoLine>
+  <cs:leaderLine>
+    <cs:lnRef idx="0"/>
+    <cs:fillRef idx="0"/>
+    <cs:effectRef idx="0"/>
+    <cs:fontRef idx="minor">
+      <a:schemeClr val="dk1"/>
+    </cs:fontRef>
+    <cs:spPr>
+      <a:ln w="9525" cap="flat" cmpd="sng" algn="ctr">
+        <a:solidFill>
+          <a:schemeClr val="dk1">
+            <a:lumMod val="35000"/>
+            <a:lumOff val="65000"/>
+          </a:schemeClr>
+        </a:solidFill>
+        <a:round/>
+      </a:ln>
+    </cs:spPr>
+  </cs:leaderLine>
+  <cs:legend>
+    <cs:lnRef idx="0"/>
+    <cs:fillRef idx="0"/>
+    <cs:effectRef idx="0"/>
+    <cs:fontRef idx="minor">
+      <a:schemeClr val="dk1">
+        <a:lumMod val="65000"/>
+        <a:lumOff val="35000"/>
+      </a:schemeClr>
+    </cs:fontRef>
+    <cs:spPr>
+      <a:solidFill>
+        <a:schemeClr val="lt1">
+          <a:alpha val="78000"/>
+        </a:schemeClr>
+      </a:solidFill>
+    </cs:spPr>
+    <cs:defRPr sz="900" kern="1200"/>
+  </cs:legend>
+  <cs:plotArea mods="allowNoFillOverride allowNoLineOverride">
+    <cs:lnRef idx="0"/>
+    <cs:fillRef idx="0"/>
+    <cs:effectRef idx="0"/>
+    <cs:fontRef idx="minor">
+      <a:schemeClr val="dk1"/>
+    </cs:fontRef>
+  </cs:plotArea>
+  <cs:plotArea3D mods="allowNoFillOverride allowNoLineOverride">
+    <cs:lnRef idx="0"/>
+    <cs:fillRef idx="0"/>
+    <cs:effectRef idx="0"/>
+    <cs:fontRef idx="minor">
+      <a:schemeClr val="dk1"/>
+    </cs:fontRef>
+  </cs:plotArea3D>
+  <cs:seriesAxis>
+    <cs:lnRef idx="0"/>
+    <cs:fillRef idx="0"/>
+    <cs:effectRef idx="0"/>
+    <cs:fontRef idx="minor">
+      <a:schemeClr val="dk1">
+        <a:lumMod val="65000"/>
+        <a:lumOff val="35000"/>
+      </a:schemeClr>
+    </cs:fontRef>
+    <cs:defRPr sz="900" kern="1200"/>
+  </cs:seriesAxis>
+  <cs:seriesLine>
+    <cs:lnRef idx="0"/>
+    <cs:fillRef idx="0"/>
+    <cs:effectRef idx="0"/>
+    <cs:fontRef idx="minor">
+      <a:schemeClr val="dk1"/>
+    </cs:fontRef>
+    <cs:spPr>
+      <a:ln w="9525" cap="flat" cmpd="sng" algn="ctr">
+        <a:solidFill>
+          <a:schemeClr val="dk1">
+            <a:lumMod val="35000"/>
+            <a:lumOff val="65000"/>
+          </a:schemeClr>
+        </a:solidFill>
+        <a:round/>
+      </a:ln>
+    </cs:spPr>
+  </cs:seriesLine>
+  <cs:title>
+    <cs:lnRef idx="0"/>
+    <cs:fillRef idx="0"/>
+    <cs:effectRef idx="0"/>
+    <cs:fontRef idx="minor">
+      <a:schemeClr val="dk1">
+        <a:lumMod val="65000"/>
+        <a:lumOff val="35000"/>
+      </a:schemeClr>
+    </cs:fontRef>
+    <cs:defRPr sz="1800" b="1" kern="1200" baseline="0"/>
+  </cs:title>
+  <cs:trendline>
+    <cs:lnRef idx="0">
+      <cs:styleClr val="auto"/>
+    </cs:lnRef>
+    <cs:fillRef idx="0"/>
+    <cs:effectRef idx="0"/>
+    <cs:fontRef idx="minor">
+      <a:schemeClr val="dk1"/>
+    </cs:fontRef>
+    <cs:spPr>
+      <a:ln w="19050" cap="rnd">
+        <a:solidFill>
+          <a:schemeClr val="phClr"/>
+        </a:solidFill>
+        <a:prstDash val="sysDash"/>
+      </a:ln>
+    </cs:spPr>
+  </cs:trendline>
+  <cs:trendlineLabel>
+    <cs:lnRef idx="0"/>
+    <cs:fillRef idx="0"/>
+    <cs:effectRef idx="0"/>
+    <cs:fontRef idx="minor">
+      <a:schemeClr val="dk1">
+        <a:lumMod val="65000"/>
+        <a:lumOff val="35000"/>
+      </a:schemeClr>
+    </cs:fontRef>
+    <cs:defRPr sz="900" kern="1200"/>
+  </cs:trendlineLabel>
+  <cs:upBar>
+    <cs:lnRef idx="0"/>
+    <cs:fillRef idx="0"/>
+    <cs:effectRef idx="0"/>
+    <cs:fontRef idx="minor">
+      <a:schemeClr val="dk1"/>
+    </cs:fontRef>
+    <cs:spPr>
+      <a:solidFill>
+        <a:schemeClr val="lt1"/>
+      </a:solidFill>
+      <a:ln w="9525" cap="flat" cmpd="sng" algn="ctr">
+        <a:solidFill>
+          <a:schemeClr val="dk1">
+            <a:lumMod val="65000"/>
+            <a:lumOff val="35000"/>
+          </a:schemeClr>
+        </a:solidFill>
+        <a:round/>
+      </a:ln>
+    </cs:spPr>
+  </cs:upBar>
+  <cs:valueAxis>
+    <cs:lnRef idx="0"/>
+    <cs:fillRef idx="0"/>
+    <cs:effectRef idx="0"/>
+    <cs:fontRef idx="minor">
+      <a:schemeClr val="dk1">
+        <a:lumMod val="65000"/>
+        <a:lumOff val="35000"/>
+      </a:schemeClr>
+    </cs:fontRef>
+    <cs:defRPr sz="900" kern="1200"/>
+  </cs:valueAxis>
+  <cs:wall>
+    <cs:lnRef idx="0"/>
+    <cs:fillRef idx="0"/>
+    <cs:effectRef idx="0"/>
+    <cs:fontRef idx="minor">
+      <a:schemeClr val="dk1"/>
+    </cs:fontRef>
+  </cs:wall>
+</cs:chartStyle>
+</file>
+
+<file path=ppt/charts/style3.xml><?xml version="1.0" encoding="utf-8"?>
+<cs:chartStyle xmlns:cs="http://schemas.microsoft.com/office/drawing/2012/chartStyle" xmlns:a="http://schemas.openxmlformats.org/drawingml/2006/main" id="261">
+  <cs:axisTitle>
+    <cs:lnRef idx="0"/>
+    <cs:fillRef idx="0"/>
+    <cs:effectRef idx="0"/>
+    <cs:fontRef idx="minor">
+      <a:schemeClr val="dk1">
+        <a:lumMod val="65000"/>
+        <a:lumOff val="35000"/>
+      </a:schemeClr>
+    </cs:fontRef>
+    <cs:defRPr sz="900" kern="1200"/>
+  </cs:axisTitle>
+  <cs:categoryAxis>
+    <cs:lnRef idx="0"/>
+    <cs:fillRef idx="0"/>
+    <cs:effectRef idx="0"/>
+    <cs:fontRef idx="minor">
+      <a:schemeClr val="dk1">
+        <a:lumMod val="65000"/>
+        <a:lumOff val="35000"/>
+      </a:schemeClr>
+    </cs:fontRef>
+    <cs:defRPr sz="900" kern="1200"/>
+  </cs:categoryAxis>
+  <cs:chartArea>
+    <cs:lnRef idx="0"/>
+    <cs:fillRef idx="0"/>
+    <cs:effectRef idx="0"/>
+    <cs:fontRef idx="minor">
+      <a:schemeClr val="dk1"/>
+    </cs:fontRef>
+    <cs:spPr>
+      <a:pattFill prst="dkDnDiag">
+        <a:fgClr>
+          <a:schemeClr val="lt1">
+            <a:lumMod val="95000"/>
+          </a:schemeClr>
+        </a:fgClr>
+        <a:bgClr>
+          <a:schemeClr val="lt1"/>
+        </a:bgClr>
+      </a:pattFill>
+      <a:ln w="9525" cap="flat" cmpd="sng" algn="ctr">
+        <a:solidFill>
+          <a:schemeClr val="dk1">
+            <a:lumMod val="15000"/>
+            <a:lumOff val="85000"/>
+          </a:schemeClr>
+        </a:solidFill>
+        <a:round/>
+      </a:ln>
+    </cs:spPr>
+    <cs:defRPr sz="900" kern="1200"/>
+  </cs:chartArea>
+  <cs:dataLabel>
+    <cs:lnRef idx="0"/>
+    <cs:fillRef idx="0"/>
+    <cs:effectRef idx="0"/>
+    <cs:fontRef idx="minor">
+      <a:schemeClr val="lt1"/>
+    </cs:fontRef>
+    <cs:defRPr sz="900" b="1" i="0" u="none" strike="noStrike" kern="1200" baseline="0"/>
+  </cs:dataLabel>
+  <cs:dataLabelCallout>
+    <cs:lnRef idx="0"/>
+    <cs:fillRef idx="0"/>
+    <cs:effectRef idx="0"/>
+    <cs:fontRef idx="minor">
+      <a:schemeClr val="dk1">
+        <a:lumMod val="65000"/>
+        <a:lumOff val="35000"/>
+      </a:schemeClr>
+    </cs:fontRef>
+    <cs:spPr>
+      <a:solidFill>
+        <a:schemeClr val="lt1">
+          <a:alpha val="75000"/>
+        </a:schemeClr>
+      </a:solidFill>
+      <a:ln w="9525">
+        <a:solidFill>
+          <a:schemeClr val="dk1">
+            <a:lumMod val="25000"/>
+            <a:lumOff val="75000"/>
+          </a:schemeClr>
+        </a:solidFill>
+      </a:ln>
+    </cs:spPr>
+    <cs:defRPr sz="900" kern="1200"/>
+    <cs:bodyPr rot="0" spcFirstLastPara="1" vertOverflow="clip" horzOverflow="clip" vert="horz" wrap="square" lIns="36576" tIns="18288" rIns="36576" bIns="18288" anchor="ctr" anchorCtr="1">
+      <a:spAutoFit/>
+    </cs:bodyPr>
+  </cs:dataLabelCallout>
+  <cs:dataPoint>
+    <cs:lnRef idx="0"/>
+    <cs:fillRef idx="0">
+      <cs:styleClr val="auto"/>
+    </cs:fillRef>
+    <cs:effectRef idx="0"/>
+    <cs:fontRef idx="minor">
+      <a:schemeClr val="dk1"/>
+    </cs:fontRef>
+    <cs:spPr>
+      <a:solidFill>
+        <a:schemeClr val="phClr"/>
+      </a:solidFill>
+      <a:effectLst>
+        <a:outerShdw blurRad="317500" algn="ctr" rotWithShape="0">
+          <a:prstClr val="black">
+            <a:alpha val="25000"/>
+          </a:prstClr>
+        </a:outerShdw>
+      </a:effectLst>
+    </cs:spPr>
+  </cs:dataPoint>
+  <cs:dataPoint3D>
+    <cs:lnRef idx="0"/>
+    <cs:fillRef idx="0">
+      <cs:styleClr val="auto"/>
+    </cs:fillRef>
+    <cs:effectRef idx="0"/>
+    <cs:fontRef idx="minor">
+      <a:schemeClr val="dk1"/>
+    </cs:fontRef>
+    <cs:spPr>
+      <a:solidFill>
+        <a:schemeClr val="phClr"/>
+      </a:solidFill>
+      <a:effectLst>
+        <a:outerShdw blurRad="88900" sx="102000" sy="102000" algn="ctr" rotWithShape="0">
+          <a:prstClr val="black">
+            <a:alpha val="20000"/>
+          </a:prstClr>
+        </a:outerShdw>
+      </a:effectLst>
+      <a:scene3d>
+        <a:camera prst="orthographicFront"/>
+        <a:lightRig rig="threePt" dir="t"/>
+      </a:scene3d>
+      <a:sp3d prstMaterial="matte"/>
+    </cs:spPr>
+  </cs:dataPoint3D>
+  <cs:dataPointLine>
+    <cs:lnRef idx="0">
+      <cs:styleClr val="auto"/>
+    </cs:lnRef>
+    <cs:fillRef idx="0"/>
+    <cs:effectRef idx="0"/>
+    <cs:fontRef idx="minor">
+      <a:schemeClr val="dk1"/>
+    </cs:fontRef>
+    <cs:spPr>
+      <a:ln w="28575" cap="rnd">
+        <a:solidFill>
+          <a:schemeClr val="phClr"/>
+        </a:solidFill>
+        <a:round/>
+      </a:ln>
+    </cs:spPr>
+  </cs:dataPointLine>
+  <cs:dataPointMarker>
+    <cs:lnRef idx="0"/>
+    <cs:fillRef idx="0">
+      <cs:styleClr val="auto"/>
+    </cs:fillRef>
+    <cs:effectRef idx="0"/>
+    <cs:fontRef idx="minor">
+      <a:schemeClr val="dk1"/>
+    </cs:fontRef>
+    <cs:spPr>
+      <a:solidFill>
+        <a:schemeClr val="phClr"/>
+      </a:solidFill>
+      <a:ln w="9525">
+        <a:solidFill>
+          <a:schemeClr val="lt1"/>
+        </a:solidFill>
+      </a:ln>
+    </cs:spPr>
+  </cs:dataPointMarker>
+  <cs:dataPointMarkerLayout symbol="circle" size="6"/>
+  <cs:dataPointWireframe>
+    <cs:lnRef idx="0">
+      <cs:styleClr val="auto"/>
+    </cs:lnRef>
+    <cs:fillRef idx="0"/>
+    <cs:effectRef idx="0"/>
+    <cs:fontRef idx="minor">
+      <a:schemeClr val="dk1"/>
+    </cs:fontRef>
+    <cs:spPr>
+      <a:ln w="9525" cap="rnd">
+        <a:solidFill>
+          <a:schemeClr val="phClr"/>
+        </a:solidFill>
+        <a:round/>
+      </a:ln>
+    </cs:spPr>
+  </cs:dataPointWireframe>
+  <cs:dataTable>
+    <cs:lnRef idx="0"/>
+    <cs:fillRef idx="0"/>
+    <cs:effectRef idx="0"/>
+    <cs:fontRef idx="minor">
+      <a:schemeClr val="dk1">
+        <a:lumMod val="65000"/>
+        <a:lumOff val="35000"/>
+      </a:schemeClr>
+    </cs:fontRef>
+    <cs:spPr>
+      <a:noFill/>
+      <a:ln w="9525" cap="flat" cmpd="sng" algn="ctr">
+        <a:solidFill>
+          <a:schemeClr val="dk1">
+            <a:lumMod val="15000"/>
+            <a:lumOff val="85000"/>
+          </a:schemeClr>
+        </a:solidFill>
+        <a:round/>
+      </a:ln>
+    </cs:spPr>
+    <cs:defRPr sz="900" kern="1200"/>
+  </cs:dataTable>
+  <cs:downBar>
+    <cs:lnRef idx="0"/>
+    <cs:fillRef idx="0"/>
+    <cs:effectRef idx="0"/>
+    <cs:fontRef idx="minor">
+      <a:schemeClr val="dk1"/>
+    </cs:fontRef>
+    <cs:spPr>
+      <a:solidFill>
+        <a:schemeClr val="dk1">
+          <a:lumMod val="75000"/>
+          <a:lumOff val="25000"/>
+        </a:schemeClr>
+      </a:solidFill>
+      <a:ln w="9525" cap="flat" cmpd="sng" algn="ctr">
+        <a:solidFill>
+          <a:schemeClr val="dk1">
+            <a:lumMod val="65000"/>
+            <a:lumOff val="35000"/>
+          </a:schemeClr>
+        </a:solidFill>
+        <a:round/>
+      </a:ln>
+    </cs:spPr>
+  </cs:downBar>
+  <cs:dropLine>
+    <cs:lnRef idx="0"/>
+    <cs:fillRef idx="0"/>
+    <cs:effectRef idx="0"/>
+    <cs:fontRef idx="minor">
+      <a:schemeClr val="dk1"/>
+    </cs:fontRef>
+    <cs:spPr>
+      <a:ln w="9525" cap="flat" cmpd="sng" algn="ctr">
+        <a:solidFill>
+          <a:schemeClr val="dk1">
+            <a:lumMod val="35000"/>
+            <a:lumOff val="65000"/>
+          </a:schemeClr>
+        </a:solidFill>
+        <a:round/>
+      </a:ln>
+    </cs:spPr>
+  </cs:dropLine>
+  <cs:errorBar>
+    <cs:lnRef idx="0"/>
+    <cs:fillRef idx="0"/>
+    <cs:effectRef idx="0"/>
+    <cs:fontRef idx="minor">
+      <a:schemeClr val="dk1"/>
+    </cs:fontRef>
+    <cs:spPr>
+      <a:ln w="9525" cap="flat" cmpd="sng" algn="ctr">
+        <a:solidFill>
+          <a:schemeClr val="dk1">
+            <a:lumMod val="65000"/>
+            <a:lumOff val="35000"/>
+          </a:schemeClr>
+        </a:solidFill>
+        <a:round/>
+      </a:ln>
+    </cs:spPr>
+  </cs:errorBar>
+  <cs:floor>
+    <cs:lnRef idx="0"/>
+    <cs:fillRef idx="0"/>
+    <cs:effectRef idx="0"/>
+    <cs:fontRef idx="minor">
+      <a:schemeClr val="dk1"/>
+    </cs:fontRef>
+    <cs:spPr>
+      <a:noFill/>
+      <a:ln>
+        <a:noFill/>
+      </a:ln>
+    </cs:spPr>
+  </cs:floor>
+  <cs:gridlineMajor>
+    <cs:lnRef idx="0"/>
+    <cs:fillRef idx="0"/>
+    <cs:effectRef idx="0"/>
+    <cs:fontRef idx="minor">
+      <a:schemeClr val="dk1"/>
+    </cs:fontRef>
+    <cs:spPr>
+      <a:ln w="9525" cap="flat" cmpd="sng" algn="ctr">
+        <a:solidFill>
+          <a:schemeClr val="dk1">
+            <a:lumMod val="15000"/>
+            <a:lumOff val="85000"/>
+          </a:schemeClr>
+        </a:solidFill>
+        <a:round/>
+      </a:ln>
+    </cs:spPr>
+  </cs:gridlineMajor>
+  <cs:gridlineMinor>
+    <cs:lnRef idx="0"/>
+    <cs:fillRef idx="0"/>
+    <cs:effectRef idx="0"/>
+    <cs:fontRef idx="minor">
+      <a:schemeClr val="dk1"/>
+    </cs:fontRef>
+    <cs:spPr>
+      <a:ln w="9525" cap="flat" cmpd="sng" algn="ctr">
+        <a:solidFill>
+          <a:schemeClr val="dk1">
+            <a:lumMod val="5000"/>
+            <a:lumOff val="95000"/>
+          </a:schemeClr>
+        </a:solidFill>
+        <a:round/>
+      </a:ln>
+    </cs:spPr>
+  </cs:gridlineMinor>
+  <cs:hiLoLine>
+    <cs:lnRef idx="0"/>
+    <cs:fillRef idx="0"/>
+    <cs:effectRef idx="0"/>
+    <cs:fontRef idx="minor">
+      <a:schemeClr val="dk1"/>
+    </cs:fontRef>
+    <cs:spPr>
+      <a:ln w="9525" cap="flat" cmpd="sng" algn="ctr">
+        <a:solidFill>
+          <a:schemeClr val="dk1">
+            <a:lumMod val="50000"/>
+            <a:lumOff val="50000"/>
+          </a:schemeClr>
+        </a:solidFill>
+        <a:round/>
+      </a:ln>
+    </cs:spPr>
+  </cs:hiLoLine>
+  <cs:leaderLine>
+    <cs:lnRef idx="0"/>
+    <cs:fillRef idx="0"/>
+    <cs:effectRef idx="0"/>
+    <cs:fontRef idx="minor">
+      <a:schemeClr val="dk1"/>
+    </cs:fontRef>
+    <cs:spPr>
+      <a:ln w="9525" cap="flat" cmpd="sng" algn="ctr">
+        <a:solidFill>
+          <a:schemeClr val="dk1">
+            <a:lumMod val="35000"/>
+            <a:lumOff val="65000"/>
+          </a:schemeClr>
+        </a:solidFill>
+        <a:round/>
+      </a:ln>
+    </cs:spPr>
+  </cs:leaderLine>
+  <cs:legend>
+    <cs:lnRef idx="0"/>
+    <cs:fillRef idx="0"/>
+    <cs:effectRef idx="0"/>
+    <cs:fontRef idx="minor">
+      <a:schemeClr val="dk1">
+        <a:lumMod val="65000"/>
+        <a:lumOff val="35000"/>
+      </a:schemeClr>
+    </cs:fontRef>
+    <cs:spPr>
+      <a:solidFill>
+        <a:schemeClr val="lt1">
+          <a:alpha val="78000"/>
+        </a:schemeClr>
+      </a:solidFill>
+    </cs:spPr>
+    <cs:defRPr sz="900" kern="1200"/>
+  </cs:legend>
+  <cs:plotArea mods="allowNoFillOverride allowNoLineOverride">
+    <cs:lnRef idx="0"/>
+    <cs:fillRef idx="0"/>
+    <cs:effectRef idx="0"/>
+    <cs:fontRef idx="minor">
+      <a:schemeClr val="dk1"/>
+    </cs:fontRef>
+  </cs:plotArea>
+  <cs:plotArea3D mods="allowNoFillOverride allowNoLineOverride">
+    <cs:lnRef idx="0"/>
+    <cs:fillRef idx="0"/>
+    <cs:effectRef idx="0"/>
+    <cs:fontRef idx="minor">
+      <a:schemeClr val="dk1"/>
+    </cs:fontRef>
+  </cs:plotArea3D>
+  <cs:seriesAxis>
+    <cs:lnRef idx="0"/>
+    <cs:fillRef idx="0"/>
+    <cs:effectRef idx="0"/>
+    <cs:fontRef idx="minor">
+      <a:schemeClr val="dk1">
+        <a:lumMod val="65000"/>
+        <a:lumOff val="35000"/>
+      </a:schemeClr>
+    </cs:fontRef>
+    <cs:defRPr sz="900" kern="1200"/>
+  </cs:seriesAxis>
+  <cs:seriesLine>
+    <cs:lnRef idx="0"/>
+    <cs:fillRef idx="0"/>
+    <cs:effectRef idx="0"/>
+    <cs:fontRef idx="minor">
+      <a:schemeClr val="dk1"/>
+    </cs:fontRef>
+    <cs:spPr>
+      <a:ln w="9525" cap="flat" cmpd="sng" algn="ctr">
+        <a:solidFill>
+          <a:schemeClr val="dk1">
+            <a:lumMod val="35000"/>
+            <a:lumOff val="65000"/>
+          </a:schemeClr>
+        </a:solidFill>
+        <a:round/>
+      </a:ln>
+    </cs:spPr>
+  </cs:seriesLine>
+  <cs:title>
+    <cs:lnRef idx="0"/>
+    <cs:fillRef idx="0"/>
+    <cs:effectRef idx="0"/>
+    <cs:fontRef idx="minor">
+      <a:schemeClr val="dk1">
+        <a:lumMod val="65000"/>
+        <a:lumOff val="35000"/>
+      </a:schemeClr>
+    </cs:fontRef>
+    <cs:defRPr sz="1800" b="1" kern="1200" baseline="0"/>
+  </cs:title>
+  <cs:trendline>
+    <cs:lnRef idx="0">
+      <cs:styleClr val="auto"/>
+    </cs:lnRef>
+    <cs:fillRef idx="0"/>
+    <cs:effectRef idx="0"/>
+    <cs:fontRef idx="minor">
+      <a:schemeClr val="dk1"/>
+    </cs:fontRef>
+    <cs:spPr>
+      <a:ln w="19050" cap="rnd">
+        <a:solidFill>
+          <a:schemeClr val="phClr"/>
+        </a:solidFill>
+        <a:prstDash val="sysDash"/>
+      </a:ln>
+    </cs:spPr>
+  </cs:trendline>
+  <cs:trendlineLabel>
+    <cs:lnRef idx="0"/>
+    <cs:fillRef idx="0"/>
+    <cs:effectRef idx="0"/>
+    <cs:fontRef idx="minor">
+      <a:schemeClr val="dk1">
+        <a:lumMod val="65000"/>
+        <a:lumOff val="35000"/>
+      </a:schemeClr>
+    </cs:fontRef>
+    <cs:defRPr sz="900" kern="1200"/>
+  </cs:trendlineLabel>
+  <cs:upBar>
+    <cs:lnRef idx="0"/>
+    <cs:fillRef idx="0"/>
+    <cs:effectRef idx="0"/>
+    <cs:fontRef idx="minor">
+      <a:schemeClr val="dk1"/>
+    </cs:fontRef>
+    <cs:spPr>
+      <a:solidFill>
+        <a:schemeClr val="lt1"/>
+      </a:solidFill>
+      <a:ln w="9525" cap="flat" cmpd="sng" algn="ctr">
+        <a:solidFill>
+          <a:schemeClr val="dk1">
+            <a:lumMod val="65000"/>
+            <a:lumOff val="35000"/>
+          </a:schemeClr>
+        </a:solidFill>
+        <a:round/>
+      </a:ln>
+    </cs:spPr>
+  </cs:upBar>
+  <cs:valueAxis>
+    <cs:lnRef idx="0"/>
+    <cs:fillRef idx="0"/>
+    <cs:effectRef idx="0"/>
+    <cs:fontRef idx="minor">
+      <a:schemeClr val="dk1">
+        <a:lumMod val="65000"/>
+        <a:lumOff val="35000"/>
+      </a:schemeClr>
+    </cs:fontRef>
+    <cs:defRPr sz="900" kern="1200"/>
+  </cs:valueAxis>
+  <cs:wall>
+    <cs:lnRef idx="0"/>
+    <cs:fillRef idx="0"/>
+    <cs:effectRef idx="0"/>
+    <cs:fontRef idx="minor">
+      <a:schemeClr val="dk1"/>
+    </cs:fontRef>
+  </cs:wall>
+</cs:chartStyle>
+</file>
+
+<file path=ppt/charts/style4.xml><?xml version="1.0" encoding="utf-8"?>
 <cs:chartStyle xmlns:cs="http://schemas.microsoft.com/office/drawing/2012/chartStyle" xmlns:a="http://schemas.openxmlformats.org/drawingml/2006/main" id="261">
   <cs:axisTitle>
     <cs:lnRef idx="0"/>
@@ -8151,6 +11345,96 @@
           </a:p>
         </p:txBody>
       </p:sp>
+      <p:graphicFrame>
+        <p:nvGraphicFramePr>
+          <p:cNvPr id="8" name="Graphique 7">
+            <a:extLst>
+              <a:ext uri="{FF2B5EF4-FFF2-40B4-BE49-F238E27FC236}">
+                <a16:creationId xmlns:a16="http://schemas.microsoft.com/office/drawing/2014/main" id="{305DD662-A9E6-1624-2A68-98EBF3CBD4C7}"/>
+              </a:ext>
+            </a:extLst>
+          </p:cNvPr>
+          <p:cNvGraphicFramePr>
+            <a:graphicFrameLocks/>
+          </p:cNvGraphicFramePr>
+          <p:nvPr>
+            <p:extLst>
+              <p:ext uri="{D42A27DB-BD31-4B8C-83A1-F6EECF244321}">
+                <p14:modId xmlns:p14="http://schemas.microsoft.com/office/powerpoint/2010/main" val="1496807423"/>
+              </p:ext>
+            </p:extLst>
+          </p:nvPr>
+        </p:nvGraphicFramePr>
+        <p:xfrm>
+          <a:off x="274768" y="1690688"/>
+          <a:ext cx="3808207" cy="3932498"/>
+        </p:xfrm>
+        <a:graphic>
+          <a:graphicData uri="http://schemas.openxmlformats.org/drawingml/2006/chart">
+            <c:chart xmlns:c="http://schemas.openxmlformats.org/drawingml/2006/chart" xmlns:r="http://schemas.openxmlformats.org/officeDocument/2006/relationships" r:id="rId2"/>
+          </a:graphicData>
+        </a:graphic>
+      </p:graphicFrame>
+      <p:graphicFrame>
+        <p:nvGraphicFramePr>
+          <p:cNvPr id="9" name="Graphique 8">
+            <a:extLst>
+              <a:ext uri="{FF2B5EF4-FFF2-40B4-BE49-F238E27FC236}">
+                <a16:creationId xmlns:a16="http://schemas.microsoft.com/office/drawing/2014/main" id="{9FC360F4-B101-7CD6-A1C7-729E2A2773F6}"/>
+              </a:ext>
+            </a:extLst>
+          </p:cNvPr>
+          <p:cNvGraphicFramePr>
+            <a:graphicFrameLocks/>
+          </p:cNvGraphicFramePr>
+          <p:nvPr>
+            <p:extLst>
+              <p:ext uri="{D42A27DB-BD31-4B8C-83A1-F6EECF244321}">
+                <p14:modId xmlns:p14="http://schemas.microsoft.com/office/powerpoint/2010/main" val="3993416024"/>
+              </p:ext>
+            </p:extLst>
+          </p:nvPr>
+        </p:nvGraphicFramePr>
+        <p:xfrm>
+          <a:off x="4271682" y="1696851"/>
+          <a:ext cx="3648636" cy="3932498"/>
+        </p:xfrm>
+        <a:graphic>
+          <a:graphicData uri="http://schemas.openxmlformats.org/drawingml/2006/chart">
+            <c:chart xmlns:c="http://schemas.openxmlformats.org/drawingml/2006/chart" xmlns:r="http://schemas.openxmlformats.org/officeDocument/2006/relationships" r:id="rId3"/>
+          </a:graphicData>
+        </a:graphic>
+      </p:graphicFrame>
+      <p:graphicFrame>
+        <p:nvGraphicFramePr>
+          <p:cNvPr id="10" name="Graphique 9">
+            <a:extLst>
+              <a:ext uri="{FF2B5EF4-FFF2-40B4-BE49-F238E27FC236}">
+                <a16:creationId xmlns:a16="http://schemas.microsoft.com/office/drawing/2014/main" id="{8AAC310F-5EDC-8D47-54AA-80FEF5C52D45}"/>
+              </a:ext>
+            </a:extLst>
+          </p:cNvPr>
+          <p:cNvGraphicFramePr>
+            <a:graphicFrameLocks/>
+          </p:cNvGraphicFramePr>
+          <p:nvPr>
+            <p:extLst>
+              <p:ext uri="{D42A27DB-BD31-4B8C-83A1-F6EECF244321}">
+                <p14:modId xmlns:p14="http://schemas.microsoft.com/office/powerpoint/2010/main" val="1427926605"/>
+              </p:ext>
+            </p:extLst>
+          </p:nvPr>
+        </p:nvGraphicFramePr>
+        <p:xfrm>
+          <a:off x="8109025" y="1690688"/>
+          <a:ext cx="3648637" cy="3938661"/>
+        </p:xfrm>
+        <a:graphic>
+          <a:graphicData uri="http://schemas.openxmlformats.org/drawingml/2006/chart">
+            <c:chart xmlns:c="http://schemas.openxmlformats.org/drawingml/2006/chart" xmlns:r="http://schemas.openxmlformats.org/officeDocument/2006/relationships" r:id="rId4"/>
+          </a:graphicData>
+        </a:graphic>
+      </p:graphicFrame>
     </p:spTree>
     <p:extLst>
       <p:ext uri="{BB962C8B-B14F-4D97-AF65-F5344CB8AC3E}">

--- a/Documentation/Anomaly-Detection-in-Network-Traffic-with-K-means-Clustering.pptx
+++ b/Documentation/Anomaly-Detection-in-Network-Traffic-with-K-means-Clustering.pptx
@@ -5,7 +5,7 @@
     <p:sldMasterId id="2147483648" r:id="rId1"/>
   </p:sldMasterIdLst>
   <p:notesMasterIdLst>
-    <p:notesMasterId r:id="rId22"/>
+    <p:notesMasterId r:id="rId24"/>
   </p:notesMasterIdLst>
   <p:sldIdLst>
     <p:sldId id="256" r:id="rId2"/>
@@ -19,15 +19,17 @@
     <p:sldId id="274" r:id="rId10"/>
     <p:sldId id="263" r:id="rId11"/>
     <p:sldId id="275" r:id="rId12"/>
-    <p:sldId id="261" r:id="rId13"/>
-    <p:sldId id="262" r:id="rId14"/>
-    <p:sldId id="264" r:id="rId15"/>
+    <p:sldId id="262" r:id="rId13"/>
+    <p:sldId id="264" r:id="rId14"/>
+    <p:sldId id="277" r:id="rId15"/>
     <p:sldId id="272" r:id="rId16"/>
-    <p:sldId id="273" r:id="rId17"/>
-    <p:sldId id="265" r:id="rId18"/>
-    <p:sldId id="276" r:id="rId19"/>
-    <p:sldId id="266" r:id="rId20"/>
-    <p:sldId id="267" r:id="rId21"/>
+    <p:sldId id="278" r:id="rId17"/>
+    <p:sldId id="279" r:id="rId18"/>
+    <p:sldId id="273" r:id="rId19"/>
+    <p:sldId id="265" r:id="rId20"/>
+    <p:sldId id="276" r:id="rId21"/>
+    <p:sldId id="266" r:id="rId22"/>
+    <p:sldId id="267" r:id="rId23"/>
   </p:sldIdLst>
   <p:sldSz cx="12192000" cy="6858000"/>
   <p:notesSz cx="6858000" cy="9144000"/>
@@ -137,7 +139,7 @@
 <file path=ppt/charts/chart1.xml><?xml version="1.0" encoding="utf-8"?>
 <c:chartSpace xmlns:c="http://schemas.openxmlformats.org/drawingml/2006/chart" xmlns:a="http://schemas.openxmlformats.org/drawingml/2006/main" xmlns:r="http://schemas.openxmlformats.org/officeDocument/2006/relationships" xmlns:c16r2="http://schemas.microsoft.com/office/drawing/2015/06/chart">
   <c:date1904 val="0"/>
-  <c:lang val="fr-FR"/>
+  <c:lang val="en-GB"/>
   <c:roundedCorners val="0"/>
   <mc:AlternateContent xmlns:mc="http://schemas.openxmlformats.org/markup-compatibility/2006">
     <mc:Choice xmlns:c14="http://schemas.microsoft.com/office/drawing/2007/8/2/chart" Requires="c14">
@@ -199,7 +201,7 @@
               <a:cs typeface="+mn-cs"/>
             </a:defRPr>
           </a:pPr>
-          <a:endParaRPr lang="fr-FR"/>
+          <a:endParaRPr lang="en-CH"/>
         </a:p>
       </c:txPr>
     </c:title>
@@ -307,7 +309,7 @@
                     <a:cs typeface="+mn-cs"/>
                   </a:defRPr>
                 </a:pPr>
-                <a:endParaRPr lang="fr-FR"/>
+                <a:endParaRPr lang="en-CH"/>
               </a:p>
             </c:txPr>
             <c:dLblPos val="inEnd"/>
@@ -428,7 +430,7 @@
               <a:cs typeface="+mn-cs"/>
             </a:defRPr>
           </a:pPr>
-          <a:endParaRPr lang="fr-FR"/>
+          <a:endParaRPr lang="en-CH"/>
         </a:p>
       </c:txPr>
     </c:legend>
@@ -472,7 +474,7 @@
       <a:pPr>
         <a:defRPr/>
       </a:pPr>
-      <a:endParaRPr lang="fr-FR"/>
+      <a:endParaRPr lang="en-CH"/>
     </a:p>
   </c:txPr>
   <c:externalData r:id="rId3">
@@ -484,7 +486,7 @@
 <file path=ppt/charts/chart2.xml><?xml version="1.0" encoding="utf-8"?>
 <c:chartSpace xmlns:c="http://schemas.openxmlformats.org/drawingml/2006/chart" xmlns:a="http://schemas.openxmlformats.org/drawingml/2006/main" xmlns:r="http://schemas.openxmlformats.org/officeDocument/2006/relationships" xmlns:c16r2="http://schemas.microsoft.com/office/drawing/2015/06/chart">
   <c:date1904 val="0"/>
-  <c:lang val="fr-FR"/>
+  <c:lang val="en-GB"/>
   <c:roundedCorners val="0"/>
   <mc:AlternateContent xmlns:mc="http://schemas.openxmlformats.org/markup-compatibility/2006">
     <mc:Choice xmlns:c14="http://schemas.microsoft.com/office/drawing/2007/8/2/chart" Requires="c14">
@@ -551,7 +553,7 @@
               <a:cs typeface="+mn-cs"/>
             </a:defRPr>
           </a:pPr>
-          <a:endParaRPr lang="fr-FR"/>
+          <a:endParaRPr lang="en-CH"/>
         </a:p>
       </c:txPr>
     </c:title>
@@ -733,7 +735,7 @@
                     <a:cs typeface="+mn-cs"/>
                   </a:defRPr>
                 </a:pPr>
-                <a:endParaRPr lang="fr-FR"/>
+                <a:endParaRPr lang="en-CH"/>
               </a:p>
             </c:txPr>
             <c:dLblPos val="inEnd"/>
@@ -883,7 +885,7 @@
               <a:cs typeface="+mn-cs"/>
             </a:defRPr>
           </a:pPr>
-          <a:endParaRPr lang="fr-FR"/>
+          <a:endParaRPr lang="en-CH"/>
         </a:p>
       </c:txPr>
     </c:legend>
@@ -927,7 +929,7 @@
       <a:pPr>
         <a:defRPr/>
       </a:pPr>
-      <a:endParaRPr lang="fr-FR"/>
+      <a:endParaRPr lang="en-CH"/>
     </a:p>
   </c:txPr>
   <c:externalData r:id="rId3">
@@ -939,7 +941,7 @@
 <file path=ppt/charts/chart3.xml><?xml version="1.0" encoding="utf-8"?>
 <c:chartSpace xmlns:c="http://schemas.openxmlformats.org/drawingml/2006/chart" xmlns:a="http://schemas.openxmlformats.org/drawingml/2006/main" xmlns:r="http://schemas.openxmlformats.org/officeDocument/2006/relationships" xmlns:c16r2="http://schemas.microsoft.com/office/drawing/2015/06/chart">
   <c:date1904 val="0"/>
-  <c:lang val="fr-FR"/>
+  <c:lang val="en-GB"/>
   <c:roundedCorners val="0"/>
   <mc:AlternateContent xmlns:mc="http://schemas.openxmlformats.org/markup-compatibility/2006">
     <mc:Choice xmlns:c14="http://schemas.microsoft.com/office/drawing/2007/8/2/chart" Requires="c14">
@@ -1001,7 +1003,7 @@
               <a:cs typeface="+mn-cs"/>
             </a:defRPr>
           </a:pPr>
-          <a:endParaRPr lang="fr-FR"/>
+          <a:endParaRPr lang="en-CH"/>
         </a:p>
       </c:txPr>
     </c:title>
@@ -1234,7 +1236,7 @@
                     <a:cs typeface="+mn-cs"/>
                   </a:defRPr>
                 </a:pPr>
-                <a:endParaRPr lang="fr-FR"/>
+                <a:endParaRPr lang="en-CH"/>
               </a:p>
             </c:txPr>
             <c:dLblPos val="inEnd"/>
@@ -1396,7 +1398,7 @@
               <a:cs typeface="+mn-cs"/>
             </a:defRPr>
           </a:pPr>
-          <a:endParaRPr lang="fr-FR"/>
+          <a:endParaRPr lang="en-CH"/>
         </a:p>
       </c:txPr>
     </c:legend>
@@ -1440,7 +1442,7 @@
       <a:pPr>
         <a:defRPr/>
       </a:pPr>
-      <a:endParaRPr lang="fr-FR"/>
+      <a:endParaRPr lang="en-CH"/>
     </a:p>
   </c:txPr>
   <c:externalData r:id="rId3">
@@ -1452,7 +1454,7 @@
 <file path=ppt/charts/chart4.xml><?xml version="1.0" encoding="utf-8"?>
 <c:chartSpace xmlns:c="http://schemas.openxmlformats.org/drawingml/2006/chart" xmlns:a="http://schemas.openxmlformats.org/drawingml/2006/main" xmlns:r="http://schemas.openxmlformats.org/officeDocument/2006/relationships" xmlns:c16r2="http://schemas.microsoft.com/office/drawing/2015/06/chart">
   <c:date1904 val="0"/>
-  <c:lang val="fr-FR"/>
+  <c:lang val="en-GB"/>
   <c:roundedCorners val="0"/>
   <mc:AlternateContent xmlns:mc="http://schemas.openxmlformats.org/markup-compatibility/2006">
     <mc:Choice xmlns:c14="http://schemas.microsoft.com/office/drawing/2007/8/2/chart" Requires="c14">
@@ -1514,7 +1516,7 @@
               <a:cs typeface="+mn-cs"/>
             </a:defRPr>
           </a:pPr>
-          <a:endParaRPr lang="fr-FR"/>
+          <a:endParaRPr lang="en-CH"/>
         </a:p>
       </c:txPr>
     </c:title>
@@ -1747,7 +1749,7 @@
                     <a:cs typeface="+mn-cs"/>
                   </a:defRPr>
                 </a:pPr>
-                <a:endParaRPr lang="fr-FR"/>
+                <a:endParaRPr lang="en-CH"/>
               </a:p>
             </c:txPr>
             <c:dLblPos val="inEnd"/>
@@ -1909,7 +1911,7 @@
               <a:cs typeface="+mn-cs"/>
             </a:defRPr>
           </a:pPr>
-          <a:endParaRPr lang="fr-FR"/>
+          <a:endParaRPr lang="en-CH"/>
         </a:p>
       </c:txPr>
     </c:legend>
@@ -1953,7 +1955,7 @@
       <a:pPr>
         <a:defRPr/>
       </a:pPr>
-      <a:endParaRPr lang="fr-FR"/>
+      <a:endParaRPr lang="en-CH"/>
     </a:p>
   </c:txPr>
   <c:externalData r:id="rId3">
@@ -4487,7 +4489,7 @@
           <a:p>
             <a:fld id="{0816C602-ED9F-514A-8C86-73D406EEAFE5}" type="slidenum">
               <a:rPr lang="fr-FR" smtClean="0"/>
-              <a:t>‹N°›</a:t>
+              <a:t>‹#›</a:t>
             </a:fld>
             <a:endParaRPr lang="fr-FR"/>
           </a:p>
@@ -5437,6 +5439,98 @@
 </p:notes>
 </file>
 
+<file path=ppt/notesSlides/notesSlide4.xml><?xml version="1.0" encoding="utf-8"?>
+<p:notes xmlns:a="http://schemas.openxmlformats.org/drawingml/2006/main" xmlns:r="http://schemas.openxmlformats.org/officeDocument/2006/relationships" xmlns:p="http://schemas.openxmlformats.org/presentationml/2006/main">
+  <p:cSld>
+    <p:spTree>
+      <p:nvGrpSpPr>
+        <p:cNvPr id="1" name=""/>
+        <p:cNvGrpSpPr/>
+        <p:nvPr/>
+      </p:nvGrpSpPr>
+      <p:grpSpPr>
+        <a:xfrm>
+          <a:off x="0" y="0"/>
+          <a:ext cx="0" cy="0"/>
+          <a:chOff x="0" y="0"/>
+          <a:chExt cx="0" cy="0"/>
+        </a:xfrm>
+      </p:grpSpPr>
+      <p:sp>
+        <p:nvSpPr>
+          <p:cNvPr id="2" name="Slide Image Placeholder 1"/>
+          <p:cNvSpPr>
+            <a:spLocks noGrp="1" noRot="1" noChangeAspect="1"/>
+          </p:cNvSpPr>
+          <p:nvPr>
+            <p:ph type="sldImg"/>
+          </p:nvPr>
+        </p:nvSpPr>
+        <p:spPr/>
+      </p:sp>
+      <p:sp>
+        <p:nvSpPr>
+          <p:cNvPr id="3" name="Notes Placeholder 2"/>
+          <p:cNvSpPr>
+            <a:spLocks noGrp="1"/>
+          </p:cNvSpPr>
+          <p:nvPr>
+            <p:ph type="body" idx="1"/>
+          </p:nvPr>
+        </p:nvSpPr>
+        <p:spPr/>
+        <p:txBody>
+          <a:bodyPr/>
+          <a:lstStyle/>
+          <a:p>
+            <a:endParaRPr lang="en-GB" sz="1200" kern="1200" dirty="0">
+              <a:solidFill>
+                <a:schemeClr val="tx1"/>
+              </a:solidFill>
+              <a:effectLst/>
+              <a:latin typeface="+mn-lt"/>
+              <a:ea typeface="+mn-ea"/>
+              <a:cs typeface="+mn-cs"/>
+            </a:endParaRPr>
+          </a:p>
+        </p:txBody>
+      </p:sp>
+      <p:sp>
+        <p:nvSpPr>
+          <p:cNvPr id="4" name="Slide Number Placeholder 3"/>
+          <p:cNvSpPr>
+            <a:spLocks noGrp="1"/>
+          </p:cNvSpPr>
+          <p:nvPr>
+            <p:ph type="sldNum" sz="quarter" idx="5"/>
+          </p:nvPr>
+        </p:nvSpPr>
+        <p:spPr/>
+        <p:txBody>
+          <a:bodyPr/>
+          <a:lstStyle/>
+          <a:p>
+            <a:fld id="{0816C602-ED9F-514A-8C86-73D406EEAFE5}" type="slidenum">
+              <a:rPr lang="fr-FR" smtClean="0"/>
+              <a:t>7</a:t>
+            </a:fld>
+            <a:endParaRPr lang="fr-FR"/>
+          </a:p>
+        </p:txBody>
+      </p:sp>
+    </p:spTree>
+    <p:extLst>
+      <p:ext uri="{BB962C8B-B14F-4D97-AF65-F5344CB8AC3E}">
+        <p14:creationId xmlns:p14="http://schemas.microsoft.com/office/powerpoint/2010/main" val="1015233189"/>
+      </p:ext>
+    </p:extLst>
+  </p:cSld>
+  <p:clrMapOvr>
+    <a:masterClrMapping/>
+  </p:clrMapOvr>
+</p:notes>
+</file>
+
 <file path=ppt/slideLayouts/slideLayout1.xml><?xml version="1.0" encoding="utf-8"?>
 <p:sldLayout xmlns:a="http://schemas.openxmlformats.org/drawingml/2006/main" xmlns:r="http://schemas.openxmlformats.org/officeDocument/2006/relationships" xmlns:p="http://schemas.openxmlformats.org/presentationml/2006/main" type="title" preserve="1">
   <p:cSld name="Title Slide">
@@ -5643,7 +5737,7 @@
           <a:p>
             <a:fld id="{50E96FFC-9A77-BE40-93A2-F2F19ACBA9AE}" type="slidenum">
               <a:rPr lang="fr-FR" smtClean="0"/>
-              <a:t>‹N°›</a:t>
+              <a:t>‹#›</a:t>
             </a:fld>
             <a:endParaRPr lang="fr-FR"/>
           </a:p>
@@ -5846,7 +5940,7 @@
           <a:p>
             <a:fld id="{50E96FFC-9A77-BE40-93A2-F2F19ACBA9AE}" type="slidenum">
               <a:rPr lang="fr-FR" smtClean="0"/>
-              <a:t>‹N°›</a:t>
+              <a:t>‹#›</a:t>
             </a:fld>
             <a:endParaRPr lang="fr-FR"/>
           </a:p>
@@ -6059,7 +6153,7 @@
           <a:p>
             <a:fld id="{50E96FFC-9A77-BE40-93A2-F2F19ACBA9AE}" type="slidenum">
               <a:rPr lang="fr-FR" smtClean="0"/>
-              <a:t>‹N°›</a:t>
+              <a:t>‹#›</a:t>
             </a:fld>
             <a:endParaRPr lang="fr-FR"/>
           </a:p>
@@ -6262,7 +6356,7 @@
           <a:p>
             <a:fld id="{50E96FFC-9A77-BE40-93A2-F2F19ACBA9AE}" type="slidenum">
               <a:rPr lang="fr-FR" smtClean="0"/>
-              <a:t>‹N°›</a:t>
+              <a:t>‹#›</a:t>
             </a:fld>
             <a:endParaRPr lang="fr-FR"/>
           </a:p>
@@ -6541,7 +6635,7 @@
           <a:p>
             <a:fld id="{50E96FFC-9A77-BE40-93A2-F2F19ACBA9AE}" type="slidenum">
               <a:rPr lang="fr-FR" smtClean="0"/>
-              <a:t>‹N°›</a:t>
+              <a:t>‹#›</a:t>
             </a:fld>
             <a:endParaRPr lang="fr-FR"/>
           </a:p>
@@ -6812,7 +6906,7 @@
           <a:p>
             <a:fld id="{50E96FFC-9A77-BE40-93A2-F2F19ACBA9AE}" type="slidenum">
               <a:rPr lang="fr-FR" smtClean="0"/>
-              <a:t>‹N°›</a:t>
+              <a:t>‹#›</a:t>
             </a:fld>
             <a:endParaRPr lang="fr-FR"/>
           </a:p>
@@ -7230,7 +7324,7 @@
           <a:p>
             <a:fld id="{50E96FFC-9A77-BE40-93A2-F2F19ACBA9AE}" type="slidenum">
               <a:rPr lang="fr-FR" smtClean="0"/>
-              <a:t>‹N°›</a:t>
+              <a:t>‹#›</a:t>
             </a:fld>
             <a:endParaRPr lang="fr-FR"/>
           </a:p>
@@ -7375,7 +7469,7 @@
           <a:p>
             <a:fld id="{50E96FFC-9A77-BE40-93A2-F2F19ACBA9AE}" type="slidenum">
               <a:rPr lang="fr-FR" smtClean="0"/>
-              <a:t>‹N°›</a:t>
+              <a:t>‹#›</a:t>
             </a:fld>
             <a:endParaRPr lang="fr-FR"/>
           </a:p>
@@ -7491,7 +7585,7 @@
           <a:p>
             <a:fld id="{50E96FFC-9A77-BE40-93A2-F2F19ACBA9AE}" type="slidenum">
               <a:rPr lang="fr-FR" smtClean="0"/>
-              <a:t>‹N°›</a:t>
+              <a:t>‹#›</a:t>
             </a:fld>
             <a:endParaRPr lang="fr-FR"/>
           </a:p>
@@ -7807,7 +7901,7 @@
           <a:p>
             <a:fld id="{50E96FFC-9A77-BE40-93A2-F2F19ACBA9AE}" type="slidenum">
               <a:rPr lang="fr-FR" smtClean="0"/>
-              <a:t>‹N°›</a:t>
+              <a:t>‹#›</a:t>
             </a:fld>
             <a:endParaRPr lang="fr-FR"/>
           </a:p>
@@ -8099,7 +8193,7 @@
           <a:p>
             <a:fld id="{50E96FFC-9A77-BE40-93A2-F2F19ACBA9AE}" type="slidenum">
               <a:rPr lang="fr-FR" smtClean="0"/>
-              <a:t>‹N°›</a:t>
+              <a:t>‹#›</a:t>
             </a:fld>
             <a:endParaRPr lang="fr-FR"/>
           </a:p>
@@ -8381,7 +8475,7 @@
           <a:p>
             <a:fld id="{50E96FFC-9A77-BE40-93A2-F2F19ACBA9AE}" type="slidenum">
               <a:rPr lang="fr-FR" smtClean="0"/>
-              <a:t>‹N°›</a:t>
+              <a:t>‹#›</a:t>
             </a:fld>
             <a:endParaRPr lang="fr-FR"/>
           </a:p>
@@ -9499,18 +9593,26 @@
           <a:lstStyle/>
           <a:p>
             <a:r>
-              <a:rPr lang="fr-CH" dirty="0" err="1"/>
+              <a:rPr lang="fr-CH" dirty="0" err="1">
+                <a:latin typeface="Avenir Next Medium" panose="020B0503020202020204" pitchFamily="34" charset="0"/>
+              </a:rPr>
               <a:t>Anomaly</a:t>
             </a:r>
             <a:r>
-              <a:rPr lang="fr-CH" dirty="0"/>
+              <a:rPr lang="fr-CH" dirty="0">
+                <a:latin typeface="Avenir Next Medium" panose="020B0503020202020204" pitchFamily="34" charset="0"/>
+              </a:rPr>
               <a:t> </a:t>
             </a:r>
             <a:r>
-              <a:rPr lang="fr-CH" dirty="0" err="1"/>
+              <a:rPr lang="fr-CH" dirty="0" err="1">
+                <a:latin typeface="Avenir Next Medium" panose="020B0503020202020204" pitchFamily="34" charset="0"/>
+              </a:rPr>
               <a:t>characteristics</a:t>
             </a:r>
-            <a:endParaRPr lang="fr-CH" dirty="0"/>
+            <a:endParaRPr lang="fr-CH" dirty="0">
+              <a:latin typeface="Avenir Next Medium" panose="020B0503020202020204" pitchFamily="34" charset="0"/>
+            </a:endParaRPr>
           </a:p>
         </p:txBody>
       </p:sp>
@@ -9536,146 +9638,209 @@
           <a:lstStyle/>
           <a:p>
             <a:r>
-              <a:rPr lang="fr-CH" dirty="0" err="1"/>
+              <a:rPr lang="fr-CH" dirty="0" err="1">
+                <a:latin typeface="Avenir Next" panose="020B0503020202020204" pitchFamily="34" charset="0"/>
+              </a:rPr>
               <a:t>DoS</a:t>
             </a:r>
             <a:r>
-              <a:rPr lang="fr-CH" dirty="0"/>
+              <a:rPr lang="fr-CH" dirty="0">
+                <a:latin typeface="Avenir Next" panose="020B0503020202020204" pitchFamily="34" charset="0"/>
+              </a:rPr>
               <a:t>:</a:t>
             </a:r>
           </a:p>
           <a:p>
             <a:pPr lvl="1"/>
             <a:r>
-              <a:rPr lang="fr-CH" dirty="0"/>
+              <a:rPr lang="fr-CH" dirty="0">
+                <a:latin typeface="Avenir Next" panose="020B0503020202020204" pitchFamily="34" charset="0"/>
+              </a:rPr>
               <a:t>A lot of </a:t>
             </a:r>
             <a:r>
-              <a:rPr lang="fr-CH" dirty="0" err="1"/>
+              <a:rPr lang="fr-CH" dirty="0" err="1">
+                <a:latin typeface="Avenir Next" panose="020B0503020202020204" pitchFamily="34" charset="0"/>
+              </a:rPr>
               <a:t>request</a:t>
             </a:r>
             <a:r>
-              <a:rPr lang="fr-CH" dirty="0"/>
+              <a:rPr lang="fr-CH" dirty="0">
+                <a:latin typeface="Avenir Next" panose="020B0503020202020204" pitchFamily="34" charset="0"/>
+              </a:rPr>
               <a:t> of </a:t>
             </a:r>
             <a:r>
-              <a:rPr lang="fr-CH" dirty="0" err="1"/>
+              <a:rPr lang="fr-CH" dirty="0" err="1">
+                <a:latin typeface="Avenir Next" panose="020B0503020202020204" pitchFamily="34" charset="0"/>
+              </a:rPr>
               <a:t>very</a:t>
             </a:r>
             <a:r>
-              <a:rPr lang="fr-CH" dirty="0"/>
+              <a:rPr lang="fr-CH" dirty="0">
+                <a:latin typeface="Avenir Next" panose="020B0503020202020204" pitchFamily="34" charset="0"/>
+              </a:rPr>
               <a:t> </a:t>
             </a:r>
             <a:r>
-              <a:rPr lang="fr-CH" dirty="0" err="1"/>
+              <a:rPr lang="fr-CH" dirty="0" err="1">
+                <a:latin typeface="Avenir Next" panose="020B0503020202020204" pitchFamily="34" charset="0"/>
+              </a:rPr>
               <a:t>small</a:t>
             </a:r>
             <a:r>
-              <a:rPr lang="fr-CH" dirty="0"/>
+              <a:rPr lang="fr-CH" dirty="0">
+                <a:latin typeface="Avenir Next" panose="020B0503020202020204" pitchFamily="34" charset="0"/>
+              </a:rPr>
               <a:t> size</a:t>
             </a:r>
           </a:p>
           <a:p>
             <a:r>
-              <a:rPr lang="fr-CH" dirty="0"/>
+              <a:rPr lang="fr-CH" dirty="0">
+                <a:latin typeface="Avenir Next" panose="020B0503020202020204" pitchFamily="34" charset="0"/>
+              </a:rPr>
               <a:t>R2L</a:t>
             </a:r>
           </a:p>
           <a:p>
             <a:pPr lvl="1"/>
             <a:r>
-              <a:rPr lang="fr-CH" dirty="0"/>
+              <a:rPr lang="fr-CH" dirty="0">
+                <a:latin typeface="Avenir Next" panose="020B0503020202020204" pitchFamily="34" charset="0"/>
+              </a:rPr>
               <a:t>More normal </a:t>
             </a:r>
             <a:r>
-              <a:rPr lang="fr-CH" dirty="0" err="1"/>
+              <a:rPr lang="fr-CH" dirty="0" err="1">
+                <a:latin typeface="Avenir Next" panose="020B0503020202020204" pitchFamily="34" charset="0"/>
+              </a:rPr>
               <a:t>sized</a:t>
             </a:r>
             <a:r>
-              <a:rPr lang="fr-CH" dirty="0"/>
+              <a:rPr lang="fr-CH" dirty="0">
+                <a:latin typeface="Avenir Next" panose="020B0503020202020204" pitchFamily="34" charset="0"/>
+              </a:rPr>
               <a:t> </a:t>
             </a:r>
             <a:r>
-              <a:rPr lang="fr-CH" dirty="0" err="1"/>
+              <a:rPr lang="fr-CH" dirty="0" err="1">
+                <a:latin typeface="Avenir Next" panose="020B0503020202020204" pitchFamily="34" charset="0"/>
+              </a:rPr>
               <a:t>requests</a:t>
             </a:r>
-            <a:endParaRPr lang="fr-CH" dirty="0"/>
-          </a:p>
-          <a:p>
-            <a:r>
-              <a:rPr lang="fr-CH" dirty="0"/>
+            <a:endParaRPr lang="fr-CH" dirty="0">
+              <a:latin typeface="Avenir Next" panose="020B0503020202020204" pitchFamily="34" charset="0"/>
+            </a:endParaRPr>
+          </a:p>
+          <a:p>
+            <a:r>
+              <a:rPr lang="fr-CH" dirty="0">
+                <a:latin typeface="Avenir Next" panose="020B0503020202020204" pitchFamily="34" charset="0"/>
+              </a:rPr>
               <a:t>U2R</a:t>
             </a:r>
           </a:p>
           <a:p>
             <a:pPr lvl="1"/>
             <a:r>
-              <a:rPr lang="fr-CH" dirty="0"/>
+              <a:rPr lang="fr-CH" dirty="0">
+                <a:latin typeface="Avenir Next" panose="020B0503020202020204" pitchFamily="34" charset="0"/>
+              </a:rPr>
               <a:t>More normal </a:t>
             </a:r>
             <a:r>
-              <a:rPr lang="fr-CH" dirty="0" err="1"/>
+              <a:rPr lang="fr-CH" dirty="0" err="1">
+                <a:latin typeface="Avenir Next" panose="020B0503020202020204" pitchFamily="34" charset="0"/>
+              </a:rPr>
               <a:t>sized</a:t>
             </a:r>
             <a:r>
-              <a:rPr lang="fr-CH" dirty="0"/>
+              <a:rPr lang="fr-CH" dirty="0">
+                <a:latin typeface="Avenir Next" panose="020B0503020202020204" pitchFamily="34" charset="0"/>
+              </a:rPr>
               <a:t> </a:t>
             </a:r>
             <a:r>
-              <a:rPr lang="fr-CH" dirty="0" err="1"/>
+              <a:rPr lang="fr-CH" dirty="0" err="1">
+                <a:latin typeface="Avenir Next" panose="020B0503020202020204" pitchFamily="34" charset="0"/>
+              </a:rPr>
               <a:t>requests</a:t>
             </a:r>
-            <a:endParaRPr lang="fr-CH" dirty="0"/>
-          </a:p>
-          <a:p>
-            <a:r>
-              <a:rPr lang="fr-CH" dirty="0" err="1"/>
+            <a:endParaRPr lang="fr-CH" dirty="0">
+              <a:latin typeface="Avenir Next" panose="020B0503020202020204" pitchFamily="34" charset="0"/>
+            </a:endParaRPr>
+          </a:p>
+          <a:p>
+            <a:r>
+              <a:rPr lang="fr-CH" dirty="0" err="1">
+                <a:latin typeface="Avenir Next" panose="020B0503020202020204" pitchFamily="34" charset="0"/>
+              </a:rPr>
               <a:t>Probing</a:t>
             </a:r>
-            <a:endParaRPr lang="fr-CH" dirty="0"/>
+            <a:endParaRPr lang="fr-CH" dirty="0">
+              <a:latin typeface="Avenir Next" panose="020B0503020202020204" pitchFamily="34" charset="0"/>
+            </a:endParaRPr>
           </a:p>
           <a:p>
             <a:pPr lvl="1"/>
             <a:r>
-              <a:rPr lang="fr-CH" dirty="0" err="1"/>
+              <a:rPr lang="fr-CH" dirty="0" err="1">
+                <a:latin typeface="Avenir Next" panose="020B0503020202020204" pitchFamily="34" charset="0"/>
+              </a:rPr>
               <a:t>Bigger</a:t>
             </a:r>
             <a:r>
-              <a:rPr lang="fr-CH" dirty="0"/>
+              <a:rPr lang="fr-CH" dirty="0">
+                <a:latin typeface="Avenir Next" panose="020B0503020202020204" pitchFamily="34" charset="0"/>
+              </a:rPr>
               <a:t> </a:t>
             </a:r>
             <a:r>
-              <a:rPr lang="fr-CH" dirty="0" err="1"/>
+              <a:rPr lang="fr-CH" dirty="0" err="1">
+                <a:latin typeface="Avenir Next" panose="020B0503020202020204" pitchFamily="34" charset="0"/>
+              </a:rPr>
               <a:t>requests</a:t>
             </a:r>
             <a:r>
-              <a:rPr lang="fr-CH" dirty="0"/>
+              <a:rPr lang="fr-CH" dirty="0">
+                <a:latin typeface="Avenir Next" panose="020B0503020202020204" pitchFamily="34" charset="0"/>
+              </a:rPr>
               <a:t>, in </a:t>
             </a:r>
             <a:r>
-              <a:rPr lang="fr-CH" dirty="0" err="1"/>
+              <a:rPr lang="fr-CH" dirty="0" err="1">
+                <a:latin typeface="Avenir Next" panose="020B0503020202020204" pitchFamily="34" charset="0"/>
+              </a:rPr>
               <a:t>particular</a:t>
             </a:r>
             <a:r>
-              <a:rPr lang="fr-CH" dirty="0"/>
+              <a:rPr lang="fr-CH" dirty="0">
+                <a:latin typeface="Avenir Next" panose="020B0503020202020204" pitchFamily="34" charset="0"/>
+              </a:rPr>
               <a:t> for the </a:t>
             </a:r>
             <a:r>
-              <a:rPr lang="fr-CH" dirty="0" err="1"/>
+              <a:rPr lang="fr-CH" dirty="0" err="1">
+                <a:latin typeface="Avenir Next" panose="020B0503020202020204" pitchFamily="34" charset="0"/>
+              </a:rPr>
               <a:t>portsweep</a:t>
             </a:r>
             <a:r>
-              <a:rPr lang="fr-CH" dirty="0"/>
+              <a:rPr lang="fr-CH" dirty="0">
+                <a:latin typeface="Avenir Next" panose="020B0503020202020204" pitchFamily="34" charset="0"/>
+              </a:rPr>
               <a:t> </a:t>
             </a:r>
             <a:r>
-              <a:rPr lang="fr-CH" dirty="0" err="1"/>
+              <a:rPr lang="fr-CH" dirty="0" err="1">
+                <a:latin typeface="Avenir Next" panose="020B0503020202020204" pitchFamily="34" charset="0"/>
+              </a:rPr>
               <a:t>attack</a:t>
             </a:r>
-            <a:endParaRPr lang="fr-CH" dirty="0"/>
-          </a:p>
-          <a:p>
-            <a:endParaRPr lang="fr-CH" dirty="0"/>
+            <a:endParaRPr lang="fr-CH" dirty="0">
+              <a:latin typeface="Avenir Next" panose="020B0503020202020204" pitchFamily="34" charset="0"/>
+            </a:endParaRPr>
           </a:p>
         </p:txBody>
       </p:sp>
@@ -9751,173 +9916,6 @@
 </file>
 
 <file path=ppt/slides/slide12.xml><?xml version="1.0" encoding="utf-8"?>
-<p:sld xmlns:a="http://schemas.openxmlformats.org/drawingml/2006/main" xmlns:r="http://schemas.openxmlformats.org/officeDocument/2006/relationships" xmlns:p="http://schemas.openxmlformats.org/presentationml/2006/main">
-  <p:cSld>
-    <p:spTree>
-      <p:nvGrpSpPr>
-        <p:cNvPr id="1" name=""/>
-        <p:cNvGrpSpPr/>
-        <p:nvPr/>
-      </p:nvGrpSpPr>
-      <p:grpSpPr>
-        <a:xfrm>
-          <a:off x="0" y="0"/>
-          <a:ext cx="0" cy="0"/>
-          <a:chOff x="0" y="0"/>
-          <a:chExt cx="0" cy="0"/>
-        </a:xfrm>
-      </p:grpSpPr>
-      <p:sp>
-        <p:nvSpPr>
-          <p:cNvPr id="2" name="Title 1">
-            <a:extLst>
-              <a:ext uri="{FF2B5EF4-FFF2-40B4-BE49-F238E27FC236}">
-                <a16:creationId xmlns:a16="http://schemas.microsoft.com/office/drawing/2014/main" id="{F32D2FED-7694-B794-E4A7-C183D83D2881}"/>
-              </a:ext>
-            </a:extLst>
-          </p:cNvPr>
-          <p:cNvSpPr>
-            <a:spLocks noGrp="1"/>
-          </p:cNvSpPr>
-          <p:nvPr>
-            <p:ph type="title"/>
-          </p:nvPr>
-        </p:nvSpPr>
-        <p:spPr/>
-        <p:txBody>
-          <a:bodyPr>
-            <a:normAutofit/>
-          </a:bodyPr>
-          <a:lstStyle/>
-          <a:p>
-            <a:r>
-              <a:rPr lang="en-GB" sz="4800" dirty="0">
-                <a:latin typeface="Avenir Next Medium" panose="020B0503020202020204" pitchFamily="34" charset="0"/>
-              </a:rPr>
-              <a:t>2. How to find the optimal value of the hyperparameter K of the K-means clustering ?</a:t>
-            </a:r>
-          </a:p>
-        </p:txBody>
-      </p:sp>
-      <p:sp>
-        <p:nvSpPr>
-          <p:cNvPr id="4" name="Date Placeholder 3">
-            <a:extLst>
-              <a:ext uri="{FF2B5EF4-FFF2-40B4-BE49-F238E27FC236}">
-                <a16:creationId xmlns:a16="http://schemas.microsoft.com/office/drawing/2014/main" id="{29128103-CC75-2E58-B635-5950CA33C1DF}"/>
-              </a:ext>
-            </a:extLst>
-          </p:cNvPr>
-          <p:cNvSpPr>
-            <a:spLocks noGrp="1"/>
-          </p:cNvSpPr>
-          <p:nvPr>
-            <p:ph type="dt" sz="half" idx="10"/>
-          </p:nvPr>
-        </p:nvSpPr>
-        <p:spPr/>
-        <p:txBody>
-          <a:bodyPr/>
-          <a:lstStyle/>
-          <a:p>
-            <a:r>
-              <a:rPr lang="de-CH"/>
-              <a:t>10.06.2022</a:t>
-            </a:r>
-            <a:endParaRPr lang="fr-FR"/>
-          </a:p>
-        </p:txBody>
-      </p:sp>
-      <p:sp>
-        <p:nvSpPr>
-          <p:cNvPr id="6" name="Slide Number Placeholder 5">
-            <a:extLst>
-              <a:ext uri="{FF2B5EF4-FFF2-40B4-BE49-F238E27FC236}">
-                <a16:creationId xmlns:a16="http://schemas.microsoft.com/office/drawing/2014/main" id="{A06554C2-2984-B2C8-2158-C04BED7CEDFC}"/>
-              </a:ext>
-            </a:extLst>
-          </p:cNvPr>
-          <p:cNvSpPr>
-            <a:spLocks noGrp="1"/>
-          </p:cNvSpPr>
-          <p:nvPr>
-            <p:ph type="sldNum" sz="quarter" idx="12"/>
-          </p:nvPr>
-        </p:nvSpPr>
-        <p:spPr/>
-        <p:txBody>
-          <a:bodyPr/>
-          <a:lstStyle/>
-          <a:p>
-            <a:fld id="{50E96FFC-9A77-BE40-93A2-F2F19ACBA9AE}" type="slidenum">
-              <a:rPr lang="fr-FR" smtClean="0"/>
-              <a:t>12</a:t>
-            </a:fld>
-            <a:endParaRPr lang="fr-FR"/>
-          </a:p>
-        </p:txBody>
-      </p:sp>
-      <p:pic>
-        <p:nvPicPr>
-          <p:cNvPr id="8" name="Picture 2" descr="HES-SO - Logo - Haute école">
-            <a:extLst>
-              <a:ext uri="{FF2B5EF4-FFF2-40B4-BE49-F238E27FC236}">
-                <a16:creationId xmlns:a16="http://schemas.microsoft.com/office/drawing/2014/main" id="{EA03034B-9075-280A-A560-1F98B0D46A44}"/>
-              </a:ext>
-            </a:extLst>
-          </p:cNvPr>
-          <p:cNvPicPr>
-            <a:picLocks noChangeAspect="1" noChangeArrowheads="1"/>
-          </p:cNvPicPr>
-          <p:nvPr/>
-        </p:nvPicPr>
-        <p:blipFill>
-          <a:blip r:embed="rId2">
-            <a:extLst>
-              <a:ext uri="{28A0092B-C50C-407E-A947-70E740481C1C}">
-                <a14:useLocalDpi xmlns:a14="http://schemas.microsoft.com/office/drawing/2010/main" val="0"/>
-              </a:ext>
-            </a:extLst>
-          </a:blip>
-          <a:srcRect/>
-          <a:stretch>
-            <a:fillRect/>
-          </a:stretch>
-        </p:blipFill>
-        <p:spPr bwMode="auto">
-          <a:xfrm>
-            <a:off x="5563101" y="6386879"/>
-            <a:ext cx="1065798" cy="334596"/>
-          </a:xfrm>
-          <a:prstGeom prst="rect">
-            <a:avLst/>
-          </a:prstGeom>
-          <a:noFill/>
-          <a:extLst>
-            <a:ext uri="{909E8E84-426E-40DD-AFC4-6F175D3DCCD1}">
-              <a14:hiddenFill xmlns:a14="http://schemas.microsoft.com/office/drawing/2010/main">
-                <a:solidFill>
-                  <a:srgbClr val="FFFFFF"/>
-                </a:solidFill>
-              </a14:hiddenFill>
-            </a:ext>
-          </a:extLst>
-        </p:spPr>
-      </p:pic>
-    </p:spTree>
-    <p:extLst>
-      <p:ext uri="{BB962C8B-B14F-4D97-AF65-F5344CB8AC3E}">
-        <p14:creationId xmlns:p14="http://schemas.microsoft.com/office/powerpoint/2010/main" val="675007858"/>
-      </p:ext>
-    </p:extLst>
-  </p:cSld>
-  <p:clrMapOvr>
-    <a:masterClrMapping/>
-  </p:clrMapOvr>
-</p:sld>
-</file>
-
-<file path=ppt/slides/slide13.xml><?xml version="1.0" encoding="utf-8"?>
 <p:sld xmlns:a="http://schemas.openxmlformats.org/drawingml/2006/main" xmlns:r="http://schemas.openxmlformats.org/officeDocument/2006/relationships" xmlns:p="http://schemas.openxmlformats.org/presentationml/2006/main">
   <p:cSld>
     <p:bg>
@@ -10065,7 +10063,7 @@
                   <a:schemeClr val="bg1"/>
                 </a:solidFill>
               </a:rPr>
-              <a:t>13</a:t>
+              <a:t>12</a:t>
             </a:fld>
             <a:endParaRPr lang="fr-FR">
               <a:solidFill>
@@ -10135,7 +10133,7 @@
 </p:sld>
 </file>
 
-<file path=ppt/slides/slide14.xml><?xml version="1.0" encoding="utf-8"?>
+<file path=ppt/slides/slide13.xml><?xml version="1.0" encoding="utf-8"?>
 <p:sld xmlns:a="http://schemas.openxmlformats.org/drawingml/2006/main" xmlns:r="http://schemas.openxmlformats.org/officeDocument/2006/relationships" xmlns:p="http://schemas.openxmlformats.org/presentationml/2006/main">
   <p:cSld>
     <p:spTree>
@@ -10225,18 +10223,18 @@
               <a:buAutoNum type="arabicPeriod"/>
             </a:pPr>
             <a:r>
-              <a:rPr lang="fr-FR" sz="2400" dirty="0">
+              <a:rPr lang="fr-FR" dirty="0">
                 <a:latin typeface="Avenir Next" panose="020B0503020202020204" pitchFamily="34" charset="0"/>
               </a:rPr>
               <a:t> The </a:t>
             </a:r>
             <a:r>
-              <a:rPr lang="fr-FR" sz="2400" dirty="0" err="1">
+              <a:rPr lang="fr-FR" dirty="0" err="1">
                 <a:latin typeface="Avenir Next" panose="020B0503020202020204" pitchFamily="34" charset="0"/>
               </a:rPr>
               <a:t>beginning</a:t>
             </a:r>
-            <a:endParaRPr lang="fr-FR" sz="2400" dirty="0">
+            <a:endParaRPr lang="fr-FR" dirty="0">
               <a:latin typeface="Avenir Next" panose="020B0503020202020204" pitchFamily="34" charset="0"/>
             </a:endParaRPr>
           </a:p>
@@ -10246,30 +10244,47 @@
               <a:buAutoNum type="arabicPeriod"/>
             </a:pPr>
             <a:r>
-              <a:rPr lang="fr-FR" sz="2400" dirty="0">
+              <a:rPr lang="fr-FR" dirty="0">
                 <a:latin typeface="Avenir Next" panose="020B0503020202020204" pitchFamily="34" charset="0"/>
               </a:rPr>
               <a:t> Max </a:t>
             </a:r>
             <a:r>
-              <a:rPr lang="fr-FR" sz="2400" dirty="0" err="1">
+              <a:rPr lang="fr-FR" dirty="0" err="1">
                 <a:latin typeface="Avenir Next" panose="020B0503020202020204" pitchFamily="34" charset="0"/>
               </a:rPr>
               <a:t>iteration</a:t>
             </a:r>
             <a:r>
-              <a:rPr lang="fr-FR" sz="2400" dirty="0">
+              <a:rPr lang="fr-FR" dirty="0">
                 <a:latin typeface="Avenir Next" panose="020B0503020202020204" pitchFamily="34" charset="0"/>
               </a:rPr>
               <a:t> and </a:t>
             </a:r>
             <a:r>
-              <a:rPr lang="fr-FR" sz="2400" dirty="0" err="1">
+              <a:rPr lang="fr-FR" dirty="0" err="1">
                 <a:latin typeface="Avenir Next" panose="020B0503020202020204" pitchFamily="34" charset="0"/>
               </a:rPr>
               <a:t>tolerance</a:t>
             </a:r>
-            <a:endParaRPr lang="fr-FR" sz="2400" dirty="0">
+            <a:endParaRPr lang="fr-FR" dirty="0">
+              <a:latin typeface="Avenir Next" panose="020B0503020202020204" pitchFamily="34" charset="0"/>
+            </a:endParaRPr>
+          </a:p>
+          <a:p>
+            <a:pPr marL="914400" lvl="1" indent="-457200">
+              <a:buFont typeface="+mj-lt"/>
+              <a:buAutoNum type="arabicPeriod"/>
+            </a:pPr>
+            <a:r>
+              <a:rPr lang="en-GB" dirty="0">
+                <a:solidFill>
+                  <a:srgbClr val="FF0000"/>
+                </a:solidFill>
+              </a:rPr>
+              <a:t>=&gt; Values used</a:t>
+            </a:r>
+            <a:endParaRPr lang="fr-FR" dirty="0">
               <a:latin typeface="Avenir Next" panose="020B0503020202020204" pitchFamily="34" charset="0"/>
             </a:endParaRPr>
           </a:p>
@@ -10279,18 +10294,18 @@
               <a:buAutoNum type="arabicPeriod"/>
             </a:pPr>
             <a:r>
-              <a:rPr lang="fr-FR" sz="2400" dirty="0">
+              <a:rPr lang="fr-FR" dirty="0">
                 <a:latin typeface="Avenir Next" panose="020B0503020202020204" pitchFamily="34" charset="0"/>
               </a:rPr>
               <a:t> </a:t>
             </a:r>
             <a:r>
-              <a:rPr lang="fr-FR" sz="2400" dirty="0" err="1">
+              <a:rPr lang="fr-FR" dirty="0" err="1">
                 <a:latin typeface="Avenir Next" panose="020B0503020202020204" pitchFamily="34" charset="0"/>
               </a:rPr>
               <a:t>Normalization</a:t>
             </a:r>
-            <a:endParaRPr lang="fr-FR" sz="2400" dirty="0">
+            <a:endParaRPr lang="fr-FR" dirty="0">
               <a:latin typeface="Avenir Next" panose="020B0503020202020204" pitchFamily="34" charset="0"/>
             </a:endParaRPr>
           </a:p>
@@ -10300,30 +10315,30 @@
               <a:buAutoNum type="arabicPeriod"/>
             </a:pPr>
             <a:r>
-              <a:rPr lang="fr-FR" sz="2400" dirty="0">
+              <a:rPr lang="fr-FR" dirty="0">
                 <a:latin typeface="Avenir Next" panose="020B0503020202020204" pitchFamily="34" charset="0"/>
               </a:rPr>
               <a:t> Non-</a:t>
             </a:r>
             <a:r>
-              <a:rPr lang="fr-FR" sz="2400" dirty="0" err="1">
+              <a:rPr lang="fr-FR" dirty="0" err="1">
                 <a:latin typeface="Avenir Next" panose="020B0503020202020204" pitchFamily="34" charset="0"/>
               </a:rPr>
               <a:t>numeric</a:t>
             </a:r>
             <a:r>
-              <a:rPr lang="fr-FR" sz="2400" dirty="0">
+              <a:rPr lang="fr-FR" dirty="0">
                 <a:latin typeface="Avenir Next" panose="020B0503020202020204" pitchFamily="34" charset="0"/>
               </a:rPr>
               <a:t> </a:t>
             </a:r>
             <a:r>
-              <a:rPr lang="fr-FR" sz="2400" dirty="0" err="1">
+              <a:rPr lang="fr-FR" dirty="0" err="1">
                 <a:latin typeface="Avenir Next" panose="020B0503020202020204" pitchFamily="34" charset="0"/>
               </a:rPr>
               <a:t>features</a:t>
             </a:r>
-            <a:endParaRPr lang="fr-FR" sz="2400" dirty="0">
+            <a:endParaRPr lang="fr-FR" dirty="0">
               <a:latin typeface="Avenir Next" panose="020B0503020202020204" pitchFamily="34" charset="0"/>
             </a:endParaRPr>
           </a:p>
@@ -10333,96 +10348,18 @@
               <a:buAutoNum type="arabicPeriod"/>
             </a:pPr>
             <a:r>
-              <a:rPr lang="fr-FR" sz="2400" dirty="0">
+              <a:rPr lang="fr-FR" dirty="0">
                 <a:latin typeface="Avenir Next" panose="020B0503020202020204" pitchFamily="34" charset="0"/>
               </a:rPr>
               <a:t> </a:t>
             </a:r>
             <a:r>
-              <a:rPr lang="fr-FR" sz="2400" dirty="0" err="1">
+              <a:rPr lang="fr-FR" dirty="0" err="1">
                 <a:latin typeface="Avenir Next" panose="020B0503020202020204" pitchFamily="34" charset="0"/>
               </a:rPr>
               <a:t>Entropy</a:t>
             </a:r>
-            <a:endParaRPr lang="fr-FR" sz="2400" dirty="0">
-              <a:latin typeface="Avenir Next" panose="020B0503020202020204" pitchFamily="34" charset="0"/>
-            </a:endParaRPr>
-          </a:p>
-          <a:p>
-            <a:pPr marL="457200" indent="-457200">
-              <a:buFont typeface="+mj-lt"/>
-              <a:buAutoNum type="arabicPeriod"/>
-            </a:pPr>
-            <a:r>
-              <a:rPr lang="fr-FR" sz="2400" dirty="0">
-                <a:latin typeface="Avenir Next" panose="020B0503020202020204" pitchFamily="34" charset="0"/>
-              </a:rPr>
-              <a:t> Clustering</a:t>
-            </a:r>
-          </a:p>
-          <a:p>
-            <a:pPr marL="457200" indent="-457200">
-              <a:buFont typeface="+mj-lt"/>
-              <a:buAutoNum type="arabicPeriod"/>
-            </a:pPr>
-            <a:r>
-              <a:rPr lang="fr-FR" sz="2400" dirty="0">
-                <a:latin typeface="Avenir Next" panose="020B0503020202020204" pitchFamily="34" charset="0"/>
-              </a:rPr>
-              <a:t> </a:t>
-            </a:r>
-            <a:r>
-              <a:rPr lang="fr-FR" sz="2400" dirty="0" err="1">
-                <a:latin typeface="Avenir Next" panose="020B0503020202020204" pitchFamily="34" charset="0"/>
-              </a:rPr>
-              <a:t>Cosine</a:t>
-            </a:r>
-            <a:r>
-              <a:rPr lang="fr-FR" sz="2400" dirty="0">
-                <a:latin typeface="Avenir Next" panose="020B0503020202020204" pitchFamily="34" charset="0"/>
-              </a:rPr>
-              <a:t> distance </a:t>
-            </a:r>
-            <a:r>
-              <a:rPr lang="fr-FR" sz="2400" dirty="0" err="1">
-                <a:latin typeface="Avenir Next" panose="020B0503020202020204" pitchFamily="34" charset="0"/>
-              </a:rPr>
-              <a:t>measure</a:t>
-            </a:r>
-            <a:endParaRPr lang="fr-FR" sz="2400" dirty="0">
-              <a:latin typeface="Avenir Next" panose="020B0503020202020204" pitchFamily="34" charset="0"/>
-            </a:endParaRPr>
-          </a:p>
-          <a:p>
-            <a:pPr marL="457200" indent="-457200">
-              <a:buFont typeface="+mj-lt"/>
-              <a:buAutoNum type="arabicPeriod"/>
-            </a:pPr>
-            <a:r>
-              <a:rPr lang="fr-FR" sz="2400" dirty="0">
-                <a:latin typeface="Avenir Next" panose="020B0503020202020204" pitchFamily="34" charset="0"/>
-              </a:rPr>
-              <a:t> </a:t>
-            </a:r>
-            <a:r>
-              <a:rPr lang="fr-FR" sz="2400" dirty="0" err="1">
-                <a:latin typeface="Avenir Next" panose="020B0503020202020204" pitchFamily="34" charset="0"/>
-              </a:rPr>
-              <a:t>Bisecting</a:t>
-            </a:r>
-            <a:r>
-              <a:rPr lang="fr-FR" sz="2400" dirty="0">
-                <a:latin typeface="Avenir Next" panose="020B0503020202020204" pitchFamily="34" charset="0"/>
-              </a:rPr>
-              <a:t> K-</a:t>
-            </a:r>
-            <a:r>
-              <a:rPr lang="fr-FR" sz="2400" dirty="0" err="1">
-                <a:latin typeface="Avenir Next" panose="020B0503020202020204" pitchFamily="34" charset="0"/>
-              </a:rPr>
-              <a:t>means</a:t>
-            </a:r>
-            <a:endParaRPr lang="fr-FR" sz="2400" dirty="0">
+            <a:endParaRPr lang="fr-FR" dirty="0">
               <a:latin typeface="Avenir Next" panose="020B0503020202020204" pitchFamily="34" charset="0"/>
             </a:endParaRPr>
           </a:p>
@@ -10480,7 +10417,7 @@
           <a:p>
             <a:fld id="{50E96FFC-9A77-BE40-93A2-F2F19ACBA9AE}" type="slidenum">
               <a:rPr lang="fr-FR" smtClean="0"/>
-              <a:t>14</a:t>
+              <a:t>13</a:t>
             </a:fld>
             <a:endParaRPr lang="fr-FR"/>
           </a:p>
@@ -10546,6 +10483,218 @@
 </p:sld>
 </file>
 
+<file path=ppt/slides/slide14.xml><?xml version="1.0" encoding="utf-8"?>
+<p:sld xmlns:a="http://schemas.openxmlformats.org/drawingml/2006/main" xmlns:r="http://schemas.openxmlformats.org/officeDocument/2006/relationships" xmlns:p="http://schemas.openxmlformats.org/presentationml/2006/main">
+  <p:cSld>
+    <p:spTree>
+      <p:nvGrpSpPr>
+        <p:cNvPr id="1" name=""/>
+        <p:cNvGrpSpPr/>
+        <p:nvPr/>
+      </p:nvGrpSpPr>
+      <p:grpSpPr>
+        <a:xfrm>
+          <a:off x="0" y="0"/>
+          <a:ext cx="0" cy="0"/>
+          <a:chOff x="0" y="0"/>
+          <a:chExt cx="0" cy="0"/>
+        </a:xfrm>
+      </p:grpSpPr>
+      <p:sp>
+        <p:nvSpPr>
+          <p:cNvPr id="2" name="Title 1">
+            <a:extLst>
+              <a:ext uri="{FF2B5EF4-FFF2-40B4-BE49-F238E27FC236}">
+                <a16:creationId xmlns:a16="http://schemas.microsoft.com/office/drawing/2014/main" id="{F32D2FED-7694-B794-E4A7-C183D83D2881}"/>
+              </a:ext>
+            </a:extLst>
+          </p:cNvPr>
+          <p:cNvSpPr>
+            <a:spLocks noGrp="1"/>
+          </p:cNvSpPr>
+          <p:nvPr>
+            <p:ph type="title"/>
+          </p:nvPr>
+        </p:nvSpPr>
+        <p:spPr/>
+        <p:txBody>
+          <a:bodyPr/>
+          <a:lstStyle/>
+          <a:p>
+            <a:r>
+              <a:rPr lang="en-GB" dirty="0">
+                <a:latin typeface="Avenir Next Medium" panose="020B0503020202020204" pitchFamily="34" charset="0"/>
+              </a:rPr>
+              <a:t>The optimal </a:t>
+            </a:r>
+            <a:r>
+              <a:rPr lang="en-GB" i="1" dirty="0">
+                <a:latin typeface="Avenir Next Medium" panose="020B0503020202020204" pitchFamily="34" charset="0"/>
+              </a:rPr>
+              <a:t>K </a:t>
+            </a:r>
+            <a:r>
+              <a:rPr lang="en-GB" dirty="0">
+                <a:latin typeface="Avenir Next Medium" panose="020B0503020202020204" pitchFamily="34" charset="0"/>
+              </a:rPr>
+              <a:t>value - Steps</a:t>
+            </a:r>
+            <a:endParaRPr lang="fr-FR" dirty="0">
+              <a:latin typeface="Avenir Next Medium" panose="020B0503020202020204" pitchFamily="34" charset="0"/>
+            </a:endParaRPr>
+          </a:p>
+        </p:txBody>
+      </p:sp>
+      <p:sp>
+        <p:nvSpPr>
+          <p:cNvPr id="4" name="Date Placeholder 3">
+            <a:extLst>
+              <a:ext uri="{FF2B5EF4-FFF2-40B4-BE49-F238E27FC236}">
+                <a16:creationId xmlns:a16="http://schemas.microsoft.com/office/drawing/2014/main" id="{29128103-CC75-2E58-B635-5950CA33C1DF}"/>
+              </a:ext>
+            </a:extLst>
+          </p:cNvPr>
+          <p:cNvSpPr>
+            <a:spLocks noGrp="1"/>
+          </p:cNvSpPr>
+          <p:nvPr>
+            <p:ph type="dt" sz="half" idx="10"/>
+          </p:nvPr>
+        </p:nvSpPr>
+        <p:spPr/>
+        <p:txBody>
+          <a:bodyPr/>
+          <a:lstStyle/>
+          <a:p>
+            <a:r>
+              <a:rPr lang="de-CH"/>
+              <a:t>10.06.2022</a:t>
+            </a:r>
+            <a:endParaRPr lang="fr-FR"/>
+          </a:p>
+        </p:txBody>
+      </p:sp>
+      <p:sp>
+        <p:nvSpPr>
+          <p:cNvPr id="6" name="Slide Number Placeholder 5">
+            <a:extLst>
+              <a:ext uri="{FF2B5EF4-FFF2-40B4-BE49-F238E27FC236}">
+                <a16:creationId xmlns:a16="http://schemas.microsoft.com/office/drawing/2014/main" id="{A06554C2-2984-B2C8-2158-C04BED7CEDFC}"/>
+              </a:ext>
+            </a:extLst>
+          </p:cNvPr>
+          <p:cNvSpPr>
+            <a:spLocks noGrp="1"/>
+          </p:cNvSpPr>
+          <p:nvPr>
+            <p:ph type="sldNum" sz="quarter" idx="12"/>
+          </p:nvPr>
+        </p:nvSpPr>
+        <p:spPr/>
+        <p:txBody>
+          <a:bodyPr/>
+          <a:lstStyle/>
+          <a:p>
+            <a:fld id="{50E96FFC-9A77-BE40-93A2-F2F19ACBA9AE}" type="slidenum">
+              <a:rPr lang="fr-FR" smtClean="0"/>
+              <a:t>14</a:t>
+            </a:fld>
+            <a:endParaRPr lang="fr-FR"/>
+          </a:p>
+        </p:txBody>
+      </p:sp>
+      <p:pic>
+        <p:nvPicPr>
+          <p:cNvPr id="8" name="Picture 2" descr="HES-SO - Logo - Haute école">
+            <a:extLst>
+              <a:ext uri="{FF2B5EF4-FFF2-40B4-BE49-F238E27FC236}">
+                <a16:creationId xmlns:a16="http://schemas.microsoft.com/office/drawing/2014/main" id="{EA03034B-9075-280A-A560-1F98B0D46A44}"/>
+              </a:ext>
+            </a:extLst>
+          </p:cNvPr>
+          <p:cNvPicPr>
+            <a:picLocks noChangeAspect="1" noChangeArrowheads="1"/>
+          </p:cNvPicPr>
+          <p:nvPr/>
+        </p:nvPicPr>
+        <p:blipFill>
+          <a:blip r:embed="rId2">
+            <a:extLst>
+              <a:ext uri="{28A0092B-C50C-407E-A947-70E740481C1C}">
+                <a14:useLocalDpi xmlns:a14="http://schemas.microsoft.com/office/drawing/2010/main" val="0"/>
+              </a:ext>
+            </a:extLst>
+          </a:blip>
+          <a:srcRect/>
+          <a:stretch>
+            <a:fillRect/>
+          </a:stretch>
+        </p:blipFill>
+        <p:spPr bwMode="auto">
+          <a:xfrm>
+            <a:off x="5563101" y="6386879"/>
+            <a:ext cx="1065798" cy="334596"/>
+          </a:xfrm>
+          <a:prstGeom prst="rect">
+            <a:avLst/>
+          </a:prstGeom>
+          <a:noFill/>
+          <a:extLst>
+            <a:ext uri="{909E8E84-426E-40DD-AFC4-6F175D3DCCD1}">
+              <a14:hiddenFill xmlns:a14="http://schemas.microsoft.com/office/drawing/2010/main">
+                <a:solidFill>
+                  <a:srgbClr val="FFFFFF"/>
+                </a:solidFill>
+              </a14:hiddenFill>
+            </a:ext>
+          </a:extLst>
+        </p:spPr>
+      </p:pic>
+      <p:pic>
+        <p:nvPicPr>
+          <p:cNvPr id="9" name="Content Placeholder 8">
+            <a:extLst>
+              <a:ext uri="{FF2B5EF4-FFF2-40B4-BE49-F238E27FC236}">
+                <a16:creationId xmlns:a16="http://schemas.microsoft.com/office/drawing/2014/main" id="{C691C1DD-8802-AF5D-3B08-DA1276070B06}"/>
+              </a:ext>
+            </a:extLst>
+          </p:cNvPr>
+          <p:cNvPicPr>
+            <a:picLocks noGrp="1" noChangeAspect="1"/>
+          </p:cNvPicPr>
+          <p:nvPr>
+            <p:ph idx="1"/>
+          </p:nvPr>
+        </p:nvPicPr>
+        <p:blipFill>
+          <a:blip r:embed="rId3"/>
+          <a:stretch>
+            <a:fillRect/>
+          </a:stretch>
+        </p:blipFill>
+        <p:spPr>
+          <a:xfrm>
+            <a:off x="838200" y="1690688"/>
+            <a:ext cx="10515600" cy="3785295"/>
+          </a:xfrm>
+          <a:prstGeom prst="rect">
+            <a:avLst/>
+          </a:prstGeom>
+        </p:spPr>
+      </p:pic>
+    </p:spTree>
+    <p:extLst>
+      <p:ext uri="{BB962C8B-B14F-4D97-AF65-F5344CB8AC3E}">
+        <p14:creationId xmlns:p14="http://schemas.microsoft.com/office/powerpoint/2010/main" val="3558105705"/>
+      </p:ext>
+    </p:extLst>
+  </p:cSld>
+  <p:clrMapOvr>
+    <a:masterClrMapping/>
+  </p:clrMapOvr>
+</p:sld>
+</file>
+
 <file path=ppt/slides/slide15.xml><?xml version="1.0" encoding="utf-8"?>
 <p:sld xmlns:a="http://schemas.openxmlformats.org/drawingml/2006/main" xmlns:r="http://schemas.openxmlformats.org/officeDocument/2006/relationships" xmlns:p="http://schemas.openxmlformats.org/presentationml/2006/main">
   <p:cSld>
@@ -10600,7 +10749,284 @@
               <a:rPr lang="en-GB" dirty="0">
                 <a:latin typeface="Avenir Next Medium" panose="020B0503020202020204" pitchFamily="34" charset="0"/>
               </a:rPr>
-              <a:t>value - Results</a:t>
+              <a:t>value - Improvements</a:t>
+            </a:r>
+            <a:endParaRPr lang="fr-FR" dirty="0">
+              <a:latin typeface="Avenir Next Medium" panose="020B0503020202020204" pitchFamily="34" charset="0"/>
+            </a:endParaRPr>
+          </a:p>
+        </p:txBody>
+      </p:sp>
+      <p:sp>
+        <p:nvSpPr>
+          <p:cNvPr id="4" name="Date Placeholder 3">
+            <a:extLst>
+              <a:ext uri="{FF2B5EF4-FFF2-40B4-BE49-F238E27FC236}">
+                <a16:creationId xmlns:a16="http://schemas.microsoft.com/office/drawing/2014/main" id="{29128103-CC75-2E58-B635-5950CA33C1DF}"/>
+              </a:ext>
+            </a:extLst>
+          </p:cNvPr>
+          <p:cNvSpPr>
+            <a:spLocks noGrp="1"/>
+          </p:cNvSpPr>
+          <p:nvPr>
+            <p:ph type="dt" sz="half" idx="10"/>
+          </p:nvPr>
+        </p:nvSpPr>
+        <p:spPr/>
+        <p:txBody>
+          <a:bodyPr/>
+          <a:lstStyle/>
+          <a:p>
+            <a:r>
+              <a:rPr lang="de-CH"/>
+              <a:t>10.06.2022</a:t>
+            </a:r>
+            <a:endParaRPr lang="fr-FR"/>
+          </a:p>
+        </p:txBody>
+      </p:sp>
+      <p:sp>
+        <p:nvSpPr>
+          <p:cNvPr id="6" name="Slide Number Placeholder 5">
+            <a:extLst>
+              <a:ext uri="{FF2B5EF4-FFF2-40B4-BE49-F238E27FC236}">
+                <a16:creationId xmlns:a16="http://schemas.microsoft.com/office/drawing/2014/main" id="{A06554C2-2984-B2C8-2158-C04BED7CEDFC}"/>
+              </a:ext>
+            </a:extLst>
+          </p:cNvPr>
+          <p:cNvSpPr>
+            <a:spLocks noGrp="1"/>
+          </p:cNvSpPr>
+          <p:nvPr>
+            <p:ph type="sldNum" sz="quarter" idx="12"/>
+          </p:nvPr>
+        </p:nvSpPr>
+        <p:spPr/>
+        <p:txBody>
+          <a:bodyPr/>
+          <a:lstStyle/>
+          <a:p>
+            <a:fld id="{50E96FFC-9A77-BE40-93A2-F2F19ACBA9AE}" type="slidenum">
+              <a:rPr lang="fr-FR" smtClean="0"/>
+              <a:t>15</a:t>
+            </a:fld>
+            <a:endParaRPr lang="fr-FR"/>
+          </a:p>
+        </p:txBody>
+      </p:sp>
+      <p:pic>
+        <p:nvPicPr>
+          <p:cNvPr id="8" name="Picture 2" descr="HES-SO - Logo - Haute école">
+            <a:extLst>
+              <a:ext uri="{FF2B5EF4-FFF2-40B4-BE49-F238E27FC236}">
+                <a16:creationId xmlns:a16="http://schemas.microsoft.com/office/drawing/2014/main" id="{EA03034B-9075-280A-A560-1F98B0D46A44}"/>
+              </a:ext>
+            </a:extLst>
+          </p:cNvPr>
+          <p:cNvPicPr>
+            <a:picLocks noChangeAspect="1" noChangeArrowheads="1"/>
+          </p:cNvPicPr>
+          <p:nvPr/>
+        </p:nvPicPr>
+        <p:blipFill>
+          <a:blip r:embed="rId2">
+            <a:extLst>
+              <a:ext uri="{28A0092B-C50C-407E-A947-70E740481C1C}">
+                <a14:useLocalDpi xmlns:a14="http://schemas.microsoft.com/office/drawing/2010/main" val="0"/>
+              </a:ext>
+            </a:extLst>
+          </a:blip>
+          <a:srcRect/>
+          <a:stretch>
+            <a:fillRect/>
+          </a:stretch>
+        </p:blipFill>
+        <p:spPr bwMode="auto">
+          <a:xfrm>
+            <a:off x="5563101" y="6386879"/>
+            <a:ext cx="1065798" cy="334596"/>
+          </a:xfrm>
+          <a:prstGeom prst="rect">
+            <a:avLst/>
+          </a:prstGeom>
+          <a:noFill/>
+          <a:extLst>
+            <a:ext uri="{909E8E84-426E-40DD-AFC4-6F175D3DCCD1}">
+              <a14:hiddenFill xmlns:a14="http://schemas.microsoft.com/office/drawing/2010/main">
+                <a:solidFill>
+                  <a:srgbClr val="FFFFFF"/>
+                </a:solidFill>
+              </a14:hiddenFill>
+            </a:ext>
+          </a:extLst>
+        </p:spPr>
+      </p:pic>
+      <p:sp>
+        <p:nvSpPr>
+          <p:cNvPr id="9" name="Rectangle 8">
+            <a:extLst>
+              <a:ext uri="{FF2B5EF4-FFF2-40B4-BE49-F238E27FC236}">
+                <a16:creationId xmlns:a16="http://schemas.microsoft.com/office/drawing/2014/main" id="{E09C11EB-8917-FA56-D537-54599EDDF57D}"/>
+              </a:ext>
+            </a:extLst>
+          </p:cNvPr>
+          <p:cNvSpPr/>
+          <p:nvPr/>
+        </p:nvSpPr>
+        <p:spPr>
+          <a:xfrm>
+            <a:off x="838200" y="1606887"/>
+            <a:ext cx="6096000" cy="923330"/>
+          </a:xfrm>
+          <a:prstGeom prst="rect">
+            <a:avLst/>
+          </a:prstGeom>
+        </p:spPr>
+        <p:txBody>
+          <a:bodyPr>
+            <a:spAutoFit/>
+          </a:bodyPr>
+          <a:lstStyle/>
+          <a:p>
+            <a:r>
+              <a:rPr lang="fr-FR" dirty="0" err="1">
+                <a:latin typeface="Avenir Next" panose="020B0503020202020204" pitchFamily="34" charset="0"/>
+              </a:rPr>
+              <a:t>Cosine</a:t>
+            </a:r>
+            <a:r>
+              <a:rPr lang="fr-FR" dirty="0">
+                <a:latin typeface="Avenir Next" panose="020B0503020202020204" pitchFamily="34" charset="0"/>
+              </a:rPr>
+              <a:t> distance </a:t>
+            </a:r>
+            <a:r>
+              <a:rPr lang="fr-FR" dirty="0" err="1">
+                <a:latin typeface="Avenir Next" panose="020B0503020202020204" pitchFamily="34" charset="0"/>
+              </a:rPr>
+              <a:t>measure</a:t>
+            </a:r>
+            <a:endParaRPr lang="fr-FR" dirty="0">
+              <a:latin typeface="Avenir Next" panose="020B0503020202020204" pitchFamily="34" charset="0"/>
+            </a:endParaRPr>
+          </a:p>
+          <a:p>
+            <a:endParaRPr lang="fr-FR" dirty="0">
+              <a:latin typeface="Avenir Next" panose="020B0503020202020204" pitchFamily="34" charset="0"/>
+            </a:endParaRPr>
+          </a:p>
+          <a:p>
+            <a:pPr marL="457200" indent="-457200">
+              <a:buFont typeface="+mj-lt"/>
+              <a:buAutoNum type="arabicPeriod"/>
+            </a:pPr>
+            <a:endParaRPr lang="fr-FR" dirty="0">
+              <a:latin typeface="Avenir Next" panose="020B0503020202020204" pitchFamily="34" charset="0"/>
+            </a:endParaRPr>
+          </a:p>
+        </p:txBody>
+      </p:sp>
+      <p:pic>
+        <p:nvPicPr>
+          <p:cNvPr id="10" name="Content Placeholder 9" descr="Graphical user interface&#10;&#10;Description automatically generated">
+            <a:extLst>
+              <a:ext uri="{FF2B5EF4-FFF2-40B4-BE49-F238E27FC236}">
+                <a16:creationId xmlns:a16="http://schemas.microsoft.com/office/drawing/2014/main" id="{F2B76533-ED53-8BE6-9DD4-F2516CEA10E9}"/>
+              </a:ext>
+            </a:extLst>
+          </p:cNvPr>
+          <p:cNvPicPr>
+            <a:picLocks noGrp="1" noChangeAspect="1"/>
+          </p:cNvPicPr>
+          <p:nvPr>
+            <p:ph idx="1"/>
+          </p:nvPr>
+        </p:nvPicPr>
+        <p:blipFill>
+          <a:blip r:embed="rId3"/>
+          <a:stretch>
+            <a:fillRect/>
+          </a:stretch>
+        </p:blipFill>
+        <p:spPr>
+          <a:xfrm>
+            <a:off x="3886200" y="1847850"/>
+            <a:ext cx="6851630" cy="4351338"/>
+          </a:xfrm>
+          <a:prstGeom prst="rect">
+            <a:avLst/>
+          </a:prstGeom>
+        </p:spPr>
+      </p:pic>
+    </p:spTree>
+    <p:extLst>
+      <p:ext uri="{BB962C8B-B14F-4D97-AF65-F5344CB8AC3E}">
+        <p14:creationId xmlns:p14="http://schemas.microsoft.com/office/powerpoint/2010/main" val="3405404309"/>
+      </p:ext>
+    </p:extLst>
+  </p:cSld>
+  <p:clrMapOvr>
+    <a:masterClrMapping/>
+  </p:clrMapOvr>
+</p:sld>
+</file>
+
+<file path=ppt/slides/slide16.xml><?xml version="1.0" encoding="utf-8"?>
+<p:sld xmlns:a="http://schemas.openxmlformats.org/drawingml/2006/main" xmlns:r="http://schemas.openxmlformats.org/officeDocument/2006/relationships" xmlns:p="http://schemas.openxmlformats.org/presentationml/2006/main">
+  <p:cSld>
+    <p:spTree>
+      <p:nvGrpSpPr>
+        <p:cNvPr id="1" name=""/>
+        <p:cNvGrpSpPr/>
+        <p:nvPr/>
+      </p:nvGrpSpPr>
+      <p:grpSpPr>
+        <a:xfrm>
+          <a:off x="0" y="0"/>
+          <a:ext cx="0" cy="0"/>
+          <a:chOff x="0" y="0"/>
+          <a:chExt cx="0" cy="0"/>
+        </a:xfrm>
+      </p:grpSpPr>
+      <p:sp>
+        <p:nvSpPr>
+          <p:cNvPr id="2" name="Title 1">
+            <a:extLst>
+              <a:ext uri="{FF2B5EF4-FFF2-40B4-BE49-F238E27FC236}">
+                <a16:creationId xmlns:a16="http://schemas.microsoft.com/office/drawing/2014/main" id="{F32D2FED-7694-B794-E4A7-C183D83D2881}"/>
+              </a:ext>
+            </a:extLst>
+          </p:cNvPr>
+          <p:cNvSpPr>
+            <a:spLocks noGrp="1"/>
+          </p:cNvSpPr>
+          <p:nvPr>
+            <p:ph type="title"/>
+          </p:nvPr>
+        </p:nvSpPr>
+        <p:spPr/>
+        <p:txBody>
+          <a:bodyPr/>
+          <a:lstStyle/>
+          <a:p>
+            <a:r>
+              <a:rPr lang="en-GB" dirty="0">
+                <a:latin typeface="Avenir Next Medium" panose="020B0503020202020204" pitchFamily="34" charset="0"/>
+              </a:rPr>
+              <a:t>The optimal </a:t>
+            </a:r>
+            <a:r>
+              <a:rPr lang="en-GB" i="1" dirty="0">
+                <a:latin typeface="Avenir Next Medium" panose="020B0503020202020204" pitchFamily="34" charset="0"/>
+              </a:rPr>
+              <a:t>K </a:t>
+            </a:r>
+            <a:r>
+              <a:rPr lang="en-GB" dirty="0">
+                <a:latin typeface="Avenir Next Medium" panose="020B0503020202020204" pitchFamily="34" charset="0"/>
+              </a:rPr>
+              <a:t>value - Improvements</a:t>
             </a:r>
             <a:endParaRPr lang="fr-FR" dirty="0">
               <a:latin typeface="Avenir Next Medium" panose="020B0503020202020204" pitchFamily="34" charset="0"/>
@@ -10631,10 +11057,27 @@
           </a:bodyPr>
           <a:lstStyle/>
           <a:p>
-            <a:pPr marL="457200" indent="-457200">
-              <a:buFont typeface="+mj-lt"/>
-              <a:buAutoNum type="arabicPeriod"/>
+            <a:pPr marL="0" indent="0">
+              <a:buNone/>
             </a:pPr>
+            <a:r>
+              <a:rPr lang="fr-FR" sz="2400" dirty="0" err="1">
+                <a:latin typeface="Avenir Next" panose="020B0503020202020204" pitchFamily="34" charset="0"/>
+              </a:rPr>
+              <a:t>Bisecting</a:t>
+            </a:r>
+            <a:r>
+              <a:rPr lang="fr-FR" sz="2400" dirty="0">
+                <a:latin typeface="Avenir Next" panose="020B0503020202020204" pitchFamily="34" charset="0"/>
+              </a:rPr>
+              <a:t> K-</a:t>
+            </a:r>
+            <a:r>
+              <a:rPr lang="fr-FR" sz="2400" dirty="0" err="1">
+                <a:latin typeface="Avenir Next" panose="020B0503020202020204" pitchFamily="34" charset="0"/>
+              </a:rPr>
+              <a:t>means</a:t>
+            </a:r>
             <a:endParaRPr lang="fr-FR" sz="2400" dirty="0">
               <a:latin typeface="Avenir Next" panose="020B0503020202020204" pitchFamily="34" charset="0"/>
             </a:endParaRPr>
@@ -10693,7 +11136,7 @@
           <a:p>
             <a:fld id="{50E96FFC-9A77-BE40-93A2-F2F19ACBA9AE}" type="slidenum">
               <a:rPr lang="fr-FR" smtClean="0"/>
-              <a:t>15</a:t>
+              <a:t>16</a:t>
             </a:fld>
             <a:endParaRPr lang="fr-FR"/>
           </a:p>
@@ -10715,6 +11158,245 @@
         </p:nvPicPr>
         <p:blipFill>
           <a:blip r:embed="rId2">
+            <a:extLst>
+              <a:ext uri="{28A0092B-C50C-407E-A947-70E740481C1C}">
+                <a14:useLocalDpi xmlns:a14="http://schemas.microsoft.com/office/drawing/2010/main" val="0"/>
+              </a:ext>
+            </a:extLst>
+          </a:blip>
+          <a:srcRect/>
+          <a:stretch>
+            <a:fillRect/>
+          </a:stretch>
+        </p:blipFill>
+        <p:spPr bwMode="auto">
+          <a:xfrm>
+            <a:off x="5563101" y="6386879"/>
+            <a:ext cx="1065798" cy="334596"/>
+          </a:xfrm>
+          <a:prstGeom prst="rect">
+            <a:avLst/>
+          </a:prstGeom>
+          <a:noFill/>
+          <a:extLst>
+            <a:ext uri="{909E8E84-426E-40DD-AFC4-6F175D3DCCD1}">
+              <a14:hiddenFill xmlns:a14="http://schemas.microsoft.com/office/drawing/2010/main">
+                <a:solidFill>
+                  <a:srgbClr val="FFFFFF"/>
+                </a:solidFill>
+              </a14:hiddenFill>
+            </a:ext>
+          </a:extLst>
+        </p:spPr>
+      </p:pic>
+      <p:pic>
+        <p:nvPicPr>
+          <p:cNvPr id="7" name="Picture 6" descr="Graphical user interface, chart&#10;&#10;Description automatically generated">
+            <a:extLst>
+              <a:ext uri="{FF2B5EF4-FFF2-40B4-BE49-F238E27FC236}">
+                <a16:creationId xmlns:a16="http://schemas.microsoft.com/office/drawing/2014/main" id="{11E6D496-F94C-6551-7D8E-D7FB9DCB06AD}"/>
+              </a:ext>
+            </a:extLst>
+          </p:cNvPr>
+          <p:cNvPicPr>
+            <a:picLocks noChangeAspect="1"/>
+          </p:cNvPicPr>
+          <p:nvPr/>
+        </p:nvPicPr>
+        <p:blipFill>
+          <a:blip r:embed="rId3"/>
+          <a:stretch>
+            <a:fillRect/>
+          </a:stretch>
+        </p:blipFill>
+        <p:spPr>
+          <a:xfrm>
+            <a:off x="3267307" y="2932595"/>
+            <a:ext cx="7965688" cy="2892650"/>
+          </a:xfrm>
+          <a:prstGeom prst="rect">
+            <a:avLst/>
+          </a:prstGeom>
+        </p:spPr>
+      </p:pic>
+    </p:spTree>
+    <p:extLst>
+      <p:ext uri="{BB962C8B-B14F-4D97-AF65-F5344CB8AC3E}">
+        <p14:creationId xmlns:p14="http://schemas.microsoft.com/office/powerpoint/2010/main" val="4107526061"/>
+      </p:ext>
+    </p:extLst>
+  </p:cSld>
+  <p:clrMapOvr>
+    <a:masterClrMapping/>
+  </p:clrMapOvr>
+</p:sld>
+</file>
+
+<file path=ppt/slides/slide17.xml><?xml version="1.0" encoding="utf-8"?>
+<p:sld xmlns:a="http://schemas.openxmlformats.org/drawingml/2006/main" xmlns:r="http://schemas.openxmlformats.org/officeDocument/2006/relationships" xmlns:p="http://schemas.openxmlformats.org/presentationml/2006/main">
+  <p:cSld>
+    <p:spTree>
+      <p:nvGrpSpPr>
+        <p:cNvPr id="1" name=""/>
+        <p:cNvGrpSpPr/>
+        <p:nvPr/>
+      </p:nvGrpSpPr>
+      <p:grpSpPr>
+        <a:xfrm>
+          <a:off x="0" y="0"/>
+          <a:ext cx="0" cy="0"/>
+          <a:chOff x="0" y="0"/>
+          <a:chExt cx="0" cy="0"/>
+        </a:xfrm>
+      </p:grpSpPr>
+      <p:sp>
+        <p:nvSpPr>
+          <p:cNvPr id="2" name="Title 1">
+            <a:extLst>
+              <a:ext uri="{FF2B5EF4-FFF2-40B4-BE49-F238E27FC236}">
+                <a16:creationId xmlns:a16="http://schemas.microsoft.com/office/drawing/2014/main" id="{F32D2FED-7694-B794-E4A7-C183D83D2881}"/>
+              </a:ext>
+            </a:extLst>
+          </p:cNvPr>
+          <p:cNvSpPr>
+            <a:spLocks noGrp="1"/>
+          </p:cNvSpPr>
+          <p:nvPr>
+            <p:ph type="title"/>
+          </p:nvPr>
+        </p:nvSpPr>
+        <p:spPr/>
+        <p:txBody>
+          <a:bodyPr/>
+          <a:lstStyle/>
+          <a:p>
+            <a:r>
+              <a:rPr lang="en-GB" dirty="0">
+                <a:latin typeface="Avenir Next Medium" panose="020B0503020202020204" pitchFamily="34" charset="0"/>
+              </a:rPr>
+              <a:t>The optimal </a:t>
+            </a:r>
+            <a:r>
+              <a:rPr lang="en-GB" i="1" dirty="0">
+                <a:latin typeface="Avenir Next Medium" panose="020B0503020202020204" pitchFamily="34" charset="0"/>
+              </a:rPr>
+              <a:t>K </a:t>
+            </a:r>
+            <a:r>
+              <a:rPr lang="en-GB" dirty="0">
+                <a:latin typeface="Avenir Next Medium" panose="020B0503020202020204" pitchFamily="34" charset="0"/>
+              </a:rPr>
+              <a:t>value - Results</a:t>
+            </a:r>
+            <a:endParaRPr lang="fr-FR" dirty="0">
+              <a:latin typeface="Avenir Next Medium" panose="020B0503020202020204" pitchFamily="34" charset="0"/>
+            </a:endParaRPr>
+          </a:p>
+        </p:txBody>
+      </p:sp>
+      <p:pic>
+        <p:nvPicPr>
+          <p:cNvPr id="9" name="Content Placeholder 8" descr="Table&#10;&#10;Description automatically generated">
+            <a:extLst>
+              <a:ext uri="{FF2B5EF4-FFF2-40B4-BE49-F238E27FC236}">
+                <a16:creationId xmlns:a16="http://schemas.microsoft.com/office/drawing/2014/main" id="{594F440E-30A4-033E-309A-D6D95D0BB460}"/>
+              </a:ext>
+            </a:extLst>
+          </p:cNvPr>
+          <p:cNvPicPr>
+            <a:picLocks noGrp="1" noChangeAspect="1"/>
+          </p:cNvPicPr>
+          <p:nvPr>
+            <p:ph idx="1"/>
+          </p:nvPr>
+        </p:nvPicPr>
+        <p:blipFill>
+          <a:blip r:embed="rId2"/>
+          <a:stretch>
+            <a:fillRect/>
+          </a:stretch>
+        </p:blipFill>
+        <p:spPr>
+          <a:xfrm>
+            <a:off x="1854200" y="2045494"/>
+            <a:ext cx="8483600" cy="3911600"/>
+          </a:xfrm>
+        </p:spPr>
+      </p:pic>
+      <p:sp>
+        <p:nvSpPr>
+          <p:cNvPr id="4" name="Date Placeholder 3">
+            <a:extLst>
+              <a:ext uri="{FF2B5EF4-FFF2-40B4-BE49-F238E27FC236}">
+                <a16:creationId xmlns:a16="http://schemas.microsoft.com/office/drawing/2014/main" id="{29128103-CC75-2E58-B635-5950CA33C1DF}"/>
+              </a:ext>
+            </a:extLst>
+          </p:cNvPr>
+          <p:cNvSpPr>
+            <a:spLocks noGrp="1"/>
+          </p:cNvSpPr>
+          <p:nvPr>
+            <p:ph type="dt" sz="half" idx="10"/>
+          </p:nvPr>
+        </p:nvSpPr>
+        <p:spPr/>
+        <p:txBody>
+          <a:bodyPr/>
+          <a:lstStyle/>
+          <a:p>
+            <a:r>
+              <a:rPr lang="de-CH"/>
+              <a:t>10.06.2022</a:t>
+            </a:r>
+            <a:endParaRPr lang="fr-FR"/>
+          </a:p>
+        </p:txBody>
+      </p:sp>
+      <p:sp>
+        <p:nvSpPr>
+          <p:cNvPr id="6" name="Slide Number Placeholder 5">
+            <a:extLst>
+              <a:ext uri="{FF2B5EF4-FFF2-40B4-BE49-F238E27FC236}">
+                <a16:creationId xmlns:a16="http://schemas.microsoft.com/office/drawing/2014/main" id="{A06554C2-2984-B2C8-2158-C04BED7CEDFC}"/>
+              </a:ext>
+            </a:extLst>
+          </p:cNvPr>
+          <p:cNvSpPr>
+            <a:spLocks noGrp="1"/>
+          </p:cNvSpPr>
+          <p:nvPr>
+            <p:ph type="sldNum" sz="quarter" idx="12"/>
+          </p:nvPr>
+        </p:nvSpPr>
+        <p:spPr/>
+        <p:txBody>
+          <a:bodyPr/>
+          <a:lstStyle/>
+          <a:p>
+            <a:fld id="{50E96FFC-9A77-BE40-93A2-F2F19ACBA9AE}" type="slidenum">
+              <a:rPr lang="fr-FR" smtClean="0"/>
+              <a:t>17</a:t>
+            </a:fld>
+            <a:endParaRPr lang="fr-FR"/>
+          </a:p>
+        </p:txBody>
+      </p:sp>
+      <p:pic>
+        <p:nvPicPr>
+          <p:cNvPr id="8" name="Picture 2" descr="HES-SO - Logo - Haute école">
+            <a:extLst>
+              <a:ext uri="{FF2B5EF4-FFF2-40B4-BE49-F238E27FC236}">
+                <a16:creationId xmlns:a16="http://schemas.microsoft.com/office/drawing/2014/main" id="{EA03034B-9075-280A-A560-1F98B0D46A44}"/>
+              </a:ext>
+            </a:extLst>
+          </p:cNvPr>
+          <p:cNvPicPr>
+            <a:picLocks noChangeAspect="1" noChangeArrowheads="1"/>
+          </p:cNvPicPr>
+          <p:nvPr/>
+        </p:nvPicPr>
+        <p:blipFill>
+          <a:blip r:embed="rId3">
             <a:extLst>
               <a:ext uri="{28A0092B-C50C-407E-A947-70E740481C1C}">
                 <a14:useLocalDpi xmlns:a14="http://schemas.microsoft.com/office/drawing/2010/main" val="0"/>
@@ -10749,7 +11431,7 @@
     </p:spTree>
     <p:extLst>
       <p:ext uri="{BB962C8B-B14F-4D97-AF65-F5344CB8AC3E}">
-        <p14:creationId xmlns:p14="http://schemas.microsoft.com/office/powerpoint/2010/main" val="3405404309"/>
+        <p14:creationId xmlns:p14="http://schemas.microsoft.com/office/powerpoint/2010/main" val="1798061809"/>
       </p:ext>
     </p:extLst>
   </p:cSld>
@@ -10759,7 +11441,7 @@
 </p:sld>
 </file>
 
-<file path=ppt/slides/slide16.xml><?xml version="1.0" encoding="utf-8"?>
+<file path=ppt/slides/slide18.xml><?xml version="1.0" encoding="utf-8"?>
 <p:sld xmlns:a="http://schemas.openxmlformats.org/drawingml/2006/main" xmlns:r="http://schemas.openxmlformats.org/officeDocument/2006/relationships" xmlns:p="http://schemas.openxmlformats.org/presentationml/2006/main">
   <p:cSld>
     <p:bg>
@@ -10907,7 +11589,7 @@
                   <a:schemeClr val="bg1"/>
                 </a:solidFill>
               </a:rPr>
-              <a:t>16</a:t>
+              <a:t>18</a:t>
             </a:fld>
             <a:endParaRPr lang="fr-FR">
               <a:solidFill>
@@ -10977,7 +11659,7 @@
 </p:sld>
 </file>
 
-<file path=ppt/slides/slide17.xml><?xml version="1.0" encoding="utf-8"?>
+<file path=ppt/slides/slide19.xml><?xml version="1.0" encoding="utf-8"?>
 <p:sld xmlns:a="http://schemas.openxmlformats.org/drawingml/2006/main" xmlns:r="http://schemas.openxmlformats.org/officeDocument/2006/relationships" xmlns:p="http://schemas.openxmlformats.org/presentationml/2006/main">
   <p:cSld>
     <p:spTree>
@@ -11108,7 +11790,7 @@
           <a:p>
             <a:fld id="{50E96FFC-9A77-BE40-93A2-F2F19ACBA9AE}" type="slidenum">
               <a:rPr lang="fr-FR" smtClean="0"/>
-              <a:t>17</a:t>
+              <a:t>19</a:t>
             </a:fld>
             <a:endParaRPr lang="fr-FR"/>
           </a:p>
@@ -11195,447 +11877,6 @@
     <p:extLst>
       <p:ext uri="{BB962C8B-B14F-4D97-AF65-F5344CB8AC3E}">
         <p14:creationId xmlns:p14="http://schemas.microsoft.com/office/powerpoint/2010/main" val="2620569169"/>
-      </p:ext>
-    </p:extLst>
-  </p:cSld>
-  <p:clrMapOvr>
-    <a:masterClrMapping/>
-  </p:clrMapOvr>
-</p:sld>
-</file>
-
-<file path=ppt/slides/slide18.xml><?xml version="1.0" encoding="utf-8"?>
-<p:sld xmlns:a="http://schemas.openxmlformats.org/drawingml/2006/main" xmlns:r="http://schemas.openxmlformats.org/officeDocument/2006/relationships" xmlns:p="http://schemas.openxmlformats.org/presentationml/2006/main">
-  <p:cSld>
-    <p:spTree>
-      <p:nvGrpSpPr>
-        <p:cNvPr id="1" name=""/>
-        <p:cNvGrpSpPr/>
-        <p:nvPr/>
-      </p:nvGrpSpPr>
-      <p:grpSpPr>
-        <a:xfrm>
-          <a:off x="0" y="0"/>
-          <a:ext cx="0" cy="0"/>
-          <a:chOff x="0" y="0"/>
-          <a:chExt cx="0" cy="0"/>
-        </a:xfrm>
-      </p:grpSpPr>
-      <p:sp>
-        <p:nvSpPr>
-          <p:cNvPr id="2" name="Titre 1">
-            <a:extLst>
-              <a:ext uri="{FF2B5EF4-FFF2-40B4-BE49-F238E27FC236}">
-                <a16:creationId xmlns:a16="http://schemas.microsoft.com/office/drawing/2014/main" id="{09342CB2-B197-DEF3-4436-03EA8C74A9A1}"/>
-              </a:ext>
-            </a:extLst>
-          </p:cNvPr>
-          <p:cNvSpPr>
-            <a:spLocks noGrp="1"/>
-          </p:cNvSpPr>
-          <p:nvPr>
-            <p:ph type="title"/>
-          </p:nvPr>
-        </p:nvSpPr>
-        <p:spPr/>
-        <p:txBody>
-          <a:bodyPr/>
-          <a:lstStyle/>
-          <a:p>
-            <a:r>
-              <a:rPr lang="fr-CH" dirty="0"/>
-              <a:t>Distribution of </a:t>
-            </a:r>
-            <a:r>
-              <a:rPr lang="fr-CH" dirty="0" err="1"/>
-              <a:t>attacks</a:t>
-            </a:r>
-            <a:r>
-              <a:rPr lang="fr-CH" dirty="0"/>
-              <a:t> by </a:t>
-            </a:r>
-            <a:r>
-              <a:rPr lang="fr-CH" dirty="0" err="1"/>
-              <a:t>protocol</a:t>
-            </a:r>
-            <a:endParaRPr lang="fr-CH" dirty="0"/>
-          </a:p>
-        </p:txBody>
-      </p:sp>
-      <p:sp>
-        <p:nvSpPr>
-          <p:cNvPr id="3" name="Espace réservé du contenu 2">
-            <a:extLst>
-              <a:ext uri="{FF2B5EF4-FFF2-40B4-BE49-F238E27FC236}">
-                <a16:creationId xmlns:a16="http://schemas.microsoft.com/office/drawing/2014/main" id="{CC8C98FC-302E-C64C-F11A-E60A71BA9C74}"/>
-              </a:ext>
-            </a:extLst>
-          </p:cNvPr>
-          <p:cNvSpPr>
-            <a:spLocks noGrp="1"/>
-          </p:cNvSpPr>
-          <p:nvPr>
-            <p:ph idx="1"/>
-          </p:nvPr>
-        </p:nvSpPr>
-        <p:spPr/>
-        <p:txBody>
-          <a:bodyPr/>
-          <a:lstStyle/>
-          <a:p>
-            <a:endParaRPr lang="fr-CH" dirty="0"/>
-          </a:p>
-        </p:txBody>
-      </p:sp>
-      <p:sp>
-        <p:nvSpPr>
-          <p:cNvPr id="4" name="Espace réservé de la date 3">
-            <a:extLst>
-              <a:ext uri="{FF2B5EF4-FFF2-40B4-BE49-F238E27FC236}">
-                <a16:creationId xmlns:a16="http://schemas.microsoft.com/office/drawing/2014/main" id="{6B6B9AF9-BD7B-7079-5B1B-3E7DC049489E}"/>
-              </a:ext>
-            </a:extLst>
-          </p:cNvPr>
-          <p:cNvSpPr>
-            <a:spLocks noGrp="1"/>
-          </p:cNvSpPr>
-          <p:nvPr>
-            <p:ph type="dt" sz="half" idx="10"/>
-          </p:nvPr>
-        </p:nvSpPr>
-        <p:spPr/>
-        <p:txBody>
-          <a:bodyPr/>
-          <a:lstStyle/>
-          <a:p>
-            <a:r>
-              <a:rPr lang="de-CH"/>
-              <a:t>10.06.2022</a:t>
-            </a:r>
-            <a:endParaRPr lang="fr-FR"/>
-          </a:p>
-        </p:txBody>
-      </p:sp>
-      <p:sp>
-        <p:nvSpPr>
-          <p:cNvPr id="5" name="Espace réservé du numéro de diapositive 4">
-            <a:extLst>
-              <a:ext uri="{FF2B5EF4-FFF2-40B4-BE49-F238E27FC236}">
-                <a16:creationId xmlns:a16="http://schemas.microsoft.com/office/drawing/2014/main" id="{61FB39D0-D776-4562-280C-22BD4B296A24}"/>
-              </a:ext>
-            </a:extLst>
-          </p:cNvPr>
-          <p:cNvSpPr>
-            <a:spLocks noGrp="1"/>
-          </p:cNvSpPr>
-          <p:nvPr>
-            <p:ph type="sldNum" sz="quarter" idx="12"/>
-          </p:nvPr>
-        </p:nvSpPr>
-        <p:spPr/>
-        <p:txBody>
-          <a:bodyPr/>
-          <a:lstStyle/>
-          <a:p>
-            <a:fld id="{50E96FFC-9A77-BE40-93A2-F2F19ACBA9AE}" type="slidenum">
-              <a:rPr lang="fr-FR" smtClean="0"/>
-              <a:t>18</a:t>
-            </a:fld>
-            <a:endParaRPr lang="fr-FR"/>
-          </a:p>
-        </p:txBody>
-      </p:sp>
-      <p:graphicFrame>
-        <p:nvGraphicFramePr>
-          <p:cNvPr id="8" name="Graphique 7">
-            <a:extLst>
-              <a:ext uri="{FF2B5EF4-FFF2-40B4-BE49-F238E27FC236}">
-                <a16:creationId xmlns:a16="http://schemas.microsoft.com/office/drawing/2014/main" id="{305DD662-A9E6-1624-2A68-98EBF3CBD4C7}"/>
-              </a:ext>
-            </a:extLst>
-          </p:cNvPr>
-          <p:cNvGraphicFramePr>
-            <a:graphicFrameLocks/>
-          </p:cNvGraphicFramePr>
-          <p:nvPr>
-            <p:extLst>
-              <p:ext uri="{D42A27DB-BD31-4B8C-83A1-F6EECF244321}">
-                <p14:modId xmlns:p14="http://schemas.microsoft.com/office/powerpoint/2010/main" val="1496807423"/>
-              </p:ext>
-            </p:extLst>
-          </p:nvPr>
-        </p:nvGraphicFramePr>
-        <p:xfrm>
-          <a:off x="274768" y="1690688"/>
-          <a:ext cx="3808207" cy="3932498"/>
-        </p:xfrm>
-        <a:graphic>
-          <a:graphicData uri="http://schemas.openxmlformats.org/drawingml/2006/chart">
-            <c:chart xmlns:c="http://schemas.openxmlformats.org/drawingml/2006/chart" xmlns:r="http://schemas.openxmlformats.org/officeDocument/2006/relationships" r:id="rId2"/>
-          </a:graphicData>
-        </a:graphic>
-      </p:graphicFrame>
-      <p:graphicFrame>
-        <p:nvGraphicFramePr>
-          <p:cNvPr id="9" name="Graphique 8">
-            <a:extLst>
-              <a:ext uri="{FF2B5EF4-FFF2-40B4-BE49-F238E27FC236}">
-                <a16:creationId xmlns:a16="http://schemas.microsoft.com/office/drawing/2014/main" id="{9FC360F4-B101-7CD6-A1C7-729E2A2773F6}"/>
-              </a:ext>
-            </a:extLst>
-          </p:cNvPr>
-          <p:cNvGraphicFramePr>
-            <a:graphicFrameLocks/>
-          </p:cNvGraphicFramePr>
-          <p:nvPr>
-            <p:extLst>
-              <p:ext uri="{D42A27DB-BD31-4B8C-83A1-F6EECF244321}">
-                <p14:modId xmlns:p14="http://schemas.microsoft.com/office/powerpoint/2010/main" val="3993416024"/>
-              </p:ext>
-            </p:extLst>
-          </p:nvPr>
-        </p:nvGraphicFramePr>
-        <p:xfrm>
-          <a:off x="4271682" y="1696851"/>
-          <a:ext cx="3648636" cy="3932498"/>
-        </p:xfrm>
-        <a:graphic>
-          <a:graphicData uri="http://schemas.openxmlformats.org/drawingml/2006/chart">
-            <c:chart xmlns:c="http://schemas.openxmlformats.org/drawingml/2006/chart" xmlns:r="http://schemas.openxmlformats.org/officeDocument/2006/relationships" r:id="rId3"/>
-          </a:graphicData>
-        </a:graphic>
-      </p:graphicFrame>
-      <p:graphicFrame>
-        <p:nvGraphicFramePr>
-          <p:cNvPr id="10" name="Graphique 9">
-            <a:extLst>
-              <a:ext uri="{FF2B5EF4-FFF2-40B4-BE49-F238E27FC236}">
-                <a16:creationId xmlns:a16="http://schemas.microsoft.com/office/drawing/2014/main" id="{8AAC310F-5EDC-8D47-54AA-80FEF5C52D45}"/>
-              </a:ext>
-            </a:extLst>
-          </p:cNvPr>
-          <p:cNvGraphicFramePr>
-            <a:graphicFrameLocks/>
-          </p:cNvGraphicFramePr>
-          <p:nvPr>
-            <p:extLst>
-              <p:ext uri="{D42A27DB-BD31-4B8C-83A1-F6EECF244321}">
-                <p14:modId xmlns:p14="http://schemas.microsoft.com/office/powerpoint/2010/main" val="1427926605"/>
-              </p:ext>
-            </p:extLst>
-          </p:nvPr>
-        </p:nvGraphicFramePr>
-        <p:xfrm>
-          <a:off x="8109025" y="1690688"/>
-          <a:ext cx="3648637" cy="3938661"/>
-        </p:xfrm>
-        <a:graphic>
-          <a:graphicData uri="http://schemas.openxmlformats.org/drawingml/2006/chart">
-            <c:chart xmlns:c="http://schemas.openxmlformats.org/drawingml/2006/chart" xmlns:r="http://schemas.openxmlformats.org/officeDocument/2006/relationships" r:id="rId4"/>
-          </a:graphicData>
-        </a:graphic>
-      </p:graphicFrame>
-    </p:spTree>
-    <p:extLst>
-      <p:ext uri="{BB962C8B-B14F-4D97-AF65-F5344CB8AC3E}">
-        <p14:creationId xmlns:p14="http://schemas.microsoft.com/office/powerpoint/2010/main" val="3427995524"/>
-      </p:ext>
-    </p:extLst>
-  </p:cSld>
-  <p:clrMapOvr>
-    <a:masterClrMapping/>
-  </p:clrMapOvr>
-</p:sld>
-</file>
-
-<file path=ppt/slides/slide19.xml><?xml version="1.0" encoding="utf-8"?>
-<p:sld xmlns:a="http://schemas.openxmlformats.org/drawingml/2006/main" xmlns:r="http://schemas.openxmlformats.org/officeDocument/2006/relationships" xmlns:p="http://schemas.openxmlformats.org/presentationml/2006/main">
-  <p:cSld>
-    <p:spTree>
-      <p:nvGrpSpPr>
-        <p:cNvPr id="1" name=""/>
-        <p:cNvGrpSpPr/>
-        <p:nvPr/>
-      </p:nvGrpSpPr>
-      <p:grpSpPr>
-        <a:xfrm>
-          <a:off x="0" y="0"/>
-          <a:ext cx="0" cy="0"/>
-          <a:chOff x="0" y="0"/>
-          <a:chExt cx="0" cy="0"/>
-        </a:xfrm>
-      </p:grpSpPr>
-      <p:sp>
-        <p:nvSpPr>
-          <p:cNvPr id="2" name="Title 1">
-            <a:extLst>
-              <a:ext uri="{FF2B5EF4-FFF2-40B4-BE49-F238E27FC236}">
-                <a16:creationId xmlns:a16="http://schemas.microsoft.com/office/drawing/2014/main" id="{F32D2FED-7694-B794-E4A7-C183D83D2881}"/>
-              </a:ext>
-            </a:extLst>
-          </p:cNvPr>
-          <p:cNvSpPr>
-            <a:spLocks noGrp="1"/>
-          </p:cNvSpPr>
-          <p:nvPr>
-            <p:ph type="title"/>
-          </p:nvPr>
-        </p:nvSpPr>
-        <p:spPr/>
-        <p:txBody>
-          <a:bodyPr/>
-          <a:lstStyle/>
-          <a:p>
-            <a:r>
-              <a:rPr lang="en-GB" dirty="0">
-                <a:latin typeface="Avenir Next Medium" panose="020B0503020202020204" pitchFamily="34" charset="0"/>
-              </a:rPr>
-              <a:t>Conclusion</a:t>
-            </a:r>
-            <a:endParaRPr lang="fr-FR" dirty="0">
-              <a:latin typeface="Avenir Next Medium" panose="020B0503020202020204" pitchFamily="34" charset="0"/>
-            </a:endParaRPr>
-          </a:p>
-        </p:txBody>
-      </p:sp>
-      <p:sp>
-        <p:nvSpPr>
-          <p:cNvPr id="3" name="Content Placeholder 2">
-            <a:extLst>
-              <a:ext uri="{FF2B5EF4-FFF2-40B4-BE49-F238E27FC236}">
-                <a16:creationId xmlns:a16="http://schemas.microsoft.com/office/drawing/2014/main" id="{138ECBA7-E0A5-8D39-6737-EB13A307A0BE}"/>
-              </a:ext>
-            </a:extLst>
-          </p:cNvPr>
-          <p:cNvSpPr>
-            <a:spLocks noGrp="1"/>
-          </p:cNvSpPr>
-          <p:nvPr>
-            <p:ph idx="1"/>
-          </p:nvPr>
-        </p:nvSpPr>
-        <p:spPr/>
-        <p:txBody>
-          <a:bodyPr>
-            <a:normAutofit/>
-          </a:bodyPr>
-          <a:lstStyle/>
-          <a:p>
-            <a:endParaRPr lang="fr-FR" sz="2400" dirty="0">
-              <a:latin typeface="Avenir Next" panose="020B0503020202020204" pitchFamily="34" charset="0"/>
-            </a:endParaRPr>
-          </a:p>
-        </p:txBody>
-      </p:sp>
-      <p:sp>
-        <p:nvSpPr>
-          <p:cNvPr id="4" name="Date Placeholder 3">
-            <a:extLst>
-              <a:ext uri="{FF2B5EF4-FFF2-40B4-BE49-F238E27FC236}">
-                <a16:creationId xmlns:a16="http://schemas.microsoft.com/office/drawing/2014/main" id="{29128103-CC75-2E58-B635-5950CA33C1DF}"/>
-              </a:ext>
-            </a:extLst>
-          </p:cNvPr>
-          <p:cNvSpPr>
-            <a:spLocks noGrp="1"/>
-          </p:cNvSpPr>
-          <p:nvPr>
-            <p:ph type="dt" sz="half" idx="10"/>
-          </p:nvPr>
-        </p:nvSpPr>
-        <p:spPr/>
-        <p:txBody>
-          <a:bodyPr/>
-          <a:lstStyle/>
-          <a:p>
-            <a:r>
-              <a:rPr lang="de-CH"/>
-              <a:t>10.06.2022</a:t>
-            </a:r>
-            <a:endParaRPr lang="fr-FR"/>
-          </a:p>
-        </p:txBody>
-      </p:sp>
-      <p:sp>
-        <p:nvSpPr>
-          <p:cNvPr id="6" name="Slide Number Placeholder 5">
-            <a:extLst>
-              <a:ext uri="{FF2B5EF4-FFF2-40B4-BE49-F238E27FC236}">
-                <a16:creationId xmlns:a16="http://schemas.microsoft.com/office/drawing/2014/main" id="{A06554C2-2984-B2C8-2158-C04BED7CEDFC}"/>
-              </a:ext>
-            </a:extLst>
-          </p:cNvPr>
-          <p:cNvSpPr>
-            <a:spLocks noGrp="1"/>
-          </p:cNvSpPr>
-          <p:nvPr>
-            <p:ph type="sldNum" sz="quarter" idx="12"/>
-          </p:nvPr>
-        </p:nvSpPr>
-        <p:spPr/>
-        <p:txBody>
-          <a:bodyPr/>
-          <a:lstStyle/>
-          <a:p>
-            <a:fld id="{50E96FFC-9A77-BE40-93A2-F2F19ACBA9AE}" type="slidenum">
-              <a:rPr lang="fr-FR" smtClean="0"/>
-              <a:t>19</a:t>
-            </a:fld>
-            <a:endParaRPr lang="fr-FR"/>
-          </a:p>
-        </p:txBody>
-      </p:sp>
-      <p:pic>
-        <p:nvPicPr>
-          <p:cNvPr id="8" name="Picture 2" descr="HES-SO - Logo - Haute école">
-            <a:extLst>
-              <a:ext uri="{FF2B5EF4-FFF2-40B4-BE49-F238E27FC236}">
-                <a16:creationId xmlns:a16="http://schemas.microsoft.com/office/drawing/2014/main" id="{EA03034B-9075-280A-A560-1F98B0D46A44}"/>
-              </a:ext>
-            </a:extLst>
-          </p:cNvPr>
-          <p:cNvPicPr>
-            <a:picLocks noChangeAspect="1" noChangeArrowheads="1"/>
-          </p:cNvPicPr>
-          <p:nvPr/>
-        </p:nvPicPr>
-        <p:blipFill>
-          <a:blip r:embed="rId2">
-            <a:extLst>
-              <a:ext uri="{28A0092B-C50C-407E-A947-70E740481C1C}">
-                <a14:useLocalDpi xmlns:a14="http://schemas.microsoft.com/office/drawing/2010/main" val="0"/>
-              </a:ext>
-            </a:extLst>
-          </a:blip>
-          <a:srcRect/>
-          <a:stretch>
-            <a:fillRect/>
-          </a:stretch>
-        </p:blipFill>
-        <p:spPr bwMode="auto">
-          <a:xfrm>
-            <a:off x="5563101" y="6386879"/>
-            <a:ext cx="1065798" cy="334596"/>
-          </a:xfrm>
-          <a:prstGeom prst="rect">
-            <a:avLst/>
-          </a:prstGeom>
-          <a:noFill/>
-          <a:extLst>
-            <a:ext uri="{909E8E84-426E-40DD-AFC4-6F175D3DCCD1}">
-              <a14:hiddenFill xmlns:a14="http://schemas.microsoft.com/office/drawing/2010/main">
-                <a:solidFill>
-                  <a:srgbClr val="FFFFFF"/>
-                </a:solidFill>
-              </a14:hiddenFill>
-            </a:ext>
-          </a:extLst>
-        </p:spPr>
-      </p:pic>
-    </p:spTree>
-    <p:extLst>
-      <p:ext uri="{BB962C8B-B14F-4D97-AF65-F5344CB8AC3E}">
-        <p14:creationId xmlns:p14="http://schemas.microsoft.com/office/powerpoint/2010/main" val="1306238418"/>
       </p:ext>
     </p:extLst>
   </p:cSld>
@@ -12159,6 +12400,432 @@
 </file>
 
 <file path=ppt/slides/slide20.xml><?xml version="1.0" encoding="utf-8"?>
+<p:sld xmlns:a="http://schemas.openxmlformats.org/drawingml/2006/main" xmlns:r="http://schemas.openxmlformats.org/officeDocument/2006/relationships" xmlns:p="http://schemas.openxmlformats.org/presentationml/2006/main">
+  <p:cSld>
+    <p:spTree>
+      <p:nvGrpSpPr>
+        <p:cNvPr id="1" name=""/>
+        <p:cNvGrpSpPr/>
+        <p:nvPr/>
+      </p:nvGrpSpPr>
+      <p:grpSpPr>
+        <a:xfrm>
+          <a:off x="0" y="0"/>
+          <a:ext cx="0" cy="0"/>
+          <a:chOff x="0" y="0"/>
+          <a:chExt cx="0" cy="0"/>
+        </a:xfrm>
+      </p:grpSpPr>
+      <p:sp>
+        <p:nvSpPr>
+          <p:cNvPr id="2" name="Titre 1">
+            <a:extLst>
+              <a:ext uri="{FF2B5EF4-FFF2-40B4-BE49-F238E27FC236}">
+                <a16:creationId xmlns:a16="http://schemas.microsoft.com/office/drawing/2014/main" id="{09342CB2-B197-DEF3-4436-03EA8C74A9A1}"/>
+              </a:ext>
+            </a:extLst>
+          </p:cNvPr>
+          <p:cNvSpPr>
+            <a:spLocks noGrp="1"/>
+          </p:cNvSpPr>
+          <p:nvPr>
+            <p:ph type="title"/>
+          </p:nvPr>
+        </p:nvSpPr>
+        <p:spPr/>
+        <p:txBody>
+          <a:bodyPr/>
+          <a:lstStyle/>
+          <a:p>
+            <a:r>
+              <a:rPr lang="fr-CH" dirty="0">
+                <a:latin typeface="Avenir Next Medium" panose="020B0503020202020204" pitchFamily="34" charset="0"/>
+              </a:rPr>
+              <a:t>Distribution of </a:t>
+            </a:r>
+            <a:r>
+              <a:rPr lang="fr-CH" dirty="0" err="1">
+                <a:latin typeface="Avenir Next Medium" panose="020B0503020202020204" pitchFamily="34" charset="0"/>
+              </a:rPr>
+              <a:t>attacks</a:t>
+            </a:r>
+            <a:r>
+              <a:rPr lang="fr-CH" dirty="0">
+                <a:latin typeface="Avenir Next Medium" panose="020B0503020202020204" pitchFamily="34" charset="0"/>
+              </a:rPr>
+              <a:t> by </a:t>
+            </a:r>
+            <a:r>
+              <a:rPr lang="fr-CH" dirty="0" err="1">
+                <a:latin typeface="Avenir Next Medium" panose="020B0503020202020204" pitchFamily="34" charset="0"/>
+              </a:rPr>
+              <a:t>protocol</a:t>
+            </a:r>
+            <a:endParaRPr lang="fr-CH" dirty="0">
+              <a:latin typeface="Avenir Next Medium" panose="020B0503020202020204" pitchFamily="34" charset="0"/>
+            </a:endParaRPr>
+          </a:p>
+        </p:txBody>
+      </p:sp>
+      <p:sp>
+        <p:nvSpPr>
+          <p:cNvPr id="4" name="Espace réservé de la date 3">
+            <a:extLst>
+              <a:ext uri="{FF2B5EF4-FFF2-40B4-BE49-F238E27FC236}">
+                <a16:creationId xmlns:a16="http://schemas.microsoft.com/office/drawing/2014/main" id="{6B6B9AF9-BD7B-7079-5B1B-3E7DC049489E}"/>
+              </a:ext>
+            </a:extLst>
+          </p:cNvPr>
+          <p:cNvSpPr>
+            <a:spLocks noGrp="1"/>
+          </p:cNvSpPr>
+          <p:nvPr>
+            <p:ph type="dt" sz="half" idx="10"/>
+          </p:nvPr>
+        </p:nvSpPr>
+        <p:spPr/>
+        <p:txBody>
+          <a:bodyPr/>
+          <a:lstStyle/>
+          <a:p>
+            <a:r>
+              <a:rPr lang="de-CH"/>
+              <a:t>10.06.2022</a:t>
+            </a:r>
+            <a:endParaRPr lang="fr-FR"/>
+          </a:p>
+        </p:txBody>
+      </p:sp>
+      <p:sp>
+        <p:nvSpPr>
+          <p:cNvPr id="5" name="Espace réservé du numéro de diapositive 4">
+            <a:extLst>
+              <a:ext uri="{FF2B5EF4-FFF2-40B4-BE49-F238E27FC236}">
+                <a16:creationId xmlns:a16="http://schemas.microsoft.com/office/drawing/2014/main" id="{61FB39D0-D776-4562-280C-22BD4B296A24}"/>
+              </a:ext>
+            </a:extLst>
+          </p:cNvPr>
+          <p:cNvSpPr>
+            <a:spLocks noGrp="1"/>
+          </p:cNvSpPr>
+          <p:nvPr>
+            <p:ph type="sldNum" sz="quarter" idx="12"/>
+          </p:nvPr>
+        </p:nvSpPr>
+        <p:spPr/>
+        <p:txBody>
+          <a:bodyPr/>
+          <a:lstStyle/>
+          <a:p>
+            <a:fld id="{50E96FFC-9A77-BE40-93A2-F2F19ACBA9AE}" type="slidenum">
+              <a:rPr lang="fr-FR" smtClean="0"/>
+              <a:t>20</a:t>
+            </a:fld>
+            <a:endParaRPr lang="fr-FR"/>
+          </a:p>
+        </p:txBody>
+      </p:sp>
+      <p:graphicFrame>
+        <p:nvGraphicFramePr>
+          <p:cNvPr id="8" name="Graphique 7">
+            <a:extLst>
+              <a:ext uri="{FF2B5EF4-FFF2-40B4-BE49-F238E27FC236}">
+                <a16:creationId xmlns:a16="http://schemas.microsoft.com/office/drawing/2014/main" id="{305DD662-A9E6-1624-2A68-98EBF3CBD4C7}"/>
+              </a:ext>
+            </a:extLst>
+          </p:cNvPr>
+          <p:cNvGraphicFramePr>
+            <a:graphicFrameLocks/>
+          </p:cNvGraphicFramePr>
+          <p:nvPr>
+            <p:extLst>
+              <p:ext uri="{D42A27DB-BD31-4B8C-83A1-F6EECF244321}">
+                <p14:modId xmlns:p14="http://schemas.microsoft.com/office/powerpoint/2010/main" val="1496807423"/>
+              </p:ext>
+            </p:extLst>
+          </p:nvPr>
+        </p:nvGraphicFramePr>
+        <p:xfrm>
+          <a:off x="274768" y="1690688"/>
+          <a:ext cx="3808207" cy="3932498"/>
+        </p:xfrm>
+        <a:graphic>
+          <a:graphicData uri="http://schemas.openxmlformats.org/drawingml/2006/chart">
+            <c:chart xmlns:c="http://schemas.openxmlformats.org/drawingml/2006/chart" xmlns:r="http://schemas.openxmlformats.org/officeDocument/2006/relationships" r:id="rId2"/>
+          </a:graphicData>
+        </a:graphic>
+      </p:graphicFrame>
+      <p:graphicFrame>
+        <p:nvGraphicFramePr>
+          <p:cNvPr id="9" name="Graphique 8">
+            <a:extLst>
+              <a:ext uri="{FF2B5EF4-FFF2-40B4-BE49-F238E27FC236}">
+                <a16:creationId xmlns:a16="http://schemas.microsoft.com/office/drawing/2014/main" id="{9FC360F4-B101-7CD6-A1C7-729E2A2773F6}"/>
+              </a:ext>
+            </a:extLst>
+          </p:cNvPr>
+          <p:cNvGraphicFramePr>
+            <a:graphicFrameLocks/>
+          </p:cNvGraphicFramePr>
+          <p:nvPr>
+            <p:extLst>
+              <p:ext uri="{D42A27DB-BD31-4B8C-83A1-F6EECF244321}">
+                <p14:modId xmlns:p14="http://schemas.microsoft.com/office/powerpoint/2010/main" val="3993416024"/>
+              </p:ext>
+            </p:extLst>
+          </p:nvPr>
+        </p:nvGraphicFramePr>
+        <p:xfrm>
+          <a:off x="4271682" y="1696851"/>
+          <a:ext cx="3648636" cy="3932498"/>
+        </p:xfrm>
+        <a:graphic>
+          <a:graphicData uri="http://schemas.openxmlformats.org/drawingml/2006/chart">
+            <c:chart xmlns:c="http://schemas.openxmlformats.org/drawingml/2006/chart" xmlns:r="http://schemas.openxmlformats.org/officeDocument/2006/relationships" r:id="rId3"/>
+          </a:graphicData>
+        </a:graphic>
+      </p:graphicFrame>
+      <p:graphicFrame>
+        <p:nvGraphicFramePr>
+          <p:cNvPr id="10" name="Graphique 9">
+            <a:extLst>
+              <a:ext uri="{FF2B5EF4-FFF2-40B4-BE49-F238E27FC236}">
+                <a16:creationId xmlns:a16="http://schemas.microsoft.com/office/drawing/2014/main" id="{8AAC310F-5EDC-8D47-54AA-80FEF5C52D45}"/>
+              </a:ext>
+            </a:extLst>
+          </p:cNvPr>
+          <p:cNvGraphicFramePr>
+            <a:graphicFrameLocks/>
+          </p:cNvGraphicFramePr>
+          <p:nvPr>
+            <p:extLst>
+              <p:ext uri="{D42A27DB-BD31-4B8C-83A1-F6EECF244321}">
+                <p14:modId xmlns:p14="http://schemas.microsoft.com/office/powerpoint/2010/main" val="1427926605"/>
+              </p:ext>
+            </p:extLst>
+          </p:nvPr>
+        </p:nvGraphicFramePr>
+        <p:xfrm>
+          <a:off x="8109025" y="1690688"/>
+          <a:ext cx="3648637" cy="3938661"/>
+        </p:xfrm>
+        <a:graphic>
+          <a:graphicData uri="http://schemas.openxmlformats.org/drawingml/2006/chart">
+            <c:chart xmlns:c="http://schemas.openxmlformats.org/drawingml/2006/chart" xmlns:r="http://schemas.openxmlformats.org/officeDocument/2006/relationships" r:id="rId4"/>
+          </a:graphicData>
+        </a:graphic>
+      </p:graphicFrame>
+    </p:spTree>
+    <p:extLst>
+      <p:ext uri="{BB962C8B-B14F-4D97-AF65-F5344CB8AC3E}">
+        <p14:creationId xmlns:p14="http://schemas.microsoft.com/office/powerpoint/2010/main" val="3427995524"/>
+      </p:ext>
+    </p:extLst>
+  </p:cSld>
+  <p:clrMapOvr>
+    <a:masterClrMapping/>
+  </p:clrMapOvr>
+</p:sld>
+</file>
+
+<file path=ppt/slides/slide21.xml><?xml version="1.0" encoding="utf-8"?>
+<p:sld xmlns:a="http://schemas.openxmlformats.org/drawingml/2006/main" xmlns:r="http://schemas.openxmlformats.org/officeDocument/2006/relationships" xmlns:p="http://schemas.openxmlformats.org/presentationml/2006/main">
+  <p:cSld>
+    <p:spTree>
+      <p:nvGrpSpPr>
+        <p:cNvPr id="1" name=""/>
+        <p:cNvGrpSpPr/>
+        <p:nvPr/>
+      </p:nvGrpSpPr>
+      <p:grpSpPr>
+        <a:xfrm>
+          <a:off x="0" y="0"/>
+          <a:ext cx="0" cy="0"/>
+          <a:chOff x="0" y="0"/>
+          <a:chExt cx="0" cy="0"/>
+        </a:xfrm>
+      </p:grpSpPr>
+      <p:sp>
+        <p:nvSpPr>
+          <p:cNvPr id="2" name="Title 1">
+            <a:extLst>
+              <a:ext uri="{FF2B5EF4-FFF2-40B4-BE49-F238E27FC236}">
+                <a16:creationId xmlns:a16="http://schemas.microsoft.com/office/drawing/2014/main" id="{F32D2FED-7694-B794-E4A7-C183D83D2881}"/>
+              </a:ext>
+            </a:extLst>
+          </p:cNvPr>
+          <p:cNvSpPr>
+            <a:spLocks noGrp="1"/>
+          </p:cNvSpPr>
+          <p:nvPr>
+            <p:ph type="title"/>
+          </p:nvPr>
+        </p:nvSpPr>
+        <p:spPr/>
+        <p:txBody>
+          <a:bodyPr/>
+          <a:lstStyle/>
+          <a:p>
+            <a:r>
+              <a:rPr lang="en-GB" dirty="0">
+                <a:latin typeface="Avenir Next Medium" panose="020B0503020202020204" pitchFamily="34" charset="0"/>
+              </a:rPr>
+              <a:t>Conclusion</a:t>
+            </a:r>
+            <a:endParaRPr lang="fr-FR" dirty="0">
+              <a:latin typeface="Avenir Next Medium" panose="020B0503020202020204" pitchFamily="34" charset="0"/>
+            </a:endParaRPr>
+          </a:p>
+        </p:txBody>
+      </p:sp>
+      <p:sp>
+        <p:nvSpPr>
+          <p:cNvPr id="3" name="Content Placeholder 2">
+            <a:extLst>
+              <a:ext uri="{FF2B5EF4-FFF2-40B4-BE49-F238E27FC236}">
+                <a16:creationId xmlns:a16="http://schemas.microsoft.com/office/drawing/2014/main" id="{138ECBA7-E0A5-8D39-6737-EB13A307A0BE}"/>
+              </a:ext>
+            </a:extLst>
+          </p:cNvPr>
+          <p:cNvSpPr>
+            <a:spLocks noGrp="1"/>
+          </p:cNvSpPr>
+          <p:nvPr>
+            <p:ph idx="1"/>
+          </p:nvPr>
+        </p:nvSpPr>
+        <p:spPr/>
+        <p:txBody>
+          <a:bodyPr>
+            <a:normAutofit/>
+          </a:bodyPr>
+          <a:lstStyle/>
+          <a:p>
+            <a:endParaRPr lang="fr-FR" sz="2400" dirty="0">
+              <a:latin typeface="Avenir Next" panose="020B0503020202020204" pitchFamily="34" charset="0"/>
+            </a:endParaRPr>
+          </a:p>
+        </p:txBody>
+      </p:sp>
+      <p:sp>
+        <p:nvSpPr>
+          <p:cNvPr id="4" name="Date Placeholder 3">
+            <a:extLst>
+              <a:ext uri="{FF2B5EF4-FFF2-40B4-BE49-F238E27FC236}">
+                <a16:creationId xmlns:a16="http://schemas.microsoft.com/office/drawing/2014/main" id="{29128103-CC75-2E58-B635-5950CA33C1DF}"/>
+              </a:ext>
+            </a:extLst>
+          </p:cNvPr>
+          <p:cNvSpPr>
+            <a:spLocks noGrp="1"/>
+          </p:cNvSpPr>
+          <p:nvPr>
+            <p:ph type="dt" sz="half" idx="10"/>
+          </p:nvPr>
+        </p:nvSpPr>
+        <p:spPr/>
+        <p:txBody>
+          <a:bodyPr/>
+          <a:lstStyle/>
+          <a:p>
+            <a:r>
+              <a:rPr lang="de-CH"/>
+              <a:t>10.06.2022</a:t>
+            </a:r>
+            <a:endParaRPr lang="fr-FR"/>
+          </a:p>
+        </p:txBody>
+      </p:sp>
+      <p:sp>
+        <p:nvSpPr>
+          <p:cNvPr id="6" name="Slide Number Placeholder 5">
+            <a:extLst>
+              <a:ext uri="{FF2B5EF4-FFF2-40B4-BE49-F238E27FC236}">
+                <a16:creationId xmlns:a16="http://schemas.microsoft.com/office/drawing/2014/main" id="{A06554C2-2984-B2C8-2158-C04BED7CEDFC}"/>
+              </a:ext>
+            </a:extLst>
+          </p:cNvPr>
+          <p:cNvSpPr>
+            <a:spLocks noGrp="1"/>
+          </p:cNvSpPr>
+          <p:nvPr>
+            <p:ph type="sldNum" sz="quarter" idx="12"/>
+          </p:nvPr>
+        </p:nvSpPr>
+        <p:spPr/>
+        <p:txBody>
+          <a:bodyPr/>
+          <a:lstStyle/>
+          <a:p>
+            <a:fld id="{50E96FFC-9A77-BE40-93A2-F2F19ACBA9AE}" type="slidenum">
+              <a:rPr lang="fr-FR" smtClean="0"/>
+              <a:t>21</a:t>
+            </a:fld>
+            <a:endParaRPr lang="fr-FR"/>
+          </a:p>
+        </p:txBody>
+      </p:sp>
+      <p:pic>
+        <p:nvPicPr>
+          <p:cNvPr id="8" name="Picture 2" descr="HES-SO - Logo - Haute école">
+            <a:extLst>
+              <a:ext uri="{FF2B5EF4-FFF2-40B4-BE49-F238E27FC236}">
+                <a16:creationId xmlns:a16="http://schemas.microsoft.com/office/drawing/2014/main" id="{EA03034B-9075-280A-A560-1F98B0D46A44}"/>
+              </a:ext>
+            </a:extLst>
+          </p:cNvPr>
+          <p:cNvPicPr>
+            <a:picLocks noChangeAspect="1" noChangeArrowheads="1"/>
+          </p:cNvPicPr>
+          <p:nvPr/>
+        </p:nvPicPr>
+        <p:blipFill>
+          <a:blip r:embed="rId2">
+            <a:extLst>
+              <a:ext uri="{28A0092B-C50C-407E-A947-70E740481C1C}">
+                <a14:useLocalDpi xmlns:a14="http://schemas.microsoft.com/office/drawing/2010/main" val="0"/>
+              </a:ext>
+            </a:extLst>
+          </a:blip>
+          <a:srcRect/>
+          <a:stretch>
+            <a:fillRect/>
+          </a:stretch>
+        </p:blipFill>
+        <p:spPr bwMode="auto">
+          <a:xfrm>
+            <a:off x="5563101" y="6386879"/>
+            <a:ext cx="1065798" cy="334596"/>
+          </a:xfrm>
+          <a:prstGeom prst="rect">
+            <a:avLst/>
+          </a:prstGeom>
+          <a:noFill/>
+          <a:extLst>
+            <a:ext uri="{909E8E84-426E-40DD-AFC4-6F175D3DCCD1}">
+              <a14:hiddenFill xmlns:a14="http://schemas.microsoft.com/office/drawing/2010/main">
+                <a:solidFill>
+                  <a:srgbClr val="FFFFFF"/>
+                </a:solidFill>
+              </a14:hiddenFill>
+            </a:ext>
+          </a:extLst>
+        </p:spPr>
+      </p:pic>
+    </p:spTree>
+    <p:extLst>
+      <p:ext uri="{BB962C8B-B14F-4D97-AF65-F5344CB8AC3E}">
+        <p14:creationId xmlns:p14="http://schemas.microsoft.com/office/powerpoint/2010/main" val="1306238418"/>
+      </p:ext>
+    </p:extLst>
+  </p:cSld>
+  <p:clrMapOvr>
+    <a:masterClrMapping/>
+  </p:clrMapOvr>
+</p:sld>
+</file>
+
+<file path=ppt/slides/slide22.xml><?xml version="1.0" encoding="utf-8"?>
 <p:sld xmlns:a="http://schemas.openxmlformats.org/drawingml/2006/main" xmlns:r="http://schemas.openxmlformats.org/officeDocument/2006/relationships" xmlns:p="http://schemas.openxmlformats.org/presentationml/2006/main">
   <p:cSld>
     <p:bg>
@@ -12778,7 +13445,7 @@
                   <a:spcPts val="600"/>
                 </a:spcAft>
               </a:pPr>
-              <a:t>20</a:t>
+              <a:t>22</a:t>
             </a:fld>
             <a:endParaRPr lang="fr-FR">
               <a:solidFill>
@@ -14724,7 +15391,7 @@
           <p:nvPr/>
         </p:nvPicPr>
         <p:blipFill>
-          <a:blip r:embed="rId2">
+          <a:blip r:embed="rId3">
             <a:extLst>
               <a:ext uri="{28A0092B-C50C-407E-A947-70E740481C1C}">
                 <a14:useLocalDpi xmlns:a14="http://schemas.microsoft.com/office/drawing/2010/main" val="0"/>
@@ -14773,7 +15440,7 @@
           </p:nvPr>
         </p:nvPicPr>
         <p:blipFill>
-          <a:blip r:embed="rId3">
+          <a:blip r:embed="rId4">
             <a:extLst>
               <a:ext uri="{28A0092B-C50C-407E-A947-70E740481C1C}">
                 <a14:useLocalDpi xmlns:a14="http://schemas.microsoft.com/office/drawing/2010/main" val="0"/>
@@ -14805,6 +15472,63 @@
           </a:extLst>
         </p:spPr>
       </p:pic>
+      <p:sp>
+        <p:nvSpPr>
+          <p:cNvPr id="3" name="Rectangle 2">
+            <a:extLst>
+              <a:ext uri="{FF2B5EF4-FFF2-40B4-BE49-F238E27FC236}">
+                <a16:creationId xmlns:a16="http://schemas.microsoft.com/office/drawing/2014/main" id="{9A9D8EDF-4540-830F-C1BA-9659764F4876}"/>
+              </a:ext>
+            </a:extLst>
+          </p:cNvPr>
+          <p:cNvSpPr/>
+          <p:nvPr/>
+        </p:nvSpPr>
+        <p:spPr>
+          <a:xfrm>
+            <a:off x="3075045" y="1443399"/>
+            <a:ext cx="6041910" cy="646331"/>
+          </a:xfrm>
+          <a:prstGeom prst="rect">
+            <a:avLst/>
+          </a:prstGeom>
+        </p:spPr>
+        <p:txBody>
+          <a:bodyPr wrap="none">
+            <a:spAutoFit/>
+          </a:bodyPr>
+          <a:lstStyle/>
+          <a:p>
+            <a:r>
+              <a:rPr lang="en-GB" dirty="0"/>
+              <a:t>What’s is customizable ? </a:t>
+            </a:r>
+            <a:r>
+              <a:rPr lang="en-GB" dirty="0" err="1"/>
+              <a:t>Hyperparam</a:t>
+            </a:r>
+            <a:r>
+              <a:rPr lang="fr-FR" dirty="0"/>
+              <a:t>s ? </a:t>
+            </a:r>
+            <a:r>
+              <a:rPr lang="en-GB" dirty="0"/>
+              <a:t>K, Max </a:t>
+            </a:r>
+            <a:r>
+              <a:rPr lang="en-GB" dirty="0" err="1"/>
+              <a:t>iter</a:t>
+            </a:r>
+            <a:r>
+              <a:rPr lang="en-GB" dirty="0"/>
+              <a:t>, tolerance </a:t>
+            </a:r>
+          </a:p>
+          <a:p>
+            <a:endParaRPr lang="en-GB" dirty="0"/>
+          </a:p>
+        </p:txBody>
+      </p:sp>
     </p:spTree>
     <p:extLst>
       <p:ext uri="{BB962C8B-B14F-4D97-AF65-F5344CB8AC3E}">
